--- a/modeller, dokumenter/præs2.pptx
+++ b/modeller, dokumenter/præs2.pptx
@@ -13,7 +13,8 @@
     <p:sldId id="261" r:id="rId7"/>
     <p:sldId id="262" r:id="rId8"/>
     <p:sldId id="263" r:id="rId9"/>
-    <p:sldId id="264" r:id="rId10"/>
+    <p:sldId id="266" r:id="rId10"/>
+    <p:sldId id="264" r:id="rId11"/>
   </p:sldIdLst>
   <p:sldSz cx="12192000" cy="6858000"/>
   <p:notesSz cx="6858000" cy="9144000"/>
@@ -125,6 +126,7 @@
             <p14:sldId id="261"/>
             <p14:sldId id="262"/>
             <p14:sldId id="263"/>
+            <p14:sldId id="266"/>
             <p14:sldId id="264"/>
           </p14:sldIdLst>
         </p14:section>
@@ -133,12 +135,108 @@
         </p14:section>
       </p14:sectionLst>
     </p:ext>
+    <p:ext uri="{EFAFB233-063F-42B5-8137-9DF3F51BA10A}">
+      <p15:sldGuideLst xmlns:p15="http://schemas.microsoft.com/office/powerpoint/2012/main"/>
+    </p:ext>
   </p:extLst>
 </p:presentation>
 </file>
 
 <file path=ppt/changesInfos/changesInfo1.xml><?xml version="1.0" encoding="utf-8"?>
 <pc:chgInfo xmlns:a="http://schemas.openxmlformats.org/drawingml/2006/main" xmlns:r="http://schemas.openxmlformats.org/officeDocument/2006/relationships" xmlns:ac="http://schemas.microsoft.com/office/drawing/2013/main/command" xmlns:pc="http://schemas.microsoft.com/office/powerpoint/2013/main/command">
+  <pc:docChgLst>
+    <pc:chgData name="Sofie Blom Jensen" userId="57dd88df5c73f059" providerId="LiveId" clId="{1FFA8421-6C34-4F90-8C55-20FEE3EA44FC}"/>
+    <pc:docChg chg="custSel addSld delSld modSld modSection">
+      <pc:chgData name="Sofie Blom Jensen" userId="57dd88df5c73f059" providerId="LiveId" clId="{1FFA8421-6C34-4F90-8C55-20FEE3EA44FC}" dt="2018-05-16T11:19:46.144" v="70" actId="1076"/>
+      <pc:docMkLst>
+        <pc:docMk/>
+      </pc:docMkLst>
+      <pc:sldChg chg="delSp modSp">
+        <pc:chgData name="Sofie Blom Jensen" userId="57dd88df5c73f059" providerId="LiveId" clId="{1FFA8421-6C34-4F90-8C55-20FEE3EA44FC}" dt="2018-05-16T11:19:46.144" v="70" actId="1076"/>
+        <pc:sldMkLst>
+          <pc:docMk/>
+          <pc:sldMk cId="851147619" sldId="258"/>
+        </pc:sldMkLst>
+        <pc:spChg chg="mod">
+          <ac:chgData name="Sofie Blom Jensen" userId="57dd88df5c73f059" providerId="LiveId" clId="{1FFA8421-6C34-4F90-8C55-20FEE3EA44FC}" dt="2018-05-16T11:19:46.144" v="70" actId="1076"/>
+          <ac:spMkLst>
+            <pc:docMk/>
+            <pc:sldMk cId="851147619" sldId="258"/>
+            <ac:spMk id="2" creationId="{1F470198-D928-4A81-887F-4629C6CD432C}"/>
+          </ac:spMkLst>
+        </pc:spChg>
+        <pc:spChg chg="del">
+          <ac:chgData name="Sofie Blom Jensen" userId="57dd88df5c73f059" providerId="LiveId" clId="{1FFA8421-6C34-4F90-8C55-20FEE3EA44FC}" dt="2018-05-16T11:19:17.083" v="60" actId="478"/>
+          <ac:spMkLst>
+            <pc:docMk/>
+            <pc:sldMk cId="851147619" sldId="258"/>
+            <ac:spMk id="3" creationId="{D557E203-79F8-4145-B653-8FF850EDD5ED}"/>
+          </ac:spMkLst>
+        </pc:spChg>
+        <pc:picChg chg="mod">
+          <ac:chgData name="Sofie Blom Jensen" userId="57dd88df5c73f059" providerId="LiveId" clId="{1FFA8421-6C34-4F90-8C55-20FEE3EA44FC}" dt="2018-05-16T11:19:31.476" v="65" actId="14100"/>
+          <ac:picMkLst>
+            <pc:docMk/>
+            <pc:sldMk cId="851147619" sldId="258"/>
+            <ac:picMk id="5" creationId="{ECE6BD11-4767-41B9-9FBF-A78A2513A052}"/>
+          </ac:picMkLst>
+        </pc:picChg>
+      </pc:sldChg>
+      <pc:sldChg chg="addSp delSp modSp">
+        <pc:chgData name="Sofie Blom Jensen" userId="57dd88df5c73f059" providerId="LiveId" clId="{1FFA8421-6C34-4F90-8C55-20FEE3EA44FC}" dt="2018-05-16T11:16:28.816" v="50" actId="1076"/>
+        <pc:sldMkLst>
+          <pc:docMk/>
+          <pc:sldMk cId="3054669827" sldId="264"/>
+        </pc:sldMkLst>
+        <pc:spChg chg="mod">
+          <ac:chgData name="Sofie Blom Jensen" userId="57dd88df5c73f059" providerId="LiveId" clId="{1FFA8421-6C34-4F90-8C55-20FEE3EA44FC}" dt="2018-05-16T11:16:28.816" v="50" actId="1076"/>
+          <ac:spMkLst>
+            <pc:docMk/>
+            <pc:sldMk cId="3054669827" sldId="264"/>
+            <ac:spMk id="2" creationId="{E870BB39-3894-404C-9070-6172E1BBFABA}"/>
+          </ac:spMkLst>
+        </pc:spChg>
+        <pc:spChg chg="del mod">
+          <ac:chgData name="Sofie Blom Jensen" userId="57dd88df5c73f059" providerId="LiveId" clId="{1FFA8421-6C34-4F90-8C55-20FEE3EA44FC}" dt="2018-05-16T11:15:40.463" v="23" actId="478"/>
+          <ac:spMkLst>
+            <pc:docMk/>
+            <pc:sldMk cId="3054669827" sldId="264"/>
+            <ac:spMk id="3" creationId="{A94538EA-8428-40C4-895F-174FF806A46B}"/>
+          </ac:spMkLst>
+        </pc:spChg>
+        <pc:spChg chg="add del mod">
+          <ac:chgData name="Sofie Blom Jensen" userId="57dd88df5c73f059" providerId="LiveId" clId="{1FFA8421-6C34-4F90-8C55-20FEE3EA44FC}" dt="2018-05-16T11:15:43.193" v="24" actId="478"/>
+          <ac:spMkLst>
+            <pc:docMk/>
+            <pc:sldMk cId="3054669827" sldId="264"/>
+            <ac:spMk id="5" creationId="{34E77C0A-C53C-4F1A-A43A-EAC671D27611}"/>
+          </ac:spMkLst>
+        </pc:spChg>
+      </pc:sldChg>
+      <pc:sldChg chg="add del">
+        <pc:chgData name="Sofie Blom Jensen" userId="57dd88df5c73f059" providerId="LiveId" clId="{1FFA8421-6C34-4F90-8C55-20FEE3EA44FC}" dt="2018-05-16T11:18:23.738" v="53" actId="2696"/>
+        <pc:sldMkLst>
+          <pc:docMk/>
+          <pc:sldMk cId="794802110" sldId="265"/>
+        </pc:sldMkLst>
+      </pc:sldChg>
+      <pc:sldChg chg="modSp add">
+        <pc:chgData name="Sofie Blom Jensen" userId="57dd88df5c73f059" providerId="LiveId" clId="{1FFA8421-6C34-4F90-8C55-20FEE3EA44FC}" dt="2018-05-16T11:18:43.974" v="59" actId="1076"/>
+        <pc:sldMkLst>
+          <pc:docMk/>
+          <pc:sldMk cId="2833078342" sldId="266"/>
+        </pc:sldMkLst>
+        <pc:spChg chg="mod">
+          <ac:chgData name="Sofie Blom Jensen" userId="57dd88df5c73f059" providerId="LiveId" clId="{1FFA8421-6C34-4F90-8C55-20FEE3EA44FC}" dt="2018-05-16T11:18:43.974" v="59" actId="1076"/>
+          <ac:spMkLst>
+            <pc:docMk/>
+            <pc:sldMk cId="2833078342" sldId="266"/>
+            <ac:spMk id="2" creationId="{E870BB39-3894-404C-9070-6172E1BBFABA}"/>
+          </ac:spMkLst>
+        </pc:spChg>
+      </pc:sldChg>
+    </pc:docChg>
+  </pc:docChgLst>
   <pc:docChgLst>
     <pc:chgData name="Sofie Blom Jensen" userId="57dd88df5c73f059" providerId="LiveId" clId="{3BD1AEE2-106A-49B7-9DAA-D3DFD31DD576}"/>
     <pc:docChg chg="undo custSel addSld delSld modSld modSection">
@@ -686,7 +784,7 @@
           <a:noFill/>
           <a:extLst>
             <a:ext uri="{909E8E84-426E-40dd-AFC4-6F175D3DCCD1}">
-              <a14:hiddenFill xmlns:a14="http://schemas.microsoft.com/office/drawing/2010/main" xmlns="">
+              <a14:hiddenFill xmlns="" xmlns:a14="http://schemas.microsoft.com/office/drawing/2010/main">
                 <a:solidFill>
                   <a:srgbClr val="FFFFFF"/>
                 </a:solidFill>
@@ -745,7 +843,7 @@
             </a:ln>
             <a:extLst>
               <a:ext uri="{91240B29-F687-4f45-9708-019B960494DF}">
-                <a14:hiddenLine xmlns:a14="http://schemas.microsoft.com/office/drawing/2010/main" xmlns="" w="9525">
+                <a14:hiddenLine xmlns="" xmlns:a14="http://schemas.microsoft.com/office/drawing/2010/main" w="9525">
                   <a:solidFill>
                     <a:srgbClr val="000000"/>
                   </a:solidFill>
@@ -835,7 +933,7 @@
             </a:ln>
             <a:extLst>
               <a:ext uri="{91240B29-F687-4f45-9708-019B960494DF}">
-                <a14:hiddenLine xmlns:a14="http://schemas.microsoft.com/office/drawing/2010/main" xmlns="" w="9525">
+                <a14:hiddenLine xmlns="" xmlns:a14="http://schemas.microsoft.com/office/drawing/2010/main" w="9525">
                   <a:solidFill>
                     <a:srgbClr val="000000"/>
                   </a:solidFill>
@@ -925,7 +1023,7 @@
             </a:ln>
             <a:extLst>
               <a:ext uri="{91240B29-F687-4f45-9708-019B960494DF}">
-                <a14:hiddenLine xmlns:a14="http://schemas.microsoft.com/office/drawing/2010/main" xmlns="" w="9525">
+                <a14:hiddenLine xmlns="" xmlns:a14="http://schemas.microsoft.com/office/drawing/2010/main" w="9525">
                   <a:solidFill>
                     <a:srgbClr val="000000"/>
                   </a:solidFill>
@@ -959,7 +1057,7 @@
             </a:ln>
             <a:extLst>
               <a:ext uri="{91240B29-F687-4f45-9708-019B960494DF}">
-                <a14:hiddenLine xmlns:a14="http://schemas.microsoft.com/office/drawing/2010/main" xmlns="" w="9525">
+                <a14:hiddenLine xmlns="" xmlns:a14="http://schemas.microsoft.com/office/drawing/2010/main" w="9525">
                   <a:solidFill>
                     <a:srgbClr val="000000"/>
                   </a:solidFill>
@@ -1049,7 +1147,7 @@
             </a:ln>
             <a:extLst>
               <a:ext uri="{91240B29-F687-4f45-9708-019B960494DF}">
-                <a14:hiddenLine xmlns:a14="http://schemas.microsoft.com/office/drawing/2010/main" xmlns="" w="9525">
+                <a14:hiddenLine xmlns="" xmlns:a14="http://schemas.microsoft.com/office/drawing/2010/main" w="9525">
                   <a:solidFill>
                     <a:srgbClr val="000000"/>
                   </a:solidFill>
@@ -1111,7 +1209,7 @@
             </a:ln>
             <a:extLst>
               <a:ext uri="{91240B29-F687-4f45-9708-019B960494DF}">
-                <a14:hiddenLine xmlns:a14="http://schemas.microsoft.com/office/drawing/2010/main" xmlns="" w="9525">
+                <a14:hiddenLine xmlns="" xmlns:a14="http://schemas.microsoft.com/office/drawing/2010/main" w="9525">
                   <a:solidFill>
                     <a:srgbClr val="000000"/>
                   </a:solidFill>
@@ -1173,7 +1271,7 @@
             </a:ln>
             <a:extLst>
               <a:ext uri="{91240B29-F687-4f45-9708-019B960494DF}">
-                <a14:hiddenLine xmlns:a14="http://schemas.microsoft.com/office/drawing/2010/main" xmlns="" w="9525">
+                <a14:hiddenLine xmlns="" xmlns:a14="http://schemas.microsoft.com/office/drawing/2010/main" w="9525">
                   <a:solidFill>
                     <a:srgbClr val="000000"/>
                   </a:solidFill>
@@ -1263,7 +1361,7 @@
             </a:ln>
             <a:extLst>
               <a:ext uri="{91240B29-F687-4f45-9708-019B960494DF}">
-                <a14:hiddenLine xmlns:a14="http://schemas.microsoft.com/office/drawing/2010/main" xmlns="" w="9525">
+                <a14:hiddenLine xmlns="" xmlns:a14="http://schemas.microsoft.com/office/drawing/2010/main" w="9525">
                   <a:solidFill>
                     <a:srgbClr val="000000"/>
                   </a:solidFill>
@@ -1325,7 +1423,7 @@
             </a:ln>
             <a:extLst>
               <a:ext uri="{91240B29-F687-4f45-9708-019B960494DF}">
-                <a14:hiddenLine xmlns:a14="http://schemas.microsoft.com/office/drawing/2010/main" xmlns="" w="9525">
+                <a14:hiddenLine xmlns="" xmlns:a14="http://schemas.microsoft.com/office/drawing/2010/main" w="9525">
                   <a:solidFill>
                     <a:srgbClr val="000000"/>
                   </a:solidFill>
@@ -1387,7 +1485,7 @@
             </a:ln>
             <a:extLst>
               <a:ext uri="{91240B29-F687-4f45-9708-019B960494DF}">
-                <a14:hiddenLine xmlns:a14="http://schemas.microsoft.com/office/drawing/2010/main" xmlns="" w="9525">
+                <a14:hiddenLine xmlns="" xmlns:a14="http://schemas.microsoft.com/office/drawing/2010/main" w="9525">
                   <a:solidFill>
                     <a:srgbClr val="000000"/>
                   </a:solidFill>
@@ -1477,7 +1575,7 @@
             </a:ln>
             <a:extLst>
               <a:ext uri="{91240B29-F687-4f45-9708-019B960494DF}">
-                <a14:hiddenLine xmlns:a14="http://schemas.microsoft.com/office/drawing/2010/main" xmlns="" w="9525">
+                <a14:hiddenLine xmlns="" xmlns:a14="http://schemas.microsoft.com/office/drawing/2010/main" w="9525">
                   <a:solidFill>
                     <a:srgbClr val="000000"/>
                   </a:solidFill>
@@ -1567,7 +1665,7 @@
             </a:ln>
             <a:extLst>
               <a:ext uri="{91240B29-F687-4f45-9708-019B960494DF}">
-                <a14:hiddenLine xmlns:a14="http://schemas.microsoft.com/office/drawing/2010/main" xmlns="" w="9525">
+                <a14:hiddenLine xmlns="" xmlns:a14="http://schemas.microsoft.com/office/drawing/2010/main" w="9525">
                   <a:solidFill>
                     <a:srgbClr val="000000"/>
                   </a:solidFill>
@@ -1629,7 +1727,7 @@
             </a:ln>
             <a:extLst>
               <a:ext uri="{91240B29-F687-4f45-9708-019B960494DF}">
-                <a14:hiddenLine xmlns:a14="http://schemas.microsoft.com/office/drawing/2010/main" xmlns="" w="9525">
+                <a14:hiddenLine xmlns="" xmlns:a14="http://schemas.microsoft.com/office/drawing/2010/main" w="9525">
                   <a:solidFill>
                     <a:srgbClr val="000000"/>
                   </a:solidFill>
@@ -1739,7 +1837,7 @@
             </a:ln>
             <a:extLst>
               <a:ext uri="{91240B29-F687-4f45-9708-019B960494DF}">
-                <a14:hiddenLine xmlns:a14="http://schemas.microsoft.com/office/drawing/2010/main" xmlns="" w="9525">
+                <a14:hiddenLine xmlns="" xmlns:a14="http://schemas.microsoft.com/office/drawing/2010/main" w="9525">
                   <a:solidFill>
                     <a:srgbClr val="000000"/>
                   </a:solidFill>
@@ -1801,7 +1899,7 @@
             </a:ln>
             <a:extLst>
               <a:ext uri="{91240B29-F687-4f45-9708-019B960494DF}">
-                <a14:hiddenLine xmlns:a14="http://schemas.microsoft.com/office/drawing/2010/main" xmlns="" w="9525">
+                <a14:hiddenLine xmlns="" xmlns:a14="http://schemas.microsoft.com/office/drawing/2010/main" w="9525">
                   <a:solidFill>
                     <a:srgbClr val="000000"/>
                   </a:solidFill>
@@ -1891,7 +1989,7 @@
             </a:ln>
             <a:extLst>
               <a:ext uri="{91240B29-F687-4f45-9708-019B960494DF}">
-                <a14:hiddenLine xmlns:a14="http://schemas.microsoft.com/office/drawing/2010/main" xmlns="" w="9525">
+                <a14:hiddenLine xmlns="" xmlns:a14="http://schemas.microsoft.com/office/drawing/2010/main" w="9525">
                   <a:solidFill>
                     <a:srgbClr val="000000"/>
                   </a:solidFill>
@@ -1981,7 +2079,7 @@
             </a:ln>
             <a:extLst>
               <a:ext uri="{91240B29-F687-4f45-9708-019B960494DF}">
-                <a14:hiddenLine xmlns:a14="http://schemas.microsoft.com/office/drawing/2010/main" xmlns="" w="9525">
+                <a14:hiddenLine xmlns="" xmlns:a14="http://schemas.microsoft.com/office/drawing/2010/main" w="9525">
                   <a:solidFill>
                     <a:srgbClr val="000000"/>
                   </a:solidFill>
@@ -2043,7 +2141,7 @@
             </a:ln>
             <a:extLst>
               <a:ext uri="{91240B29-F687-4f45-9708-019B960494DF}">
-                <a14:hiddenLine xmlns:a14="http://schemas.microsoft.com/office/drawing/2010/main" xmlns="" w="9525">
+                <a14:hiddenLine xmlns="" xmlns:a14="http://schemas.microsoft.com/office/drawing/2010/main" w="9525">
                   <a:solidFill>
                     <a:srgbClr val="000000"/>
                   </a:solidFill>
@@ -2133,7 +2231,7 @@
             </a:ln>
             <a:extLst>
               <a:ext uri="{91240B29-F687-4f45-9708-019B960494DF}">
-                <a14:hiddenLine xmlns:a14="http://schemas.microsoft.com/office/drawing/2010/main" xmlns="" w="9525">
+                <a14:hiddenLine xmlns="" xmlns:a14="http://schemas.microsoft.com/office/drawing/2010/main" w="9525">
                   <a:solidFill>
                     <a:srgbClr val="000000"/>
                   </a:solidFill>
@@ -2223,7 +2321,7 @@
             </a:ln>
             <a:extLst>
               <a:ext uri="{91240B29-F687-4f45-9708-019B960494DF}">
-                <a14:hiddenLine xmlns:a14="http://schemas.microsoft.com/office/drawing/2010/main" xmlns="" w="9525">
+                <a14:hiddenLine xmlns="" xmlns:a14="http://schemas.microsoft.com/office/drawing/2010/main" w="9525">
                   <a:solidFill>
                     <a:srgbClr val="000000"/>
                   </a:solidFill>
@@ -2279,7 +2377,7 @@
             </a:ln>
             <a:extLst>
               <a:ext uri="{91240B29-F687-4f45-9708-019B960494DF}">
-                <a14:hiddenLine xmlns:a14="http://schemas.microsoft.com/office/drawing/2010/main" xmlns="" w="9525">
+                <a14:hiddenLine xmlns="" xmlns:a14="http://schemas.microsoft.com/office/drawing/2010/main" w="9525">
                   <a:solidFill>
                     <a:srgbClr val="000000"/>
                   </a:solidFill>
@@ -2369,7 +2467,7 @@
             </a:ln>
             <a:extLst>
               <a:ext uri="{91240B29-F687-4f45-9708-019B960494DF}">
-                <a14:hiddenLine xmlns:a14="http://schemas.microsoft.com/office/drawing/2010/main" xmlns="" w="9525">
+                <a14:hiddenLine xmlns="" xmlns:a14="http://schemas.microsoft.com/office/drawing/2010/main" w="9525">
                   <a:solidFill>
                     <a:srgbClr val="000000"/>
                   </a:solidFill>
@@ -2425,7 +2523,7 @@
             </a:ln>
             <a:extLst>
               <a:ext uri="{91240B29-F687-4f45-9708-019B960494DF}">
-                <a14:hiddenLine xmlns:a14="http://schemas.microsoft.com/office/drawing/2010/main" xmlns="" w="9525">
+                <a14:hiddenLine xmlns="" xmlns:a14="http://schemas.microsoft.com/office/drawing/2010/main" w="9525">
                   <a:solidFill>
                     <a:srgbClr val="000000"/>
                   </a:solidFill>
@@ -2515,7 +2613,7 @@
             </a:ln>
             <a:extLst>
               <a:ext uri="{91240B29-F687-4f45-9708-019B960494DF}">
-                <a14:hiddenLine xmlns:a14="http://schemas.microsoft.com/office/drawing/2010/main" xmlns="" w="9525">
+                <a14:hiddenLine xmlns="" xmlns:a14="http://schemas.microsoft.com/office/drawing/2010/main" w="9525">
                   <a:solidFill>
                     <a:srgbClr val="000000"/>
                   </a:solidFill>
@@ -2583,7 +2681,7 @@
             </a:ln>
             <a:extLst>
               <a:ext uri="{91240B29-F687-4f45-9708-019B960494DF}">
-                <a14:hiddenLine xmlns:a14="http://schemas.microsoft.com/office/drawing/2010/main" xmlns="" w="9525">
+                <a14:hiddenLine xmlns="" xmlns:a14="http://schemas.microsoft.com/office/drawing/2010/main" w="9525">
                   <a:solidFill>
                     <a:srgbClr val="000000"/>
                   </a:solidFill>
@@ -2673,7 +2771,7 @@
             </a:ln>
             <a:extLst>
               <a:ext uri="{91240B29-F687-4f45-9708-019B960494DF}">
-                <a14:hiddenLine xmlns:a14="http://schemas.microsoft.com/office/drawing/2010/main" xmlns="" w="9525">
+                <a14:hiddenLine xmlns="" xmlns:a14="http://schemas.microsoft.com/office/drawing/2010/main" w="9525">
                   <a:solidFill>
                     <a:srgbClr val="000000"/>
                   </a:solidFill>
@@ -2741,7 +2839,7 @@
             </a:ln>
             <a:extLst>
               <a:ext uri="{91240B29-F687-4f45-9708-019B960494DF}">
-                <a14:hiddenLine xmlns:a14="http://schemas.microsoft.com/office/drawing/2010/main" xmlns="" w="9525">
+                <a14:hiddenLine xmlns="" xmlns:a14="http://schemas.microsoft.com/office/drawing/2010/main" w="9525">
                   <a:solidFill>
                     <a:srgbClr val="000000"/>
                   </a:solidFill>
@@ -2831,7 +2929,7 @@
             </a:ln>
             <a:extLst>
               <a:ext uri="{91240B29-F687-4f45-9708-019B960494DF}">
-                <a14:hiddenLine xmlns:a14="http://schemas.microsoft.com/office/drawing/2010/main" xmlns="" w="9525">
+                <a14:hiddenLine xmlns="" xmlns:a14="http://schemas.microsoft.com/office/drawing/2010/main" w="9525">
                   <a:solidFill>
                     <a:srgbClr val="000000"/>
                   </a:solidFill>
@@ -2865,7 +2963,7 @@
             </a:ln>
             <a:extLst>
               <a:ext uri="{91240B29-F687-4f45-9708-019B960494DF}">
-                <a14:hiddenLine xmlns:a14="http://schemas.microsoft.com/office/drawing/2010/main" xmlns="" w="9525">
+                <a14:hiddenLine xmlns="" xmlns:a14="http://schemas.microsoft.com/office/drawing/2010/main" w="9525">
                   <a:solidFill>
                     <a:srgbClr val="000000"/>
                   </a:solidFill>
@@ -2955,7 +3053,7 @@
             </a:ln>
             <a:extLst>
               <a:ext uri="{91240B29-F687-4f45-9708-019B960494DF}">
-                <a14:hiddenLine xmlns:a14="http://schemas.microsoft.com/office/drawing/2010/main" xmlns="" w="9525">
+                <a14:hiddenLine xmlns="" xmlns:a14="http://schemas.microsoft.com/office/drawing/2010/main" w="9525">
                   <a:solidFill>
                     <a:srgbClr val="000000"/>
                   </a:solidFill>
@@ -3017,7 +3115,7 @@
             </a:ln>
             <a:extLst>
               <a:ext uri="{91240B29-F687-4f45-9708-019B960494DF}">
-                <a14:hiddenLine xmlns:a14="http://schemas.microsoft.com/office/drawing/2010/main" xmlns="" w="9525">
+                <a14:hiddenLine xmlns="" xmlns:a14="http://schemas.microsoft.com/office/drawing/2010/main" w="9525">
                   <a:solidFill>
                     <a:srgbClr val="000000"/>
                   </a:solidFill>
@@ -3079,7 +3177,7 @@
             </a:ln>
             <a:extLst>
               <a:ext uri="{91240B29-F687-4f45-9708-019B960494DF}">
-                <a14:hiddenLine xmlns:a14="http://schemas.microsoft.com/office/drawing/2010/main" xmlns="" w="9525">
+                <a14:hiddenLine xmlns="" xmlns:a14="http://schemas.microsoft.com/office/drawing/2010/main" w="9525">
                   <a:solidFill>
                     <a:srgbClr val="000000"/>
                   </a:solidFill>
@@ -3169,7 +3267,7 @@
             </a:ln>
             <a:extLst>
               <a:ext uri="{91240B29-F687-4f45-9708-019B960494DF}">
-                <a14:hiddenLine xmlns:a14="http://schemas.microsoft.com/office/drawing/2010/main" xmlns="" w="9525">
+                <a14:hiddenLine xmlns="" xmlns:a14="http://schemas.microsoft.com/office/drawing/2010/main" w="9525">
                   <a:solidFill>
                     <a:srgbClr val="000000"/>
                   </a:solidFill>
@@ -3237,7 +3335,7 @@
             </a:ln>
             <a:extLst>
               <a:ext uri="{91240B29-F687-4f45-9708-019B960494DF}">
-                <a14:hiddenLine xmlns:a14="http://schemas.microsoft.com/office/drawing/2010/main" xmlns="" w="9525">
+                <a14:hiddenLine xmlns="" xmlns:a14="http://schemas.microsoft.com/office/drawing/2010/main" w="9525">
                   <a:solidFill>
                     <a:srgbClr val="000000"/>
                   </a:solidFill>
@@ -3299,7 +3397,7 @@
             </a:ln>
             <a:extLst>
               <a:ext uri="{91240B29-F687-4f45-9708-019B960494DF}">
-                <a14:hiddenLine xmlns:a14="http://schemas.microsoft.com/office/drawing/2010/main" xmlns="" w="9525">
+                <a14:hiddenLine xmlns="" xmlns:a14="http://schemas.microsoft.com/office/drawing/2010/main" w="9525">
                   <a:solidFill>
                     <a:srgbClr val="000000"/>
                   </a:solidFill>
@@ -3389,7 +3487,7 @@
             </a:ln>
             <a:extLst>
               <a:ext uri="{91240B29-F687-4f45-9708-019B960494DF}">
-                <a14:hiddenLine xmlns:a14="http://schemas.microsoft.com/office/drawing/2010/main" xmlns="" w="9525">
+                <a14:hiddenLine xmlns="" xmlns:a14="http://schemas.microsoft.com/office/drawing/2010/main" w="9525">
                   <a:solidFill>
                     <a:srgbClr val="000000"/>
                   </a:solidFill>
@@ -3451,7 +3549,7 @@
             </a:ln>
             <a:extLst>
               <a:ext uri="{91240B29-F687-4f45-9708-019B960494DF}">
-                <a14:hiddenLine xmlns:a14="http://schemas.microsoft.com/office/drawing/2010/main" xmlns="" w="9525">
+                <a14:hiddenLine xmlns="" xmlns:a14="http://schemas.microsoft.com/office/drawing/2010/main" w="9525">
                   <a:solidFill>
                     <a:srgbClr val="000000"/>
                   </a:solidFill>
@@ -3541,7 +3639,7 @@
             </a:ln>
             <a:extLst>
               <a:ext uri="{91240B29-F687-4f45-9708-019B960494DF}">
-                <a14:hiddenLine xmlns:a14="http://schemas.microsoft.com/office/drawing/2010/main" xmlns="" w="9525">
+                <a14:hiddenLine xmlns="" xmlns:a14="http://schemas.microsoft.com/office/drawing/2010/main" w="9525">
                   <a:solidFill>
                     <a:srgbClr val="000000"/>
                   </a:solidFill>
@@ -3603,7 +3701,7 @@
             </a:ln>
             <a:extLst>
               <a:ext uri="{91240B29-F687-4f45-9708-019B960494DF}">
-                <a14:hiddenLine xmlns:a14="http://schemas.microsoft.com/office/drawing/2010/main" xmlns="" w="9525">
+                <a14:hiddenLine xmlns="" xmlns:a14="http://schemas.microsoft.com/office/drawing/2010/main" w="9525">
                   <a:solidFill>
                     <a:srgbClr val="000000"/>
                   </a:solidFill>
@@ -3693,7 +3791,7 @@
             </a:ln>
             <a:extLst>
               <a:ext uri="{91240B29-F687-4f45-9708-019B960494DF}">
-                <a14:hiddenLine xmlns:a14="http://schemas.microsoft.com/office/drawing/2010/main" xmlns="" w="9525">
+                <a14:hiddenLine xmlns="" xmlns:a14="http://schemas.microsoft.com/office/drawing/2010/main" w="9525">
                   <a:solidFill>
                     <a:srgbClr val="000000"/>
                   </a:solidFill>
@@ -3727,7 +3825,7 @@
             </a:ln>
             <a:extLst>
               <a:ext uri="{91240B29-F687-4f45-9708-019B960494DF}">
-                <a14:hiddenLine xmlns:a14="http://schemas.microsoft.com/office/drawing/2010/main" xmlns="" w="9525">
+                <a14:hiddenLine xmlns="" xmlns:a14="http://schemas.microsoft.com/office/drawing/2010/main" w="9525">
                   <a:solidFill>
                     <a:srgbClr val="000000"/>
                   </a:solidFill>
@@ -3792,7 +3890,7 @@
             </a:ln>
             <a:extLst>
               <a:ext uri="{91240B29-F687-4f45-9708-019B960494DF}">
-                <a14:hiddenLine xmlns:a14="http://schemas.microsoft.com/office/drawing/2010/main" xmlns="" w="9525">
+                <a14:hiddenLine xmlns="" xmlns:a14="http://schemas.microsoft.com/office/drawing/2010/main" w="9525">
                   <a:solidFill>
                     <a:srgbClr val="000000"/>
                   </a:solidFill>
@@ -3882,7 +3980,7 @@
             </a:ln>
             <a:extLst>
               <a:ext uri="{91240B29-F687-4f45-9708-019B960494DF}">
-                <a14:hiddenLine xmlns:a14="http://schemas.microsoft.com/office/drawing/2010/main" xmlns="" w="9525">
+                <a14:hiddenLine xmlns="" xmlns:a14="http://schemas.microsoft.com/office/drawing/2010/main" w="9525">
                   <a:solidFill>
                     <a:srgbClr val="000000"/>
                   </a:solidFill>
@@ -3944,7 +4042,7 @@
             </a:ln>
             <a:extLst>
               <a:ext uri="{91240B29-F687-4f45-9708-019B960494DF}">
-                <a14:hiddenLine xmlns:a14="http://schemas.microsoft.com/office/drawing/2010/main" xmlns="" w="9525">
+                <a14:hiddenLine xmlns="" xmlns:a14="http://schemas.microsoft.com/office/drawing/2010/main" w="9525">
                   <a:solidFill>
                     <a:srgbClr val="000000"/>
                   </a:solidFill>
@@ -4034,7 +4132,7 @@
             </a:ln>
             <a:extLst>
               <a:ext uri="{91240B29-F687-4f45-9708-019B960494DF}">
-                <a14:hiddenLine xmlns:a14="http://schemas.microsoft.com/office/drawing/2010/main" xmlns="" w="9525">
+                <a14:hiddenLine xmlns="" xmlns:a14="http://schemas.microsoft.com/office/drawing/2010/main" w="9525">
                   <a:solidFill>
                     <a:srgbClr val="000000"/>
                   </a:solidFill>
@@ -4124,7 +4222,7 @@
             </a:ln>
             <a:extLst>
               <a:ext uri="{91240B29-F687-4f45-9708-019B960494DF}">
-                <a14:hiddenLine xmlns:a14="http://schemas.microsoft.com/office/drawing/2010/main" xmlns="" w="9525">
+                <a14:hiddenLine xmlns="" xmlns:a14="http://schemas.microsoft.com/office/drawing/2010/main" w="9525">
                   <a:solidFill>
                     <a:srgbClr val="000000"/>
                   </a:solidFill>
@@ -4189,7 +4287,7 @@
             </a:ln>
             <a:extLst>
               <a:ext uri="{91240B29-F687-4f45-9708-019B960494DF}">
-                <a14:hiddenLine xmlns:a14="http://schemas.microsoft.com/office/drawing/2010/main" xmlns="" w="9525">
+                <a14:hiddenLine xmlns="" xmlns:a14="http://schemas.microsoft.com/office/drawing/2010/main" w="9525">
                   <a:solidFill>
                     <a:srgbClr val="000000"/>
                   </a:solidFill>
@@ -4251,7 +4349,7 @@
             </a:ln>
             <a:extLst>
               <a:ext uri="{91240B29-F687-4f45-9708-019B960494DF}">
-                <a14:hiddenLine xmlns:a14="http://schemas.microsoft.com/office/drawing/2010/main" xmlns="" w="9525">
+                <a14:hiddenLine xmlns="" xmlns:a14="http://schemas.microsoft.com/office/drawing/2010/main" w="9525">
                   <a:solidFill>
                     <a:srgbClr val="000000"/>
                   </a:solidFill>
@@ -4341,7 +4439,7 @@
             </a:ln>
             <a:extLst>
               <a:ext uri="{91240B29-F687-4f45-9708-019B960494DF}">
-                <a14:hiddenLine xmlns:a14="http://schemas.microsoft.com/office/drawing/2010/main" xmlns="" w="9525">
+                <a14:hiddenLine xmlns="" xmlns:a14="http://schemas.microsoft.com/office/drawing/2010/main" w="9525">
                   <a:solidFill>
                     <a:srgbClr val="000000"/>
                   </a:solidFill>
@@ -4431,7 +4529,7 @@
             </a:ln>
             <a:extLst>
               <a:ext uri="{91240B29-F687-4f45-9708-019B960494DF}">
-                <a14:hiddenLine xmlns:a14="http://schemas.microsoft.com/office/drawing/2010/main" xmlns="" w="9525">
+                <a14:hiddenLine xmlns="" xmlns:a14="http://schemas.microsoft.com/office/drawing/2010/main" w="9525">
                   <a:solidFill>
                     <a:srgbClr val="000000"/>
                   </a:solidFill>
@@ -4493,7 +4591,7 @@
             </a:ln>
             <a:extLst>
               <a:ext uri="{91240B29-F687-4f45-9708-019B960494DF}">
-                <a14:hiddenLine xmlns:a14="http://schemas.microsoft.com/office/drawing/2010/main" xmlns="" w="9525">
+                <a14:hiddenLine xmlns="" xmlns:a14="http://schemas.microsoft.com/office/drawing/2010/main" w="9525">
                   <a:solidFill>
                     <a:srgbClr val="000000"/>
                   </a:solidFill>
@@ -4613,7 +4711,7 @@
             </a:ln>
             <a:extLst>
               <a:ext uri="{91240B29-F687-4f45-9708-019B960494DF}">
-                <a14:hiddenLine xmlns:a14="http://schemas.microsoft.com/office/drawing/2010/main" xmlns="" w="9525">
+                <a14:hiddenLine xmlns="" xmlns:a14="http://schemas.microsoft.com/office/drawing/2010/main" w="9525">
                   <a:solidFill>
                     <a:srgbClr val="000000"/>
                   </a:solidFill>
@@ -4681,7 +4779,7 @@
             </a:ln>
             <a:extLst>
               <a:ext uri="{91240B29-F687-4f45-9708-019B960494DF}">
-                <a14:hiddenLine xmlns:a14="http://schemas.microsoft.com/office/drawing/2010/main" xmlns="" w="9525">
+                <a14:hiddenLine xmlns="" xmlns:a14="http://schemas.microsoft.com/office/drawing/2010/main" w="9525">
                   <a:solidFill>
                     <a:srgbClr val="000000"/>
                   </a:solidFill>
@@ -4771,7 +4869,7 @@
             </a:ln>
             <a:extLst>
               <a:ext uri="{91240B29-F687-4f45-9708-019B960494DF}">
-                <a14:hiddenLine xmlns:a14="http://schemas.microsoft.com/office/drawing/2010/main" xmlns="" w="9525">
+                <a14:hiddenLine xmlns="" xmlns:a14="http://schemas.microsoft.com/office/drawing/2010/main" w="9525">
                   <a:solidFill>
                     <a:srgbClr val="000000"/>
                   </a:solidFill>
@@ -9500,7 +9598,7 @@
           <a:noFill/>
           <a:extLst>
             <a:ext uri="{909E8E84-426E-40dd-AFC4-6F175D3DCCD1}">
-              <a14:hiddenFill xmlns:a14="http://schemas.microsoft.com/office/drawing/2010/main" xmlns="">
+              <a14:hiddenFill xmlns="" xmlns:a14="http://schemas.microsoft.com/office/drawing/2010/main">
                 <a:solidFill>
                   <a:srgbClr val="FFFFFF"/>
                 </a:solidFill>
@@ -9574,7 +9672,7 @@
               </a:ln>
               <a:extLst>
                 <a:ext uri="{91240B29-F687-4f45-9708-019B960494DF}">
-                  <a14:hiddenLine xmlns:a14="http://schemas.microsoft.com/office/drawing/2010/main" xmlns="" w="9525">
+                  <a14:hiddenLine xmlns="" xmlns:a14="http://schemas.microsoft.com/office/drawing/2010/main" w="9525">
                     <a:solidFill>
                       <a:srgbClr val="000000"/>
                     </a:solidFill>
@@ -9664,7 +9762,7 @@
               </a:ln>
               <a:extLst>
                 <a:ext uri="{91240B29-F687-4f45-9708-019B960494DF}">
-                  <a14:hiddenLine xmlns:a14="http://schemas.microsoft.com/office/drawing/2010/main" xmlns="" w="9525">
+                  <a14:hiddenLine xmlns="" xmlns:a14="http://schemas.microsoft.com/office/drawing/2010/main" w="9525">
                     <a:solidFill>
                       <a:srgbClr val="000000"/>
                     </a:solidFill>
@@ -9754,7 +9852,7 @@
               </a:ln>
               <a:extLst>
                 <a:ext uri="{91240B29-F687-4f45-9708-019B960494DF}">
-                  <a14:hiddenLine xmlns:a14="http://schemas.microsoft.com/office/drawing/2010/main" xmlns="" w="9525">
+                  <a14:hiddenLine xmlns="" xmlns:a14="http://schemas.microsoft.com/office/drawing/2010/main" w="9525">
                     <a:solidFill>
                       <a:srgbClr val="000000"/>
                     </a:solidFill>
@@ -9816,7 +9914,7 @@
               </a:ln>
               <a:extLst>
                 <a:ext uri="{91240B29-F687-4f45-9708-019B960494DF}">
-                  <a14:hiddenLine xmlns:a14="http://schemas.microsoft.com/office/drawing/2010/main" xmlns="" w="9525">
+                  <a14:hiddenLine xmlns="" xmlns:a14="http://schemas.microsoft.com/office/drawing/2010/main" w="9525">
                     <a:solidFill>
                       <a:srgbClr val="000000"/>
                     </a:solidFill>
@@ -9906,7 +10004,7 @@
               </a:ln>
               <a:extLst>
                 <a:ext uri="{91240B29-F687-4f45-9708-019B960494DF}">
-                  <a14:hiddenLine xmlns:a14="http://schemas.microsoft.com/office/drawing/2010/main" xmlns="" w="9525">
+                  <a14:hiddenLine xmlns="" xmlns:a14="http://schemas.microsoft.com/office/drawing/2010/main" w="9525">
                     <a:solidFill>
                       <a:srgbClr val="000000"/>
                     </a:solidFill>
@@ -9968,7 +10066,7 @@
               </a:ln>
               <a:extLst>
                 <a:ext uri="{91240B29-F687-4f45-9708-019B960494DF}">
-                  <a14:hiddenLine xmlns:a14="http://schemas.microsoft.com/office/drawing/2010/main" xmlns="" w="9525">
+                  <a14:hiddenLine xmlns="" xmlns:a14="http://schemas.microsoft.com/office/drawing/2010/main" w="9525">
                     <a:solidFill>
                       <a:srgbClr val="000000"/>
                     </a:solidFill>
@@ -10030,7 +10128,7 @@
               </a:ln>
               <a:extLst>
                 <a:ext uri="{91240B29-F687-4f45-9708-019B960494DF}">
-                  <a14:hiddenLine xmlns:a14="http://schemas.microsoft.com/office/drawing/2010/main" xmlns="" w="9525">
+                  <a14:hiddenLine xmlns="" xmlns:a14="http://schemas.microsoft.com/office/drawing/2010/main" w="9525">
                     <a:solidFill>
                       <a:srgbClr val="000000"/>
                     </a:solidFill>
@@ -10120,7 +10218,7 @@
               </a:ln>
               <a:extLst>
                 <a:ext uri="{91240B29-F687-4f45-9708-019B960494DF}">
-                  <a14:hiddenLine xmlns:a14="http://schemas.microsoft.com/office/drawing/2010/main" xmlns="" w="9525">
+                  <a14:hiddenLine xmlns="" xmlns:a14="http://schemas.microsoft.com/office/drawing/2010/main" w="9525">
                     <a:solidFill>
                       <a:srgbClr val="000000"/>
                     </a:solidFill>
@@ -10210,7 +10308,7 @@
               </a:ln>
               <a:extLst>
                 <a:ext uri="{91240B29-F687-4f45-9708-019B960494DF}">
-                  <a14:hiddenLine xmlns:a14="http://schemas.microsoft.com/office/drawing/2010/main" xmlns="" w="9525">
+                  <a14:hiddenLine xmlns="" xmlns:a14="http://schemas.microsoft.com/office/drawing/2010/main" w="9525">
                     <a:solidFill>
                       <a:srgbClr val="000000"/>
                     </a:solidFill>
@@ -10272,7 +10370,7 @@
               </a:ln>
               <a:extLst>
                 <a:ext uri="{91240B29-F687-4f45-9708-019B960494DF}">
-                  <a14:hiddenLine xmlns:a14="http://schemas.microsoft.com/office/drawing/2010/main" xmlns="" w="9525">
+                  <a14:hiddenLine xmlns="" xmlns:a14="http://schemas.microsoft.com/office/drawing/2010/main" w="9525">
                     <a:solidFill>
                       <a:srgbClr val="000000"/>
                     </a:solidFill>
@@ -10382,7 +10480,7 @@
               </a:ln>
               <a:extLst>
                 <a:ext uri="{91240B29-F687-4f45-9708-019B960494DF}">
-                  <a14:hiddenLine xmlns:a14="http://schemas.microsoft.com/office/drawing/2010/main" xmlns="" w="9525">
+                  <a14:hiddenLine xmlns="" xmlns:a14="http://schemas.microsoft.com/office/drawing/2010/main" w="9525">
                     <a:solidFill>
                       <a:srgbClr val="000000"/>
                     </a:solidFill>
@@ -10466,7 +10564,7 @@
               </a:ln>
               <a:extLst>
                 <a:ext uri="{91240B29-F687-4f45-9708-019B960494DF}">
-                  <a14:hiddenLine xmlns:a14="http://schemas.microsoft.com/office/drawing/2010/main" xmlns="" w="9525">
+                  <a14:hiddenLine xmlns="" xmlns:a14="http://schemas.microsoft.com/office/drawing/2010/main" w="9525">
                     <a:solidFill>
                       <a:srgbClr val="000000"/>
                     </a:solidFill>
@@ -10528,7 +10626,7 @@
               </a:ln>
               <a:extLst>
                 <a:ext uri="{91240B29-F687-4f45-9708-019B960494DF}">
-                  <a14:hiddenLine xmlns:a14="http://schemas.microsoft.com/office/drawing/2010/main" xmlns="" w="9525">
+                  <a14:hiddenLine xmlns="" xmlns:a14="http://schemas.microsoft.com/office/drawing/2010/main" w="9525">
                     <a:solidFill>
                       <a:srgbClr val="000000"/>
                     </a:solidFill>
@@ -10590,7 +10688,7 @@
               </a:ln>
               <a:extLst>
                 <a:ext uri="{91240B29-F687-4f45-9708-019B960494DF}">
-                  <a14:hiddenLine xmlns:a14="http://schemas.microsoft.com/office/drawing/2010/main" xmlns="" w="9525">
+                  <a14:hiddenLine xmlns="" xmlns:a14="http://schemas.microsoft.com/office/drawing/2010/main" w="9525">
                     <a:solidFill>
                       <a:srgbClr val="000000"/>
                     </a:solidFill>
@@ -10680,7 +10778,7 @@
               </a:ln>
               <a:extLst>
                 <a:ext uri="{91240B29-F687-4f45-9708-019B960494DF}">
-                  <a14:hiddenLine xmlns:a14="http://schemas.microsoft.com/office/drawing/2010/main" xmlns="" w="9525">
+                  <a14:hiddenLine xmlns="" xmlns:a14="http://schemas.microsoft.com/office/drawing/2010/main" w="9525">
                     <a:solidFill>
                       <a:srgbClr val="000000"/>
                     </a:solidFill>
@@ -10714,7 +10812,7 @@
               </a:ln>
               <a:extLst>
                 <a:ext uri="{91240B29-F687-4f45-9708-019B960494DF}">
-                  <a14:hiddenLine xmlns:a14="http://schemas.microsoft.com/office/drawing/2010/main" xmlns="" w="9525">
+                  <a14:hiddenLine xmlns="" xmlns:a14="http://schemas.microsoft.com/office/drawing/2010/main" w="9525">
                     <a:solidFill>
                       <a:srgbClr val="000000"/>
                     </a:solidFill>
@@ -10779,7 +10877,7 @@
               </a:ln>
               <a:extLst>
                 <a:ext uri="{91240B29-F687-4f45-9708-019B960494DF}">
-                  <a14:hiddenLine xmlns:a14="http://schemas.microsoft.com/office/drawing/2010/main" xmlns="" w="9525">
+                  <a14:hiddenLine xmlns="" xmlns:a14="http://schemas.microsoft.com/office/drawing/2010/main" w="9525">
                     <a:solidFill>
                       <a:srgbClr val="000000"/>
                     </a:solidFill>
@@ -10869,7 +10967,7 @@
               </a:ln>
               <a:extLst>
                 <a:ext uri="{91240B29-F687-4f45-9708-019B960494DF}">
-                  <a14:hiddenLine xmlns:a14="http://schemas.microsoft.com/office/drawing/2010/main" xmlns="" w="9525">
+                  <a14:hiddenLine xmlns="" xmlns:a14="http://schemas.microsoft.com/office/drawing/2010/main" w="9525">
                     <a:solidFill>
                       <a:srgbClr val="000000"/>
                     </a:solidFill>
@@ -10931,7 +11029,7 @@
               </a:ln>
               <a:extLst>
                 <a:ext uri="{91240B29-F687-4f45-9708-019B960494DF}">
-                  <a14:hiddenLine xmlns:a14="http://schemas.microsoft.com/office/drawing/2010/main" xmlns="" w="9525">
+                  <a14:hiddenLine xmlns="" xmlns:a14="http://schemas.microsoft.com/office/drawing/2010/main" w="9525">
                     <a:solidFill>
                       <a:srgbClr val="000000"/>
                     </a:solidFill>
@@ -11021,7 +11119,7 @@
               </a:ln>
               <a:extLst>
                 <a:ext uri="{91240B29-F687-4f45-9708-019B960494DF}">
-                  <a14:hiddenLine xmlns:a14="http://schemas.microsoft.com/office/drawing/2010/main" xmlns="" w="9525">
+                  <a14:hiddenLine xmlns="" xmlns:a14="http://schemas.microsoft.com/office/drawing/2010/main" w="9525">
                     <a:solidFill>
                       <a:srgbClr val="000000"/>
                     </a:solidFill>
@@ -11086,7 +11184,7 @@
               </a:ln>
               <a:extLst>
                 <a:ext uri="{91240B29-F687-4f45-9708-019B960494DF}">
-                  <a14:hiddenLine xmlns:a14="http://schemas.microsoft.com/office/drawing/2010/main" xmlns="" w="9525">
+                  <a14:hiddenLine xmlns="" xmlns:a14="http://schemas.microsoft.com/office/drawing/2010/main" w="9525">
                     <a:solidFill>
                       <a:srgbClr val="000000"/>
                     </a:solidFill>
@@ -11148,7 +11246,7 @@
               </a:ln>
               <a:extLst>
                 <a:ext uri="{91240B29-F687-4f45-9708-019B960494DF}">
-                  <a14:hiddenLine xmlns:a14="http://schemas.microsoft.com/office/drawing/2010/main" xmlns="" w="9525">
+                  <a14:hiddenLine xmlns="" xmlns:a14="http://schemas.microsoft.com/office/drawing/2010/main" w="9525">
                     <a:solidFill>
                       <a:srgbClr val="000000"/>
                     </a:solidFill>
@@ -11238,7 +11336,7 @@
               </a:ln>
               <a:extLst>
                 <a:ext uri="{91240B29-F687-4f45-9708-019B960494DF}">
-                  <a14:hiddenLine xmlns:a14="http://schemas.microsoft.com/office/drawing/2010/main" xmlns="" w="9525">
+                  <a14:hiddenLine xmlns="" xmlns:a14="http://schemas.microsoft.com/office/drawing/2010/main" w="9525">
                     <a:solidFill>
                       <a:srgbClr val="000000"/>
                     </a:solidFill>
@@ -11328,7 +11426,7 @@
               </a:ln>
               <a:extLst>
                 <a:ext uri="{91240B29-F687-4f45-9708-019B960494DF}">
-                  <a14:hiddenLine xmlns:a14="http://schemas.microsoft.com/office/drawing/2010/main" xmlns="" w="9525">
+                  <a14:hiddenLine xmlns="" xmlns:a14="http://schemas.microsoft.com/office/drawing/2010/main" w="9525">
                     <a:solidFill>
                       <a:srgbClr val="000000"/>
                     </a:solidFill>
@@ -11393,7 +11491,7 @@
               </a:ln>
               <a:extLst>
                 <a:ext uri="{91240B29-F687-4f45-9708-019B960494DF}">
-                  <a14:hiddenLine xmlns:a14="http://schemas.microsoft.com/office/drawing/2010/main" xmlns="" w="9525">
+                  <a14:hiddenLine xmlns="" xmlns:a14="http://schemas.microsoft.com/office/drawing/2010/main" w="9525">
                     <a:solidFill>
                       <a:srgbClr val="000000"/>
                     </a:solidFill>
@@ -11513,7 +11611,7 @@
               </a:ln>
               <a:extLst>
                 <a:ext uri="{91240B29-F687-4f45-9708-019B960494DF}">
-                  <a14:hiddenLine xmlns:a14="http://schemas.microsoft.com/office/drawing/2010/main" xmlns="" w="9525">
+                  <a14:hiddenLine xmlns="" xmlns:a14="http://schemas.microsoft.com/office/drawing/2010/main" w="9525">
                     <a:solidFill>
                       <a:srgbClr val="000000"/>
                     </a:solidFill>
@@ -11594,7 +11692,7 @@
               </a:ln>
               <a:extLst>
                 <a:ext uri="{91240B29-F687-4f45-9708-019B960494DF}">
-                  <a14:hiddenLine xmlns:a14="http://schemas.microsoft.com/office/drawing/2010/main" xmlns="" w="9525">
+                  <a14:hiddenLine xmlns="" xmlns:a14="http://schemas.microsoft.com/office/drawing/2010/main" w="9525">
                     <a:solidFill>
                       <a:srgbClr val="000000"/>
                     </a:solidFill>
@@ -11709,7 +11807,7 @@
               </a:ln>
               <a:extLst>
                 <a:ext uri="{91240B29-F687-4f45-9708-019B960494DF}">
-                  <a14:hiddenLine xmlns:a14="http://schemas.microsoft.com/office/drawing/2010/main" xmlns="" w="9525">
+                  <a14:hiddenLine xmlns="" xmlns:a14="http://schemas.microsoft.com/office/drawing/2010/main" w="9525">
                     <a:solidFill>
                       <a:srgbClr val="000000"/>
                     </a:solidFill>
@@ -11799,7 +11897,7 @@
               </a:ln>
               <a:extLst>
                 <a:ext uri="{91240B29-F687-4f45-9708-019B960494DF}">
-                  <a14:hiddenLine xmlns:a14="http://schemas.microsoft.com/office/drawing/2010/main" xmlns="" w="9525">
+                  <a14:hiddenLine xmlns="" xmlns:a14="http://schemas.microsoft.com/office/drawing/2010/main" w="9525">
                     <a:solidFill>
                       <a:srgbClr val="000000"/>
                     </a:solidFill>
@@ -11864,7 +11962,7 @@
               </a:ln>
               <a:extLst>
                 <a:ext uri="{91240B29-F687-4f45-9708-019B960494DF}">
-                  <a14:hiddenLine xmlns:a14="http://schemas.microsoft.com/office/drawing/2010/main" xmlns="" w="9525">
+                  <a14:hiddenLine xmlns="" xmlns:a14="http://schemas.microsoft.com/office/drawing/2010/main" w="9525">
                     <a:solidFill>
                       <a:srgbClr val="000000"/>
                     </a:solidFill>
@@ -11954,7 +12052,7 @@
               </a:ln>
               <a:extLst>
                 <a:ext uri="{91240B29-F687-4f45-9708-019B960494DF}">
-                  <a14:hiddenLine xmlns:a14="http://schemas.microsoft.com/office/drawing/2010/main" xmlns="" w="9525">
+                  <a14:hiddenLine xmlns="" xmlns:a14="http://schemas.microsoft.com/office/drawing/2010/main" w="9525">
                     <a:solidFill>
                       <a:srgbClr val="000000"/>
                     </a:solidFill>
@@ -12022,7 +12120,7 @@
               </a:ln>
               <a:extLst>
                 <a:ext uri="{91240B29-F687-4f45-9708-019B960494DF}">
-                  <a14:hiddenLine xmlns:a14="http://schemas.microsoft.com/office/drawing/2010/main" xmlns="" w="9525">
+                  <a14:hiddenLine xmlns="" xmlns:a14="http://schemas.microsoft.com/office/drawing/2010/main" w="9525">
                     <a:solidFill>
                       <a:srgbClr val="000000"/>
                     </a:solidFill>
@@ -12112,7 +12210,7 @@
               </a:ln>
               <a:extLst>
                 <a:ext uri="{91240B29-F687-4f45-9708-019B960494DF}">
-                  <a14:hiddenLine xmlns:a14="http://schemas.microsoft.com/office/drawing/2010/main" xmlns="" w="9525">
+                  <a14:hiddenLine xmlns="" xmlns:a14="http://schemas.microsoft.com/office/drawing/2010/main" w="9525">
                     <a:solidFill>
                       <a:srgbClr val="000000"/>
                     </a:solidFill>
@@ -12180,7 +12278,7 @@
               </a:ln>
               <a:extLst>
                 <a:ext uri="{91240B29-F687-4f45-9708-019B960494DF}">
-                  <a14:hiddenLine xmlns:a14="http://schemas.microsoft.com/office/drawing/2010/main" xmlns="" w="9525">
+                  <a14:hiddenLine xmlns="" xmlns:a14="http://schemas.microsoft.com/office/drawing/2010/main" w="9525">
                     <a:solidFill>
                       <a:srgbClr val="000000"/>
                     </a:solidFill>
@@ -12270,7 +12368,7 @@
               </a:ln>
               <a:extLst>
                 <a:ext uri="{91240B29-F687-4f45-9708-019B960494DF}">
-                  <a14:hiddenLine xmlns:a14="http://schemas.microsoft.com/office/drawing/2010/main" xmlns="" w="9525">
+                  <a14:hiddenLine xmlns="" xmlns:a14="http://schemas.microsoft.com/office/drawing/2010/main" w="9525">
                     <a:solidFill>
                       <a:srgbClr val="000000"/>
                     </a:solidFill>
@@ -12304,7 +12402,7 @@
               </a:ln>
               <a:extLst>
                 <a:ext uri="{91240B29-F687-4f45-9708-019B960494DF}">
-                  <a14:hiddenLine xmlns:a14="http://schemas.microsoft.com/office/drawing/2010/main" xmlns="" w="9525">
+                  <a14:hiddenLine xmlns="" xmlns:a14="http://schemas.microsoft.com/office/drawing/2010/main" w="9525">
                     <a:solidFill>
                       <a:srgbClr val="000000"/>
                     </a:solidFill>
@@ -12924,6 +13022,72 @@
 </p:sld>
 </file>
 
+<file path=ppt/slides/slide10.xml><?xml version="1.0" encoding="utf-8"?>
+<p:sld xmlns:a="http://schemas.openxmlformats.org/drawingml/2006/main" xmlns:r="http://schemas.openxmlformats.org/officeDocument/2006/relationships" xmlns:p="http://schemas.openxmlformats.org/presentationml/2006/main">
+  <p:cSld>
+    <p:spTree>
+      <p:nvGrpSpPr>
+        <p:cNvPr id="1" name=""/>
+        <p:cNvGrpSpPr/>
+        <p:nvPr/>
+      </p:nvGrpSpPr>
+      <p:grpSpPr>
+        <a:xfrm>
+          <a:off x="0" y="0"/>
+          <a:ext cx="0" cy="0"/>
+          <a:chOff x="0" y="0"/>
+          <a:chExt cx="0" cy="0"/>
+        </a:xfrm>
+      </p:grpSpPr>
+      <p:sp>
+        <p:nvSpPr>
+          <p:cNvPr id="2" name="Titel 1">
+            <a:extLst>
+              <a:ext uri="{FF2B5EF4-FFF2-40B4-BE49-F238E27FC236}">
+                <a16:creationId xmlns:a16="http://schemas.microsoft.com/office/drawing/2014/main" id="{E870BB39-3894-404C-9070-6172E1BBFABA}"/>
+              </a:ext>
+            </a:extLst>
+          </p:cNvPr>
+          <p:cNvSpPr>
+            <a:spLocks noGrp="1"/>
+          </p:cNvSpPr>
+          <p:nvPr>
+            <p:ph type="title"/>
+          </p:nvPr>
+        </p:nvSpPr>
+        <p:spPr>
+          <a:xfrm>
+            <a:off x="3361592" y="2689715"/>
+            <a:ext cx="5468815" cy="1478570"/>
+          </a:xfrm>
+        </p:spPr>
+        <p:txBody>
+          <a:bodyPr>
+            <a:normAutofit/>
+          </a:bodyPr>
+          <a:lstStyle/>
+          <a:p>
+            <a:pPr algn="ctr"/>
+            <a:r>
+              <a:rPr lang="da-DK" dirty="0"/>
+              <a:t>Tests og kørende kode</a:t>
+            </a:r>
+          </a:p>
+        </p:txBody>
+      </p:sp>
+    </p:spTree>
+    <p:extLst>
+      <p:ext uri="{BB962C8B-B14F-4D97-AF65-F5344CB8AC3E}">
+        <p14:creationId xmlns:p14="http://schemas.microsoft.com/office/powerpoint/2010/main" val="3054669827"/>
+      </p:ext>
+    </p:extLst>
+  </p:cSld>
+  <p:clrMapOvr>
+    <a:masterClrMapping/>
+  </p:clrMapOvr>
+</p:sld>
+</file>
+
 <file path=ppt/slides/slide2.xml><?xml version="1.0" encoding="utf-8"?>
 <p:sld xmlns:a="http://schemas.openxmlformats.org/drawingml/2006/main" xmlns:r="http://schemas.openxmlformats.org/officeDocument/2006/relationships" xmlns:p="http://schemas.openxmlformats.org/presentationml/2006/main">
   <p:cSld>
@@ -13050,40 +13214,27 @@
             <p:ph type="title"/>
           </p:nvPr>
         </p:nvSpPr>
-        <p:spPr/>
+        <p:spPr>
+          <a:xfrm>
+            <a:off x="8915400" y="1950430"/>
+            <a:ext cx="2762250" cy="1478570"/>
+          </a:xfrm>
+        </p:spPr>
         <p:txBody>
           <a:bodyPr/>
           <a:lstStyle/>
           <a:p>
             <a:r>
               <a:rPr lang="da-DK" dirty="0"/>
-              <a:t>aktivitetsdiagram</a:t>
+              <a:t>Aktivitets-</a:t>
             </a:r>
-          </a:p>
-        </p:txBody>
-      </p:sp>
-      <p:sp>
-        <p:nvSpPr>
-          <p:cNvPr id="3" name="Pladsholder til lodret titel 2">
-            <a:extLst>
-              <a:ext uri="{FF2B5EF4-FFF2-40B4-BE49-F238E27FC236}">
-                <a16:creationId xmlns:a16="http://schemas.microsoft.com/office/drawing/2014/main" id="{D557E203-79F8-4145-B653-8FF850EDD5ED}"/>
-              </a:ext>
-            </a:extLst>
-          </p:cNvPr>
-          <p:cNvSpPr>
-            <a:spLocks noGrp="1"/>
-          </p:cNvSpPr>
-          <p:nvPr>
-            <p:ph type="body" orient="vert" idx="1"/>
-          </p:nvPr>
-        </p:nvSpPr>
-        <p:spPr/>
-        <p:txBody>
-          <a:bodyPr/>
-          <a:lstStyle/>
-          <a:p>
-            <a:endParaRPr lang="da-DK" dirty="0"/>
+            <a:br>
+              <a:rPr lang="da-DK" dirty="0"/>
+            </a:br>
+            <a:r>
+              <a:rPr lang="da-DK" dirty="0"/>
+              <a:t>diagram</a:t>
+            </a:r>
           </a:p>
         </p:txBody>
       </p:sp>
@@ -13109,8 +13260,8 @@
         </p:blipFill>
         <p:spPr>
           <a:xfrm>
-            <a:off x="5657671" y="1210052"/>
-            <a:ext cx="5389740" cy="4437896"/>
+            <a:off x="0" y="0"/>
+            <a:ext cx="8328910" cy="6858000"/>
           </a:xfrm>
           <a:prstGeom prst="rect">
             <a:avLst/>
@@ -13366,7 +13517,7 @@
           <a:noFill/>
           <a:extLst>
             <a:ext uri="{909E8E84-426E-40dd-AFC4-6F175D3DCCD1}">
-              <a14:hiddenFill xmlns="" xmlns:p14="http://schemas.microsoft.com/office/powerpoint/2010/main" xmlns:a14="http://schemas.microsoft.com/office/drawing/2010/main">
+              <a14:hiddenFill xmlns:a14="http://schemas.microsoft.com/office/drawing/2010/main" xmlns:p14="http://schemas.microsoft.com/office/powerpoint/2010/main" xmlns="">
                 <a:solidFill>
                   <a:srgbClr val="FFFFFF"/>
                 </a:solidFill>
@@ -13487,7 +13638,7 @@
               </a:ln>
               <a:extLst>
                 <a:ext uri="{91240B29-F687-4f45-9708-019B960494DF}">
-                  <a14:hiddenLine xmlns="" xmlns:p14="http://schemas.microsoft.com/office/powerpoint/2010/main" xmlns:a14="http://schemas.microsoft.com/office/drawing/2010/main" w="9525">
+                  <a14:hiddenLine xmlns:a14="http://schemas.microsoft.com/office/drawing/2010/main" xmlns:p14="http://schemas.microsoft.com/office/powerpoint/2010/main" xmlns="" w="9525">
                     <a:solidFill>
                       <a:srgbClr val="000000"/>
                     </a:solidFill>
@@ -13592,7 +13743,7 @@
               </a:ln>
               <a:extLst>
                 <a:ext uri="{91240B29-F687-4f45-9708-019B960494DF}">
-                  <a14:hiddenLine xmlns="" xmlns:p14="http://schemas.microsoft.com/office/powerpoint/2010/main" xmlns:a14="http://schemas.microsoft.com/office/drawing/2010/main" w="9525">
+                  <a14:hiddenLine xmlns:a14="http://schemas.microsoft.com/office/drawing/2010/main" xmlns:p14="http://schemas.microsoft.com/office/powerpoint/2010/main" xmlns="" w="9525">
                     <a:solidFill>
                       <a:srgbClr val="000000"/>
                     </a:solidFill>
@@ -13697,7 +13848,7 @@
               </a:ln>
               <a:extLst>
                 <a:ext uri="{91240B29-F687-4f45-9708-019B960494DF}">
-                  <a14:hiddenLine xmlns="" xmlns:p14="http://schemas.microsoft.com/office/powerpoint/2010/main" xmlns:a14="http://schemas.microsoft.com/office/drawing/2010/main" w="9525">
+                  <a14:hiddenLine xmlns:a14="http://schemas.microsoft.com/office/drawing/2010/main" xmlns:p14="http://schemas.microsoft.com/office/powerpoint/2010/main" xmlns="" w="9525">
                     <a:solidFill>
                       <a:srgbClr val="000000"/>
                     </a:solidFill>
@@ -13774,7 +13925,7 @@
               </a:ln>
               <a:extLst>
                 <a:ext uri="{91240B29-F687-4f45-9708-019B960494DF}">
-                  <a14:hiddenLine xmlns="" xmlns:p14="http://schemas.microsoft.com/office/powerpoint/2010/main" xmlns:a14="http://schemas.microsoft.com/office/drawing/2010/main" w="9525">
+                  <a14:hiddenLine xmlns:a14="http://schemas.microsoft.com/office/drawing/2010/main" xmlns:p14="http://schemas.microsoft.com/office/powerpoint/2010/main" xmlns="" w="9525">
                     <a:solidFill>
                       <a:srgbClr val="000000"/>
                     </a:solidFill>
@@ -13879,7 +14030,7 @@
               </a:ln>
               <a:extLst>
                 <a:ext uri="{91240B29-F687-4f45-9708-019B960494DF}">
-                  <a14:hiddenLine xmlns="" xmlns:p14="http://schemas.microsoft.com/office/powerpoint/2010/main" xmlns:a14="http://schemas.microsoft.com/office/drawing/2010/main" w="9525">
+                  <a14:hiddenLine xmlns:a14="http://schemas.microsoft.com/office/drawing/2010/main" xmlns:p14="http://schemas.microsoft.com/office/powerpoint/2010/main" xmlns="" w="9525">
                     <a:solidFill>
                       <a:srgbClr val="000000"/>
                     </a:solidFill>
@@ -13956,7 +14107,7 @@
               </a:ln>
               <a:extLst>
                 <a:ext uri="{91240B29-F687-4f45-9708-019B960494DF}">
-                  <a14:hiddenLine xmlns="" xmlns:p14="http://schemas.microsoft.com/office/powerpoint/2010/main" xmlns:a14="http://schemas.microsoft.com/office/drawing/2010/main" w="9525">
+                  <a14:hiddenLine xmlns:a14="http://schemas.microsoft.com/office/drawing/2010/main" xmlns:p14="http://schemas.microsoft.com/office/powerpoint/2010/main" xmlns="" w="9525">
                     <a:solidFill>
                       <a:srgbClr val="000000"/>
                     </a:solidFill>
@@ -14033,7 +14184,7 @@
               </a:ln>
               <a:extLst>
                 <a:ext uri="{91240B29-F687-4f45-9708-019B960494DF}">
-                  <a14:hiddenLine xmlns="" xmlns:p14="http://schemas.microsoft.com/office/powerpoint/2010/main" xmlns:a14="http://schemas.microsoft.com/office/drawing/2010/main" w="9525">
+                  <a14:hiddenLine xmlns:a14="http://schemas.microsoft.com/office/drawing/2010/main" xmlns:p14="http://schemas.microsoft.com/office/powerpoint/2010/main" xmlns="" w="9525">
                     <a:solidFill>
                       <a:srgbClr val="000000"/>
                     </a:solidFill>
@@ -14138,7 +14289,7 @@
               </a:ln>
               <a:extLst>
                 <a:ext uri="{91240B29-F687-4f45-9708-019B960494DF}">
-                  <a14:hiddenLine xmlns="" xmlns:p14="http://schemas.microsoft.com/office/powerpoint/2010/main" xmlns:a14="http://schemas.microsoft.com/office/drawing/2010/main" w="9525">
+                  <a14:hiddenLine xmlns:a14="http://schemas.microsoft.com/office/drawing/2010/main" xmlns:p14="http://schemas.microsoft.com/office/powerpoint/2010/main" xmlns="" w="9525">
                     <a:solidFill>
                       <a:srgbClr val="000000"/>
                     </a:solidFill>
@@ -14243,7 +14394,7 @@
               </a:ln>
               <a:extLst>
                 <a:ext uri="{91240B29-F687-4f45-9708-019B960494DF}">
-                  <a14:hiddenLine xmlns="" xmlns:p14="http://schemas.microsoft.com/office/powerpoint/2010/main" xmlns:a14="http://schemas.microsoft.com/office/drawing/2010/main" w="9525">
+                  <a14:hiddenLine xmlns:a14="http://schemas.microsoft.com/office/drawing/2010/main" xmlns:p14="http://schemas.microsoft.com/office/powerpoint/2010/main" xmlns="" w="9525">
                     <a:solidFill>
                       <a:srgbClr val="000000"/>
                     </a:solidFill>
@@ -14320,7 +14471,7 @@
               </a:ln>
               <a:extLst>
                 <a:ext uri="{91240B29-F687-4f45-9708-019B960494DF}">
-                  <a14:hiddenLine xmlns="" xmlns:p14="http://schemas.microsoft.com/office/powerpoint/2010/main" xmlns:a14="http://schemas.microsoft.com/office/drawing/2010/main" w="9525">
+                  <a14:hiddenLine xmlns:a14="http://schemas.microsoft.com/office/drawing/2010/main" xmlns:p14="http://schemas.microsoft.com/office/powerpoint/2010/main" xmlns="" w="9525">
                     <a:solidFill>
                       <a:srgbClr val="000000"/>
                     </a:solidFill>
@@ -14445,7 +14596,7 @@
               </a:ln>
               <a:extLst>
                 <a:ext uri="{91240B29-F687-4f45-9708-019B960494DF}">
-                  <a14:hiddenLine xmlns="" xmlns:p14="http://schemas.microsoft.com/office/powerpoint/2010/main" xmlns:a14="http://schemas.microsoft.com/office/drawing/2010/main" w="9525">
+                  <a14:hiddenLine xmlns:a14="http://schemas.microsoft.com/office/drawing/2010/main" xmlns:p14="http://schemas.microsoft.com/office/powerpoint/2010/main" xmlns="" w="9525">
                     <a:solidFill>
                       <a:srgbClr val="000000"/>
                     </a:solidFill>
@@ -14559,7 +14710,7 @@
               </a:ln>
               <a:extLst>
                 <a:ext uri="{91240B29-F687-4f45-9708-019B960494DF}">
-                  <a14:hiddenLine xmlns="" xmlns:p14="http://schemas.microsoft.com/office/powerpoint/2010/main" xmlns:a14="http://schemas.microsoft.com/office/drawing/2010/main" w="9525">
+                  <a14:hiddenLine xmlns:a14="http://schemas.microsoft.com/office/drawing/2010/main" xmlns:p14="http://schemas.microsoft.com/office/powerpoint/2010/main" xmlns="" w="9525">
                     <a:solidFill>
                       <a:srgbClr val="000000"/>
                     </a:solidFill>
@@ -14636,7 +14787,7 @@
               </a:ln>
               <a:extLst>
                 <a:ext uri="{91240B29-F687-4f45-9708-019B960494DF}">
-                  <a14:hiddenLine xmlns="" xmlns:p14="http://schemas.microsoft.com/office/powerpoint/2010/main" xmlns:a14="http://schemas.microsoft.com/office/drawing/2010/main" w="9525">
+                  <a14:hiddenLine xmlns:a14="http://schemas.microsoft.com/office/drawing/2010/main" xmlns:p14="http://schemas.microsoft.com/office/powerpoint/2010/main" xmlns="" w="9525">
                     <a:solidFill>
                       <a:srgbClr val="000000"/>
                     </a:solidFill>
@@ -14713,7 +14864,7 @@
               </a:ln>
               <a:extLst>
                 <a:ext uri="{91240B29-F687-4f45-9708-019B960494DF}">
-                  <a14:hiddenLine xmlns="" xmlns:p14="http://schemas.microsoft.com/office/powerpoint/2010/main" xmlns:a14="http://schemas.microsoft.com/office/drawing/2010/main" w="9525">
+                  <a14:hiddenLine xmlns:a14="http://schemas.microsoft.com/office/drawing/2010/main" xmlns:p14="http://schemas.microsoft.com/office/powerpoint/2010/main" xmlns="" w="9525">
                     <a:solidFill>
                       <a:srgbClr val="000000"/>
                     </a:solidFill>
@@ -14818,7 +14969,7 @@
               </a:ln>
               <a:extLst>
                 <a:ext uri="{91240B29-F687-4f45-9708-019B960494DF}">
-                  <a14:hiddenLine xmlns="" xmlns:p14="http://schemas.microsoft.com/office/powerpoint/2010/main" xmlns:a14="http://schemas.microsoft.com/office/drawing/2010/main" w="9525">
+                  <a14:hiddenLine xmlns:a14="http://schemas.microsoft.com/office/drawing/2010/main" xmlns:p14="http://schemas.microsoft.com/office/powerpoint/2010/main" xmlns="" w="9525">
                     <a:solidFill>
                       <a:srgbClr val="000000"/>
                     </a:solidFill>
@@ -14867,7 +15018,7 @@
               </a:ln>
               <a:extLst>
                 <a:ext uri="{91240B29-F687-4f45-9708-019B960494DF}">
-                  <a14:hiddenLine xmlns="" xmlns:p14="http://schemas.microsoft.com/office/powerpoint/2010/main" xmlns:a14="http://schemas.microsoft.com/office/drawing/2010/main" w="9525">
+                  <a14:hiddenLine xmlns:a14="http://schemas.microsoft.com/office/drawing/2010/main" xmlns:p14="http://schemas.microsoft.com/office/powerpoint/2010/main" xmlns="" w="9525">
                     <a:solidFill>
                       <a:srgbClr val="000000"/>
                     </a:solidFill>
@@ -14947,7 +15098,7 @@
               </a:ln>
               <a:extLst>
                 <a:ext uri="{91240B29-F687-4f45-9708-019B960494DF}">
-                  <a14:hiddenLine xmlns="" xmlns:p14="http://schemas.microsoft.com/office/powerpoint/2010/main" xmlns:a14="http://schemas.microsoft.com/office/drawing/2010/main" w="9525">
+                  <a14:hiddenLine xmlns:a14="http://schemas.microsoft.com/office/drawing/2010/main" xmlns:p14="http://schemas.microsoft.com/office/powerpoint/2010/main" xmlns="" w="9525">
                     <a:solidFill>
                       <a:srgbClr val="000000"/>
                     </a:solidFill>
@@ -15052,7 +15203,7 @@
               </a:ln>
               <a:extLst>
                 <a:ext uri="{91240B29-F687-4f45-9708-019B960494DF}">
-                  <a14:hiddenLine xmlns="" xmlns:p14="http://schemas.microsoft.com/office/powerpoint/2010/main" xmlns:a14="http://schemas.microsoft.com/office/drawing/2010/main" w="9525">
+                  <a14:hiddenLine xmlns:a14="http://schemas.microsoft.com/office/drawing/2010/main" xmlns:p14="http://schemas.microsoft.com/office/powerpoint/2010/main" xmlns="" w="9525">
                     <a:solidFill>
                       <a:srgbClr val="000000"/>
                     </a:solidFill>
@@ -15129,7 +15280,7 @@
               </a:ln>
               <a:extLst>
                 <a:ext uri="{91240B29-F687-4f45-9708-019B960494DF}">
-                  <a14:hiddenLine xmlns="" xmlns:p14="http://schemas.microsoft.com/office/powerpoint/2010/main" xmlns:a14="http://schemas.microsoft.com/office/drawing/2010/main" w="9525">
+                  <a14:hiddenLine xmlns:a14="http://schemas.microsoft.com/office/drawing/2010/main" xmlns:p14="http://schemas.microsoft.com/office/powerpoint/2010/main" xmlns="" w="9525">
                     <a:solidFill>
                       <a:srgbClr val="000000"/>
                     </a:solidFill>
@@ -15234,7 +15385,7 @@
               </a:ln>
               <a:extLst>
                 <a:ext uri="{91240B29-F687-4f45-9708-019B960494DF}">
-                  <a14:hiddenLine xmlns="" xmlns:p14="http://schemas.microsoft.com/office/powerpoint/2010/main" xmlns:a14="http://schemas.microsoft.com/office/drawing/2010/main" w="9525">
+                  <a14:hiddenLine xmlns:a14="http://schemas.microsoft.com/office/drawing/2010/main" xmlns:p14="http://schemas.microsoft.com/office/powerpoint/2010/main" xmlns="" w="9525">
                     <a:solidFill>
                       <a:srgbClr val="000000"/>
                     </a:solidFill>
@@ -15314,7 +15465,7 @@
               </a:ln>
               <a:extLst>
                 <a:ext uri="{91240B29-F687-4f45-9708-019B960494DF}">
-                  <a14:hiddenLine xmlns="" xmlns:p14="http://schemas.microsoft.com/office/powerpoint/2010/main" xmlns:a14="http://schemas.microsoft.com/office/drawing/2010/main" w="9525">
+                  <a14:hiddenLine xmlns:a14="http://schemas.microsoft.com/office/drawing/2010/main" xmlns:p14="http://schemas.microsoft.com/office/powerpoint/2010/main" xmlns="" w="9525">
                     <a:solidFill>
                       <a:srgbClr val="000000"/>
                     </a:solidFill>
@@ -15391,7 +15542,7 @@
               </a:ln>
               <a:extLst>
                 <a:ext uri="{91240B29-F687-4f45-9708-019B960494DF}">
-                  <a14:hiddenLine xmlns="" xmlns:p14="http://schemas.microsoft.com/office/powerpoint/2010/main" xmlns:a14="http://schemas.microsoft.com/office/drawing/2010/main" w="9525">
+                  <a14:hiddenLine xmlns:a14="http://schemas.microsoft.com/office/drawing/2010/main" xmlns:p14="http://schemas.microsoft.com/office/powerpoint/2010/main" xmlns="" w="9525">
                     <a:solidFill>
                       <a:srgbClr val="000000"/>
                     </a:solidFill>
@@ -15496,7 +15647,7 @@
               </a:ln>
               <a:extLst>
                 <a:ext uri="{91240B29-F687-4f45-9708-019B960494DF}">
-                  <a14:hiddenLine xmlns="" xmlns:p14="http://schemas.microsoft.com/office/powerpoint/2010/main" xmlns:a14="http://schemas.microsoft.com/office/drawing/2010/main" w="9525">
+                  <a14:hiddenLine xmlns:a14="http://schemas.microsoft.com/office/drawing/2010/main" xmlns:p14="http://schemas.microsoft.com/office/powerpoint/2010/main" xmlns="" w="9525">
                     <a:solidFill>
                       <a:srgbClr val="000000"/>
                     </a:solidFill>
@@ -15601,7 +15752,7 @@
               </a:ln>
               <a:extLst>
                 <a:ext uri="{91240B29-F687-4f45-9708-019B960494DF}">
-                  <a14:hiddenLine xmlns="" xmlns:p14="http://schemas.microsoft.com/office/powerpoint/2010/main" xmlns:a14="http://schemas.microsoft.com/office/drawing/2010/main" w="9525">
+                  <a14:hiddenLine xmlns:a14="http://schemas.microsoft.com/office/drawing/2010/main" xmlns:p14="http://schemas.microsoft.com/office/powerpoint/2010/main" xmlns="" w="9525">
                     <a:solidFill>
                       <a:srgbClr val="000000"/>
                     </a:solidFill>
@@ -15681,7 +15832,7 @@
               </a:ln>
               <a:extLst>
                 <a:ext uri="{91240B29-F687-4f45-9708-019B960494DF}">
-                  <a14:hiddenLine xmlns="" xmlns:p14="http://schemas.microsoft.com/office/powerpoint/2010/main" xmlns:a14="http://schemas.microsoft.com/office/drawing/2010/main" w="9525">
+                  <a14:hiddenLine xmlns:a14="http://schemas.microsoft.com/office/drawing/2010/main" xmlns:p14="http://schemas.microsoft.com/office/powerpoint/2010/main" xmlns="" w="9525">
                     <a:solidFill>
                       <a:srgbClr val="000000"/>
                     </a:solidFill>
@@ -15816,7 +15967,7 @@
               </a:ln>
               <a:extLst>
                 <a:ext uri="{91240B29-F687-4f45-9708-019B960494DF}">
-                  <a14:hiddenLine xmlns="" xmlns:p14="http://schemas.microsoft.com/office/powerpoint/2010/main" xmlns:a14="http://schemas.microsoft.com/office/drawing/2010/main" w="9525">
+                  <a14:hiddenLine xmlns:a14="http://schemas.microsoft.com/office/drawing/2010/main" xmlns:p14="http://schemas.microsoft.com/office/powerpoint/2010/main" xmlns="" w="9525">
                     <a:solidFill>
                       <a:srgbClr val="000000"/>
                     </a:solidFill>
@@ -15927,7 +16078,7 @@
               </a:ln>
               <a:extLst>
                 <a:ext uri="{91240B29-F687-4f45-9708-019B960494DF}">
-                  <a14:hiddenLine xmlns="" xmlns:p14="http://schemas.microsoft.com/office/powerpoint/2010/main" xmlns:a14="http://schemas.microsoft.com/office/drawing/2010/main" w="9525">
+                  <a14:hiddenLine xmlns:a14="http://schemas.microsoft.com/office/drawing/2010/main" xmlns:p14="http://schemas.microsoft.com/office/powerpoint/2010/main" xmlns="" w="9525">
                     <a:solidFill>
                       <a:srgbClr val="000000"/>
                     </a:solidFill>
@@ -16057,7 +16208,7 @@
               </a:ln>
               <a:extLst>
                 <a:ext uri="{91240B29-F687-4f45-9708-019B960494DF}">
-                  <a14:hiddenLine xmlns="" xmlns:p14="http://schemas.microsoft.com/office/powerpoint/2010/main" xmlns:a14="http://schemas.microsoft.com/office/drawing/2010/main" w="9525">
+                  <a14:hiddenLine xmlns:a14="http://schemas.microsoft.com/office/drawing/2010/main" xmlns:p14="http://schemas.microsoft.com/office/powerpoint/2010/main" xmlns="" w="9525">
                     <a:solidFill>
                       <a:srgbClr val="000000"/>
                     </a:solidFill>
@@ -16162,7 +16313,7 @@
               </a:ln>
               <a:extLst>
                 <a:ext uri="{91240B29-F687-4f45-9708-019B960494DF}">
-                  <a14:hiddenLine xmlns="" xmlns:p14="http://schemas.microsoft.com/office/powerpoint/2010/main" xmlns:a14="http://schemas.microsoft.com/office/drawing/2010/main" w="9525">
+                  <a14:hiddenLine xmlns:a14="http://schemas.microsoft.com/office/drawing/2010/main" xmlns:p14="http://schemas.microsoft.com/office/powerpoint/2010/main" xmlns="" w="9525">
                     <a:solidFill>
                       <a:srgbClr val="000000"/>
                     </a:solidFill>
@@ -16242,7 +16393,7 @@
               </a:ln>
               <a:extLst>
                 <a:ext uri="{91240B29-F687-4f45-9708-019B960494DF}">
-                  <a14:hiddenLine xmlns="" xmlns:p14="http://schemas.microsoft.com/office/powerpoint/2010/main" xmlns:a14="http://schemas.microsoft.com/office/drawing/2010/main" w="9525">
+                  <a14:hiddenLine xmlns:a14="http://schemas.microsoft.com/office/drawing/2010/main" xmlns:p14="http://schemas.microsoft.com/office/powerpoint/2010/main" xmlns="" w="9525">
                     <a:solidFill>
                       <a:srgbClr val="000000"/>
                     </a:solidFill>
@@ -16347,7 +16498,7 @@
               </a:ln>
               <a:extLst>
                 <a:ext uri="{91240B29-F687-4f45-9708-019B960494DF}">
-                  <a14:hiddenLine xmlns="" xmlns:p14="http://schemas.microsoft.com/office/powerpoint/2010/main" xmlns:a14="http://schemas.microsoft.com/office/drawing/2010/main" w="9525">
+                  <a14:hiddenLine xmlns:a14="http://schemas.microsoft.com/office/drawing/2010/main" xmlns:p14="http://schemas.microsoft.com/office/powerpoint/2010/main" xmlns="" w="9525">
                     <a:solidFill>
                       <a:srgbClr val="000000"/>
                     </a:solidFill>
@@ -16430,7 +16581,7 @@
               </a:ln>
               <a:extLst>
                 <a:ext uri="{91240B29-F687-4f45-9708-019B960494DF}">
-                  <a14:hiddenLine xmlns="" xmlns:p14="http://schemas.microsoft.com/office/powerpoint/2010/main" xmlns:a14="http://schemas.microsoft.com/office/drawing/2010/main" w="9525">
+                  <a14:hiddenLine xmlns:a14="http://schemas.microsoft.com/office/drawing/2010/main" xmlns:p14="http://schemas.microsoft.com/office/powerpoint/2010/main" xmlns="" w="9525">
                     <a:solidFill>
                       <a:srgbClr val="000000"/>
                     </a:solidFill>
@@ -16535,7 +16686,7 @@
               </a:ln>
               <a:extLst>
                 <a:ext uri="{91240B29-F687-4f45-9708-019B960494DF}">
-                  <a14:hiddenLine xmlns="" xmlns:p14="http://schemas.microsoft.com/office/powerpoint/2010/main" xmlns:a14="http://schemas.microsoft.com/office/drawing/2010/main" w="9525">
+                  <a14:hiddenLine xmlns:a14="http://schemas.microsoft.com/office/drawing/2010/main" xmlns:p14="http://schemas.microsoft.com/office/powerpoint/2010/main" xmlns="" w="9525">
                     <a:solidFill>
                       <a:srgbClr val="000000"/>
                     </a:solidFill>
@@ -16618,7 +16769,7 @@
               </a:ln>
               <a:extLst>
                 <a:ext uri="{91240B29-F687-4f45-9708-019B960494DF}">
-                  <a14:hiddenLine xmlns="" xmlns:p14="http://schemas.microsoft.com/office/powerpoint/2010/main" xmlns:a14="http://schemas.microsoft.com/office/drawing/2010/main" w="9525">
+                  <a14:hiddenLine xmlns:a14="http://schemas.microsoft.com/office/drawing/2010/main" xmlns:p14="http://schemas.microsoft.com/office/powerpoint/2010/main" xmlns="" w="9525">
                     <a:solidFill>
                       <a:srgbClr val="000000"/>
                     </a:solidFill>
@@ -16723,7 +16874,7 @@
               </a:ln>
               <a:extLst>
                 <a:ext uri="{91240B29-F687-4f45-9708-019B960494DF}">
-                  <a14:hiddenLine xmlns="" xmlns:p14="http://schemas.microsoft.com/office/powerpoint/2010/main" xmlns:a14="http://schemas.microsoft.com/office/drawing/2010/main" w="9525">
+                  <a14:hiddenLine xmlns:a14="http://schemas.microsoft.com/office/drawing/2010/main" xmlns:p14="http://schemas.microsoft.com/office/powerpoint/2010/main" xmlns="" w="9525">
                     <a:solidFill>
                       <a:srgbClr val="000000"/>
                     </a:solidFill>
@@ -16772,7 +16923,7 @@
               </a:ln>
               <a:extLst>
                 <a:ext uri="{91240B29-F687-4f45-9708-019B960494DF}">
-                  <a14:hiddenLine xmlns="" xmlns:p14="http://schemas.microsoft.com/office/powerpoint/2010/main" xmlns:a14="http://schemas.microsoft.com/office/drawing/2010/main" w="9525">
+                  <a14:hiddenLine xmlns:a14="http://schemas.microsoft.com/office/drawing/2010/main" xmlns:p14="http://schemas.microsoft.com/office/powerpoint/2010/main" xmlns="" w="9525">
                     <a:solidFill>
                       <a:srgbClr val="000000"/>
                     </a:solidFill>
@@ -16930,7 +17081,7 @@
             <a:noFill/>
             <a:extLst>
               <a:ext uri="{909E8E84-426E-40dd-AFC4-6F175D3DCCD1}">
-                <a14:hiddenFill xmlns="" xmlns:p14="http://schemas.microsoft.com/office/powerpoint/2010/main" xmlns:a14="http://schemas.microsoft.com/office/drawing/2010/main">
+                <a14:hiddenFill xmlns:a14="http://schemas.microsoft.com/office/drawing/2010/main" xmlns:p14="http://schemas.microsoft.com/office/powerpoint/2010/main" xmlns="">
                   <a:solidFill>
                     <a:srgbClr val="FFFFFF"/>
                   </a:solidFill>
@@ -17014,7 +17165,7 @@
             </a:ln>
             <a:extLst>
               <a:ext uri="{91240B29-F687-4f45-9708-019B960494DF}">
-                <a14:hiddenLine xmlns="" xmlns:p14="http://schemas.microsoft.com/office/powerpoint/2010/main" xmlns:a14="http://schemas.microsoft.com/office/drawing/2010/main" w="9525">
+                <a14:hiddenLine xmlns:a14="http://schemas.microsoft.com/office/drawing/2010/main" xmlns:p14="http://schemas.microsoft.com/office/powerpoint/2010/main" xmlns="" w="9525">
                   <a:solidFill>
                     <a:srgbClr val="000000"/>
                   </a:solidFill>
@@ -17119,7 +17270,7 @@
             </a:ln>
             <a:extLst>
               <a:ext uri="{91240B29-F687-4f45-9708-019B960494DF}">
-                <a14:hiddenLine xmlns="" xmlns:p14="http://schemas.microsoft.com/office/powerpoint/2010/main" xmlns:a14="http://schemas.microsoft.com/office/drawing/2010/main" w="9525">
+                <a14:hiddenLine xmlns:a14="http://schemas.microsoft.com/office/drawing/2010/main" xmlns:p14="http://schemas.microsoft.com/office/powerpoint/2010/main" xmlns="" w="9525">
                   <a:solidFill>
                     <a:srgbClr val="000000"/>
                   </a:solidFill>
@@ -17224,7 +17375,7 @@
             </a:ln>
             <a:extLst>
               <a:ext uri="{91240B29-F687-4f45-9708-019B960494DF}">
-                <a14:hiddenLine xmlns="" xmlns:p14="http://schemas.microsoft.com/office/powerpoint/2010/main" xmlns:a14="http://schemas.microsoft.com/office/drawing/2010/main" w="9525">
+                <a14:hiddenLine xmlns:a14="http://schemas.microsoft.com/office/drawing/2010/main" xmlns:p14="http://schemas.microsoft.com/office/powerpoint/2010/main" xmlns="" w="9525">
                   <a:solidFill>
                     <a:srgbClr val="000000"/>
                   </a:solidFill>
@@ -17273,7 +17424,7 @@
             </a:ln>
             <a:extLst>
               <a:ext uri="{91240B29-F687-4f45-9708-019B960494DF}">
-                <a14:hiddenLine xmlns="" xmlns:p14="http://schemas.microsoft.com/office/powerpoint/2010/main" xmlns:a14="http://schemas.microsoft.com/office/drawing/2010/main" w="9525">
+                <a14:hiddenLine xmlns:a14="http://schemas.microsoft.com/office/drawing/2010/main" xmlns:p14="http://schemas.microsoft.com/office/powerpoint/2010/main" xmlns="" w="9525">
                   <a:solidFill>
                     <a:srgbClr val="000000"/>
                   </a:solidFill>
@@ -17378,7 +17529,7 @@
             </a:ln>
             <a:extLst>
               <a:ext uri="{91240B29-F687-4f45-9708-019B960494DF}">
-                <a14:hiddenLine xmlns="" xmlns:p14="http://schemas.microsoft.com/office/powerpoint/2010/main" xmlns:a14="http://schemas.microsoft.com/office/drawing/2010/main" w="9525">
+                <a14:hiddenLine xmlns:a14="http://schemas.microsoft.com/office/drawing/2010/main" xmlns:p14="http://schemas.microsoft.com/office/powerpoint/2010/main" xmlns="" w="9525">
                   <a:solidFill>
                     <a:srgbClr val="000000"/>
                   </a:solidFill>
@@ -17455,7 +17606,7 @@
             </a:ln>
             <a:extLst>
               <a:ext uri="{91240B29-F687-4f45-9708-019B960494DF}">
-                <a14:hiddenLine xmlns="" xmlns:p14="http://schemas.microsoft.com/office/powerpoint/2010/main" xmlns:a14="http://schemas.microsoft.com/office/drawing/2010/main" w="9525">
+                <a14:hiddenLine xmlns:a14="http://schemas.microsoft.com/office/drawing/2010/main" xmlns:p14="http://schemas.microsoft.com/office/powerpoint/2010/main" xmlns="" w="9525">
                   <a:solidFill>
                     <a:srgbClr val="000000"/>
                   </a:solidFill>
@@ -17532,7 +17683,7 @@
             </a:ln>
             <a:extLst>
               <a:ext uri="{91240B29-F687-4f45-9708-019B960494DF}">
-                <a14:hiddenLine xmlns="" xmlns:p14="http://schemas.microsoft.com/office/powerpoint/2010/main" xmlns:a14="http://schemas.microsoft.com/office/drawing/2010/main" w="9525">
+                <a14:hiddenLine xmlns:a14="http://schemas.microsoft.com/office/drawing/2010/main" xmlns:p14="http://schemas.microsoft.com/office/powerpoint/2010/main" xmlns="" w="9525">
                   <a:solidFill>
                     <a:srgbClr val="000000"/>
                   </a:solidFill>
@@ -17637,7 +17788,7 @@
             </a:ln>
             <a:extLst>
               <a:ext uri="{91240B29-F687-4f45-9708-019B960494DF}">
-                <a14:hiddenLine xmlns="" xmlns:p14="http://schemas.microsoft.com/office/powerpoint/2010/main" xmlns:a14="http://schemas.microsoft.com/office/drawing/2010/main" w="9525">
+                <a14:hiddenLine xmlns:a14="http://schemas.microsoft.com/office/drawing/2010/main" xmlns:p14="http://schemas.microsoft.com/office/powerpoint/2010/main" xmlns="" w="9525">
                   <a:solidFill>
                     <a:srgbClr val="000000"/>
                   </a:solidFill>
@@ -17714,7 +17865,7 @@
             </a:ln>
             <a:extLst>
               <a:ext uri="{91240B29-F687-4f45-9708-019B960494DF}">
-                <a14:hiddenLine xmlns="" xmlns:p14="http://schemas.microsoft.com/office/powerpoint/2010/main" xmlns:a14="http://schemas.microsoft.com/office/drawing/2010/main" w="9525">
+                <a14:hiddenLine xmlns:a14="http://schemas.microsoft.com/office/drawing/2010/main" xmlns:p14="http://schemas.microsoft.com/office/powerpoint/2010/main" xmlns="" w="9525">
                   <a:solidFill>
                     <a:srgbClr val="000000"/>
                   </a:solidFill>
@@ -17791,7 +17942,7 @@
             </a:ln>
             <a:extLst>
               <a:ext uri="{91240B29-F687-4f45-9708-019B960494DF}">
-                <a14:hiddenLine xmlns="" xmlns:p14="http://schemas.microsoft.com/office/powerpoint/2010/main" xmlns:a14="http://schemas.microsoft.com/office/drawing/2010/main" w="9525">
+                <a14:hiddenLine xmlns:a14="http://schemas.microsoft.com/office/drawing/2010/main" xmlns:p14="http://schemas.microsoft.com/office/powerpoint/2010/main" xmlns="" w="9525">
                   <a:solidFill>
                     <a:srgbClr val="000000"/>
                   </a:solidFill>
@@ -17896,7 +18047,7 @@
             </a:ln>
             <a:extLst>
               <a:ext uri="{91240B29-F687-4f45-9708-019B960494DF}">
-                <a14:hiddenLine xmlns="" xmlns:p14="http://schemas.microsoft.com/office/powerpoint/2010/main" xmlns:a14="http://schemas.microsoft.com/office/drawing/2010/main" w="9525">
+                <a14:hiddenLine xmlns:a14="http://schemas.microsoft.com/office/drawing/2010/main" xmlns:p14="http://schemas.microsoft.com/office/powerpoint/2010/main" xmlns="" w="9525">
                   <a:solidFill>
                     <a:srgbClr val="000000"/>
                   </a:solidFill>
@@ -18001,7 +18152,7 @@
             </a:ln>
             <a:extLst>
               <a:ext uri="{91240B29-F687-4f45-9708-019B960494DF}">
-                <a14:hiddenLine xmlns="" xmlns:p14="http://schemas.microsoft.com/office/powerpoint/2010/main" xmlns:a14="http://schemas.microsoft.com/office/drawing/2010/main" w="9525">
+                <a14:hiddenLine xmlns:a14="http://schemas.microsoft.com/office/drawing/2010/main" xmlns:p14="http://schemas.microsoft.com/office/powerpoint/2010/main" xmlns="" w="9525">
                   <a:solidFill>
                     <a:srgbClr val="000000"/>
                   </a:solidFill>
@@ -18078,7 +18229,7 @@
             </a:ln>
             <a:extLst>
               <a:ext uri="{91240B29-F687-4f45-9708-019B960494DF}">
-                <a14:hiddenLine xmlns="" xmlns:p14="http://schemas.microsoft.com/office/powerpoint/2010/main" xmlns:a14="http://schemas.microsoft.com/office/drawing/2010/main" w="9525">
+                <a14:hiddenLine xmlns:a14="http://schemas.microsoft.com/office/drawing/2010/main" xmlns:p14="http://schemas.microsoft.com/office/powerpoint/2010/main" xmlns="" w="9525">
                   <a:solidFill>
                     <a:srgbClr val="000000"/>
                   </a:solidFill>
@@ -18203,7 +18354,7 @@
             </a:ln>
             <a:extLst>
               <a:ext uri="{91240B29-F687-4f45-9708-019B960494DF}">
-                <a14:hiddenLine xmlns="" xmlns:p14="http://schemas.microsoft.com/office/powerpoint/2010/main" xmlns:a14="http://schemas.microsoft.com/office/drawing/2010/main" w="9525">
+                <a14:hiddenLine xmlns:a14="http://schemas.microsoft.com/office/drawing/2010/main" xmlns:p14="http://schemas.microsoft.com/office/powerpoint/2010/main" xmlns="" w="9525">
                   <a:solidFill>
                     <a:srgbClr val="000000"/>
                   </a:solidFill>
@@ -18280,7 +18431,7 @@
             </a:ln>
             <a:extLst>
               <a:ext uri="{91240B29-F687-4f45-9708-019B960494DF}">
-                <a14:hiddenLine xmlns="" xmlns:p14="http://schemas.microsoft.com/office/powerpoint/2010/main" xmlns:a14="http://schemas.microsoft.com/office/drawing/2010/main" w="9525">
+                <a14:hiddenLine xmlns:a14="http://schemas.microsoft.com/office/drawing/2010/main" xmlns:p14="http://schemas.microsoft.com/office/powerpoint/2010/main" xmlns="" w="9525">
                   <a:solidFill>
                     <a:srgbClr val="000000"/>
                   </a:solidFill>
@@ -18385,7 +18536,7 @@
             </a:ln>
             <a:extLst>
               <a:ext uri="{91240B29-F687-4f45-9708-019B960494DF}">
-                <a14:hiddenLine xmlns="" xmlns:p14="http://schemas.microsoft.com/office/powerpoint/2010/main" xmlns:a14="http://schemas.microsoft.com/office/drawing/2010/main" w="9525">
+                <a14:hiddenLine xmlns:a14="http://schemas.microsoft.com/office/drawing/2010/main" xmlns:p14="http://schemas.microsoft.com/office/powerpoint/2010/main" xmlns="" w="9525">
                   <a:solidFill>
                     <a:srgbClr val="000000"/>
                   </a:solidFill>
@@ -18490,7 +18641,7 @@
             </a:ln>
             <a:extLst>
               <a:ext uri="{91240B29-F687-4f45-9708-019B960494DF}">
-                <a14:hiddenLine xmlns="" xmlns:p14="http://schemas.microsoft.com/office/powerpoint/2010/main" xmlns:a14="http://schemas.microsoft.com/office/drawing/2010/main" w="9525">
+                <a14:hiddenLine xmlns:a14="http://schemas.microsoft.com/office/drawing/2010/main" xmlns:p14="http://schemas.microsoft.com/office/powerpoint/2010/main" xmlns="" w="9525">
                   <a:solidFill>
                     <a:srgbClr val="000000"/>
                   </a:solidFill>
@@ -18567,7 +18718,7 @@
             </a:ln>
             <a:extLst>
               <a:ext uri="{91240B29-F687-4f45-9708-019B960494DF}">
-                <a14:hiddenLine xmlns="" xmlns:p14="http://schemas.microsoft.com/office/powerpoint/2010/main" xmlns:a14="http://schemas.microsoft.com/office/drawing/2010/main" w="9525">
+                <a14:hiddenLine xmlns:a14="http://schemas.microsoft.com/office/drawing/2010/main" xmlns:p14="http://schemas.microsoft.com/office/powerpoint/2010/main" xmlns="" w="9525">
                   <a:solidFill>
                     <a:srgbClr val="000000"/>
                   </a:solidFill>
@@ -18672,7 +18823,7 @@
             </a:ln>
             <a:extLst>
               <a:ext uri="{91240B29-F687-4f45-9708-019B960494DF}">
-                <a14:hiddenLine xmlns="" xmlns:p14="http://schemas.microsoft.com/office/powerpoint/2010/main" xmlns:a14="http://schemas.microsoft.com/office/drawing/2010/main" w="9525">
+                <a14:hiddenLine xmlns:a14="http://schemas.microsoft.com/office/drawing/2010/main" xmlns:p14="http://schemas.microsoft.com/office/powerpoint/2010/main" xmlns="" w="9525">
                   <a:solidFill>
                     <a:srgbClr val="000000"/>
                   </a:solidFill>
@@ -18777,7 +18928,7 @@
             </a:ln>
             <a:extLst>
               <a:ext uri="{91240B29-F687-4f45-9708-019B960494DF}">
-                <a14:hiddenLine xmlns="" xmlns:p14="http://schemas.microsoft.com/office/powerpoint/2010/main" xmlns:a14="http://schemas.microsoft.com/office/drawing/2010/main" w="9525">
+                <a14:hiddenLine xmlns:a14="http://schemas.microsoft.com/office/drawing/2010/main" xmlns:p14="http://schemas.microsoft.com/office/powerpoint/2010/main" xmlns="" w="9525">
                   <a:solidFill>
                     <a:srgbClr val="000000"/>
                   </a:solidFill>
@@ -18848,7 +18999,7 @@
             </a:ln>
             <a:extLst>
               <a:ext uri="{91240B29-F687-4f45-9708-019B960494DF}">
-                <a14:hiddenLine xmlns="" xmlns:p14="http://schemas.microsoft.com/office/powerpoint/2010/main" xmlns:a14="http://schemas.microsoft.com/office/drawing/2010/main" w="9525">
+                <a14:hiddenLine xmlns:a14="http://schemas.microsoft.com/office/drawing/2010/main" xmlns:p14="http://schemas.microsoft.com/office/powerpoint/2010/main" xmlns="" w="9525">
                   <a:solidFill>
                     <a:srgbClr val="000000"/>
                   </a:solidFill>
@@ -18953,7 +19104,7 @@
             </a:ln>
             <a:extLst>
               <a:ext uri="{91240B29-F687-4f45-9708-019B960494DF}">
-                <a14:hiddenLine xmlns="" xmlns:p14="http://schemas.microsoft.com/office/powerpoint/2010/main" xmlns:a14="http://schemas.microsoft.com/office/drawing/2010/main" w="9525">
+                <a14:hiddenLine xmlns:a14="http://schemas.microsoft.com/office/drawing/2010/main" xmlns:p14="http://schemas.microsoft.com/office/powerpoint/2010/main" xmlns="" w="9525">
                   <a:solidFill>
                     <a:srgbClr val="000000"/>
                   </a:solidFill>
@@ -19024,7 +19175,7 @@
             </a:ln>
             <a:extLst>
               <a:ext uri="{91240B29-F687-4f45-9708-019B960494DF}">
-                <a14:hiddenLine xmlns="" xmlns:p14="http://schemas.microsoft.com/office/powerpoint/2010/main" xmlns:a14="http://schemas.microsoft.com/office/drawing/2010/main" w="9525">
+                <a14:hiddenLine xmlns:a14="http://schemas.microsoft.com/office/drawing/2010/main" xmlns:p14="http://schemas.microsoft.com/office/powerpoint/2010/main" xmlns="" w="9525">
                   <a:solidFill>
                     <a:srgbClr val="000000"/>
                   </a:solidFill>
@@ -19129,7 +19280,7 @@
             </a:ln>
             <a:extLst>
               <a:ext uri="{91240B29-F687-4f45-9708-019B960494DF}">
-                <a14:hiddenLine xmlns="" xmlns:p14="http://schemas.microsoft.com/office/powerpoint/2010/main" xmlns:a14="http://schemas.microsoft.com/office/drawing/2010/main" w="9525">
+                <a14:hiddenLine xmlns:a14="http://schemas.microsoft.com/office/drawing/2010/main" xmlns:p14="http://schemas.microsoft.com/office/powerpoint/2010/main" xmlns="" w="9525">
                   <a:solidFill>
                     <a:srgbClr val="000000"/>
                   </a:solidFill>
@@ -19212,7 +19363,7 @@
             </a:ln>
             <a:extLst>
               <a:ext uri="{91240B29-F687-4f45-9708-019B960494DF}">
-                <a14:hiddenLine xmlns="" xmlns:p14="http://schemas.microsoft.com/office/powerpoint/2010/main" xmlns:a14="http://schemas.microsoft.com/office/drawing/2010/main" w="9525">
+                <a14:hiddenLine xmlns:a14="http://schemas.microsoft.com/office/drawing/2010/main" xmlns:p14="http://schemas.microsoft.com/office/powerpoint/2010/main" xmlns="" w="9525">
                   <a:solidFill>
                     <a:srgbClr val="000000"/>
                   </a:solidFill>
@@ -19317,7 +19468,7 @@
             </a:ln>
             <a:extLst>
               <a:ext uri="{91240B29-F687-4f45-9708-019B960494DF}">
-                <a14:hiddenLine xmlns="" xmlns:p14="http://schemas.microsoft.com/office/powerpoint/2010/main" xmlns:a14="http://schemas.microsoft.com/office/drawing/2010/main" w="9525">
+                <a14:hiddenLine xmlns:a14="http://schemas.microsoft.com/office/drawing/2010/main" xmlns:p14="http://schemas.microsoft.com/office/powerpoint/2010/main" xmlns="" w="9525">
                   <a:solidFill>
                     <a:srgbClr val="000000"/>
                   </a:solidFill>
@@ -19400,7 +19551,7 @@
             </a:ln>
             <a:extLst>
               <a:ext uri="{91240B29-F687-4f45-9708-019B960494DF}">
-                <a14:hiddenLine xmlns="" xmlns:p14="http://schemas.microsoft.com/office/powerpoint/2010/main" xmlns:a14="http://schemas.microsoft.com/office/drawing/2010/main" w="9525">
+                <a14:hiddenLine xmlns:a14="http://schemas.microsoft.com/office/drawing/2010/main" xmlns:p14="http://schemas.microsoft.com/office/powerpoint/2010/main" xmlns="" w="9525">
                   <a:solidFill>
                     <a:srgbClr val="000000"/>
                   </a:solidFill>
@@ -19505,7 +19656,7 @@
             </a:ln>
             <a:extLst>
               <a:ext uri="{91240B29-F687-4f45-9708-019B960494DF}">
-                <a14:hiddenLine xmlns="" xmlns:p14="http://schemas.microsoft.com/office/powerpoint/2010/main" xmlns:a14="http://schemas.microsoft.com/office/drawing/2010/main" w="9525">
+                <a14:hiddenLine xmlns:a14="http://schemas.microsoft.com/office/drawing/2010/main" xmlns:p14="http://schemas.microsoft.com/office/powerpoint/2010/main" xmlns="" w="9525">
                   <a:solidFill>
                     <a:srgbClr val="000000"/>
                   </a:solidFill>
@@ -19554,7 +19705,7 @@
             </a:ln>
             <a:extLst>
               <a:ext uri="{91240B29-F687-4f45-9708-019B960494DF}">
-                <a14:hiddenLine xmlns="" xmlns:p14="http://schemas.microsoft.com/office/powerpoint/2010/main" xmlns:a14="http://schemas.microsoft.com/office/drawing/2010/main" w="9525">
+                <a14:hiddenLine xmlns:a14="http://schemas.microsoft.com/office/drawing/2010/main" xmlns:p14="http://schemas.microsoft.com/office/powerpoint/2010/main" xmlns="" w="9525">
                   <a:solidFill>
                     <a:srgbClr val="000000"/>
                   </a:solidFill>
@@ -19659,7 +19810,7 @@
             </a:ln>
             <a:extLst>
               <a:ext uri="{91240B29-F687-4f45-9708-019B960494DF}">
-                <a14:hiddenLine xmlns="" xmlns:p14="http://schemas.microsoft.com/office/powerpoint/2010/main" xmlns:a14="http://schemas.microsoft.com/office/drawing/2010/main" w="9525">
+                <a14:hiddenLine xmlns:a14="http://schemas.microsoft.com/office/drawing/2010/main" xmlns:p14="http://schemas.microsoft.com/office/powerpoint/2010/main" xmlns="" w="9525">
                   <a:solidFill>
                     <a:srgbClr val="000000"/>
                   </a:solidFill>
@@ -19736,7 +19887,7 @@
             </a:ln>
             <a:extLst>
               <a:ext uri="{91240B29-F687-4f45-9708-019B960494DF}">
-                <a14:hiddenLine xmlns="" xmlns:p14="http://schemas.microsoft.com/office/powerpoint/2010/main" xmlns:a14="http://schemas.microsoft.com/office/drawing/2010/main" w="9525">
+                <a14:hiddenLine xmlns:a14="http://schemas.microsoft.com/office/drawing/2010/main" xmlns:p14="http://schemas.microsoft.com/office/powerpoint/2010/main" xmlns="" w="9525">
                   <a:solidFill>
                     <a:srgbClr val="000000"/>
                   </a:solidFill>
@@ -19813,7 +19964,7 @@
             </a:ln>
             <a:extLst>
               <a:ext uri="{91240B29-F687-4f45-9708-019B960494DF}">
-                <a14:hiddenLine xmlns="" xmlns:p14="http://schemas.microsoft.com/office/powerpoint/2010/main" xmlns:a14="http://schemas.microsoft.com/office/drawing/2010/main" w="9525">
+                <a14:hiddenLine xmlns:a14="http://schemas.microsoft.com/office/drawing/2010/main" xmlns:p14="http://schemas.microsoft.com/office/powerpoint/2010/main" xmlns="" w="9525">
                   <a:solidFill>
                     <a:srgbClr val="000000"/>
                   </a:solidFill>
@@ -19918,7 +20069,7 @@
             </a:ln>
             <a:extLst>
               <a:ext uri="{91240B29-F687-4f45-9708-019B960494DF}">
-                <a14:hiddenLine xmlns="" xmlns:p14="http://schemas.microsoft.com/office/powerpoint/2010/main" xmlns:a14="http://schemas.microsoft.com/office/drawing/2010/main" w="9525">
+                <a14:hiddenLine xmlns:a14="http://schemas.microsoft.com/office/drawing/2010/main" xmlns:p14="http://schemas.microsoft.com/office/powerpoint/2010/main" xmlns="" w="9525">
                   <a:solidFill>
                     <a:srgbClr val="000000"/>
                   </a:solidFill>
@@ -20001,7 +20152,7 @@
             </a:ln>
             <a:extLst>
               <a:ext uri="{91240B29-F687-4f45-9708-019B960494DF}">
-                <a14:hiddenLine xmlns="" xmlns:p14="http://schemas.microsoft.com/office/powerpoint/2010/main" xmlns:a14="http://schemas.microsoft.com/office/drawing/2010/main" w="9525">
+                <a14:hiddenLine xmlns:a14="http://schemas.microsoft.com/office/drawing/2010/main" xmlns:p14="http://schemas.microsoft.com/office/powerpoint/2010/main" xmlns="" w="9525">
                   <a:solidFill>
                     <a:srgbClr val="000000"/>
                   </a:solidFill>
@@ -20078,7 +20229,7 @@
             </a:ln>
             <a:extLst>
               <a:ext uri="{91240B29-F687-4f45-9708-019B960494DF}">
-                <a14:hiddenLine xmlns="" xmlns:p14="http://schemas.microsoft.com/office/powerpoint/2010/main" xmlns:a14="http://schemas.microsoft.com/office/drawing/2010/main" w="9525">
+                <a14:hiddenLine xmlns:a14="http://schemas.microsoft.com/office/drawing/2010/main" xmlns:p14="http://schemas.microsoft.com/office/powerpoint/2010/main" xmlns="" w="9525">
                   <a:solidFill>
                     <a:srgbClr val="000000"/>
                   </a:solidFill>
@@ -20183,7 +20334,7 @@
             </a:ln>
             <a:extLst>
               <a:ext uri="{91240B29-F687-4f45-9708-019B960494DF}">
-                <a14:hiddenLine xmlns="" xmlns:p14="http://schemas.microsoft.com/office/powerpoint/2010/main" xmlns:a14="http://schemas.microsoft.com/office/drawing/2010/main" w="9525">
+                <a14:hiddenLine xmlns:a14="http://schemas.microsoft.com/office/drawing/2010/main" xmlns:p14="http://schemas.microsoft.com/office/powerpoint/2010/main" xmlns="" w="9525">
                   <a:solidFill>
                     <a:srgbClr val="000000"/>
                   </a:solidFill>
@@ -20260,7 +20411,7 @@
             </a:ln>
             <a:extLst>
               <a:ext uri="{91240B29-F687-4f45-9708-019B960494DF}">
-                <a14:hiddenLine xmlns="" xmlns:p14="http://schemas.microsoft.com/office/powerpoint/2010/main" xmlns:a14="http://schemas.microsoft.com/office/drawing/2010/main" w="9525">
+                <a14:hiddenLine xmlns:a14="http://schemas.microsoft.com/office/drawing/2010/main" xmlns:p14="http://schemas.microsoft.com/office/powerpoint/2010/main" xmlns="" w="9525">
                   <a:solidFill>
                     <a:srgbClr val="000000"/>
                   </a:solidFill>
@@ -20365,7 +20516,7 @@
             </a:ln>
             <a:extLst>
               <a:ext uri="{91240B29-F687-4f45-9708-019B960494DF}">
-                <a14:hiddenLine xmlns="" xmlns:p14="http://schemas.microsoft.com/office/powerpoint/2010/main" xmlns:a14="http://schemas.microsoft.com/office/drawing/2010/main" w="9525">
+                <a14:hiddenLine xmlns:a14="http://schemas.microsoft.com/office/drawing/2010/main" xmlns:p14="http://schemas.microsoft.com/office/powerpoint/2010/main" xmlns="" w="9525">
                   <a:solidFill>
                     <a:srgbClr val="000000"/>
                   </a:solidFill>
@@ -20442,7 +20593,7 @@
             </a:ln>
             <a:extLst>
               <a:ext uri="{91240B29-F687-4f45-9708-019B960494DF}">
-                <a14:hiddenLine xmlns="" xmlns:p14="http://schemas.microsoft.com/office/powerpoint/2010/main" xmlns:a14="http://schemas.microsoft.com/office/drawing/2010/main" w="9525">
+                <a14:hiddenLine xmlns:a14="http://schemas.microsoft.com/office/drawing/2010/main" xmlns:p14="http://schemas.microsoft.com/office/powerpoint/2010/main" xmlns="" w="9525">
                   <a:solidFill>
                     <a:srgbClr val="000000"/>
                   </a:solidFill>
@@ -20547,7 +20698,7 @@
             </a:ln>
             <a:extLst>
               <a:ext uri="{91240B29-F687-4f45-9708-019B960494DF}">
-                <a14:hiddenLine xmlns="" xmlns:p14="http://schemas.microsoft.com/office/powerpoint/2010/main" xmlns:a14="http://schemas.microsoft.com/office/drawing/2010/main" w="9525">
+                <a14:hiddenLine xmlns:a14="http://schemas.microsoft.com/office/drawing/2010/main" xmlns:p14="http://schemas.microsoft.com/office/powerpoint/2010/main" xmlns="" w="9525">
                   <a:solidFill>
                     <a:srgbClr val="000000"/>
                   </a:solidFill>
@@ -20596,7 +20747,7 @@
             </a:ln>
             <a:extLst>
               <a:ext uri="{91240B29-F687-4f45-9708-019B960494DF}">
-                <a14:hiddenLine xmlns="" xmlns:p14="http://schemas.microsoft.com/office/powerpoint/2010/main" xmlns:a14="http://schemas.microsoft.com/office/drawing/2010/main" w="9525">
+                <a14:hiddenLine xmlns:a14="http://schemas.microsoft.com/office/drawing/2010/main" xmlns:p14="http://schemas.microsoft.com/office/powerpoint/2010/main" xmlns="" w="9525">
                   <a:solidFill>
                     <a:srgbClr val="000000"/>
                   </a:solidFill>
@@ -20676,7 +20827,7 @@
             </a:ln>
             <a:extLst>
               <a:ext uri="{91240B29-F687-4f45-9708-019B960494DF}">
-                <a14:hiddenLine xmlns="" xmlns:p14="http://schemas.microsoft.com/office/powerpoint/2010/main" xmlns:a14="http://schemas.microsoft.com/office/drawing/2010/main" w="9525">
+                <a14:hiddenLine xmlns:a14="http://schemas.microsoft.com/office/drawing/2010/main" xmlns:p14="http://schemas.microsoft.com/office/powerpoint/2010/main" xmlns="" w="9525">
                   <a:solidFill>
                     <a:srgbClr val="000000"/>
                   </a:solidFill>
@@ -20781,7 +20932,7 @@
             </a:ln>
             <a:extLst>
               <a:ext uri="{91240B29-F687-4f45-9708-019B960494DF}">
-                <a14:hiddenLine xmlns="" xmlns:p14="http://schemas.microsoft.com/office/powerpoint/2010/main" xmlns:a14="http://schemas.microsoft.com/office/drawing/2010/main" w="9525">
+                <a14:hiddenLine xmlns:a14="http://schemas.microsoft.com/office/drawing/2010/main" xmlns:p14="http://schemas.microsoft.com/office/powerpoint/2010/main" xmlns="" w="9525">
                   <a:solidFill>
                     <a:srgbClr val="000000"/>
                   </a:solidFill>
@@ -20858,7 +21009,7 @@
             </a:ln>
             <a:extLst>
               <a:ext uri="{91240B29-F687-4f45-9708-019B960494DF}">
-                <a14:hiddenLine xmlns="" xmlns:p14="http://schemas.microsoft.com/office/powerpoint/2010/main" xmlns:a14="http://schemas.microsoft.com/office/drawing/2010/main" w="9525">
+                <a14:hiddenLine xmlns:a14="http://schemas.microsoft.com/office/drawing/2010/main" xmlns:p14="http://schemas.microsoft.com/office/powerpoint/2010/main" xmlns="" w="9525">
                   <a:solidFill>
                     <a:srgbClr val="000000"/>
                   </a:solidFill>
@@ -20963,7 +21114,7 @@
             </a:ln>
             <a:extLst>
               <a:ext uri="{91240B29-F687-4f45-9708-019B960494DF}">
-                <a14:hiddenLine xmlns="" xmlns:p14="http://schemas.microsoft.com/office/powerpoint/2010/main" xmlns:a14="http://schemas.microsoft.com/office/drawing/2010/main" w="9525">
+                <a14:hiddenLine xmlns:a14="http://schemas.microsoft.com/office/drawing/2010/main" xmlns:p14="http://schemas.microsoft.com/office/powerpoint/2010/main" xmlns="" w="9525">
                   <a:solidFill>
                     <a:srgbClr val="000000"/>
                   </a:solidFill>
@@ -21068,7 +21219,7 @@
             </a:ln>
             <a:extLst>
               <a:ext uri="{91240B29-F687-4f45-9708-019B960494DF}">
-                <a14:hiddenLine xmlns="" xmlns:p14="http://schemas.microsoft.com/office/powerpoint/2010/main" xmlns:a14="http://schemas.microsoft.com/office/drawing/2010/main" w="9525">
+                <a14:hiddenLine xmlns:a14="http://schemas.microsoft.com/office/drawing/2010/main" xmlns:p14="http://schemas.microsoft.com/office/powerpoint/2010/main" xmlns="" w="9525">
                   <a:solidFill>
                     <a:srgbClr val="000000"/>
                   </a:solidFill>
@@ -21148,7 +21299,7 @@
             </a:ln>
             <a:extLst>
               <a:ext uri="{91240B29-F687-4f45-9708-019B960494DF}">
-                <a14:hiddenLine xmlns="" xmlns:p14="http://schemas.microsoft.com/office/powerpoint/2010/main" xmlns:a14="http://schemas.microsoft.com/office/drawing/2010/main" w="9525">
+                <a14:hiddenLine xmlns:a14="http://schemas.microsoft.com/office/drawing/2010/main" xmlns:p14="http://schemas.microsoft.com/office/powerpoint/2010/main" xmlns="" w="9525">
                   <a:solidFill>
                     <a:srgbClr val="000000"/>
                   </a:solidFill>
@@ -21225,7 +21376,7 @@
             </a:ln>
             <a:extLst>
               <a:ext uri="{91240B29-F687-4f45-9708-019B960494DF}">
-                <a14:hiddenLine xmlns="" xmlns:p14="http://schemas.microsoft.com/office/powerpoint/2010/main" xmlns:a14="http://schemas.microsoft.com/office/drawing/2010/main" w="9525">
+                <a14:hiddenLine xmlns:a14="http://schemas.microsoft.com/office/drawing/2010/main" xmlns:p14="http://schemas.microsoft.com/office/powerpoint/2010/main" xmlns="" w="9525">
                   <a:solidFill>
                     <a:srgbClr val="000000"/>
                   </a:solidFill>
@@ -21330,7 +21481,7 @@
             </a:ln>
             <a:extLst>
               <a:ext uri="{91240B29-F687-4f45-9708-019B960494DF}">
-                <a14:hiddenLine xmlns="" xmlns:p14="http://schemas.microsoft.com/office/powerpoint/2010/main" xmlns:a14="http://schemas.microsoft.com/office/drawing/2010/main" w="9525">
+                <a14:hiddenLine xmlns:a14="http://schemas.microsoft.com/office/drawing/2010/main" xmlns:p14="http://schemas.microsoft.com/office/powerpoint/2010/main" xmlns="" w="9525">
                   <a:solidFill>
                     <a:srgbClr val="000000"/>
                   </a:solidFill>
@@ -21435,7 +21586,7 @@
             </a:ln>
             <a:extLst>
               <a:ext uri="{91240B29-F687-4f45-9708-019B960494DF}">
-                <a14:hiddenLine xmlns="" xmlns:p14="http://schemas.microsoft.com/office/powerpoint/2010/main" xmlns:a14="http://schemas.microsoft.com/office/drawing/2010/main" w="9525">
+                <a14:hiddenLine xmlns:a14="http://schemas.microsoft.com/office/drawing/2010/main" xmlns:p14="http://schemas.microsoft.com/office/powerpoint/2010/main" xmlns="" w="9525">
                   <a:solidFill>
                     <a:srgbClr val="000000"/>
                   </a:solidFill>
@@ -21512,7 +21663,7 @@
             </a:ln>
             <a:extLst>
               <a:ext uri="{91240B29-F687-4f45-9708-019B960494DF}">
-                <a14:hiddenLine xmlns="" xmlns:p14="http://schemas.microsoft.com/office/powerpoint/2010/main" xmlns:a14="http://schemas.microsoft.com/office/drawing/2010/main" w="9525">
+                <a14:hiddenLine xmlns:a14="http://schemas.microsoft.com/office/drawing/2010/main" xmlns:p14="http://schemas.microsoft.com/office/powerpoint/2010/main" xmlns="" w="9525">
                   <a:solidFill>
                     <a:srgbClr val="000000"/>
                   </a:solidFill>
@@ -21647,7 +21798,7 @@
             </a:ln>
             <a:extLst>
               <a:ext uri="{91240B29-F687-4f45-9708-019B960494DF}">
-                <a14:hiddenLine xmlns="" xmlns:p14="http://schemas.microsoft.com/office/powerpoint/2010/main" xmlns:a14="http://schemas.microsoft.com/office/drawing/2010/main" w="9525">
+                <a14:hiddenLine xmlns:a14="http://schemas.microsoft.com/office/drawing/2010/main" xmlns:p14="http://schemas.microsoft.com/office/powerpoint/2010/main" xmlns="" w="9525">
                   <a:solidFill>
                     <a:srgbClr val="000000"/>
                   </a:solidFill>
@@ -21730,7 +21881,7 @@
             </a:ln>
             <a:extLst>
               <a:ext uri="{91240B29-F687-4f45-9708-019B960494DF}">
-                <a14:hiddenLine xmlns="" xmlns:p14="http://schemas.microsoft.com/office/powerpoint/2010/main" xmlns:a14="http://schemas.microsoft.com/office/drawing/2010/main" w="9525">
+                <a14:hiddenLine xmlns:a14="http://schemas.microsoft.com/office/drawing/2010/main" xmlns:p14="http://schemas.microsoft.com/office/powerpoint/2010/main" xmlns="" w="9525">
                   <a:solidFill>
                     <a:srgbClr val="000000"/>
                   </a:solidFill>
@@ -21835,7 +21986,7 @@
             </a:ln>
             <a:extLst>
               <a:ext uri="{91240B29-F687-4f45-9708-019B960494DF}">
-                <a14:hiddenLine xmlns="" xmlns:p14="http://schemas.microsoft.com/office/powerpoint/2010/main" xmlns:a14="http://schemas.microsoft.com/office/drawing/2010/main" w="9525">
+                <a14:hiddenLine xmlns:a14="http://schemas.microsoft.com/office/drawing/2010/main" xmlns:p14="http://schemas.microsoft.com/office/powerpoint/2010/main" xmlns="" w="9525">
                   <a:solidFill>
                     <a:srgbClr val="000000"/>
                   </a:solidFill>
@@ -22315,11 +22466,22 @@
             <p:ph type="title"/>
           </p:nvPr>
         </p:nvSpPr>
-        <p:spPr/>
+        <p:spPr>
+          <a:xfrm>
+            <a:off x="2235323" y="363277"/>
+            <a:ext cx="5282100" cy="560243"/>
+          </a:xfrm>
+        </p:spPr>
         <p:txBody>
-          <a:bodyPr/>
+          <a:bodyPr>
+            <a:normAutofit/>
+          </a:bodyPr>
           <a:lstStyle/>
           <a:p>
+            <a:r>
+              <a:rPr lang="da-DK" sz="2400" dirty="0"/>
+              <a:t>facadecontroller</a:t>
+            </a:r>
             <a:endParaRPr lang="da-DK" dirty="0"/>
           </a:p>
         </p:txBody>
@@ -22349,10 +22511,40 @@
           </a:p>
         </p:txBody>
       </p:sp>
+      <p:pic>
+        <p:nvPicPr>
+          <p:cNvPr id="4" name="Billede 3">
+            <a:extLst>
+              <a:ext uri="{FF2B5EF4-FFF2-40B4-BE49-F238E27FC236}">
+                <a16:creationId xmlns:a16="http://schemas.microsoft.com/office/drawing/2014/main" id="{D983BD81-6E15-4CE5-A2EB-EE6E9795C44A}"/>
+              </a:ext>
+            </a:extLst>
+          </p:cNvPr>
+          <p:cNvPicPr>
+            <a:picLocks noChangeAspect="1"/>
+          </p:cNvPicPr>
+          <p:nvPr/>
+        </p:nvPicPr>
+        <p:blipFill>
+          <a:blip r:embed="rId2"/>
+          <a:stretch>
+            <a:fillRect/>
+          </a:stretch>
+        </p:blipFill>
+        <p:spPr>
+          <a:xfrm>
+            <a:off x="1" y="1178761"/>
+            <a:ext cx="12192000" cy="5679240"/>
+          </a:xfrm>
+          <a:prstGeom prst="rect">
+            <a:avLst/>
+          </a:prstGeom>
+        </p:spPr>
+      </p:pic>
     </p:spTree>
     <p:extLst>
       <p:ext uri="{BB962C8B-B14F-4D97-AF65-F5344CB8AC3E}">
-        <p14:creationId xmlns:p14="http://schemas.microsoft.com/office/powerpoint/2010/main" val="3054669827"/>
+        <p14:creationId xmlns:p14="http://schemas.microsoft.com/office/powerpoint/2010/main" val="2833078342"/>
       </p:ext>
     </p:extLst>
   </p:cSld>

--- a/modeller, dokumenter/præs2.pptx
+++ b/modeller, dokumenter/præs2.pptx
@@ -13,8 +13,7 @@
     <p:sldId id="261" r:id="rId7"/>
     <p:sldId id="262" r:id="rId8"/>
     <p:sldId id="263" r:id="rId9"/>
-    <p:sldId id="266" r:id="rId10"/>
-    <p:sldId id="264" r:id="rId11"/>
+    <p:sldId id="264" r:id="rId10"/>
   </p:sldIdLst>
   <p:sldSz cx="12192000" cy="6858000"/>
   <p:notesSz cx="6858000" cy="9144000"/>
@@ -126,7 +125,6 @@
             <p14:sldId id="261"/>
             <p14:sldId id="262"/>
             <p14:sldId id="263"/>
-            <p14:sldId id="266"/>
             <p14:sldId id="264"/>
           </p14:sldIdLst>
         </p14:section>
@@ -135,108 +133,12 @@
         </p14:section>
       </p14:sectionLst>
     </p:ext>
-    <p:ext uri="{EFAFB233-063F-42B5-8137-9DF3F51BA10A}">
-      <p15:sldGuideLst xmlns:p15="http://schemas.microsoft.com/office/powerpoint/2012/main"/>
-    </p:ext>
   </p:extLst>
 </p:presentation>
 </file>
 
 <file path=ppt/changesInfos/changesInfo1.xml><?xml version="1.0" encoding="utf-8"?>
 <pc:chgInfo xmlns:a="http://schemas.openxmlformats.org/drawingml/2006/main" xmlns:r="http://schemas.openxmlformats.org/officeDocument/2006/relationships" xmlns:ac="http://schemas.microsoft.com/office/drawing/2013/main/command" xmlns:pc="http://schemas.microsoft.com/office/powerpoint/2013/main/command">
-  <pc:docChgLst>
-    <pc:chgData name="Sofie Blom Jensen" userId="57dd88df5c73f059" providerId="LiveId" clId="{1FFA8421-6C34-4F90-8C55-20FEE3EA44FC}"/>
-    <pc:docChg chg="custSel addSld delSld modSld modSection">
-      <pc:chgData name="Sofie Blom Jensen" userId="57dd88df5c73f059" providerId="LiveId" clId="{1FFA8421-6C34-4F90-8C55-20FEE3EA44FC}" dt="2018-05-16T11:19:46.144" v="70" actId="1076"/>
-      <pc:docMkLst>
-        <pc:docMk/>
-      </pc:docMkLst>
-      <pc:sldChg chg="delSp modSp">
-        <pc:chgData name="Sofie Blom Jensen" userId="57dd88df5c73f059" providerId="LiveId" clId="{1FFA8421-6C34-4F90-8C55-20FEE3EA44FC}" dt="2018-05-16T11:19:46.144" v="70" actId="1076"/>
-        <pc:sldMkLst>
-          <pc:docMk/>
-          <pc:sldMk cId="851147619" sldId="258"/>
-        </pc:sldMkLst>
-        <pc:spChg chg="mod">
-          <ac:chgData name="Sofie Blom Jensen" userId="57dd88df5c73f059" providerId="LiveId" clId="{1FFA8421-6C34-4F90-8C55-20FEE3EA44FC}" dt="2018-05-16T11:19:46.144" v="70" actId="1076"/>
-          <ac:spMkLst>
-            <pc:docMk/>
-            <pc:sldMk cId="851147619" sldId="258"/>
-            <ac:spMk id="2" creationId="{1F470198-D928-4A81-887F-4629C6CD432C}"/>
-          </ac:spMkLst>
-        </pc:spChg>
-        <pc:spChg chg="del">
-          <ac:chgData name="Sofie Blom Jensen" userId="57dd88df5c73f059" providerId="LiveId" clId="{1FFA8421-6C34-4F90-8C55-20FEE3EA44FC}" dt="2018-05-16T11:19:17.083" v="60" actId="478"/>
-          <ac:spMkLst>
-            <pc:docMk/>
-            <pc:sldMk cId="851147619" sldId="258"/>
-            <ac:spMk id="3" creationId="{D557E203-79F8-4145-B653-8FF850EDD5ED}"/>
-          </ac:spMkLst>
-        </pc:spChg>
-        <pc:picChg chg="mod">
-          <ac:chgData name="Sofie Blom Jensen" userId="57dd88df5c73f059" providerId="LiveId" clId="{1FFA8421-6C34-4F90-8C55-20FEE3EA44FC}" dt="2018-05-16T11:19:31.476" v="65" actId="14100"/>
-          <ac:picMkLst>
-            <pc:docMk/>
-            <pc:sldMk cId="851147619" sldId="258"/>
-            <ac:picMk id="5" creationId="{ECE6BD11-4767-41B9-9FBF-A78A2513A052}"/>
-          </ac:picMkLst>
-        </pc:picChg>
-      </pc:sldChg>
-      <pc:sldChg chg="addSp delSp modSp">
-        <pc:chgData name="Sofie Blom Jensen" userId="57dd88df5c73f059" providerId="LiveId" clId="{1FFA8421-6C34-4F90-8C55-20FEE3EA44FC}" dt="2018-05-16T11:16:28.816" v="50" actId="1076"/>
-        <pc:sldMkLst>
-          <pc:docMk/>
-          <pc:sldMk cId="3054669827" sldId="264"/>
-        </pc:sldMkLst>
-        <pc:spChg chg="mod">
-          <ac:chgData name="Sofie Blom Jensen" userId="57dd88df5c73f059" providerId="LiveId" clId="{1FFA8421-6C34-4F90-8C55-20FEE3EA44FC}" dt="2018-05-16T11:16:28.816" v="50" actId="1076"/>
-          <ac:spMkLst>
-            <pc:docMk/>
-            <pc:sldMk cId="3054669827" sldId="264"/>
-            <ac:spMk id="2" creationId="{E870BB39-3894-404C-9070-6172E1BBFABA}"/>
-          </ac:spMkLst>
-        </pc:spChg>
-        <pc:spChg chg="del mod">
-          <ac:chgData name="Sofie Blom Jensen" userId="57dd88df5c73f059" providerId="LiveId" clId="{1FFA8421-6C34-4F90-8C55-20FEE3EA44FC}" dt="2018-05-16T11:15:40.463" v="23" actId="478"/>
-          <ac:spMkLst>
-            <pc:docMk/>
-            <pc:sldMk cId="3054669827" sldId="264"/>
-            <ac:spMk id="3" creationId="{A94538EA-8428-40C4-895F-174FF806A46B}"/>
-          </ac:spMkLst>
-        </pc:spChg>
-        <pc:spChg chg="add del mod">
-          <ac:chgData name="Sofie Blom Jensen" userId="57dd88df5c73f059" providerId="LiveId" clId="{1FFA8421-6C34-4F90-8C55-20FEE3EA44FC}" dt="2018-05-16T11:15:43.193" v="24" actId="478"/>
-          <ac:spMkLst>
-            <pc:docMk/>
-            <pc:sldMk cId="3054669827" sldId="264"/>
-            <ac:spMk id="5" creationId="{34E77C0A-C53C-4F1A-A43A-EAC671D27611}"/>
-          </ac:spMkLst>
-        </pc:spChg>
-      </pc:sldChg>
-      <pc:sldChg chg="add del">
-        <pc:chgData name="Sofie Blom Jensen" userId="57dd88df5c73f059" providerId="LiveId" clId="{1FFA8421-6C34-4F90-8C55-20FEE3EA44FC}" dt="2018-05-16T11:18:23.738" v="53" actId="2696"/>
-        <pc:sldMkLst>
-          <pc:docMk/>
-          <pc:sldMk cId="794802110" sldId="265"/>
-        </pc:sldMkLst>
-      </pc:sldChg>
-      <pc:sldChg chg="modSp add">
-        <pc:chgData name="Sofie Blom Jensen" userId="57dd88df5c73f059" providerId="LiveId" clId="{1FFA8421-6C34-4F90-8C55-20FEE3EA44FC}" dt="2018-05-16T11:18:43.974" v="59" actId="1076"/>
-        <pc:sldMkLst>
-          <pc:docMk/>
-          <pc:sldMk cId="2833078342" sldId="266"/>
-        </pc:sldMkLst>
-        <pc:spChg chg="mod">
-          <ac:chgData name="Sofie Blom Jensen" userId="57dd88df5c73f059" providerId="LiveId" clId="{1FFA8421-6C34-4F90-8C55-20FEE3EA44FC}" dt="2018-05-16T11:18:43.974" v="59" actId="1076"/>
-          <ac:spMkLst>
-            <pc:docMk/>
-            <pc:sldMk cId="2833078342" sldId="266"/>
-            <ac:spMk id="2" creationId="{E870BB39-3894-404C-9070-6172E1BBFABA}"/>
-          </ac:spMkLst>
-        </pc:spChg>
-      </pc:sldChg>
-    </pc:docChg>
-  </pc:docChgLst>
   <pc:docChgLst>
     <pc:chgData name="Sofie Blom Jensen" userId="57dd88df5c73f059" providerId="LiveId" clId="{3BD1AEE2-106A-49B7-9DAA-D3DFD31DD576}"/>
     <pc:docChg chg="undo custSel addSld delSld modSld modSection">
@@ -784,7 +686,7 @@
           <a:noFill/>
           <a:extLst>
             <a:ext uri="{909E8E84-426E-40dd-AFC4-6F175D3DCCD1}">
-              <a14:hiddenFill xmlns="" xmlns:a14="http://schemas.microsoft.com/office/drawing/2010/main">
+              <a14:hiddenFill xmlns:a14="http://schemas.microsoft.com/office/drawing/2010/main" xmlns="">
                 <a:solidFill>
                   <a:srgbClr val="FFFFFF"/>
                 </a:solidFill>
@@ -843,7 +745,7 @@
             </a:ln>
             <a:extLst>
               <a:ext uri="{91240B29-F687-4f45-9708-019B960494DF}">
-                <a14:hiddenLine xmlns="" xmlns:a14="http://schemas.microsoft.com/office/drawing/2010/main" w="9525">
+                <a14:hiddenLine xmlns:a14="http://schemas.microsoft.com/office/drawing/2010/main" xmlns="" w="9525">
                   <a:solidFill>
                     <a:srgbClr val="000000"/>
                   </a:solidFill>
@@ -933,7 +835,7 @@
             </a:ln>
             <a:extLst>
               <a:ext uri="{91240B29-F687-4f45-9708-019B960494DF}">
-                <a14:hiddenLine xmlns="" xmlns:a14="http://schemas.microsoft.com/office/drawing/2010/main" w="9525">
+                <a14:hiddenLine xmlns:a14="http://schemas.microsoft.com/office/drawing/2010/main" xmlns="" w="9525">
                   <a:solidFill>
                     <a:srgbClr val="000000"/>
                   </a:solidFill>
@@ -1023,7 +925,7 @@
             </a:ln>
             <a:extLst>
               <a:ext uri="{91240B29-F687-4f45-9708-019B960494DF}">
-                <a14:hiddenLine xmlns="" xmlns:a14="http://schemas.microsoft.com/office/drawing/2010/main" w="9525">
+                <a14:hiddenLine xmlns:a14="http://schemas.microsoft.com/office/drawing/2010/main" xmlns="" w="9525">
                   <a:solidFill>
                     <a:srgbClr val="000000"/>
                   </a:solidFill>
@@ -1057,7 +959,7 @@
             </a:ln>
             <a:extLst>
               <a:ext uri="{91240B29-F687-4f45-9708-019B960494DF}">
-                <a14:hiddenLine xmlns="" xmlns:a14="http://schemas.microsoft.com/office/drawing/2010/main" w="9525">
+                <a14:hiddenLine xmlns:a14="http://schemas.microsoft.com/office/drawing/2010/main" xmlns="" w="9525">
                   <a:solidFill>
                     <a:srgbClr val="000000"/>
                   </a:solidFill>
@@ -1147,7 +1049,7 @@
             </a:ln>
             <a:extLst>
               <a:ext uri="{91240B29-F687-4f45-9708-019B960494DF}">
-                <a14:hiddenLine xmlns="" xmlns:a14="http://schemas.microsoft.com/office/drawing/2010/main" w="9525">
+                <a14:hiddenLine xmlns:a14="http://schemas.microsoft.com/office/drawing/2010/main" xmlns="" w="9525">
                   <a:solidFill>
                     <a:srgbClr val="000000"/>
                   </a:solidFill>
@@ -1209,7 +1111,7 @@
             </a:ln>
             <a:extLst>
               <a:ext uri="{91240B29-F687-4f45-9708-019B960494DF}">
-                <a14:hiddenLine xmlns="" xmlns:a14="http://schemas.microsoft.com/office/drawing/2010/main" w="9525">
+                <a14:hiddenLine xmlns:a14="http://schemas.microsoft.com/office/drawing/2010/main" xmlns="" w="9525">
                   <a:solidFill>
                     <a:srgbClr val="000000"/>
                   </a:solidFill>
@@ -1271,7 +1173,7 @@
             </a:ln>
             <a:extLst>
               <a:ext uri="{91240B29-F687-4f45-9708-019B960494DF}">
-                <a14:hiddenLine xmlns="" xmlns:a14="http://schemas.microsoft.com/office/drawing/2010/main" w="9525">
+                <a14:hiddenLine xmlns:a14="http://schemas.microsoft.com/office/drawing/2010/main" xmlns="" w="9525">
                   <a:solidFill>
                     <a:srgbClr val="000000"/>
                   </a:solidFill>
@@ -1361,7 +1263,7 @@
             </a:ln>
             <a:extLst>
               <a:ext uri="{91240B29-F687-4f45-9708-019B960494DF}">
-                <a14:hiddenLine xmlns="" xmlns:a14="http://schemas.microsoft.com/office/drawing/2010/main" w="9525">
+                <a14:hiddenLine xmlns:a14="http://schemas.microsoft.com/office/drawing/2010/main" xmlns="" w="9525">
                   <a:solidFill>
                     <a:srgbClr val="000000"/>
                   </a:solidFill>
@@ -1423,7 +1325,7 @@
             </a:ln>
             <a:extLst>
               <a:ext uri="{91240B29-F687-4f45-9708-019B960494DF}">
-                <a14:hiddenLine xmlns="" xmlns:a14="http://schemas.microsoft.com/office/drawing/2010/main" w="9525">
+                <a14:hiddenLine xmlns:a14="http://schemas.microsoft.com/office/drawing/2010/main" xmlns="" w="9525">
                   <a:solidFill>
                     <a:srgbClr val="000000"/>
                   </a:solidFill>
@@ -1485,7 +1387,7 @@
             </a:ln>
             <a:extLst>
               <a:ext uri="{91240B29-F687-4f45-9708-019B960494DF}">
-                <a14:hiddenLine xmlns="" xmlns:a14="http://schemas.microsoft.com/office/drawing/2010/main" w="9525">
+                <a14:hiddenLine xmlns:a14="http://schemas.microsoft.com/office/drawing/2010/main" xmlns="" w="9525">
                   <a:solidFill>
                     <a:srgbClr val="000000"/>
                   </a:solidFill>
@@ -1575,7 +1477,7 @@
             </a:ln>
             <a:extLst>
               <a:ext uri="{91240B29-F687-4f45-9708-019B960494DF}">
-                <a14:hiddenLine xmlns="" xmlns:a14="http://schemas.microsoft.com/office/drawing/2010/main" w="9525">
+                <a14:hiddenLine xmlns:a14="http://schemas.microsoft.com/office/drawing/2010/main" xmlns="" w="9525">
                   <a:solidFill>
                     <a:srgbClr val="000000"/>
                   </a:solidFill>
@@ -1665,7 +1567,7 @@
             </a:ln>
             <a:extLst>
               <a:ext uri="{91240B29-F687-4f45-9708-019B960494DF}">
-                <a14:hiddenLine xmlns="" xmlns:a14="http://schemas.microsoft.com/office/drawing/2010/main" w="9525">
+                <a14:hiddenLine xmlns:a14="http://schemas.microsoft.com/office/drawing/2010/main" xmlns="" w="9525">
                   <a:solidFill>
                     <a:srgbClr val="000000"/>
                   </a:solidFill>
@@ -1727,7 +1629,7 @@
             </a:ln>
             <a:extLst>
               <a:ext uri="{91240B29-F687-4f45-9708-019B960494DF}">
-                <a14:hiddenLine xmlns="" xmlns:a14="http://schemas.microsoft.com/office/drawing/2010/main" w="9525">
+                <a14:hiddenLine xmlns:a14="http://schemas.microsoft.com/office/drawing/2010/main" xmlns="" w="9525">
                   <a:solidFill>
                     <a:srgbClr val="000000"/>
                   </a:solidFill>
@@ -1837,7 +1739,7 @@
             </a:ln>
             <a:extLst>
               <a:ext uri="{91240B29-F687-4f45-9708-019B960494DF}">
-                <a14:hiddenLine xmlns="" xmlns:a14="http://schemas.microsoft.com/office/drawing/2010/main" w="9525">
+                <a14:hiddenLine xmlns:a14="http://schemas.microsoft.com/office/drawing/2010/main" xmlns="" w="9525">
                   <a:solidFill>
                     <a:srgbClr val="000000"/>
                   </a:solidFill>
@@ -1899,7 +1801,7 @@
             </a:ln>
             <a:extLst>
               <a:ext uri="{91240B29-F687-4f45-9708-019B960494DF}">
-                <a14:hiddenLine xmlns="" xmlns:a14="http://schemas.microsoft.com/office/drawing/2010/main" w="9525">
+                <a14:hiddenLine xmlns:a14="http://schemas.microsoft.com/office/drawing/2010/main" xmlns="" w="9525">
                   <a:solidFill>
                     <a:srgbClr val="000000"/>
                   </a:solidFill>
@@ -1989,7 +1891,7 @@
             </a:ln>
             <a:extLst>
               <a:ext uri="{91240B29-F687-4f45-9708-019B960494DF}">
-                <a14:hiddenLine xmlns="" xmlns:a14="http://schemas.microsoft.com/office/drawing/2010/main" w="9525">
+                <a14:hiddenLine xmlns:a14="http://schemas.microsoft.com/office/drawing/2010/main" xmlns="" w="9525">
                   <a:solidFill>
                     <a:srgbClr val="000000"/>
                   </a:solidFill>
@@ -2079,7 +1981,7 @@
             </a:ln>
             <a:extLst>
               <a:ext uri="{91240B29-F687-4f45-9708-019B960494DF}">
-                <a14:hiddenLine xmlns="" xmlns:a14="http://schemas.microsoft.com/office/drawing/2010/main" w="9525">
+                <a14:hiddenLine xmlns:a14="http://schemas.microsoft.com/office/drawing/2010/main" xmlns="" w="9525">
                   <a:solidFill>
                     <a:srgbClr val="000000"/>
                   </a:solidFill>
@@ -2141,7 +2043,7 @@
             </a:ln>
             <a:extLst>
               <a:ext uri="{91240B29-F687-4f45-9708-019B960494DF}">
-                <a14:hiddenLine xmlns="" xmlns:a14="http://schemas.microsoft.com/office/drawing/2010/main" w="9525">
+                <a14:hiddenLine xmlns:a14="http://schemas.microsoft.com/office/drawing/2010/main" xmlns="" w="9525">
                   <a:solidFill>
                     <a:srgbClr val="000000"/>
                   </a:solidFill>
@@ -2231,7 +2133,7 @@
             </a:ln>
             <a:extLst>
               <a:ext uri="{91240B29-F687-4f45-9708-019B960494DF}">
-                <a14:hiddenLine xmlns="" xmlns:a14="http://schemas.microsoft.com/office/drawing/2010/main" w="9525">
+                <a14:hiddenLine xmlns:a14="http://schemas.microsoft.com/office/drawing/2010/main" xmlns="" w="9525">
                   <a:solidFill>
                     <a:srgbClr val="000000"/>
                   </a:solidFill>
@@ -2321,7 +2223,7 @@
             </a:ln>
             <a:extLst>
               <a:ext uri="{91240B29-F687-4f45-9708-019B960494DF}">
-                <a14:hiddenLine xmlns="" xmlns:a14="http://schemas.microsoft.com/office/drawing/2010/main" w="9525">
+                <a14:hiddenLine xmlns:a14="http://schemas.microsoft.com/office/drawing/2010/main" xmlns="" w="9525">
                   <a:solidFill>
                     <a:srgbClr val="000000"/>
                   </a:solidFill>
@@ -2377,7 +2279,7 @@
             </a:ln>
             <a:extLst>
               <a:ext uri="{91240B29-F687-4f45-9708-019B960494DF}">
-                <a14:hiddenLine xmlns="" xmlns:a14="http://schemas.microsoft.com/office/drawing/2010/main" w="9525">
+                <a14:hiddenLine xmlns:a14="http://schemas.microsoft.com/office/drawing/2010/main" xmlns="" w="9525">
                   <a:solidFill>
                     <a:srgbClr val="000000"/>
                   </a:solidFill>
@@ -2467,7 +2369,7 @@
             </a:ln>
             <a:extLst>
               <a:ext uri="{91240B29-F687-4f45-9708-019B960494DF}">
-                <a14:hiddenLine xmlns="" xmlns:a14="http://schemas.microsoft.com/office/drawing/2010/main" w="9525">
+                <a14:hiddenLine xmlns:a14="http://schemas.microsoft.com/office/drawing/2010/main" xmlns="" w="9525">
                   <a:solidFill>
                     <a:srgbClr val="000000"/>
                   </a:solidFill>
@@ -2523,7 +2425,7 @@
             </a:ln>
             <a:extLst>
               <a:ext uri="{91240B29-F687-4f45-9708-019B960494DF}">
-                <a14:hiddenLine xmlns="" xmlns:a14="http://schemas.microsoft.com/office/drawing/2010/main" w="9525">
+                <a14:hiddenLine xmlns:a14="http://schemas.microsoft.com/office/drawing/2010/main" xmlns="" w="9525">
                   <a:solidFill>
                     <a:srgbClr val="000000"/>
                   </a:solidFill>
@@ -2613,7 +2515,7 @@
             </a:ln>
             <a:extLst>
               <a:ext uri="{91240B29-F687-4f45-9708-019B960494DF}">
-                <a14:hiddenLine xmlns="" xmlns:a14="http://schemas.microsoft.com/office/drawing/2010/main" w="9525">
+                <a14:hiddenLine xmlns:a14="http://schemas.microsoft.com/office/drawing/2010/main" xmlns="" w="9525">
                   <a:solidFill>
                     <a:srgbClr val="000000"/>
                   </a:solidFill>
@@ -2681,7 +2583,7 @@
             </a:ln>
             <a:extLst>
               <a:ext uri="{91240B29-F687-4f45-9708-019B960494DF}">
-                <a14:hiddenLine xmlns="" xmlns:a14="http://schemas.microsoft.com/office/drawing/2010/main" w="9525">
+                <a14:hiddenLine xmlns:a14="http://schemas.microsoft.com/office/drawing/2010/main" xmlns="" w="9525">
                   <a:solidFill>
                     <a:srgbClr val="000000"/>
                   </a:solidFill>
@@ -2771,7 +2673,7 @@
             </a:ln>
             <a:extLst>
               <a:ext uri="{91240B29-F687-4f45-9708-019B960494DF}">
-                <a14:hiddenLine xmlns="" xmlns:a14="http://schemas.microsoft.com/office/drawing/2010/main" w="9525">
+                <a14:hiddenLine xmlns:a14="http://schemas.microsoft.com/office/drawing/2010/main" xmlns="" w="9525">
                   <a:solidFill>
                     <a:srgbClr val="000000"/>
                   </a:solidFill>
@@ -2839,7 +2741,7 @@
             </a:ln>
             <a:extLst>
               <a:ext uri="{91240B29-F687-4f45-9708-019B960494DF}">
-                <a14:hiddenLine xmlns="" xmlns:a14="http://schemas.microsoft.com/office/drawing/2010/main" w="9525">
+                <a14:hiddenLine xmlns:a14="http://schemas.microsoft.com/office/drawing/2010/main" xmlns="" w="9525">
                   <a:solidFill>
                     <a:srgbClr val="000000"/>
                   </a:solidFill>
@@ -2929,7 +2831,7 @@
             </a:ln>
             <a:extLst>
               <a:ext uri="{91240B29-F687-4f45-9708-019B960494DF}">
-                <a14:hiddenLine xmlns="" xmlns:a14="http://schemas.microsoft.com/office/drawing/2010/main" w="9525">
+                <a14:hiddenLine xmlns:a14="http://schemas.microsoft.com/office/drawing/2010/main" xmlns="" w="9525">
                   <a:solidFill>
                     <a:srgbClr val="000000"/>
                   </a:solidFill>
@@ -2963,7 +2865,7 @@
             </a:ln>
             <a:extLst>
               <a:ext uri="{91240B29-F687-4f45-9708-019B960494DF}">
-                <a14:hiddenLine xmlns="" xmlns:a14="http://schemas.microsoft.com/office/drawing/2010/main" w="9525">
+                <a14:hiddenLine xmlns:a14="http://schemas.microsoft.com/office/drawing/2010/main" xmlns="" w="9525">
                   <a:solidFill>
                     <a:srgbClr val="000000"/>
                   </a:solidFill>
@@ -3053,7 +2955,7 @@
             </a:ln>
             <a:extLst>
               <a:ext uri="{91240B29-F687-4f45-9708-019B960494DF}">
-                <a14:hiddenLine xmlns="" xmlns:a14="http://schemas.microsoft.com/office/drawing/2010/main" w="9525">
+                <a14:hiddenLine xmlns:a14="http://schemas.microsoft.com/office/drawing/2010/main" xmlns="" w="9525">
                   <a:solidFill>
                     <a:srgbClr val="000000"/>
                   </a:solidFill>
@@ -3115,7 +3017,7 @@
             </a:ln>
             <a:extLst>
               <a:ext uri="{91240B29-F687-4f45-9708-019B960494DF}">
-                <a14:hiddenLine xmlns="" xmlns:a14="http://schemas.microsoft.com/office/drawing/2010/main" w="9525">
+                <a14:hiddenLine xmlns:a14="http://schemas.microsoft.com/office/drawing/2010/main" xmlns="" w="9525">
                   <a:solidFill>
                     <a:srgbClr val="000000"/>
                   </a:solidFill>
@@ -3177,7 +3079,7 @@
             </a:ln>
             <a:extLst>
               <a:ext uri="{91240B29-F687-4f45-9708-019B960494DF}">
-                <a14:hiddenLine xmlns="" xmlns:a14="http://schemas.microsoft.com/office/drawing/2010/main" w="9525">
+                <a14:hiddenLine xmlns:a14="http://schemas.microsoft.com/office/drawing/2010/main" xmlns="" w="9525">
                   <a:solidFill>
                     <a:srgbClr val="000000"/>
                   </a:solidFill>
@@ -3267,7 +3169,7 @@
             </a:ln>
             <a:extLst>
               <a:ext uri="{91240B29-F687-4f45-9708-019B960494DF}">
-                <a14:hiddenLine xmlns="" xmlns:a14="http://schemas.microsoft.com/office/drawing/2010/main" w="9525">
+                <a14:hiddenLine xmlns:a14="http://schemas.microsoft.com/office/drawing/2010/main" xmlns="" w="9525">
                   <a:solidFill>
                     <a:srgbClr val="000000"/>
                   </a:solidFill>
@@ -3335,7 +3237,7 @@
             </a:ln>
             <a:extLst>
               <a:ext uri="{91240B29-F687-4f45-9708-019B960494DF}">
-                <a14:hiddenLine xmlns="" xmlns:a14="http://schemas.microsoft.com/office/drawing/2010/main" w="9525">
+                <a14:hiddenLine xmlns:a14="http://schemas.microsoft.com/office/drawing/2010/main" xmlns="" w="9525">
                   <a:solidFill>
                     <a:srgbClr val="000000"/>
                   </a:solidFill>
@@ -3397,7 +3299,7 @@
             </a:ln>
             <a:extLst>
               <a:ext uri="{91240B29-F687-4f45-9708-019B960494DF}">
-                <a14:hiddenLine xmlns="" xmlns:a14="http://schemas.microsoft.com/office/drawing/2010/main" w="9525">
+                <a14:hiddenLine xmlns:a14="http://schemas.microsoft.com/office/drawing/2010/main" xmlns="" w="9525">
                   <a:solidFill>
                     <a:srgbClr val="000000"/>
                   </a:solidFill>
@@ -3487,7 +3389,7 @@
             </a:ln>
             <a:extLst>
               <a:ext uri="{91240B29-F687-4f45-9708-019B960494DF}">
-                <a14:hiddenLine xmlns="" xmlns:a14="http://schemas.microsoft.com/office/drawing/2010/main" w="9525">
+                <a14:hiddenLine xmlns:a14="http://schemas.microsoft.com/office/drawing/2010/main" xmlns="" w="9525">
                   <a:solidFill>
                     <a:srgbClr val="000000"/>
                   </a:solidFill>
@@ -3549,7 +3451,7 @@
             </a:ln>
             <a:extLst>
               <a:ext uri="{91240B29-F687-4f45-9708-019B960494DF}">
-                <a14:hiddenLine xmlns="" xmlns:a14="http://schemas.microsoft.com/office/drawing/2010/main" w="9525">
+                <a14:hiddenLine xmlns:a14="http://schemas.microsoft.com/office/drawing/2010/main" xmlns="" w="9525">
                   <a:solidFill>
                     <a:srgbClr val="000000"/>
                   </a:solidFill>
@@ -3639,7 +3541,7 @@
             </a:ln>
             <a:extLst>
               <a:ext uri="{91240B29-F687-4f45-9708-019B960494DF}">
-                <a14:hiddenLine xmlns="" xmlns:a14="http://schemas.microsoft.com/office/drawing/2010/main" w="9525">
+                <a14:hiddenLine xmlns:a14="http://schemas.microsoft.com/office/drawing/2010/main" xmlns="" w="9525">
                   <a:solidFill>
                     <a:srgbClr val="000000"/>
                   </a:solidFill>
@@ -3701,7 +3603,7 @@
             </a:ln>
             <a:extLst>
               <a:ext uri="{91240B29-F687-4f45-9708-019B960494DF}">
-                <a14:hiddenLine xmlns="" xmlns:a14="http://schemas.microsoft.com/office/drawing/2010/main" w="9525">
+                <a14:hiddenLine xmlns:a14="http://schemas.microsoft.com/office/drawing/2010/main" xmlns="" w="9525">
                   <a:solidFill>
                     <a:srgbClr val="000000"/>
                   </a:solidFill>
@@ -3791,7 +3693,7 @@
             </a:ln>
             <a:extLst>
               <a:ext uri="{91240B29-F687-4f45-9708-019B960494DF}">
-                <a14:hiddenLine xmlns="" xmlns:a14="http://schemas.microsoft.com/office/drawing/2010/main" w="9525">
+                <a14:hiddenLine xmlns:a14="http://schemas.microsoft.com/office/drawing/2010/main" xmlns="" w="9525">
                   <a:solidFill>
                     <a:srgbClr val="000000"/>
                   </a:solidFill>
@@ -3825,7 +3727,7 @@
             </a:ln>
             <a:extLst>
               <a:ext uri="{91240B29-F687-4f45-9708-019B960494DF}">
-                <a14:hiddenLine xmlns="" xmlns:a14="http://schemas.microsoft.com/office/drawing/2010/main" w="9525">
+                <a14:hiddenLine xmlns:a14="http://schemas.microsoft.com/office/drawing/2010/main" xmlns="" w="9525">
                   <a:solidFill>
                     <a:srgbClr val="000000"/>
                   </a:solidFill>
@@ -3890,7 +3792,7 @@
             </a:ln>
             <a:extLst>
               <a:ext uri="{91240B29-F687-4f45-9708-019B960494DF}">
-                <a14:hiddenLine xmlns="" xmlns:a14="http://schemas.microsoft.com/office/drawing/2010/main" w="9525">
+                <a14:hiddenLine xmlns:a14="http://schemas.microsoft.com/office/drawing/2010/main" xmlns="" w="9525">
                   <a:solidFill>
                     <a:srgbClr val="000000"/>
                   </a:solidFill>
@@ -3980,7 +3882,7 @@
             </a:ln>
             <a:extLst>
               <a:ext uri="{91240B29-F687-4f45-9708-019B960494DF}">
-                <a14:hiddenLine xmlns="" xmlns:a14="http://schemas.microsoft.com/office/drawing/2010/main" w="9525">
+                <a14:hiddenLine xmlns:a14="http://schemas.microsoft.com/office/drawing/2010/main" xmlns="" w="9525">
                   <a:solidFill>
                     <a:srgbClr val="000000"/>
                   </a:solidFill>
@@ -4042,7 +3944,7 @@
             </a:ln>
             <a:extLst>
               <a:ext uri="{91240B29-F687-4f45-9708-019B960494DF}">
-                <a14:hiddenLine xmlns="" xmlns:a14="http://schemas.microsoft.com/office/drawing/2010/main" w="9525">
+                <a14:hiddenLine xmlns:a14="http://schemas.microsoft.com/office/drawing/2010/main" xmlns="" w="9525">
                   <a:solidFill>
                     <a:srgbClr val="000000"/>
                   </a:solidFill>
@@ -4132,7 +4034,7 @@
             </a:ln>
             <a:extLst>
               <a:ext uri="{91240B29-F687-4f45-9708-019B960494DF}">
-                <a14:hiddenLine xmlns="" xmlns:a14="http://schemas.microsoft.com/office/drawing/2010/main" w="9525">
+                <a14:hiddenLine xmlns:a14="http://schemas.microsoft.com/office/drawing/2010/main" xmlns="" w="9525">
                   <a:solidFill>
                     <a:srgbClr val="000000"/>
                   </a:solidFill>
@@ -4222,7 +4124,7 @@
             </a:ln>
             <a:extLst>
               <a:ext uri="{91240B29-F687-4f45-9708-019B960494DF}">
-                <a14:hiddenLine xmlns="" xmlns:a14="http://schemas.microsoft.com/office/drawing/2010/main" w="9525">
+                <a14:hiddenLine xmlns:a14="http://schemas.microsoft.com/office/drawing/2010/main" xmlns="" w="9525">
                   <a:solidFill>
                     <a:srgbClr val="000000"/>
                   </a:solidFill>
@@ -4287,7 +4189,7 @@
             </a:ln>
             <a:extLst>
               <a:ext uri="{91240B29-F687-4f45-9708-019B960494DF}">
-                <a14:hiddenLine xmlns="" xmlns:a14="http://schemas.microsoft.com/office/drawing/2010/main" w="9525">
+                <a14:hiddenLine xmlns:a14="http://schemas.microsoft.com/office/drawing/2010/main" xmlns="" w="9525">
                   <a:solidFill>
                     <a:srgbClr val="000000"/>
                   </a:solidFill>
@@ -4349,7 +4251,7 @@
             </a:ln>
             <a:extLst>
               <a:ext uri="{91240B29-F687-4f45-9708-019B960494DF}">
-                <a14:hiddenLine xmlns="" xmlns:a14="http://schemas.microsoft.com/office/drawing/2010/main" w="9525">
+                <a14:hiddenLine xmlns:a14="http://schemas.microsoft.com/office/drawing/2010/main" xmlns="" w="9525">
                   <a:solidFill>
                     <a:srgbClr val="000000"/>
                   </a:solidFill>
@@ -4439,7 +4341,7 @@
             </a:ln>
             <a:extLst>
               <a:ext uri="{91240B29-F687-4f45-9708-019B960494DF}">
-                <a14:hiddenLine xmlns="" xmlns:a14="http://schemas.microsoft.com/office/drawing/2010/main" w="9525">
+                <a14:hiddenLine xmlns:a14="http://schemas.microsoft.com/office/drawing/2010/main" xmlns="" w="9525">
                   <a:solidFill>
                     <a:srgbClr val="000000"/>
                   </a:solidFill>
@@ -4529,7 +4431,7 @@
             </a:ln>
             <a:extLst>
               <a:ext uri="{91240B29-F687-4f45-9708-019B960494DF}">
-                <a14:hiddenLine xmlns="" xmlns:a14="http://schemas.microsoft.com/office/drawing/2010/main" w="9525">
+                <a14:hiddenLine xmlns:a14="http://schemas.microsoft.com/office/drawing/2010/main" xmlns="" w="9525">
                   <a:solidFill>
                     <a:srgbClr val="000000"/>
                   </a:solidFill>
@@ -4591,7 +4493,7 @@
             </a:ln>
             <a:extLst>
               <a:ext uri="{91240B29-F687-4f45-9708-019B960494DF}">
-                <a14:hiddenLine xmlns="" xmlns:a14="http://schemas.microsoft.com/office/drawing/2010/main" w="9525">
+                <a14:hiddenLine xmlns:a14="http://schemas.microsoft.com/office/drawing/2010/main" xmlns="" w="9525">
                   <a:solidFill>
                     <a:srgbClr val="000000"/>
                   </a:solidFill>
@@ -4711,7 +4613,7 @@
             </a:ln>
             <a:extLst>
               <a:ext uri="{91240B29-F687-4f45-9708-019B960494DF}">
-                <a14:hiddenLine xmlns="" xmlns:a14="http://schemas.microsoft.com/office/drawing/2010/main" w="9525">
+                <a14:hiddenLine xmlns:a14="http://schemas.microsoft.com/office/drawing/2010/main" xmlns="" w="9525">
                   <a:solidFill>
                     <a:srgbClr val="000000"/>
                   </a:solidFill>
@@ -4779,7 +4681,7 @@
             </a:ln>
             <a:extLst>
               <a:ext uri="{91240B29-F687-4f45-9708-019B960494DF}">
-                <a14:hiddenLine xmlns="" xmlns:a14="http://schemas.microsoft.com/office/drawing/2010/main" w="9525">
+                <a14:hiddenLine xmlns:a14="http://schemas.microsoft.com/office/drawing/2010/main" xmlns="" w="9525">
                   <a:solidFill>
                     <a:srgbClr val="000000"/>
                   </a:solidFill>
@@ -4869,7 +4771,7 @@
             </a:ln>
             <a:extLst>
               <a:ext uri="{91240B29-F687-4f45-9708-019B960494DF}">
-                <a14:hiddenLine xmlns="" xmlns:a14="http://schemas.microsoft.com/office/drawing/2010/main" w="9525">
+                <a14:hiddenLine xmlns:a14="http://schemas.microsoft.com/office/drawing/2010/main" xmlns="" w="9525">
                   <a:solidFill>
                     <a:srgbClr val="000000"/>
                   </a:solidFill>
@@ -9598,7 +9500,7 @@
           <a:noFill/>
           <a:extLst>
             <a:ext uri="{909E8E84-426E-40dd-AFC4-6F175D3DCCD1}">
-              <a14:hiddenFill xmlns="" xmlns:a14="http://schemas.microsoft.com/office/drawing/2010/main">
+              <a14:hiddenFill xmlns:a14="http://schemas.microsoft.com/office/drawing/2010/main" xmlns="">
                 <a:solidFill>
                   <a:srgbClr val="FFFFFF"/>
                 </a:solidFill>
@@ -9672,7 +9574,7 @@
               </a:ln>
               <a:extLst>
                 <a:ext uri="{91240B29-F687-4f45-9708-019B960494DF}">
-                  <a14:hiddenLine xmlns="" xmlns:a14="http://schemas.microsoft.com/office/drawing/2010/main" w="9525">
+                  <a14:hiddenLine xmlns:a14="http://schemas.microsoft.com/office/drawing/2010/main" xmlns="" w="9525">
                     <a:solidFill>
                       <a:srgbClr val="000000"/>
                     </a:solidFill>
@@ -9762,7 +9664,7 @@
               </a:ln>
               <a:extLst>
                 <a:ext uri="{91240B29-F687-4f45-9708-019B960494DF}">
-                  <a14:hiddenLine xmlns="" xmlns:a14="http://schemas.microsoft.com/office/drawing/2010/main" w="9525">
+                  <a14:hiddenLine xmlns:a14="http://schemas.microsoft.com/office/drawing/2010/main" xmlns="" w="9525">
                     <a:solidFill>
                       <a:srgbClr val="000000"/>
                     </a:solidFill>
@@ -9852,7 +9754,7 @@
               </a:ln>
               <a:extLst>
                 <a:ext uri="{91240B29-F687-4f45-9708-019B960494DF}">
-                  <a14:hiddenLine xmlns="" xmlns:a14="http://schemas.microsoft.com/office/drawing/2010/main" w="9525">
+                  <a14:hiddenLine xmlns:a14="http://schemas.microsoft.com/office/drawing/2010/main" xmlns="" w="9525">
                     <a:solidFill>
                       <a:srgbClr val="000000"/>
                     </a:solidFill>
@@ -9914,7 +9816,7 @@
               </a:ln>
               <a:extLst>
                 <a:ext uri="{91240B29-F687-4f45-9708-019B960494DF}">
-                  <a14:hiddenLine xmlns="" xmlns:a14="http://schemas.microsoft.com/office/drawing/2010/main" w="9525">
+                  <a14:hiddenLine xmlns:a14="http://schemas.microsoft.com/office/drawing/2010/main" xmlns="" w="9525">
                     <a:solidFill>
                       <a:srgbClr val="000000"/>
                     </a:solidFill>
@@ -10004,7 +9906,7 @@
               </a:ln>
               <a:extLst>
                 <a:ext uri="{91240B29-F687-4f45-9708-019B960494DF}">
-                  <a14:hiddenLine xmlns="" xmlns:a14="http://schemas.microsoft.com/office/drawing/2010/main" w="9525">
+                  <a14:hiddenLine xmlns:a14="http://schemas.microsoft.com/office/drawing/2010/main" xmlns="" w="9525">
                     <a:solidFill>
                       <a:srgbClr val="000000"/>
                     </a:solidFill>
@@ -10066,7 +9968,7 @@
               </a:ln>
               <a:extLst>
                 <a:ext uri="{91240B29-F687-4f45-9708-019B960494DF}">
-                  <a14:hiddenLine xmlns="" xmlns:a14="http://schemas.microsoft.com/office/drawing/2010/main" w="9525">
+                  <a14:hiddenLine xmlns:a14="http://schemas.microsoft.com/office/drawing/2010/main" xmlns="" w="9525">
                     <a:solidFill>
                       <a:srgbClr val="000000"/>
                     </a:solidFill>
@@ -10128,7 +10030,7 @@
               </a:ln>
               <a:extLst>
                 <a:ext uri="{91240B29-F687-4f45-9708-019B960494DF}">
-                  <a14:hiddenLine xmlns="" xmlns:a14="http://schemas.microsoft.com/office/drawing/2010/main" w="9525">
+                  <a14:hiddenLine xmlns:a14="http://schemas.microsoft.com/office/drawing/2010/main" xmlns="" w="9525">
                     <a:solidFill>
                       <a:srgbClr val="000000"/>
                     </a:solidFill>
@@ -10218,7 +10120,7 @@
               </a:ln>
               <a:extLst>
                 <a:ext uri="{91240B29-F687-4f45-9708-019B960494DF}">
-                  <a14:hiddenLine xmlns="" xmlns:a14="http://schemas.microsoft.com/office/drawing/2010/main" w="9525">
+                  <a14:hiddenLine xmlns:a14="http://schemas.microsoft.com/office/drawing/2010/main" xmlns="" w="9525">
                     <a:solidFill>
                       <a:srgbClr val="000000"/>
                     </a:solidFill>
@@ -10308,7 +10210,7 @@
               </a:ln>
               <a:extLst>
                 <a:ext uri="{91240B29-F687-4f45-9708-019B960494DF}">
-                  <a14:hiddenLine xmlns="" xmlns:a14="http://schemas.microsoft.com/office/drawing/2010/main" w="9525">
+                  <a14:hiddenLine xmlns:a14="http://schemas.microsoft.com/office/drawing/2010/main" xmlns="" w="9525">
                     <a:solidFill>
                       <a:srgbClr val="000000"/>
                     </a:solidFill>
@@ -10370,7 +10272,7 @@
               </a:ln>
               <a:extLst>
                 <a:ext uri="{91240B29-F687-4f45-9708-019B960494DF}">
-                  <a14:hiddenLine xmlns="" xmlns:a14="http://schemas.microsoft.com/office/drawing/2010/main" w="9525">
+                  <a14:hiddenLine xmlns:a14="http://schemas.microsoft.com/office/drawing/2010/main" xmlns="" w="9525">
                     <a:solidFill>
                       <a:srgbClr val="000000"/>
                     </a:solidFill>
@@ -10480,7 +10382,7 @@
               </a:ln>
               <a:extLst>
                 <a:ext uri="{91240B29-F687-4f45-9708-019B960494DF}">
-                  <a14:hiddenLine xmlns="" xmlns:a14="http://schemas.microsoft.com/office/drawing/2010/main" w="9525">
+                  <a14:hiddenLine xmlns:a14="http://schemas.microsoft.com/office/drawing/2010/main" xmlns="" w="9525">
                     <a:solidFill>
                       <a:srgbClr val="000000"/>
                     </a:solidFill>
@@ -10564,7 +10466,7 @@
               </a:ln>
               <a:extLst>
                 <a:ext uri="{91240B29-F687-4f45-9708-019B960494DF}">
-                  <a14:hiddenLine xmlns="" xmlns:a14="http://schemas.microsoft.com/office/drawing/2010/main" w="9525">
+                  <a14:hiddenLine xmlns:a14="http://schemas.microsoft.com/office/drawing/2010/main" xmlns="" w="9525">
                     <a:solidFill>
                       <a:srgbClr val="000000"/>
                     </a:solidFill>
@@ -10626,7 +10528,7 @@
               </a:ln>
               <a:extLst>
                 <a:ext uri="{91240B29-F687-4f45-9708-019B960494DF}">
-                  <a14:hiddenLine xmlns="" xmlns:a14="http://schemas.microsoft.com/office/drawing/2010/main" w="9525">
+                  <a14:hiddenLine xmlns:a14="http://schemas.microsoft.com/office/drawing/2010/main" xmlns="" w="9525">
                     <a:solidFill>
                       <a:srgbClr val="000000"/>
                     </a:solidFill>
@@ -10688,7 +10590,7 @@
               </a:ln>
               <a:extLst>
                 <a:ext uri="{91240B29-F687-4f45-9708-019B960494DF}">
-                  <a14:hiddenLine xmlns="" xmlns:a14="http://schemas.microsoft.com/office/drawing/2010/main" w="9525">
+                  <a14:hiddenLine xmlns:a14="http://schemas.microsoft.com/office/drawing/2010/main" xmlns="" w="9525">
                     <a:solidFill>
                       <a:srgbClr val="000000"/>
                     </a:solidFill>
@@ -10778,7 +10680,7 @@
               </a:ln>
               <a:extLst>
                 <a:ext uri="{91240B29-F687-4f45-9708-019B960494DF}">
-                  <a14:hiddenLine xmlns="" xmlns:a14="http://schemas.microsoft.com/office/drawing/2010/main" w="9525">
+                  <a14:hiddenLine xmlns:a14="http://schemas.microsoft.com/office/drawing/2010/main" xmlns="" w="9525">
                     <a:solidFill>
                       <a:srgbClr val="000000"/>
                     </a:solidFill>
@@ -10812,7 +10714,7 @@
               </a:ln>
               <a:extLst>
                 <a:ext uri="{91240B29-F687-4f45-9708-019B960494DF}">
-                  <a14:hiddenLine xmlns="" xmlns:a14="http://schemas.microsoft.com/office/drawing/2010/main" w="9525">
+                  <a14:hiddenLine xmlns:a14="http://schemas.microsoft.com/office/drawing/2010/main" xmlns="" w="9525">
                     <a:solidFill>
                       <a:srgbClr val="000000"/>
                     </a:solidFill>
@@ -10877,7 +10779,7 @@
               </a:ln>
               <a:extLst>
                 <a:ext uri="{91240B29-F687-4f45-9708-019B960494DF}">
-                  <a14:hiddenLine xmlns="" xmlns:a14="http://schemas.microsoft.com/office/drawing/2010/main" w="9525">
+                  <a14:hiddenLine xmlns:a14="http://schemas.microsoft.com/office/drawing/2010/main" xmlns="" w="9525">
                     <a:solidFill>
                       <a:srgbClr val="000000"/>
                     </a:solidFill>
@@ -10967,7 +10869,7 @@
               </a:ln>
               <a:extLst>
                 <a:ext uri="{91240B29-F687-4f45-9708-019B960494DF}">
-                  <a14:hiddenLine xmlns="" xmlns:a14="http://schemas.microsoft.com/office/drawing/2010/main" w="9525">
+                  <a14:hiddenLine xmlns:a14="http://schemas.microsoft.com/office/drawing/2010/main" xmlns="" w="9525">
                     <a:solidFill>
                       <a:srgbClr val="000000"/>
                     </a:solidFill>
@@ -11029,7 +10931,7 @@
               </a:ln>
               <a:extLst>
                 <a:ext uri="{91240B29-F687-4f45-9708-019B960494DF}">
-                  <a14:hiddenLine xmlns="" xmlns:a14="http://schemas.microsoft.com/office/drawing/2010/main" w="9525">
+                  <a14:hiddenLine xmlns:a14="http://schemas.microsoft.com/office/drawing/2010/main" xmlns="" w="9525">
                     <a:solidFill>
                       <a:srgbClr val="000000"/>
                     </a:solidFill>
@@ -11119,7 +11021,7 @@
               </a:ln>
               <a:extLst>
                 <a:ext uri="{91240B29-F687-4f45-9708-019B960494DF}">
-                  <a14:hiddenLine xmlns="" xmlns:a14="http://schemas.microsoft.com/office/drawing/2010/main" w="9525">
+                  <a14:hiddenLine xmlns:a14="http://schemas.microsoft.com/office/drawing/2010/main" xmlns="" w="9525">
                     <a:solidFill>
                       <a:srgbClr val="000000"/>
                     </a:solidFill>
@@ -11184,7 +11086,7 @@
               </a:ln>
               <a:extLst>
                 <a:ext uri="{91240B29-F687-4f45-9708-019B960494DF}">
-                  <a14:hiddenLine xmlns="" xmlns:a14="http://schemas.microsoft.com/office/drawing/2010/main" w="9525">
+                  <a14:hiddenLine xmlns:a14="http://schemas.microsoft.com/office/drawing/2010/main" xmlns="" w="9525">
                     <a:solidFill>
                       <a:srgbClr val="000000"/>
                     </a:solidFill>
@@ -11246,7 +11148,7 @@
               </a:ln>
               <a:extLst>
                 <a:ext uri="{91240B29-F687-4f45-9708-019B960494DF}">
-                  <a14:hiddenLine xmlns="" xmlns:a14="http://schemas.microsoft.com/office/drawing/2010/main" w="9525">
+                  <a14:hiddenLine xmlns:a14="http://schemas.microsoft.com/office/drawing/2010/main" xmlns="" w="9525">
                     <a:solidFill>
                       <a:srgbClr val="000000"/>
                     </a:solidFill>
@@ -11336,7 +11238,7 @@
               </a:ln>
               <a:extLst>
                 <a:ext uri="{91240B29-F687-4f45-9708-019B960494DF}">
-                  <a14:hiddenLine xmlns="" xmlns:a14="http://schemas.microsoft.com/office/drawing/2010/main" w="9525">
+                  <a14:hiddenLine xmlns:a14="http://schemas.microsoft.com/office/drawing/2010/main" xmlns="" w="9525">
                     <a:solidFill>
                       <a:srgbClr val="000000"/>
                     </a:solidFill>
@@ -11426,7 +11328,7 @@
               </a:ln>
               <a:extLst>
                 <a:ext uri="{91240B29-F687-4f45-9708-019B960494DF}">
-                  <a14:hiddenLine xmlns="" xmlns:a14="http://schemas.microsoft.com/office/drawing/2010/main" w="9525">
+                  <a14:hiddenLine xmlns:a14="http://schemas.microsoft.com/office/drawing/2010/main" xmlns="" w="9525">
                     <a:solidFill>
                       <a:srgbClr val="000000"/>
                     </a:solidFill>
@@ -11491,7 +11393,7 @@
               </a:ln>
               <a:extLst>
                 <a:ext uri="{91240B29-F687-4f45-9708-019B960494DF}">
-                  <a14:hiddenLine xmlns="" xmlns:a14="http://schemas.microsoft.com/office/drawing/2010/main" w="9525">
+                  <a14:hiddenLine xmlns:a14="http://schemas.microsoft.com/office/drawing/2010/main" xmlns="" w="9525">
                     <a:solidFill>
                       <a:srgbClr val="000000"/>
                     </a:solidFill>
@@ -11611,7 +11513,7 @@
               </a:ln>
               <a:extLst>
                 <a:ext uri="{91240B29-F687-4f45-9708-019B960494DF}">
-                  <a14:hiddenLine xmlns="" xmlns:a14="http://schemas.microsoft.com/office/drawing/2010/main" w="9525">
+                  <a14:hiddenLine xmlns:a14="http://schemas.microsoft.com/office/drawing/2010/main" xmlns="" w="9525">
                     <a:solidFill>
                       <a:srgbClr val="000000"/>
                     </a:solidFill>
@@ -11692,7 +11594,7 @@
               </a:ln>
               <a:extLst>
                 <a:ext uri="{91240B29-F687-4f45-9708-019B960494DF}">
-                  <a14:hiddenLine xmlns="" xmlns:a14="http://schemas.microsoft.com/office/drawing/2010/main" w="9525">
+                  <a14:hiddenLine xmlns:a14="http://schemas.microsoft.com/office/drawing/2010/main" xmlns="" w="9525">
                     <a:solidFill>
                       <a:srgbClr val="000000"/>
                     </a:solidFill>
@@ -11807,7 +11709,7 @@
               </a:ln>
               <a:extLst>
                 <a:ext uri="{91240B29-F687-4f45-9708-019B960494DF}">
-                  <a14:hiddenLine xmlns="" xmlns:a14="http://schemas.microsoft.com/office/drawing/2010/main" w="9525">
+                  <a14:hiddenLine xmlns:a14="http://schemas.microsoft.com/office/drawing/2010/main" xmlns="" w="9525">
                     <a:solidFill>
                       <a:srgbClr val="000000"/>
                     </a:solidFill>
@@ -11897,7 +11799,7 @@
               </a:ln>
               <a:extLst>
                 <a:ext uri="{91240B29-F687-4f45-9708-019B960494DF}">
-                  <a14:hiddenLine xmlns="" xmlns:a14="http://schemas.microsoft.com/office/drawing/2010/main" w="9525">
+                  <a14:hiddenLine xmlns:a14="http://schemas.microsoft.com/office/drawing/2010/main" xmlns="" w="9525">
                     <a:solidFill>
                       <a:srgbClr val="000000"/>
                     </a:solidFill>
@@ -11962,7 +11864,7 @@
               </a:ln>
               <a:extLst>
                 <a:ext uri="{91240B29-F687-4f45-9708-019B960494DF}">
-                  <a14:hiddenLine xmlns="" xmlns:a14="http://schemas.microsoft.com/office/drawing/2010/main" w="9525">
+                  <a14:hiddenLine xmlns:a14="http://schemas.microsoft.com/office/drawing/2010/main" xmlns="" w="9525">
                     <a:solidFill>
                       <a:srgbClr val="000000"/>
                     </a:solidFill>
@@ -12052,7 +11954,7 @@
               </a:ln>
               <a:extLst>
                 <a:ext uri="{91240B29-F687-4f45-9708-019B960494DF}">
-                  <a14:hiddenLine xmlns="" xmlns:a14="http://schemas.microsoft.com/office/drawing/2010/main" w="9525">
+                  <a14:hiddenLine xmlns:a14="http://schemas.microsoft.com/office/drawing/2010/main" xmlns="" w="9525">
                     <a:solidFill>
                       <a:srgbClr val="000000"/>
                     </a:solidFill>
@@ -12120,7 +12022,7 @@
               </a:ln>
               <a:extLst>
                 <a:ext uri="{91240B29-F687-4f45-9708-019B960494DF}">
-                  <a14:hiddenLine xmlns="" xmlns:a14="http://schemas.microsoft.com/office/drawing/2010/main" w="9525">
+                  <a14:hiddenLine xmlns:a14="http://schemas.microsoft.com/office/drawing/2010/main" xmlns="" w="9525">
                     <a:solidFill>
                       <a:srgbClr val="000000"/>
                     </a:solidFill>
@@ -12210,7 +12112,7 @@
               </a:ln>
               <a:extLst>
                 <a:ext uri="{91240B29-F687-4f45-9708-019B960494DF}">
-                  <a14:hiddenLine xmlns="" xmlns:a14="http://schemas.microsoft.com/office/drawing/2010/main" w="9525">
+                  <a14:hiddenLine xmlns:a14="http://schemas.microsoft.com/office/drawing/2010/main" xmlns="" w="9525">
                     <a:solidFill>
                       <a:srgbClr val="000000"/>
                     </a:solidFill>
@@ -12278,7 +12180,7 @@
               </a:ln>
               <a:extLst>
                 <a:ext uri="{91240B29-F687-4f45-9708-019B960494DF}">
-                  <a14:hiddenLine xmlns="" xmlns:a14="http://schemas.microsoft.com/office/drawing/2010/main" w="9525">
+                  <a14:hiddenLine xmlns:a14="http://schemas.microsoft.com/office/drawing/2010/main" xmlns="" w="9525">
                     <a:solidFill>
                       <a:srgbClr val="000000"/>
                     </a:solidFill>
@@ -12368,7 +12270,7 @@
               </a:ln>
               <a:extLst>
                 <a:ext uri="{91240B29-F687-4f45-9708-019B960494DF}">
-                  <a14:hiddenLine xmlns="" xmlns:a14="http://schemas.microsoft.com/office/drawing/2010/main" w="9525">
+                  <a14:hiddenLine xmlns:a14="http://schemas.microsoft.com/office/drawing/2010/main" xmlns="" w="9525">
                     <a:solidFill>
                       <a:srgbClr val="000000"/>
                     </a:solidFill>
@@ -12402,7 +12304,7 @@
               </a:ln>
               <a:extLst>
                 <a:ext uri="{91240B29-F687-4f45-9708-019B960494DF}">
-                  <a14:hiddenLine xmlns="" xmlns:a14="http://schemas.microsoft.com/office/drawing/2010/main" w="9525">
+                  <a14:hiddenLine xmlns:a14="http://schemas.microsoft.com/office/drawing/2010/main" xmlns="" w="9525">
                     <a:solidFill>
                       <a:srgbClr val="000000"/>
                     </a:solidFill>
@@ -13022,72 +12924,6 @@
 </p:sld>
 </file>
 
-<file path=ppt/slides/slide10.xml><?xml version="1.0" encoding="utf-8"?>
-<p:sld xmlns:a="http://schemas.openxmlformats.org/drawingml/2006/main" xmlns:r="http://schemas.openxmlformats.org/officeDocument/2006/relationships" xmlns:p="http://schemas.openxmlformats.org/presentationml/2006/main">
-  <p:cSld>
-    <p:spTree>
-      <p:nvGrpSpPr>
-        <p:cNvPr id="1" name=""/>
-        <p:cNvGrpSpPr/>
-        <p:nvPr/>
-      </p:nvGrpSpPr>
-      <p:grpSpPr>
-        <a:xfrm>
-          <a:off x="0" y="0"/>
-          <a:ext cx="0" cy="0"/>
-          <a:chOff x="0" y="0"/>
-          <a:chExt cx="0" cy="0"/>
-        </a:xfrm>
-      </p:grpSpPr>
-      <p:sp>
-        <p:nvSpPr>
-          <p:cNvPr id="2" name="Titel 1">
-            <a:extLst>
-              <a:ext uri="{FF2B5EF4-FFF2-40B4-BE49-F238E27FC236}">
-                <a16:creationId xmlns:a16="http://schemas.microsoft.com/office/drawing/2014/main" id="{E870BB39-3894-404C-9070-6172E1BBFABA}"/>
-              </a:ext>
-            </a:extLst>
-          </p:cNvPr>
-          <p:cNvSpPr>
-            <a:spLocks noGrp="1"/>
-          </p:cNvSpPr>
-          <p:nvPr>
-            <p:ph type="title"/>
-          </p:nvPr>
-        </p:nvSpPr>
-        <p:spPr>
-          <a:xfrm>
-            <a:off x="3361592" y="2689715"/>
-            <a:ext cx="5468815" cy="1478570"/>
-          </a:xfrm>
-        </p:spPr>
-        <p:txBody>
-          <a:bodyPr>
-            <a:normAutofit/>
-          </a:bodyPr>
-          <a:lstStyle/>
-          <a:p>
-            <a:pPr algn="ctr"/>
-            <a:r>
-              <a:rPr lang="da-DK" dirty="0"/>
-              <a:t>Tests og kørende kode</a:t>
-            </a:r>
-          </a:p>
-        </p:txBody>
-      </p:sp>
-    </p:spTree>
-    <p:extLst>
-      <p:ext uri="{BB962C8B-B14F-4D97-AF65-F5344CB8AC3E}">
-        <p14:creationId xmlns:p14="http://schemas.microsoft.com/office/powerpoint/2010/main" val="3054669827"/>
-      </p:ext>
-    </p:extLst>
-  </p:cSld>
-  <p:clrMapOvr>
-    <a:masterClrMapping/>
-  </p:clrMapOvr>
-</p:sld>
-</file>
-
 <file path=ppt/slides/slide2.xml><?xml version="1.0" encoding="utf-8"?>
 <p:sld xmlns:a="http://schemas.openxmlformats.org/drawingml/2006/main" xmlns:r="http://schemas.openxmlformats.org/officeDocument/2006/relationships" xmlns:p="http://schemas.openxmlformats.org/presentationml/2006/main">
   <p:cSld>
@@ -13214,27 +13050,40 @@
             <p:ph type="title"/>
           </p:nvPr>
         </p:nvSpPr>
-        <p:spPr>
-          <a:xfrm>
-            <a:off x="8915400" y="1950430"/>
-            <a:ext cx="2762250" cy="1478570"/>
-          </a:xfrm>
-        </p:spPr>
+        <p:spPr/>
         <p:txBody>
           <a:bodyPr/>
           <a:lstStyle/>
           <a:p>
             <a:r>
               <a:rPr lang="da-DK" dirty="0"/>
-              <a:t>Aktivitets-</a:t>
+              <a:t>aktivitetsdiagram</a:t>
             </a:r>
-            <a:br>
-              <a:rPr lang="da-DK" dirty="0"/>
-            </a:br>
-            <a:r>
-              <a:rPr lang="da-DK" dirty="0"/>
-              <a:t>diagram</a:t>
-            </a:r>
+          </a:p>
+        </p:txBody>
+      </p:sp>
+      <p:sp>
+        <p:nvSpPr>
+          <p:cNvPr id="3" name="Pladsholder til lodret titel 2">
+            <a:extLst>
+              <a:ext uri="{FF2B5EF4-FFF2-40B4-BE49-F238E27FC236}">
+                <a16:creationId xmlns:a16="http://schemas.microsoft.com/office/drawing/2014/main" id="{D557E203-79F8-4145-B653-8FF850EDD5ED}"/>
+              </a:ext>
+            </a:extLst>
+          </p:cNvPr>
+          <p:cNvSpPr>
+            <a:spLocks noGrp="1"/>
+          </p:cNvSpPr>
+          <p:nvPr>
+            <p:ph type="body" orient="vert" idx="1"/>
+          </p:nvPr>
+        </p:nvSpPr>
+        <p:spPr/>
+        <p:txBody>
+          <a:bodyPr/>
+          <a:lstStyle/>
+          <a:p>
+            <a:endParaRPr lang="da-DK" dirty="0"/>
           </a:p>
         </p:txBody>
       </p:sp>
@@ -13260,8 +13109,8 @@
         </p:blipFill>
         <p:spPr>
           <a:xfrm>
-            <a:off x="0" y="0"/>
-            <a:ext cx="8328910" cy="6858000"/>
+            <a:off x="5657671" y="1210052"/>
+            <a:ext cx="5389740" cy="4437896"/>
           </a:xfrm>
           <a:prstGeom prst="rect">
             <a:avLst/>
@@ -13517,7 +13366,7 @@
           <a:noFill/>
           <a:extLst>
             <a:ext uri="{909E8E84-426E-40dd-AFC4-6F175D3DCCD1}">
-              <a14:hiddenFill xmlns:a14="http://schemas.microsoft.com/office/drawing/2010/main" xmlns:p14="http://schemas.microsoft.com/office/powerpoint/2010/main" xmlns="">
+              <a14:hiddenFill xmlns="" xmlns:p14="http://schemas.microsoft.com/office/powerpoint/2010/main" xmlns:a14="http://schemas.microsoft.com/office/drawing/2010/main">
                 <a:solidFill>
                   <a:srgbClr val="FFFFFF"/>
                 </a:solidFill>
@@ -13638,7 +13487,7 @@
               </a:ln>
               <a:extLst>
                 <a:ext uri="{91240B29-F687-4f45-9708-019B960494DF}">
-                  <a14:hiddenLine xmlns:a14="http://schemas.microsoft.com/office/drawing/2010/main" xmlns:p14="http://schemas.microsoft.com/office/powerpoint/2010/main" xmlns="" w="9525">
+                  <a14:hiddenLine xmlns="" xmlns:p14="http://schemas.microsoft.com/office/powerpoint/2010/main" xmlns:a14="http://schemas.microsoft.com/office/drawing/2010/main" w="9525">
                     <a:solidFill>
                       <a:srgbClr val="000000"/>
                     </a:solidFill>
@@ -13743,7 +13592,7 @@
               </a:ln>
               <a:extLst>
                 <a:ext uri="{91240B29-F687-4f45-9708-019B960494DF}">
-                  <a14:hiddenLine xmlns:a14="http://schemas.microsoft.com/office/drawing/2010/main" xmlns:p14="http://schemas.microsoft.com/office/powerpoint/2010/main" xmlns="" w="9525">
+                  <a14:hiddenLine xmlns="" xmlns:p14="http://schemas.microsoft.com/office/powerpoint/2010/main" xmlns:a14="http://schemas.microsoft.com/office/drawing/2010/main" w="9525">
                     <a:solidFill>
                       <a:srgbClr val="000000"/>
                     </a:solidFill>
@@ -13848,7 +13697,7 @@
               </a:ln>
               <a:extLst>
                 <a:ext uri="{91240B29-F687-4f45-9708-019B960494DF}">
-                  <a14:hiddenLine xmlns:a14="http://schemas.microsoft.com/office/drawing/2010/main" xmlns:p14="http://schemas.microsoft.com/office/powerpoint/2010/main" xmlns="" w="9525">
+                  <a14:hiddenLine xmlns="" xmlns:p14="http://schemas.microsoft.com/office/powerpoint/2010/main" xmlns:a14="http://schemas.microsoft.com/office/drawing/2010/main" w="9525">
                     <a:solidFill>
                       <a:srgbClr val="000000"/>
                     </a:solidFill>
@@ -13925,7 +13774,7 @@
               </a:ln>
               <a:extLst>
                 <a:ext uri="{91240B29-F687-4f45-9708-019B960494DF}">
-                  <a14:hiddenLine xmlns:a14="http://schemas.microsoft.com/office/drawing/2010/main" xmlns:p14="http://schemas.microsoft.com/office/powerpoint/2010/main" xmlns="" w="9525">
+                  <a14:hiddenLine xmlns="" xmlns:p14="http://schemas.microsoft.com/office/powerpoint/2010/main" xmlns:a14="http://schemas.microsoft.com/office/drawing/2010/main" w="9525">
                     <a:solidFill>
                       <a:srgbClr val="000000"/>
                     </a:solidFill>
@@ -14030,7 +13879,7 @@
               </a:ln>
               <a:extLst>
                 <a:ext uri="{91240B29-F687-4f45-9708-019B960494DF}">
-                  <a14:hiddenLine xmlns:a14="http://schemas.microsoft.com/office/drawing/2010/main" xmlns:p14="http://schemas.microsoft.com/office/powerpoint/2010/main" xmlns="" w="9525">
+                  <a14:hiddenLine xmlns="" xmlns:p14="http://schemas.microsoft.com/office/powerpoint/2010/main" xmlns:a14="http://schemas.microsoft.com/office/drawing/2010/main" w="9525">
                     <a:solidFill>
                       <a:srgbClr val="000000"/>
                     </a:solidFill>
@@ -14107,7 +13956,7 @@
               </a:ln>
               <a:extLst>
                 <a:ext uri="{91240B29-F687-4f45-9708-019B960494DF}">
-                  <a14:hiddenLine xmlns:a14="http://schemas.microsoft.com/office/drawing/2010/main" xmlns:p14="http://schemas.microsoft.com/office/powerpoint/2010/main" xmlns="" w="9525">
+                  <a14:hiddenLine xmlns="" xmlns:p14="http://schemas.microsoft.com/office/powerpoint/2010/main" xmlns:a14="http://schemas.microsoft.com/office/drawing/2010/main" w="9525">
                     <a:solidFill>
                       <a:srgbClr val="000000"/>
                     </a:solidFill>
@@ -14184,7 +14033,7 @@
               </a:ln>
               <a:extLst>
                 <a:ext uri="{91240B29-F687-4f45-9708-019B960494DF}">
-                  <a14:hiddenLine xmlns:a14="http://schemas.microsoft.com/office/drawing/2010/main" xmlns:p14="http://schemas.microsoft.com/office/powerpoint/2010/main" xmlns="" w="9525">
+                  <a14:hiddenLine xmlns="" xmlns:p14="http://schemas.microsoft.com/office/powerpoint/2010/main" xmlns:a14="http://schemas.microsoft.com/office/drawing/2010/main" w="9525">
                     <a:solidFill>
                       <a:srgbClr val="000000"/>
                     </a:solidFill>
@@ -14289,7 +14138,7 @@
               </a:ln>
               <a:extLst>
                 <a:ext uri="{91240B29-F687-4f45-9708-019B960494DF}">
-                  <a14:hiddenLine xmlns:a14="http://schemas.microsoft.com/office/drawing/2010/main" xmlns:p14="http://schemas.microsoft.com/office/powerpoint/2010/main" xmlns="" w="9525">
+                  <a14:hiddenLine xmlns="" xmlns:p14="http://schemas.microsoft.com/office/powerpoint/2010/main" xmlns:a14="http://schemas.microsoft.com/office/drawing/2010/main" w="9525">
                     <a:solidFill>
                       <a:srgbClr val="000000"/>
                     </a:solidFill>
@@ -14394,7 +14243,7 @@
               </a:ln>
               <a:extLst>
                 <a:ext uri="{91240B29-F687-4f45-9708-019B960494DF}">
-                  <a14:hiddenLine xmlns:a14="http://schemas.microsoft.com/office/drawing/2010/main" xmlns:p14="http://schemas.microsoft.com/office/powerpoint/2010/main" xmlns="" w="9525">
+                  <a14:hiddenLine xmlns="" xmlns:p14="http://schemas.microsoft.com/office/powerpoint/2010/main" xmlns:a14="http://schemas.microsoft.com/office/drawing/2010/main" w="9525">
                     <a:solidFill>
                       <a:srgbClr val="000000"/>
                     </a:solidFill>
@@ -14471,7 +14320,7 @@
               </a:ln>
               <a:extLst>
                 <a:ext uri="{91240B29-F687-4f45-9708-019B960494DF}">
-                  <a14:hiddenLine xmlns:a14="http://schemas.microsoft.com/office/drawing/2010/main" xmlns:p14="http://schemas.microsoft.com/office/powerpoint/2010/main" xmlns="" w="9525">
+                  <a14:hiddenLine xmlns="" xmlns:p14="http://schemas.microsoft.com/office/powerpoint/2010/main" xmlns:a14="http://schemas.microsoft.com/office/drawing/2010/main" w="9525">
                     <a:solidFill>
                       <a:srgbClr val="000000"/>
                     </a:solidFill>
@@ -14596,7 +14445,7 @@
               </a:ln>
               <a:extLst>
                 <a:ext uri="{91240B29-F687-4f45-9708-019B960494DF}">
-                  <a14:hiddenLine xmlns:a14="http://schemas.microsoft.com/office/drawing/2010/main" xmlns:p14="http://schemas.microsoft.com/office/powerpoint/2010/main" xmlns="" w="9525">
+                  <a14:hiddenLine xmlns="" xmlns:p14="http://schemas.microsoft.com/office/powerpoint/2010/main" xmlns:a14="http://schemas.microsoft.com/office/drawing/2010/main" w="9525">
                     <a:solidFill>
                       <a:srgbClr val="000000"/>
                     </a:solidFill>
@@ -14710,7 +14559,7 @@
               </a:ln>
               <a:extLst>
                 <a:ext uri="{91240B29-F687-4f45-9708-019B960494DF}">
-                  <a14:hiddenLine xmlns:a14="http://schemas.microsoft.com/office/drawing/2010/main" xmlns:p14="http://schemas.microsoft.com/office/powerpoint/2010/main" xmlns="" w="9525">
+                  <a14:hiddenLine xmlns="" xmlns:p14="http://schemas.microsoft.com/office/powerpoint/2010/main" xmlns:a14="http://schemas.microsoft.com/office/drawing/2010/main" w="9525">
                     <a:solidFill>
                       <a:srgbClr val="000000"/>
                     </a:solidFill>
@@ -14787,7 +14636,7 @@
               </a:ln>
               <a:extLst>
                 <a:ext uri="{91240B29-F687-4f45-9708-019B960494DF}">
-                  <a14:hiddenLine xmlns:a14="http://schemas.microsoft.com/office/drawing/2010/main" xmlns:p14="http://schemas.microsoft.com/office/powerpoint/2010/main" xmlns="" w="9525">
+                  <a14:hiddenLine xmlns="" xmlns:p14="http://schemas.microsoft.com/office/powerpoint/2010/main" xmlns:a14="http://schemas.microsoft.com/office/drawing/2010/main" w="9525">
                     <a:solidFill>
                       <a:srgbClr val="000000"/>
                     </a:solidFill>
@@ -14864,7 +14713,7 @@
               </a:ln>
               <a:extLst>
                 <a:ext uri="{91240B29-F687-4f45-9708-019B960494DF}">
-                  <a14:hiddenLine xmlns:a14="http://schemas.microsoft.com/office/drawing/2010/main" xmlns:p14="http://schemas.microsoft.com/office/powerpoint/2010/main" xmlns="" w="9525">
+                  <a14:hiddenLine xmlns="" xmlns:p14="http://schemas.microsoft.com/office/powerpoint/2010/main" xmlns:a14="http://schemas.microsoft.com/office/drawing/2010/main" w="9525">
                     <a:solidFill>
                       <a:srgbClr val="000000"/>
                     </a:solidFill>
@@ -14969,7 +14818,7 @@
               </a:ln>
               <a:extLst>
                 <a:ext uri="{91240B29-F687-4f45-9708-019B960494DF}">
-                  <a14:hiddenLine xmlns:a14="http://schemas.microsoft.com/office/drawing/2010/main" xmlns:p14="http://schemas.microsoft.com/office/powerpoint/2010/main" xmlns="" w="9525">
+                  <a14:hiddenLine xmlns="" xmlns:p14="http://schemas.microsoft.com/office/powerpoint/2010/main" xmlns:a14="http://schemas.microsoft.com/office/drawing/2010/main" w="9525">
                     <a:solidFill>
                       <a:srgbClr val="000000"/>
                     </a:solidFill>
@@ -15018,7 +14867,7 @@
               </a:ln>
               <a:extLst>
                 <a:ext uri="{91240B29-F687-4f45-9708-019B960494DF}">
-                  <a14:hiddenLine xmlns:a14="http://schemas.microsoft.com/office/drawing/2010/main" xmlns:p14="http://schemas.microsoft.com/office/powerpoint/2010/main" xmlns="" w="9525">
+                  <a14:hiddenLine xmlns="" xmlns:p14="http://schemas.microsoft.com/office/powerpoint/2010/main" xmlns:a14="http://schemas.microsoft.com/office/drawing/2010/main" w="9525">
                     <a:solidFill>
                       <a:srgbClr val="000000"/>
                     </a:solidFill>
@@ -15098,7 +14947,7 @@
               </a:ln>
               <a:extLst>
                 <a:ext uri="{91240B29-F687-4f45-9708-019B960494DF}">
-                  <a14:hiddenLine xmlns:a14="http://schemas.microsoft.com/office/drawing/2010/main" xmlns:p14="http://schemas.microsoft.com/office/powerpoint/2010/main" xmlns="" w="9525">
+                  <a14:hiddenLine xmlns="" xmlns:p14="http://schemas.microsoft.com/office/powerpoint/2010/main" xmlns:a14="http://schemas.microsoft.com/office/drawing/2010/main" w="9525">
                     <a:solidFill>
                       <a:srgbClr val="000000"/>
                     </a:solidFill>
@@ -15203,7 +15052,7 @@
               </a:ln>
               <a:extLst>
                 <a:ext uri="{91240B29-F687-4f45-9708-019B960494DF}">
-                  <a14:hiddenLine xmlns:a14="http://schemas.microsoft.com/office/drawing/2010/main" xmlns:p14="http://schemas.microsoft.com/office/powerpoint/2010/main" xmlns="" w="9525">
+                  <a14:hiddenLine xmlns="" xmlns:p14="http://schemas.microsoft.com/office/powerpoint/2010/main" xmlns:a14="http://schemas.microsoft.com/office/drawing/2010/main" w="9525">
                     <a:solidFill>
                       <a:srgbClr val="000000"/>
                     </a:solidFill>
@@ -15280,7 +15129,7 @@
               </a:ln>
               <a:extLst>
                 <a:ext uri="{91240B29-F687-4f45-9708-019B960494DF}">
-                  <a14:hiddenLine xmlns:a14="http://schemas.microsoft.com/office/drawing/2010/main" xmlns:p14="http://schemas.microsoft.com/office/powerpoint/2010/main" xmlns="" w="9525">
+                  <a14:hiddenLine xmlns="" xmlns:p14="http://schemas.microsoft.com/office/powerpoint/2010/main" xmlns:a14="http://schemas.microsoft.com/office/drawing/2010/main" w="9525">
                     <a:solidFill>
                       <a:srgbClr val="000000"/>
                     </a:solidFill>
@@ -15385,7 +15234,7 @@
               </a:ln>
               <a:extLst>
                 <a:ext uri="{91240B29-F687-4f45-9708-019B960494DF}">
-                  <a14:hiddenLine xmlns:a14="http://schemas.microsoft.com/office/drawing/2010/main" xmlns:p14="http://schemas.microsoft.com/office/powerpoint/2010/main" xmlns="" w="9525">
+                  <a14:hiddenLine xmlns="" xmlns:p14="http://schemas.microsoft.com/office/powerpoint/2010/main" xmlns:a14="http://schemas.microsoft.com/office/drawing/2010/main" w="9525">
                     <a:solidFill>
                       <a:srgbClr val="000000"/>
                     </a:solidFill>
@@ -15465,7 +15314,7 @@
               </a:ln>
               <a:extLst>
                 <a:ext uri="{91240B29-F687-4f45-9708-019B960494DF}">
-                  <a14:hiddenLine xmlns:a14="http://schemas.microsoft.com/office/drawing/2010/main" xmlns:p14="http://schemas.microsoft.com/office/powerpoint/2010/main" xmlns="" w="9525">
+                  <a14:hiddenLine xmlns="" xmlns:p14="http://schemas.microsoft.com/office/powerpoint/2010/main" xmlns:a14="http://schemas.microsoft.com/office/drawing/2010/main" w="9525">
                     <a:solidFill>
                       <a:srgbClr val="000000"/>
                     </a:solidFill>
@@ -15542,7 +15391,7 @@
               </a:ln>
               <a:extLst>
                 <a:ext uri="{91240B29-F687-4f45-9708-019B960494DF}">
-                  <a14:hiddenLine xmlns:a14="http://schemas.microsoft.com/office/drawing/2010/main" xmlns:p14="http://schemas.microsoft.com/office/powerpoint/2010/main" xmlns="" w="9525">
+                  <a14:hiddenLine xmlns="" xmlns:p14="http://schemas.microsoft.com/office/powerpoint/2010/main" xmlns:a14="http://schemas.microsoft.com/office/drawing/2010/main" w="9525">
                     <a:solidFill>
                       <a:srgbClr val="000000"/>
                     </a:solidFill>
@@ -15647,7 +15496,7 @@
               </a:ln>
               <a:extLst>
                 <a:ext uri="{91240B29-F687-4f45-9708-019B960494DF}">
-                  <a14:hiddenLine xmlns:a14="http://schemas.microsoft.com/office/drawing/2010/main" xmlns:p14="http://schemas.microsoft.com/office/powerpoint/2010/main" xmlns="" w="9525">
+                  <a14:hiddenLine xmlns="" xmlns:p14="http://schemas.microsoft.com/office/powerpoint/2010/main" xmlns:a14="http://schemas.microsoft.com/office/drawing/2010/main" w="9525">
                     <a:solidFill>
                       <a:srgbClr val="000000"/>
                     </a:solidFill>
@@ -15752,7 +15601,7 @@
               </a:ln>
               <a:extLst>
                 <a:ext uri="{91240B29-F687-4f45-9708-019B960494DF}">
-                  <a14:hiddenLine xmlns:a14="http://schemas.microsoft.com/office/drawing/2010/main" xmlns:p14="http://schemas.microsoft.com/office/powerpoint/2010/main" xmlns="" w="9525">
+                  <a14:hiddenLine xmlns="" xmlns:p14="http://schemas.microsoft.com/office/powerpoint/2010/main" xmlns:a14="http://schemas.microsoft.com/office/drawing/2010/main" w="9525">
                     <a:solidFill>
                       <a:srgbClr val="000000"/>
                     </a:solidFill>
@@ -15832,7 +15681,7 @@
               </a:ln>
               <a:extLst>
                 <a:ext uri="{91240B29-F687-4f45-9708-019B960494DF}">
-                  <a14:hiddenLine xmlns:a14="http://schemas.microsoft.com/office/drawing/2010/main" xmlns:p14="http://schemas.microsoft.com/office/powerpoint/2010/main" xmlns="" w="9525">
+                  <a14:hiddenLine xmlns="" xmlns:p14="http://schemas.microsoft.com/office/powerpoint/2010/main" xmlns:a14="http://schemas.microsoft.com/office/drawing/2010/main" w="9525">
                     <a:solidFill>
                       <a:srgbClr val="000000"/>
                     </a:solidFill>
@@ -15967,7 +15816,7 @@
               </a:ln>
               <a:extLst>
                 <a:ext uri="{91240B29-F687-4f45-9708-019B960494DF}">
-                  <a14:hiddenLine xmlns:a14="http://schemas.microsoft.com/office/drawing/2010/main" xmlns:p14="http://schemas.microsoft.com/office/powerpoint/2010/main" xmlns="" w="9525">
+                  <a14:hiddenLine xmlns="" xmlns:p14="http://schemas.microsoft.com/office/powerpoint/2010/main" xmlns:a14="http://schemas.microsoft.com/office/drawing/2010/main" w="9525">
                     <a:solidFill>
                       <a:srgbClr val="000000"/>
                     </a:solidFill>
@@ -16078,7 +15927,7 @@
               </a:ln>
               <a:extLst>
                 <a:ext uri="{91240B29-F687-4f45-9708-019B960494DF}">
-                  <a14:hiddenLine xmlns:a14="http://schemas.microsoft.com/office/drawing/2010/main" xmlns:p14="http://schemas.microsoft.com/office/powerpoint/2010/main" xmlns="" w="9525">
+                  <a14:hiddenLine xmlns="" xmlns:p14="http://schemas.microsoft.com/office/powerpoint/2010/main" xmlns:a14="http://schemas.microsoft.com/office/drawing/2010/main" w="9525">
                     <a:solidFill>
                       <a:srgbClr val="000000"/>
                     </a:solidFill>
@@ -16208,7 +16057,7 @@
               </a:ln>
               <a:extLst>
                 <a:ext uri="{91240B29-F687-4f45-9708-019B960494DF}">
-                  <a14:hiddenLine xmlns:a14="http://schemas.microsoft.com/office/drawing/2010/main" xmlns:p14="http://schemas.microsoft.com/office/powerpoint/2010/main" xmlns="" w="9525">
+                  <a14:hiddenLine xmlns="" xmlns:p14="http://schemas.microsoft.com/office/powerpoint/2010/main" xmlns:a14="http://schemas.microsoft.com/office/drawing/2010/main" w="9525">
                     <a:solidFill>
                       <a:srgbClr val="000000"/>
                     </a:solidFill>
@@ -16313,7 +16162,7 @@
               </a:ln>
               <a:extLst>
                 <a:ext uri="{91240B29-F687-4f45-9708-019B960494DF}">
-                  <a14:hiddenLine xmlns:a14="http://schemas.microsoft.com/office/drawing/2010/main" xmlns:p14="http://schemas.microsoft.com/office/powerpoint/2010/main" xmlns="" w="9525">
+                  <a14:hiddenLine xmlns="" xmlns:p14="http://schemas.microsoft.com/office/powerpoint/2010/main" xmlns:a14="http://schemas.microsoft.com/office/drawing/2010/main" w="9525">
                     <a:solidFill>
                       <a:srgbClr val="000000"/>
                     </a:solidFill>
@@ -16393,7 +16242,7 @@
               </a:ln>
               <a:extLst>
                 <a:ext uri="{91240B29-F687-4f45-9708-019B960494DF}">
-                  <a14:hiddenLine xmlns:a14="http://schemas.microsoft.com/office/drawing/2010/main" xmlns:p14="http://schemas.microsoft.com/office/powerpoint/2010/main" xmlns="" w="9525">
+                  <a14:hiddenLine xmlns="" xmlns:p14="http://schemas.microsoft.com/office/powerpoint/2010/main" xmlns:a14="http://schemas.microsoft.com/office/drawing/2010/main" w="9525">
                     <a:solidFill>
                       <a:srgbClr val="000000"/>
                     </a:solidFill>
@@ -16498,7 +16347,7 @@
               </a:ln>
               <a:extLst>
                 <a:ext uri="{91240B29-F687-4f45-9708-019B960494DF}">
-                  <a14:hiddenLine xmlns:a14="http://schemas.microsoft.com/office/drawing/2010/main" xmlns:p14="http://schemas.microsoft.com/office/powerpoint/2010/main" xmlns="" w="9525">
+                  <a14:hiddenLine xmlns="" xmlns:p14="http://schemas.microsoft.com/office/powerpoint/2010/main" xmlns:a14="http://schemas.microsoft.com/office/drawing/2010/main" w="9525">
                     <a:solidFill>
                       <a:srgbClr val="000000"/>
                     </a:solidFill>
@@ -16581,7 +16430,7 @@
               </a:ln>
               <a:extLst>
                 <a:ext uri="{91240B29-F687-4f45-9708-019B960494DF}">
-                  <a14:hiddenLine xmlns:a14="http://schemas.microsoft.com/office/drawing/2010/main" xmlns:p14="http://schemas.microsoft.com/office/powerpoint/2010/main" xmlns="" w="9525">
+                  <a14:hiddenLine xmlns="" xmlns:p14="http://schemas.microsoft.com/office/powerpoint/2010/main" xmlns:a14="http://schemas.microsoft.com/office/drawing/2010/main" w="9525">
                     <a:solidFill>
                       <a:srgbClr val="000000"/>
                     </a:solidFill>
@@ -16686,7 +16535,7 @@
               </a:ln>
               <a:extLst>
                 <a:ext uri="{91240B29-F687-4f45-9708-019B960494DF}">
-                  <a14:hiddenLine xmlns:a14="http://schemas.microsoft.com/office/drawing/2010/main" xmlns:p14="http://schemas.microsoft.com/office/powerpoint/2010/main" xmlns="" w="9525">
+                  <a14:hiddenLine xmlns="" xmlns:p14="http://schemas.microsoft.com/office/powerpoint/2010/main" xmlns:a14="http://schemas.microsoft.com/office/drawing/2010/main" w="9525">
                     <a:solidFill>
                       <a:srgbClr val="000000"/>
                     </a:solidFill>
@@ -16769,7 +16618,7 @@
               </a:ln>
               <a:extLst>
                 <a:ext uri="{91240B29-F687-4f45-9708-019B960494DF}">
-                  <a14:hiddenLine xmlns:a14="http://schemas.microsoft.com/office/drawing/2010/main" xmlns:p14="http://schemas.microsoft.com/office/powerpoint/2010/main" xmlns="" w="9525">
+                  <a14:hiddenLine xmlns="" xmlns:p14="http://schemas.microsoft.com/office/powerpoint/2010/main" xmlns:a14="http://schemas.microsoft.com/office/drawing/2010/main" w="9525">
                     <a:solidFill>
                       <a:srgbClr val="000000"/>
                     </a:solidFill>
@@ -16874,7 +16723,7 @@
               </a:ln>
               <a:extLst>
                 <a:ext uri="{91240B29-F687-4f45-9708-019B960494DF}">
-                  <a14:hiddenLine xmlns:a14="http://schemas.microsoft.com/office/drawing/2010/main" xmlns:p14="http://schemas.microsoft.com/office/powerpoint/2010/main" xmlns="" w="9525">
+                  <a14:hiddenLine xmlns="" xmlns:p14="http://schemas.microsoft.com/office/powerpoint/2010/main" xmlns:a14="http://schemas.microsoft.com/office/drawing/2010/main" w="9525">
                     <a:solidFill>
                       <a:srgbClr val="000000"/>
                     </a:solidFill>
@@ -16923,7 +16772,7 @@
               </a:ln>
               <a:extLst>
                 <a:ext uri="{91240B29-F687-4f45-9708-019B960494DF}">
-                  <a14:hiddenLine xmlns:a14="http://schemas.microsoft.com/office/drawing/2010/main" xmlns:p14="http://schemas.microsoft.com/office/powerpoint/2010/main" xmlns="" w="9525">
+                  <a14:hiddenLine xmlns="" xmlns:p14="http://schemas.microsoft.com/office/powerpoint/2010/main" xmlns:a14="http://schemas.microsoft.com/office/drawing/2010/main" w="9525">
                     <a:solidFill>
                       <a:srgbClr val="000000"/>
                     </a:solidFill>
@@ -17081,7 +16930,7 @@
             <a:noFill/>
             <a:extLst>
               <a:ext uri="{909E8E84-426E-40dd-AFC4-6F175D3DCCD1}">
-                <a14:hiddenFill xmlns:a14="http://schemas.microsoft.com/office/drawing/2010/main" xmlns:p14="http://schemas.microsoft.com/office/powerpoint/2010/main" xmlns="">
+                <a14:hiddenFill xmlns="" xmlns:p14="http://schemas.microsoft.com/office/powerpoint/2010/main" xmlns:a14="http://schemas.microsoft.com/office/drawing/2010/main">
                   <a:solidFill>
                     <a:srgbClr val="FFFFFF"/>
                   </a:solidFill>
@@ -17165,7 +17014,7 @@
             </a:ln>
             <a:extLst>
               <a:ext uri="{91240B29-F687-4f45-9708-019B960494DF}">
-                <a14:hiddenLine xmlns:a14="http://schemas.microsoft.com/office/drawing/2010/main" xmlns:p14="http://schemas.microsoft.com/office/powerpoint/2010/main" xmlns="" w="9525">
+                <a14:hiddenLine xmlns="" xmlns:p14="http://schemas.microsoft.com/office/powerpoint/2010/main" xmlns:a14="http://schemas.microsoft.com/office/drawing/2010/main" w="9525">
                   <a:solidFill>
                     <a:srgbClr val="000000"/>
                   </a:solidFill>
@@ -17270,7 +17119,7 @@
             </a:ln>
             <a:extLst>
               <a:ext uri="{91240B29-F687-4f45-9708-019B960494DF}">
-                <a14:hiddenLine xmlns:a14="http://schemas.microsoft.com/office/drawing/2010/main" xmlns:p14="http://schemas.microsoft.com/office/powerpoint/2010/main" xmlns="" w="9525">
+                <a14:hiddenLine xmlns="" xmlns:p14="http://schemas.microsoft.com/office/powerpoint/2010/main" xmlns:a14="http://schemas.microsoft.com/office/drawing/2010/main" w="9525">
                   <a:solidFill>
                     <a:srgbClr val="000000"/>
                   </a:solidFill>
@@ -17375,7 +17224,7 @@
             </a:ln>
             <a:extLst>
               <a:ext uri="{91240B29-F687-4f45-9708-019B960494DF}">
-                <a14:hiddenLine xmlns:a14="http://schemas.microsoft.com/office/drawing/2010/main" xmlns:p14="http://schemas.microsoft.com/office/powerpoint/2010/main" xmlns="" w="9525">
+                <a14:hiddenLine xmlns="" xmlns:p14="http://schemas.microsoft.com/office/powerpoint/2010/main" xmlns:a14="http://schemas.microsoft.com/office/drawing/2010/main" w="9525">
                   <a:solidFill>
                     <a:srgbClr val="000000"/>
                   </a:solidFill>
@@ -17424,7 +17273,7 @@
             </a:ln>
             <a:extLst>
               <a:ext uri="{91240B29-F687-4f45-9708-019B960494DF}">
-                <a14:hiddenLine xmlns:a14="http://schemas.microsoft.com/office/drawing/2010/main" xmlns:p14="http://schemas.microsoft.com/office/powerpoint/2010/main" xmlns="" w="9525">
+                <a14:hiddenLine xmlns="" xmlns:p14="http://schemas.microsoft.com/office/powerpoint/2010/main" xmlns:a14="http://schemas.microsoft.com/office/drawing/2010/main" w="9525">
                   <a:solidFill>
                     <a:srgbClr val="000000"/>
                   </a:solidFill>
@@ -17529,7 +17378,7 @@
             </a:ln>
             <a:extLst>
               <a:ext uri="{91240B29-F687-4f45-9708-019B960494DF}">
-                <a14:hiddenLine xmlns:a14="http://schemas.microsoft.com/office/drawing/2010/main" xmlns:p14="http://schemas.microsoft.com/office/powerpoint/2010/main" xmlns="" w="9525">
+                <a14:hiddenLine xmlns="" xmlns:p14="http://schemas.microsoft.com/office/powerpoint/2010/main" xmlns:a14="http://schemas.microsoft.com/office/drawing/2010/main" w="9525">
                   <a:solidFill>
                     <a:srgbClr val="000000"/>
                   </a:solidFill>
@@ -17606,7 +17455,7 @@
             </a:ln>
             <a:extLst>
               <a:ext uri="{91240B29-F687-4f45-9708-019B960494DF}">
-                <a14:hiddenLine xmlns:a14="http://schemas.microsoft.com/office/drawing/2010/main" xmlns:p14="http://schemas.microsoft.com/office/powerpoint/2010/main" xmlns="" w="9525">
+                <a14:hiddenLine xmlns="" xmlns:p14="http://schemas.microsoft.com/office/powerpoint/2010/main" xmlns:a14="http://schemas.microsoft.com/office/drawing/2010/main" w="9525">
                   <a:solidFill>
                     <a:srgbClr val="000000"/>
                   </a:solidFill>
@@ -17683,7 +17532,7 @@
             </a:ln>
             <a:extLst>
               <a:ext uri="{91240B29-F687-4f45-9708-019B960494DF}">
-                <a14:hiddenLine xmlns:a14="http://schemas.microsoft.com/office/drawing/2010/main" xmlns:p14="http://schemas.microsoft.com/office/powerpoint/2010/main" xmlns="" w="9525">
+                <a14:hiddenLine xmlns="" xmlns:p14="http://schemas.microsoft.com/office/powerpoint/2010/main" xmlns:a14="http://schemas.microsoft.com/office/drawing/2010/main" w="9525">
                   <a:solidFill>
                     <a:srgbClr val="000000"/>
                   </a:solidFill>
@@ -17788,7 +17637,7 @@
             </a:ln>
             <a:extLst>
               <a:ext uri="{91240B29-F687-4f45-9708-019B960494DF}">
-                <a14:hiddenLine xmlns:a14="http://schemas.microsoft.com/office/drawing/2010/main" xmlns:p14="http://schemas.microsoft.com/office/powerpoint/2010/main" xmlns="" w="9525">
+                <a14:hiddenLine xmlns="" xmlns:p14="http://schemas.microsoft.com/office/powerpoint/2010/main" xmlns:a14="http://schemas.microsoft.com/office/drawing/2010/main" w="9525">
                   <a:solidFill>
                     <a:srgbClr val="000000"/>
                   </a:solidFill>
@@ -17865,7 +17714,7 @@
             </a:ln>
             <a:extLst>
               <a:ext uri="{91240B29-F687-4f45-9708-019B960494DF}">
-                <a14:hiddenLine xmlns:a14="http://schemas.microsoft.com/office/drawing/2010/main" xmlns:p14="http://schemas.microsoft.com/office/powerpoint/2010/main" xmlns="" w="9525">
+                <a14:hiddenLine xmlns="" xmlns:p14="http://schemas.microsoft.com/office/powerpoint/2010/main" xmlns:a14="http://schemas.microsoft.com/office/drawing/2010/main" w="9525">
                   <a:solidFill>
                     <a:srgbClr val="000000"/>
                   </a:solidFill>
@@ -17942,7 +17791,7 @@
             </a:ln>
             <a:extLst>
               <a:ext uri="{91240B29-F687-4f45-9708-019B960494DF}">
-                <a14:hiddenLine xmlns:a14="http://schemas.microsoft.com/office/drawing/2010/main" xmlns:p14="http://schemas.microsoft.com/office/powerpoint/2010/main" xmlns="" w="9525">
+                <a14:hiddenLine xmlns="" xmlns:p14="http://schemas.microsoft.com/office/powerpoint/2010/main" xmlns:a14="http://schemas.microsoft.com/office/drawing/2010/main" w="9525">
                   <a:solidFill>
                     <a:srgbClr val="000000"/>
                   </a:solidFill>
@@ -18047,7 +17896,7 @@
             </a:ln>
             <a:extLst>
               <a:ext uri="{91240B29-F687-4f45-9708-019B960494DF}">
-                <a14:hiddenLine xmlns:a14="http://schemas.microsoft.com/office/drawing/2010/main" xmlns:p14="http://schemas.microsoft.com/office/powerpoint/2010/main" xmlns="" w="9525">
+                <a14:hiddenLine xmlns="" xmlns:p14="http://schemas.microsoft.com/office/powerpoint/2010/main" xmlns:a14="http://schemas.microsoft.com/office/drawing/2010/main" w="9525">
                   <a:solidFill>
                     <a:srgbClr val="000000"/>
                   </a:solidFill>
@@ -18152,7 +18001,7 @@
             </a:ln>
             <a:extLst>
               <a:ext uri="{91240B29-F687-4f45-9708-019B960494DF}">
-                <a14:hiddenLine xmlns:a14="http://schemas.microsoft.com/office/drawing/2010/main" xmlns:p14="http://schemas.microsoft.com/office/powerpoint/2010/main" xmlns="" w="9525">
+                <a14:hiddenLine xmlns="" xmlns:p14="http://schemas.microsoft.com/office/powerpoint/2010/main" xmlns:a14="http://schemas.microsoft.com/office/drawing/2010/main" w="9525">
                   <a:solidFill>
                     <a:srgbClr val="000000"/>
                   </a:solidFill>
@@ -18229,7 +18078,7 @@
             </a:ln>
             <a:extLst>
               <a:ext uri="{91240B29-F687-4f45-9708-019B960494DF}">
-                <a14:hiddenLine xmlns:a14="http://schemas.microsoft.com/office/drawing/2010/main" xmlns:p14="http://schemas.microsoft.com/office/powerpoint/2010/main" xmlns="" w="9525">
+                <a14:hiddenLine xmlns="" xmlns:p14="http://schemas.microsoft.com/office/powerpoint/2010/main" xmlns:a14="http://schemas.microsoft.com/office/drawing/2010/main" w="9525">
                   <a:solidFill>
                     <a:srgbClr val="000000"/>
                   </a:solidFill>
@@ -18354,7 +18203,7 @@
             </a:ln>
             <a:extLst>
               <a:ext uri="{91240B29-F687-4f45-9708-019B960494DF}">
-                <a14:hiddenLine xmlns:a14="http://schemas.microsoft.com/office/drawing/2010/main" xmlns:p14="http://schemas.microsoft.com/office/powerpoint/2010/main" xmlns="" w="9525">
+                <a14:hiddenLine xmlns="" xmlns:p14="http://schemas.microsoft.com/office/powerpoint/2010/main" xmlns:a14="http://schemas.microsoft.com/office/drawing/2010/main" w="9525">
                   <a:solidFill>
                     <a:srgbClr val="000000"/>
                   </a:solidFill>
@@ -18431,7 +18280,7 @@
             </a:ln>
             <a:extLst>
               <a:ext uri="{91240B29-F687-4f45-9708-019B960494DF}">
-                <a14:hiddenLine xmlns:a14="http://schemas.microsoft.com/office/drawing/2010/main" xmlns:p14="http://schemas.microsoft.com/office/powerpoint/2010/main" xmlns="" w="9525">
+                <a14:hiddenLine xmlns="" xmlns:p14="http://schemas.microsoft.com/office/powerpoint/2010/main" xmlns:a14="http://schemas.microsoft.com/office/drawing/2010/main" w="9525">
                   <a:solidFill>
                     <a:srgbClr val="000000"/>
                   </a:solidFill>
@@ -18536,7 +18385,7 @@
             </a:ln>
             <a:extLst>
               <a:ext uri="{91240B29-F687-4f45-9708-019B960494DF}">
-                <a14:hiddenLine xmlns:a14="http://schemas.microsoft.com/office/drawing/2010/main" xmlns:p14="http://schemas.microsoft.com/office/powerpoint/2010/main" xmlns="" w="9525">
+                <a14:hiddenLine xmlns="" xmlns:p14="http://schemas.microsoft.com/office/powerpoint/2010/main" xmlns:a14="http://schemas.microsoft.com/office/drawing/2010/main" w="9525">
                   <a:solidFill>
                     <a:srgbClr val="000000"/>
                   </a:solidFill>
@@ -18641,7 +18490,7 @@
             </a:ln>
             <a:extLst>
               <a:ext uri="{91240B29-F687-4f45-9708-019B960494DF}">
-                <a14:hiddenLine xmlns:a14="http://schemas.microsoft.com/office/drawing/2010/main" xmlns:p14="http://schemas.microsoft.com/office/powerpoint/2010/main" xmlns="" w="9525">
+                <a14:hiddenLine xmlns="" xmlns:p14="http://schemas.microsoft.com/office/powerpoint/2010/main" xmlns:a14="http://schemas.microsoft.com/office/drawing/2010/main" w="9525">
                   <a:solidFill>
                     <a:srgbClr val="000000"/>
                   </a:solidFill>
@@ -18718,7 +18567,7 @@
             </a:ln>
             <a:extLst>
               <a:ext uri="{91240B29-F687-4f45-9708-019B960494DF}">
-                <a14:hiddenLine xmlns:a14="http://schemas.microsoft.com/office/drawing/2010/main" xmlns:p14="http://schemas.microsoft.com/office/powerpoint/2010/main" xmlns="" w="9525">
+                <a14:hiddenLine xmlns="" xmlns:p14="http://schemas.microsoft.com/office/powerpoint/2010/main" xmlns:a14="http://schemas.microsoft.com/office/drawing/2010/main" w="9525">
                   <a:solidFill>
                     <a:srgbClr val="000000"/>
                   </a:solidFill>
@@ -18823,7 +18672,7 @@
             </a:ln>
             <a:extLst>
               <a:ext uri="{91240B29-F687-4f45-9708-019B960494DF}">
-                <a14:hiddenLine xmlns:a14="http://schemas.microsoft.com/office/drawing/2010/main" xmlns:p14="http://schemas.microsoft.com/office/powerpoint/2010/main" xmlns="" w="9525">
+                <a14:hiddenLine xmlns="" xmlns:p14="http://schemas.microsoft.com/office/powerpoint/2010/main" xmlns:a14="http://schemas.microsoft.com/office/drawing/2010/main" w="9525">
                   <a:solidFill>
                     <a:srgbClr val="000000"/>
                   </a:solidFill>
@@ -18928,7 +18777,7 @@
             </a:ln>
             <a:extLst>
               <a:ext uri="{91240B29-F687-4f45-9708-019B960494DF}">
-                <a14:hiddenLine xmlns:a14="http://schemas.microsoft.com/office/drawing/2010/main" xmlns:p14="http://schemas.microsoft.com/office/powerpoint/2010/main" xmlns="" w="9525">
+                <a14:hiddenLine xmlns="" xmlns:p14="http://schemas.microsoft.com/office/powerpoint/2010/main" xmlns:a14="http://schemas.microsoft.com/office/drawing/2010/main" w="9525">
                   <a:solidFill>
                     <a:srgbClr val="000000"/>
                   </a:solidFill>
@@ -18999,7 +18848,7 @@
             </a:ln>
             <a:extLst>
               <a:ext uri="{91240B29-F687-4f45-9708-019B960494DF}">
-                <a14:hiddenLine xmlns:a14="http://schemas.microsoft.com/office/drawing/2010/main" xmlns:p14="http://schemas.microsoft.com/office/powerpoint/2010/main" xmlns="" w="9525">
+                <a14:hiddenLine xmlns="" xmlns:p14="http://schemas.microsoft.com/office/powerpoint/2010/main" xmlns:a14="http://schemas.microsoft.com/office/drawing/2010/main" w="9525">
                   <a:solidFill>
                     <a:srgbClr val="000000"/>
                   </a:solidFill>
@@ -19104,7 +18953,7 @@
             </a:ln>
             <a:extLst>
               <a:ext uri="{91240B29-F687-4f45-9708-019B960494DF}">
-                <a14:hiddenLine xmlns:a14="http://schemas.microsoft.com/office/drawing/2010/main" xmlns:p14="http://schemas.microsoft.com/office/powerpoint/2010/main" xmlns="" w="9525">
+                <a14:hiddenLine xmlns="" xmlns:p14="http://schemas.microsoft.com/office/powerpoint/2010/main" xmlns:a14="http://schemas.microsoft.com/office/drawing/2010/main" w="9525">
                   <a:solidFill>
                     <a:srgbClr val="000000"/>
                   </a:solidFill>
@@ -19175,7 +19024,7 @@
             </a:ln>
             <a:extLst>
               <a:ext uri="{91240B29-F687-4f45-9708-019B960494DF}">
-                <a14:hiddenLine xmlns:a14="http://schemas.microsoft.com/office/drawing/2010/main" xmlns:p14="http://schemas.microsoft.com/office/powerpoint/2010/main" xmlns="" w="9525">
+                <a14:hiddenLine xmlns="" xmlns:p14="http://schemas.microsoft.com/office/powerpoint/2010/main" xmlns:a14="http://schemas.microsoft.com/office/drawing/2010/main" w="9525">
                   <a:solidFill>
                     <a:srgbClr val="000000"/>
                   </a:solidFill>
@@ -19280,7 +19129,7 @@
             </a:ln>
             <a:extLst>
               <a:ext uri="{91240B29-F687-4f45-9708-019B960494DF}">
-                <a14:hiddenLine xmlns:a14="http://schemas.microsoft.com/office/drawing/2010/main" xmlns:p14="http://schemas.microsoft.com/office/powerpoint/2010/main" xmlns="" w="9525">
+                <a14:hiddenLine xmlns="" xmlns:p14="http://schemas.microsoft.com/office/powerpoint/2010/main" xmlns:a14="http://schemas.microsoft.com/office/drawing/2010/main" w="9525">
                   <a:solidFill>
                     <a:srgbClr val="000000"/>
                   </a:solidFill>
@@ -19363,7 +19212,7 @@
             </a:ln>
             <a:extLst>
               <a:ext uri="{91240B29-F687-4f45-9708-019B960494DF}">
-                <a14:hiddenLine xmlns:a14="http://schemas.microsoft.com/office/drawing/2010/main" xmlns:p14="http://schemas.microsoft.com/office/powerpoint/2010/main" xmlns="" w="9525">
+                <a14:hiddenLine xmlns="" xmlns:p14="http://schemas.microsoft.com/office/powerpoint/2010/main" xmlns:a14="http://schemas.microsoft.com/office/drawing/2010/main" w="9525">
                   <a:solidFill>
                     <a:srgbClr val="000000"/>
                   </a:solidFill>
@@ -19468,7 +19317,7 @@
             </a:ln>
             <a:extLst>
               <a:ext uri="{91240B29-F687-4f45-9708-019B960494DF}">
-                <a14:hiddenLine xmlns:a14="http://schemas.microsoft.com/office/drawing/2010/main" xmlns:p14="http://schemas.microsoft.com/office/powerpoint/2010/main" xmlns="" w="9525">
+                <a14:hiddenLine xmlns="" xmlns:p14="http://schemas.microsoft.com/office/powerpoint/2010/main" xmlns:a14="http://schemas.microsoft.com/office/drawing/2010/main" w="9525">
                   <a:solidFill>
                     <a:srgbClr val="000000"/>
                   </a:solidFill>
@@ -19551,7 +19400,7 @@
             </a:ln>
             <a:extLst>
               <a:ext uri="{91240B29-F687-4f45-9708-019B960494DF}">
-                <a14:hiddenLine xmlns:a14="http://schemas.microsoft.com/office/drawing/2010/main" xmlns:p14="http://schemas.microsoft.com/office/powerpoint/2010/main" xmlns="" w="9525">
+                <a14:hiddenLine xmlns="" xmlns:p14="http://schemas.microsoft.com/office/powerpoint/2010/main" xmlns:a14="http://schemas.microsoft.com/office/drawing/2010/main" w="9525">
                   <a:solidFill>
                     <a:srgbClr val="000000"/>
                   </a:solidFill>
@@ -19656,7 +19505,7 @@
             </a:ln>
             <a:extLst>
               <a:ext uri="{91240B29-F687-4f45-9708-019B960494DF}">
-                <a14:hiddenLine xmlns:a14="http://schemas.microsoft.com/office/drawing/2010/main" xmlns:p14="http://schemas.microsoft.com/office/powerpoint/2010/main" xmlns="" w="9525">
+                <a14:hiddenLine xmlns="" xmlns:p14="http://schemas.microsoft.com/office/powerpoint/2010/main" xmlns:a14="http://schemas.microsoft.com/office/drawing/2010/main" w="9525">
                   <a:solidFill>
                     <a:srgbClr val="000000"/>
                   </a:solidFill>
@@ -19705,7 +19554,7 @@
             </a:ln>
             <a:extLst>
               <a:ext uri="{91240B29-F687-4f45-9708-019B960494DF}">
-                <a14:hiddenLine xmlns:a14="http://schemas.microsoft.com/office/drawing/2010/main" xmlns:p14="http://schemas.microsoft.com/office/powerpoint/2010/main" xmlns="" w="9525">
+                <a14:hiddenLine xmlns="" xmlns:p14="http://schemas.microsoft.com/office/powerpoint/2010/main" xmlns:a14="http://schemas.microsoft.com/office/drawing/2010/main" w="9525">
                   <a:solidFill>
                     <a:srgbClr val="000000"/>
                   </a:solidFill>
@@ -19810,7 +19659,7 @@
             </a:ln>
             <a:extLst>
               <a:ext uri="{91240B29-F687-4f45-9708-019B960494DF}">
-                <a14:hiddenLine xmlns:a14="http://schemas.microsoft.com/office/drawing/2010/main" xmlns:p14="http://schemas.microsoft.com/office/powerpoint/2010/main" xmlns="" w="9525">
+                <a14:hiddenLine xmlns="" xmlns:p14="http://schemas.microsoft.com/office/powerpoint/2010/main" xmlns:a14="http://schemas.microsoft.com/office/drawing/2010/main" w="9525">
                   <a:solidFill>
                     <a:srgbClr val="000000"/>
                   </a:solidFill>
@@ -19887,7 +19736,7 @@
             </a:ln>
             <a:extLst>
               <a:ext uri="{91240B29-F687-4f45-9708-019B960494DF}">
-                <a14:hiddenLine xmlns:a14="http://schemas.microsoft.com/office/drawing/2010/main" xmlns:p14="http://schemas.microsoft.com/office/powerpoint/2010/main" xmlns="" w="9525">
+                <a14:hiddenLine xmlns="" xmlns:p14="http://schemas.microsoft.com/office/powerpoint/2010/main" xmlns:a14="http://schemas.microsoft.com/office/drawing/2010/main" w="9525">
                   <a:solidFill>
                     <a:srgbClr val="000000"/>
                   </a:solidFill>
@@ -19964,7 +19813,7 @@
             </a:ln>
             <a:extLst>
               <a:ext uri="{91240B29-F687-4f45-9708-019B960494DF}">
-                <a14:hiddenLine xmlns:a14="http://schemas.microsoft.com/office/drawing/2010/main" xmlns:p14="http://schemas.microsoft.com/office/powerpoint/2010/main" xmlns="" w="9525">
+                <a14:hiddenLine xmlns="" xmlns:p14="http://schemas.microsoft.com/office/powerpoint/2010/main" xmlns:a14="http://schemas.microsoft.com/office/drawing/2010/main" w="9525">
                   <a:solidFill>
                     <a:srgbClr val="000000"/>
                   </a:solidFill>
@@ -20069,7 +19918,7 @@
             </a:ln>
             <a:extLst>
               <a:ext uri="{91240B29-F687-4f45-9708-019B960494DF}">
-                <a14:hiddenLine xmlns:a14="http://schemas.microsoft.com/office/drawing/2010/main" xmlns:p14="http://schemas.microsoft.com/office/powerpoint/2010/main" xmlns="" w="9525">
+                <a14:hiddenLine xmlns="" xmlns:p14="http://schemas.microsoft.com/office/powerpoint/2010/main" xmlns:a14="http://schemas.microsoft.com/office/drawing/2010/main" w="9525">
                   <a:solidFill>
                     <a:srgbClr val="000000"/>
                   </a:solidFill>
@@ -20152,7 +20001,7 @@
             </a:ln>
             <a:extLst>
               <a:ext uri="{91240B29-F687-4f45-9708-019B960494DF}">
-                <a14:hiddenLine xmlns:a14="http://schemas.microsoft.com/office/drawing/2010/main" xmlns:p14="http://schemas.microsoft.com/office/powerpoint/2010/main" xmlns="" w="9525">
+                <a14:hiddenLine xmlns="" xmlns:p14="http://schemas.microsoft.com/office/powerpoint/2010/main" xmlns:a14="http://schemas.microsoft.com/office/drawing/2010/main" w="9525">
                   <a:solidFill>
                     <a:srgbClr val="000000"/>
                   </a:solidFill>
@@ -20229,7 +20078,7 @@
             </a:ln>
             <a:extLst>
               <a:ext uri="{91240B29-F687-4f45-9708-019B960494DF}">
-                <a14:hiddenLine xmlns:a14="http://schemas.microsoft.com/office/drawing/2010/main" xmlns:p14="http://schemas.microsoft.com/office/powerpoint/2010/main" xmlns="" w="9525">
+                <a14:hiddenLine xmlns="" xmlns:p14="http://schemas.microsoft.com/office/powerpoint/2010/main" xmlns:a14="http://schemas.microsoft.com/office/drawing/2010/main" w="9525">
                   <a:solidFill>
                     <a:srgbClr val="000000"/>
                   </a:solidFill>
@@ -20334,7 +20183,7 @@
             </a:ln>
             <a:extLst>
               <a:ext uri="{91240B29-F687-4f45-9708-019B960494DF}">
-                <a14:hiddenLine xmlns:a14="http://schemas.microsoft.com/office/drawing/2010/main" xmlns:p14="http://schemas.microsoft.com/office/powerpoint/2010/main" xmlns="" w="9525">
+                <a14:hiddenLine xmlns="" xmlns:p14="http://schemas.microsoft.com/office/powerpoint/2010/main" xmlns:a14="http://schemas.microsoft.com/office/drawing/2010/main" w="9525">
                   <a:solidFill>
                     <a:srgbClr val="000000"/>
                   </a:solidFill>
@@ -20411,7 +20260,7 @@
             </a:ln>
             <a:extLst>
               <a:ext uri="{91240B29-F687-4f45-9708-019B960494DF}">
-                <a14:hiddenLine xmlns:a14="http://schemas.microsoft.com/office/drawing/2010/main" xmlns:p14="http://schemas.microsoft.com/office/powerpoint/2010/main" xmlns="" w="9525">
+                <a14:hiddenLine xmlns="" xmlns:p14="http://schemas.microsoft.com/office/powerpoint/2010/main" xmlns:a14="http://schemas.microsoft.com/office/drawing/2010/main" w="9525">
                   <a:solidFill>
                     <a:srgbClr val="000000"/>
                   </a:solidFill>
@@ -20516,7 +20365,7 @@
             </a:ln>
             <a:extLst>
               <a:ext uri="{91240B29-F687-4f45-9708-019B960494DF}">
-                <a14:hiddenLine xmlns:a14="http://schemas.microsoft.com/office/drawing/2010/main" xmlns:p14="http://schemas.microsoft.com/office/powerpoint/2010/main" xmlns="" w="9525">
+                <a14:hiddenLine xmlns="" xmlns:p14="http://schemas.microsoft.com/office/powerpoint/2010/main" xmlns:a14="http://schemas.microsoft.com/office/drawing/2010/main" w="9525">
                   <a:solidFill>
                     <a:srgbClr val="000000"/>
                   </a:solidFill>
@@ -20593,7 +20442,7 @@
             </a:ln>
             <a:extLst>
               <a:ext uri="{91240B29-F687-4f45-9708-019B960494DF}">
-                <a14:hiddenLine xmlns:a14="http://schemas.microsoft.com/office/drawing/2010/main" xmlns:p14="http://schemas.microsoft.com/office/powerpoint/2010/main" xmlns="" w="9525">
+                <a14:hiddenLine xmlns="" xmlns:p14="http://schemas.microsoft.com/office/powerpoint/2010/main" xmlns:a14="http://schemas.microsoft.com/office/drawing/2010/main" w="9525">
                   <a:solidFill>
                     <a:srgbClr val="000000"/>
                   </a:solidFill>
@@ -20698,7 +20547,7 @@
             </a:ln>
             <a:extLst>
               <a:ext uri="{91240B29-F687-4f45-9708-019B960494DF}">
-                <a14:hiddenLine xmlns:a14="http://schemas.microsoft.com/office/drawing/2010/main" xmlns:p14="http://schemas.microsoft.com/office/powerpoint/2010/main" xmlns="" w="9525">
+                <a14:hiddenLine xmlns="" xmlns:p14="http://schemas.microsoft.com/office/powerpoint/2010/main" xmlns:a14="http://schemas.microsoft.com/office/drawing/2010/main" w="9525">
                   <a:solidFill>
                     <a:srgbClr val="000000"/>
                   </a:solidFill>
@@ -20747,7 +20596,7 @@
             </a:ln>
             <a:extLst>
               <a:ext uri="{91240B29-F687-4f45-9708-019B960494DF}">
-                <a14:hiddenLine xmlns:a14="http://schemas.microsoft.com/office/drawing/2010/main" xmlns:p14="http://schemas.microsoft.com/office/powerpoint/2010/main" xmlns="" w="9525">
+                <a14:hiddenLine xmlns="" xmlns:p14="http://schemas.microsoft.com/office/powerpoint/2010/main" xmlns:a14="http://schemas.microsoft.com/office/drawing/2010/main" w="9525">
                   <a:solidFill>
                     <a:srgbClr val="000000"/>
                   </a:solidFill>
@@ -20827,7 +20676,7 @@
             </a:ln>
             <a:extLst>
               <a:ext uri="{91240B29-F687-4f45-9708-019B960494DF}">
-                <a14:hiddenLine xmlns:a14="http://schemas.microsoft.com/office/drawing/2010/main" xmlns:p14="http://schemas.microsoft.com/office/powerpoint/2010/main" xmlns="" w="9525">
+                <a14:hiddenLine xmlns="" xmlns:p14="http://schemas.microsoft.com/office/powerpoint/2010/main" xmlns:a14="http://schemas.microsoft.com/office/drawing/2010/main" w="9525">
                   <a:solidFill>
                     <a:srgbClr val="000000"/>
                   </a:solidFill>
@@ -20932,7 +20781,7 @@
             </a:ln>
             <a:extLst>
               <a:ext uri="{91240B29-F687-4f45-9708-019B960494DF}">
-                <a14:hiddenLine xmlns:a14="http://schemas.microsoft.com/office/drawing/2010/main" xmlns:p14="http://schemas.microsoft.com/office/powerpoint/2010/main" xmlns="" w="9525">
+                <a14:hiddenLine xmlns="" xmlns:p14="http://schemas.microsoft.com/office/powerpoint/2010/main" xmlns:a14="http://schemas.microsoft.com/office/drawing/2010/main" w="9525">
                   <a:solidFill>
                     <a:srgbClr val="000000"/>
                   </a:solidFill>
@@ -21009,7 +20858,7 @@
             </a:ln>
             <a:extLst>
               <a:ext uri="{91240B29-F687-4f45-9708-019B960494DF}">
-                <a14:hiddenLine xmlns:a14="http://schemas.microsoft.com/office/drawing/2010/main" xmlns:p14="http://schemas.microsoft.com/office/powerpoint/2010/main" xmlns="" w="9525">
+                <a14:hiddenLine xmlns="" xmlns:p14="http://schemas.microsoft.com/office/powerpoint/2010/main" xmlns:a14="http://schemas.microsoft.com/office/drawing/2010/main" w="9525">
                   <a:solidFill>
                     <a:srgbClr val="000000"/>
                   </a:solidFill>
@@ -21114,7 +20963,7 @@
             </a:ln>
             <a:extLst>
               <a:ext uri="{91240B29-F687-4f45-9708-019B960494DF}">
-                <a14:hiddenLine xmlns:a14="http://schemas.microsoft.com/office/drawing/2010/main" xmlns:p14="http://schemas.microsoft.com/office/powerpoint/2010/main" xmlns="" w="9525">
+                <a14:hiddenLine xmlns="" xmlns:p14="http://schemas.microsoft.com/office/powerpoint/2010/main" xmlns:a14="http://schemas.microsoft.com/office/drawing/2010/main" w="9525">
                   <a:solidFill>
                     <a:srgbClr val="000000"/>
                   </a:solidFill>
@@ -21219,7 +21068,7 @@
             </a:ln>
             <a:extLst>
               <a:ext uri="{91240B29-F687-4f45-9708-019B960494DF}">
-                <a14:hiddenLine xmlns:a14="http://schemas.microsoft.com/office/drawing/2010/main" xmlns:p14="http://schemas.microsoft.com/office/powerpoint/2010/main" xmlns="" w="9525">
+                <a14:hiddenLine xmlns="" xmlns:p14="http://schemas.microsoft.com/office/powerpoint/2010/main" xmlns:a14="http://schemas.microsoft.com/office/drawing/2010/main" w="9525">
                   <a:solidFill>
                     <a:srgbClr val="000000"/>
                   </a:solidFill>
@@ -21299,7 +21148,7 @@
             </a:ln>
             <a:extLst>
               <a:ext uri="{91240B29-F687-4f45-9708-019B960494DF}">
-                <a14:hiddenLine xmlns:a14="http://schemas.microsoft.com/office/drawing/2010/main" xmlns:p14="http://schemas.microsoft.com/office/powerpoint/2010/main" xmlns="" w="9525">
+                <a14:hiddenLine xmlns="" xmlns:p14="http://schemas.microsoft.com/office/powerpoint/2010/main" xmlns:a14="http://schemas.microsoft.com/office/drawing/2010/main" w="9525">
                   <a:solidFill>
                     <a:srgbClr val="000000"/>
                   </a:solidFill>
@@ -21376,7 +21225,7 @@
             </a:ln>
             <a:extLst>
               <a:ext uri="{91240B29-F687-4f45-9708-019B960494DF}">
-                <a14:hiddenLine xmlns:a14="http://schemas.microsoft.com/office/drawing/2010/main" xmlns:p14="http://schemas.microsoft.com/office/powerpoint/2010/main" xmlns="" w="9525">
+                <a14:hiddenLine xmlns="" xmlns:p14="http://schemas.microsoft.com/office/powerpoint/2010/main" xmlns:a14="http://schemas.microsoft.com/office/drawing/2010/main" w="9525">
                   <a:solidFill>
                     <a:srgbClr val="000000"/>
                   </a:solidFill>
@@ -21481,7 +21330,7 @@
             </a:ln>
             <a:extLst>
               <a:ext uri="{91240B29-F687-4f45-9708-019B960494DF}">
-                <a14:hiddenLine xmlns:a14="http://schemas.microsoft.com/office/drawing/2010/main" xmlns:p14="http://schemas.microsoft.com/office/powerpoint/2010/main" xmlns="" w="9525">
+                <a14:hiddenLine xmlns="" xmlns:p14="http://schemas.microsoft.com/office/powerpoint/2010/main" xmlns:a14="http://schemas.microsoft.com/office/drawing/2010/main" w="9525">
                   <a:solidFill>
                     <a:srgbClr val="000000"/>
                   </a:solidFill>
@@ -21586,7 +21435,7 @@
             </a:ln>
             <a:extLst>
               <a:ext uri="{91240B29-F687-4f45-9708-019B960494DF}">
-                <a14:hiddenLine xmlns:a14="http://schemas.microsoft.com/office/drawing/2010/main" xmlns:p14="http://schemas.microsoft.com/office/powerpoint/2010/main" xmlns="" w="9525">
+                <a14:hiddenLine xmlns="" xmlns:p14="http://schemas.microsoft.com/office/powerpoint/2010/main" xmlns:a14="http://schemas.microsoft.com/office/drawing/2010/main" w="9525">
                   <a:solidFill>
                     <a:srgbClr val="000000"/>
                   </a:solidFill>
@@ -21663,7 +21512,7 @@
             </a:ln>
             <a:extLst>
               <a:ext uri="{91240B29-F687-4f45-9708-019B960494DF}">
-                <a14:hiddenLine xmlns:a14="http://schemas.microsoft.com/office/drawing/2010/main" xmlns:p14="http://schemas.microsoft.com/office/powerpoint/2010/main" xmlns="" w="9525">
+                <a14:hiddenLine xmlns="" xmlns:p14="http://schemas.microsoft.com/office/powerpoint/2010/main" xmlns:a14="http://schemas.microsoft.com/office/drawing/2010/main" w="9525">
                   <a:solidFill>
                     <a:srgbClr val="000000"/>
                   </a:solidFill>
@@ -21798,7 +21647,7 @@
             </a:ln>
             <a:extLst>
               <a:ext uri="{91240B29-F687-4f45-9708-019B960494DF}">
-                <a14:hiddenLine xmlns:a14="http://schemas.microsoft.com/office/drawing/2010/main" xmlns:p14="http://schemas.microsoft.com/office/powerpoint/2010/main" xmlns="" w="9525">
+                <a14:hiddenLine xmlns="" xmlns:p14="http://schemas.microsoft.com/office/powerpoint/2010/main" xmlns:a14="http://schemas.microsoft.com/office/drawing/2010/main" w="9525">
                   <a:solidFill>
                     <a:srgbClr val="000000"/>
                   </a:solidFill>
@@ -21881,7 +21730,7 @@
             </a:ln>
             <a:extLst>
               <a:ext uri="{91240B29-F687-4f45-9708-019B960494DF}">
-                <a14:hiddenLine xmlns:a14="http://schemas.microsoft.com/office/drawing/2010/main" xmlns:p14="http://schemas.microsoft.com/office/powerpoint/2010/main" xmlns="" w="9525">
+                <a14:hiddenLine xmlns="" xmlns:p14="http://schemas.microsoft.com/office/powerpoint/2010/main" xmlns:a14="http://schemas.microsoft.com/office/drawing/2010/main" w="9525">
                   <a:solidFill>
                     <a:srgbClr val="000000"/>
                   </a:solidFill>
@@ -21986,7 +21835,7 @@
             </a:ln>
             <a:extLst>
               <a:ext uri="{91240B29-F687-4f45-9708-019B960494DF}">
-                <a14:hiddenLine xmlns:a14="http://schemas.microsoft.com/office/drawing/2010/main" xmlns:p14="http://schemas.microsoft.com/office/powerpoint/2010/main" xmlns="" w="9525">
+                <a14:hiddenLine xmlns="" xmlns:p14="http://schemas.microsoft.com/office/powerpoint/2010/main" xmlns:a14="http://schemas.microsoft.com/office/drawing/2010/main" w="9525">
                   <a:solidFill>
                     <a:srgbClr val="000000"/>
                   </a:solidFill>
@@ -22466,22 +22315,11 @@
             <p:ph type="title"/>
           </p:nvPr>
         </p:nvSpPr>
-        <p:spPr>
-          <a:xfrm>
-            <a:off x="2235323" y="363277"/>
-            <a:ext cx="5282100" cy="560243"/>
-          </a:xfrm>
-        </p:spPr>
+        <p:spPr/>
         <p:txBody>
-          <a:bodyPr>
-            <a:normAutofit/>
-          </a:bodyPr>
+          <a:bodyPr/>
           <a:lstStyle/>
           <a:p>
-            <a:r>
-              <a:rPr lang="da-DK" sz="2400" dirty="0"/>
-              <a:t>facadecontroller</a:t>
-            </a:r>
             <a:endParaRPr lang="da-DK" dirty="0"/>
           </a:p>
         </p:txBody>
@@ -22511,40 +22349,10 @@
           </a:p>
         </p:txBody>
       </p:sp>
-      <p:pic>
-        <p:nvPicPr>
-          <p:cNvPr id="4" name="Billede 3">
-            <a:extLst>
-              <a:ext uri="{FF2B5EF4-FFF2-40B4-BE49-F238E27FC236}">
-                <a16:creationId xmlns:a16="http://schemas.microsoft.com/office/drawing/2014/main" id="{D983BD81-6E15-4CE5-A2EB-EE6E9795C44A}"/>
-              </a:ext>
-            </a:extLst>
-          </p:cNvPr>
-          <p:cNvPicPr>
-            <a:picLocks noChangeAspect="1"/>
-          </p:cNvPicPr>
-          <p:nvPr/>
-        </p:nvPicPr>
-        <p:blipFill>
-          <a:blip r:embed="rId2"/>
-          <a:stretch>
-            <a:fillRect/>
-          </a:stretch>
-        </p:blipFill>
-        <p:spPr>
-          <a:xfrm>
-            <a:off x="1" y="1178761"/>
-            <a:ext cx="12192000" cy="5679240"/>
-          </a:xfrm>
-          <a:prstGeom prst="rect">
-            <a:avLst/>
-          </a:prstGeom>
-        </p:spPr>
-      </p:pic>
     </p:spTree>
     <p:extLst>
       <p:ext uri="{BB962C8B-B14F-4D97-AF65-F5344CB8AC3E}">
-        <p14:creationId xmlns:p14="http://schemas.microsoft.com/office/powerpoint/2010/main" val="2833078342"/>
+        <p14:creationId xmlns:p14="http://schemas.microsoft.com/office/powerpoint/2010/main" val="3054669827"/>
       </p:ext>
     </p:extLst>
   </p:cSld>

--- a/modeller, dokumenter/præs2.pptx
+++ b/modeller, dokumenter/præs2.pptx
@@ -5,14 +5,14 @@
     <p:sldMasterId id="2147483648" r:id="rId1"/>
   </p:sldMasterIdLst>
   <p:sldIdLst>
-    <p:sldId id="256" r:id="rId2"/>
-    <p:sldId id="257" r:id="rId3"/>
-    <p:sldId id="258" r:id="rId4"/>
-    <p:sldId id="259" r:id="rId5"/>
-    <p:sldId id="260" r:id="rId6"/>
-    <p:sldId id="261" r:id="rId7"/>
-    <p:sldId id="262" r:id="rId8"/>
-    <p:sldId id="263" r:id="rId9"/>
+    <p:sldId id="257" r:id="rId2"/>
+    <p:sldId id="258" r:id="rId3"/>
+    <p:sldId id="259" r:id="rId4"/>
+    <p:sldId id="260" r:id="rId5"/>
+    <p:sldId id="261" r:id="rId6"/>
+    <p:sldId id="262" r:id="rId7"/>
+    <p:sldId id="263" r:id="rId8"/>
+    <p:sldId id="266" r:id="rId9"/>
     <p:sldId id="264" r:id="rId10"/>
   </p:sldIdLst>
   <p:sldSz cx="12192000" cy="6858000"/>
@@ -117,7 +117,6 @@
       <p14:sectionLst xmlns:p14="http://schemas.microsoft.com/office/powerpoint/2010/main">
         <p14:section name="Standardsektion" id="{098CD27A-C3EE-4B61-B5BA-450290B71507}">
           <p14:sldIdLst>
-            <p14:sldId id="256"/>
             <p14:sldId id="257"/>
             <p14:sldId id="258"/>
             <p14:sldId id="259"/>
@@ -125,6 +124,7 @@
             <p14:sldId id="261"/>
             <p14:sldId id="262"/>
             <p14:sldId id="263"/>
+            <p14:sldId id="266"/>
             <p14:sldId id="264"/>
           </p14:sldIdLst>
         </p14:section>
@@ -133,6 +133,9 @@
         </p14:section>
       </p14:sectionLst>
     </p:ext>
+    <p:ext uri="{EFAFB233-063F-42B5-8137-9DF3F51BA10A}">
+      <p15:sldGuideLst xmlns:p15="http://schemas.microsoft.com/office/powerpoint/2012/main"/>
+    </p:ext>
   </p:extLst>
 </p:presentation>
 </file>
@@ -140,489 +143,34 @@
 <file path=ppt/changesInfos/changesInfo1.xml><?xml version="1.0" encoding="utf-8"?>
 <pc:chgInfo xmlns:a="http://schemas.openxmlformats.org/drawingml/2006/main" xmlns:r="http://schemas.openxmlformats.org/officeDocument/2006/relationships" xmlns:ac="http://schemas.microsoft.com/office/drawing/2013/main/command" xmlns:pc="http://schemas.microsoft.com/office/powerpoint/2013/main/command">
   <pc:docChgLst>
-    <pc:chgData name="Sofie Blom Jensen" userId="57dd88df5c73f059" providerId="LiveId" clId="{3BD1AEE2-106A-49B7-9DAA-D3DFD31DD576}"/>
-    <pc:docChg chg="undo custSel addSld delSld modSld modSection">
-      <pc:chgData name="Sofie Blom Jensen" userId="57dd88df5c73f059" providerId="LiveId" clId="{3BD1AEE2-106A-49B7-9DAA-D3DFD31DD576}" dt="2018-05-16T10:54:29.591" v="285"/>
+    <pc:chgData name="Sofie Blom Jensen" userId="57dd88df5c73f059" providerId="LiveId" clId="{EB3DFF04-AEE8-4008-BBF6-B72CD5503F25}"/>
+    <pc:docChg chg="custSel modSld">
+      <pc:chgData name="Sofie Blom Jensen" userId="57dd88df5c73f059" providerId="LiveId" clId="{EB3DFF04-AEE8-4008-BBF6-B72CD5503F25}" dt="2018-05-17T07:03:12.175" v="3" actId="14100"/>
       <pc:docMkLst>
         <pc:docMk/>
       </pc:docMkLst>
-      <pc:sldChg chg="addSp delSp modSp add">
-        <pc:chgData name="Sofie Blom Jensen" userId="57dd88df5c73f059" providerId="LiveId" clId="{3BD1AEE2-106A-49B7-9DAA-D3DFD31DD576}" dt="2018-05-16T10:36:59.282" v="17" actId="1076"/>
-        <pc:sldMkLst>
-          <pc:docMk/>
-          <pc:sldMk cId="3666152308" sldId="257"/>
-        </pc:sldMkLst>
-        <pc:spChg chg="mod">
-          <ac:chgData name="Sofie Blom Jensen" userId="57dd88df5c73f059" providerId="LiveId" clId="{3BD1AEE2-106A-49B7-9DAA-D3DFD31DD576}" dt="2018-05-16T10:36:44.551" v="13" actId="20577"/>
-          <ac:spMkLst>
-            <pc:docMk/>
-            <pc:sldMk cId="3666152308" sldId="257"/>
-            <ac:spMk id="2" creationId="{D4DD1BEC-C3CB-456E-B6AC-4FDF4A2D2603}"/>
-          </ac:spMkLst>
-        </pc:spChg>
-        <pc:spChg chg="del">
-          <ac:chgData name="Sofie Blom Jensen" userId="57dd88df5c73f059" providerId="LiveId" clId="{3BD1AEE2-106A-49B7-9DAA-D3DFD31DD576}" dt="2018-05-16T10:36:35.263" v="3" actId="478"/>
-          <ac:spMkLst>
-            <pc:docMk/>
-            <pc:sldMk cId="3666152308" sldId="257"/>
-            <ac:spMk id="3" creationId="{2F0D742F-EABE-4729-AD89-2EEFCA10544C}"/>
-          </ac:spMkLst>
-        </pc:spChg>
-        <pc:picChg chg="add mod">
-          <ac:chgData name="Sofie Blom Jensen" userId="57dd88df5c73f059" providerId="LiveId" clId="{3BD1AEE2-106A-49B7-9DAA-D3DFD31DD576}" dt="2018-05-16T10:36:59.282" v="17" actId="1076"/>
-          <ac:picMkLst>
-            <pc:docMk/>
-            <pc:sldMk cId="3666152308" sldId="257"/>
-            <ac:picMk id="4" creationId="{3AA417A2-23F2-4A94-AAF7-92E95493F35D}"/>
-          </ac:picMkLst>
-        </pc:picChg>
-      </pc:sldChg>
-      <pc:sldChg chg="addSp modSp add">
-        <pc:chgData name="Sofie Blom Jensen" userId="57dd88df5c73f059" providerId="LiveId" clId="{3BD1AEE2-106A-49B7-9DAA-D3DFD31DD576}" dt="2018-05-16T10:40:24.586" v="49" actId="1076"/>
-        <pc:sldMkLst>
-          <pc:docMk/>
-          <pc:sldMk cId="851147619" sldId="258"/>
-        </pc:sldMkLst>
-        <pc:spChg chg="mod">
-          <ac:chgData name="Sofie Blom Jensen" userId="57dd88df5c73f059" providerId="LiveId" clId="{3BD1AEE2-106A-49B7-9DAA-D3DFD31DD576}" dt="2018-05-16T10:37:54.212" v="45" actId="20577"/>
-          <ac:spMkLst>
-            <pc:docMk/>
-            <pc:sldMk cId="851147619" sldId="258"/>
-            <ac:spMk id="2" creationId="{1F470198-D928-4A81-887F-4629C6CD432C}"/>
-          </ac:spMkLst>
-        </pc:spChg>
-        <pc:picChg chg="add mod">
-          <ac:chgData name="Sofie Blom Jensen" userId="57dd88df5c73f059" providerId="LiveId" clId="{3BD1AEE2-106A-49B7-9DAA-D3DFD31DD576}" dt="2018-05-16T10:40:24.586" v="49" actId="1076"/>
-          <ac:picMkLst>
-            <pc:docMk/>
-            <pc:sldMk cId="851147619" sldId="258"/>
-            <ac:picMk id="5" creationId="{ECE6BD11-4767-41B9-9FBF-A78A2513A052}"/>
-          </ac:picMkLst>
-        </pc:picChg>
-      </pc:sldChg>
-      <pc:sldChg chg="add del">
-        <pc:chgData name="Sofie Blom Jensen" userId="57dd88df5c73f059" providerId="LiveId" clId="{3BD1AEE2-106A-49B7-9DAA-D3DFD31DD576}" dt="2018-05-16T10:37:39.348" v="19" actId="2696"/>
-        <pc:sldMkLst>
-          <pc:docMk/>
-          <pc:sldMk cId="2051236749" sldId="258"/>
-        </pc:sldMkLst>
-      </pc:sldChg>
-      <pc:sldChg chg="addSp delSp modSp add mod setBg">
-        <pc:chgData name="Sofie Blom Jensen" userId="57dd88df5c73f059" providerId="LiveId" clId="{3BD1AEE2-106A-49B7-9DAA-D3DFD31DD576}" dt="2018-05-16T10:47:02.697" v="162" actId="20577"/>
+      <pc:sldChg chg="addSp delSp modSp">
+        <pc:chgData name="Sofie Blom Jensen" userId="57dd88df5c73f059" providerId="LiveId" clId="{EB3DFF04-AEE8-4008-BBF6-B72CD5503F25}" dt="2018-05-17T07:03:12.175" v="3" actId="14100"/>
         <pc:sldMkLst>
           <pc:docMk/>
           <pc:sldMk cId="2761783795" sldId="259"/>
         </pc:sldMkLst>
-        <pc:spChg chg="mod">
-          <ac:chgData name="Sofie Blom Jensen" userId="57dd88df5c73f059" providerId="LiveId" clId="{3BD1AEE2-106A-49B7-9DAA-D3DFD31DD576}" dt="2018-05-16T10:46:16.114" v="144" actId="1076"/>
-          <ac:spMkLst>
-            <pc:docMk/>
-            <pc:sldMk cId="2761783795" sldId="259"/>
-            <ac:spMk id="2" creationId="{5F268AAA-6CD2-465E-B82E-24008E37229C}"/>
-          </ac:spMkLst>
-        </pc:spChg>
-        <pc:spChg chg="mod">
-          <ac:chgData name="Sofie Blom Jensen" userId="57dd88df5c73f059" providerId="LiveId" clId="{3BD1AEE2-106A-49B7-9DAA-D3DFD31DD576}" dt="2018-05-16T10:47:02.697" v="162" actId="20577"/>
-          <ac:spMkLst>
-            <pc:docMk/>
-            <pc:sldMk cId="2761783795" sldId="259"/>
-            <ac:spMk id="3" creationId="{A8871412-902F-42EC-9060-9A674E0A2325}"/>
-          </ac:spMkLst>
-        </pc:spChg>
-        <pc:spChg chg="add del">
-          <ac:chgData name="Sofie Blom Jensen" userId="57dd88df5c73f059" providerId="LiveId" clId="{3BD1AEE2-106A-49B7-9DAA-D3DFD31DD576}" dt="2018-05-16T10:44:52.419" v="120" actId="26606"/>
-          <ac:spMkLst>
-            <pc:docMk/>
-            <pc:sldMk cId="2761783795" sldId="259"/>
-            <ac:spMk id="115" creationId="{14436AD2-BD0F-4545-B2E9-06007B35B8A7}"/>
-          </ac:spMkLst>
-        </pc:spChg>
-        <pc:grpChg chg="add del">
-          <ac:chgData name="Sofie Blom Jensen" userId="57dd88df5c73f059" providerId="LiveId" clId="{3BD1AEE2-106A-49B7-9DAA-D3DFD31DD576}" dt="2018-05-16T10:44:38.066" v="114" actId="26606"/>
-          <ac:grpSpMkLst>
-            <pc:docMk/>
-            <pc:sldMk cId="2761783795" sldId="259"/>
-            <ac:grpSpMk id="12" creationId="{A24E966C-35F3-4DB1-8C23-4BC252E4E4A2}"/>
-          </ac:grpSpMkLst>
-        </pc:grpChg>
-        <pc:grpChg chg="add del">
-          <ac:chgData name="Sofie Blom Jensen" userId="57dd88df5c73f059" providerId="LiveId" clId="{3BD1AEE2-106A-49B7-9DAA-D3DFD31DD576}" dt="2018-05-16T10:44:38.066" v="114" actId="26606"/>
-          <ac:grpSpMkLst>
-            <pc:docMk/>
-            <pc:sldMk cId="2761783795" sldId="259"/>
-            <ac:grpSpMk id="53" creationId="{5FE07634-A83A-4681-9C1D-BC0775F9D296}"/>
-          </ac:grpSpMkLst>
-        </pc:grpChg>
-        <pc:grpChg chg="add del">
-          <ac:chgData name="Sofie Blom Jensen" userId="57dd88df5c73f059" providerId="LiveId" clId="{3BD1AEE2-106A-49B7-9DAA-D3DFD31DD576}" dt="2018-05-16T10:44:38.066" v="114" actId="26606"/>
-          <ac:grpSpMkLst>
-            <pc:docMk/>
-            <pc:sldMk cId="2761783795" sldId="259"/>
-            <ac:grpSpMk id="57" creationId="{A2E1FE48-FA7B-4262-B922-041542931DDF}"/>
-          </ac:grpSpMkLst>
-        </pc:grpChg>
-        <pc:grpChg chg="add del">
-          <ac:chgData name="Sofie Blom Jensen" userId="57dd88df5c73f059" providerId="LiveId" clId="{3BD1AEE2-106A-49B7-9DAA-D3DFD31DD576}" dt="2018-05-16T10:44:52.419" v="120" actId="26606"/>
-          <ac:grpSpMkLst>
-            <pc:docMk/>
-            <pc:sldMk cId="2761783795" sldId="259"/>
-            <ac:grpSpMk id="114" creationId="{EC711491-7BB6-4BE6-A470-44BF61D562E0}"/>
-          </ac:grpSpMkLst>
-        </pc:grpChg>
-        <pc:grpChg chg="add del">
-          <ac:chgData name="Sofie Blom Jensen" userId="57dd88df5c73f059" providerId="LiveId" clId="{3BD1AEE2-106A-49B7-9DAA-D3DFD31DD576}" dt="2018-05-16T10:44:51.244" v="118" actId="26606"/>
-          <ac:grpSpMkLst>
-            <pc:docMk/>
-            <pc:sldMk cId="2761783795" sldId="259"/>
-            <ac:grpSpMk id="122" creationId="{A24E966C-35F3-4DB1-8C23-4BC252E4E4A2}"/>
-          </ac:grpSpMkLst>
-        </pc:grpChg>
-        <pc:grpChg chg="add del">
-          <ac:chgData name="Sofie Blom Jensen" userId="57dd88df5c73f059" providerId="LiveId" clId="{3BD1AEE2-106A-49B7-9DAA-D3DFD31DD576}" dt="2018-05-16T10:44:51.244" v="118" actId="26606"/>
-          <ac:grpSpMkLst>
-            <pc:docMk/>
-            <pc:sldMk cId="2761783795" sldId="259"/>
-            <ac:grpSpMk id="163" creationId="{5FE07634-A83A-4681-9C1D-BC0775F9D296}"/>
-          </ac:grpSpMkLst>
-        </pc:grpChg>
-        <pc:grpChg chg="add del">
-          <ac:chgData name="Sofie Blom Jensen" userId="57dd88df5c73f059" providerId="LiveId" clId="{3BD1AEE2-106A-49B7-9DAA-D3DFD31DD576}" dt="2018-05-16T10:44:51.244" v="118" actId="26606"/>
-          <ac:grpSpMkLst>
-            <pc:docMk/>
-            <pc:sldMk cId="2761783795" sldId="259"/>
-            <ac:grpSpMk id="167" creationId="{A2E1FE48-FA7B-4262-B922-041542931DDF}"/>
-          </ac:grpSpMkLst>
-        </pc:grpChg>
-        <pc:picChg chg="add mod ord">
-          <ac:chgData name="Sofie Blom Jensen" userId="57dd88df5c73f059" providerId="LiveId" clId="{3BD1AEE2-106A-49B7-9DAA-D3DFD31DD576}" dt="2018-05-16T10:46:50.310" v="158" actId="1076"/>
+        <pc:picChg chg="del">
+          <ac:chgData name="Sofie Blom Jensen" userId="57dd88df5c73f059" providerId="LiveId" clId="{EB3DFF04-AEE8-4008-BBF6-B72CD5503F25}" dt="2018-05-17T07:02:55.288" v="0" actId="478"/>
           <ac:picMkLst>
             <pc:docMk/>
             <pc:sldMk cId="2761783795" sldId="259"/>
             <ac:picMk id="5" creationId="{97D4BFFD-9AD3-439F-A0B7-C857FE8CAE8E}"/>
           </ac:picMkLst>
         </pc:picChg>
-        <pc:picChg chg="add del">
-          <ac:chgData name="Sofie Blom Jensen" userId="57dd88df5c73f059" providerId="LiveId" clId="{3BD1AEE2-106A-49B7-9DAA-D3DFD31DD576}" dt="2018-05-16T10:44:38.066" v="114" actId="26606"/>
+        <pc:picChg chg="add mod">
+          <ac:chgData name="Sofie Blom Jensen" userId="57dd88df5c73f059" providerId="LiveId" clId="{EB3DFF04-AEE8-4008-BBF6-B72CD5503F25}" dt="2018-05-17T07:03:12.175" v="3" actId="14100"/>
           <ac:picMkLst>
             <pc:docMk/>
             <pc:sldMk cId="2761783795" sldId="259"/>
-            <ac:picMk id="10" creationId="{519FA62B-A2C9-49F5-8C45-9D5CDCD72B49}"/>
+            <ac:picMk id="6" creationId="{E0C06ABE-6E07-47E8-B19F-72FB41F350D7}"/>
           </ac:picMkLst>
         </pc:picChg>
-        <pc:picChg chg="add del">
-          <ac:chgData name="Sofie Blom Jensen" userId="57dd88df5c73f059" providerId="LiveId" clId="{3BD1AEE2-106A-49B7-9DAA-D3DFD31DD576}" dt="2018-05-16T10:44:52.419" v="120" actId="26606"/>
-          <ac:picMkLst>
-            <pc:docMk/>
-            <pc:sldMk cId="2761783795" sldId="259"/>
-            <ac:picMk id="113" creationId="{5B367C29-5200-4FF1-83B7-18B105A0BDDE}"/>
-          </ac:picMkLst>
-        </pc:picChg>
-        <pc:picChg chg="add del">
-          <ac:chgData name="Sofie Blom Jensen" userId="57dd88df5c73f059" providerId="LiveId" clId="{3BD1AEE2-106A-49B7-9DAA-D3DFD31DD576}" dt="2018-05-16T10:44:51.244" v="118" actId="26606"/>
-          <ac:picMkLst>
-            <pc:docMk/>
-            <pc:sldMk cId="2761783795" sldId="259"/>
-            <ac:picMk id="120" creationId="{519FA62B-A2C9-49F5-8C45-9D5CDCD72B49}"/>
-          </ac:picMkLst>
-        </pc:picChg>
-      </pc:sldChg>
-      <pc:sldChg chg="addSp delSp modSp add mod setBg">
-        <pc:chgData name="Sofie Blom Jensen" userId="57dd88df5c73f059" providerId="LiveId" clId="{3BD1AEE2-106A-49B7-9DAA-D3DFD31DD576}" dt="2018-05-16T10:48:00.614" v="173" actId="14100"/>
-        <pc:sldMkLst>
-          <pc:docMk/>
-          <pc:sldMk cId="3919997344" sldId="260"/>
-        </pc:sldMkLst>
-        <pc:spChg chg="mod">
-          <ac:chgData name="Sofie Blom Jensen" userId="57dd88df5c73f059" providerId="LiveId" clId="{3BD1AEE2-106A-49B7-9DAA-D3DFD31DD576}" dt="2018-05-16T10:43:55.272" v="103" actId="26606"/>
-          <ac:spMkLst>
-            <pc:docMk/>
-            <pc:sldMk cId="3919997344" sldId="260"/>
-            <ac:spMk id="2" creationId="{ED6456AE-DF10-4721-ABF9-5538A680127C}"/>
-          </ac:spMkLst>
-        </pc:spChg>
-        <pc:spChg chg="mod">
-          <ac:chgData name="Sofie Blom Jensen" userId="57dd88df5c73f059" providerId="LiveId" clId="{3BD1AEE2-106A-49B7-9DAA-D3DFD31DD576}" dt="2018-05-16T10:47:17.047" v="166" actId="404"/>
-          <ac:spMkLst>
-            <pc:docMk/>
-            <pc:sldMk cId="3919997344" sldId="260"/>
-            <ac:spMk id="3" creationId="{E716A120-9D41-468F-A7B1-0936B7392493}"/>
-          </ac:spMkLst>
-        </pc:spChg>
-        <pc:spChg chg="add del">
-          <ac:chgData name="Sofie Blom Jensen" userId="57dd88df5c73f059" providerId="LiveId" clId="{3BD1AEE2-106A-49B7-9DAA-D3DFD31DD576}" dt="2018-05-16T10:43:49.472" v="98" actId="26606"/>
-          <ac:spMkLst>
-            <pc:docMk/>
-            <pc:sldMk cId="3919997344" sldId="260"/>
-            <ac:spMk id="115" creationId="{E4B7B3E3-827A-48BE-AD67-A57C45AA6949}"/>
-          </ac:spMkLst>
-        </pc:spChg>
-        <pc:spChg chg="add del">
-          <ac:chgData name="Sofie Blom Jensen" userId="57dd88df5c73f059" providerId="LiveId" clId="{3BD1AEE2-106A-49B7-9DAA-D3DFD31DD576}" dt="2018-05-16T10:43:52.644" v="100" actId="26606"/>
-          <ac:spMkLst>
-            <pc:docMk/>
-            <pc:sldMk cId="3919997344" sldId="260"/>
-            <ac:spMk id="119" creationId="{14436AD2-BD0F-4545-B2E9-06007B35B8A7}"/>
-          </ac:spMkLst>
-        </pc:spChg>
-        <pc:grpChg chg="add del">
-          <ac:chgData name="Sofie Blom Jensen" userId="57dd88df5c73f059" providerId="LiveId" clId="{3BD1AEE2-106A-49B7-9DAA-D3DFD31DD576}" dt="2018-05-16T10:43:48.362" v="96" actId="26606"/>
-          <ac:grpSpMkLst>
-            <pc:docMk/>
-            <pc:sldMk cId="3919997344" sldId="260"/>
-            <ac:grpSpMk id="12" creationId="{A24E966C-35F3-4DB1-8C23-4BC252E4E4A2}"/>
-          </ac:grpSpMkLst>
-        </pc:grpChg>
-        <pc:grpChg chg="add del">
-          <ac:chgData name="Sofie Blom Jensen" userId="57dd88df5c73f059" providerId="LiveId" clId="{3BD1AEE2-106A-49B7-9DAA-D3DFD31DD576}" dt="2018-05-16T10:43:48.362" v="96" actId="26606"/>
-          <ac:grpSpMkLst>
-            <pc:docMk/>
-            <pc:sldMk cId="3919997344" sldId="260"/>
-            <ac:grpSpMk id="53" creationId="{5FE07634-A83A-4681-9C1D-BC0775F9D296}"/>
-          </ac:grpSpMkLst>
-        </pc:grpChg>
-        <pc:grpChg chg="add del">
-          <ac:chgData name="Sofie Blom Jensen" userId="57dd88df5c73f059" providerId="LiveId" clId="{3BD1AEE2-106A-49B7-9DAA-D3DFD31DD576}" dt="2018-05-16T10:43:48.362" v="96" actId="26606"/>
-          <ac:grpSpMkLst>
-            <pc:docMk/>
-            <pc:sldMk cId="3919997344" sldId="260"/>
-            <ac:grpSpMk id="57" creationId="{A2E1FE48-FA7B-4262-B922-041542931DDF}"/>
-          </ac:grpSpMkLst>
-        </pc:grpChg>
-        <pc:grpChg chg="add del">
-          <ac:chgData name="Sofie Blom Jensen" userId="57dd88df5c73f059" providerId="LiveId" clId="{3BD1AEE2-106A-49B7-9DAA-D3DFD31DD576}" dt="2018-05-16T10:43:49.472" v="98" actId="26606"/>
-          <ac:grpSpMkLst>
-            <pc:docMk/>
-            <pc:sldMk cId="3919997344" sldId="260"/>
-            <ac:grpSpMk id="114" creationId="{EC711491-7BB6-4BE6-A470-44BF61D562E0}"/>
-          </ac:grpSpMkLst>
-        </pc:grpChg>
-        <pc:grpChg chg="add del">
-          <ac:chgData name="Sofie Blom Jensen" userId="57dd88df5c73f059" providerId="LiveId" clId="{3BD1AEE2-106A-49B7-9DAA-D3DFD31DD576}" dt="2018-05-16T10:43:52.644" v="100" actId="26606"/>
-          <ac:grpSpMkLst>
-            <pc:docMk/>
-            <pc:sldMk cId="3919997344" sldId="260"/>
-            <ac:grpSpMk id="118" creationId="{EC711491-7BB6-4BE6-A470-44BF61D562E0}"/>
-          </ac:grpSpMkLst>
-        </pc:grpChg>
-        <pc:grpChg chg="add del">
-          <ac:chgData name="Sofie Blom Jensen" userId="57dd88df5c73f059" providerId="LiveId" clId="{3BD1AEE2-106A-49B7-9DAA-D3DFD31DD576}" dt="2018-05-16T10:43:55.192" v="102" actId="26606"/>
-          <ac:grpSpMkLst>
-            <pc:docMk/>
-            <pc:sldMk cId="3919997344" sldId="260"/>
-            <ac:grpSpMk id="122" creationId="{A24E966C-35F3-4DB1-8C23-4BC252E4E4A2}"/>
-          </ac:grpSpMkLst>
-        </pc:grpChg>
-        <pc:grpChg chg="add del">
-          <ac:chgData name="Sofie Blom Jensen" userId="57dd88df5c73f059" providerId="LiveId" clId="{3BD1AEE2-106A-49B7-9DAA-D3DFD31DD576}" dt="2018-05-16T10:43:55.192" v="102" actId="26606"/>
-          <ac:grpSpMkLst>
-            <pc:docMk/>
-            <pc:sldMk cId="3919997344" sldId="260"/>
-            <ac:grpSpMk id="123" creationId="{851F9572-54D5-457A-BA34-C395A478A4FA}"/>
-          </ac:grpSpMkLst>
-        </pc:grpChg>
-        <pc:grpChg chg="add del">
-          <ac:chgData name="Sofie Blom Jensen" userId="57dd88df5c73f059" providerId="LiveId" clId="{3BD1AEE2-106A-49B7-9DAA-D3DFD31DD576}" dt="2018-05-16T10:43:55.192" v="102" actId="26606"/>
-          <ac:grpSpMkLst>
-            <pc:docMk/>
-            <pc:sldMk cId="3919997344" sldId="260"/>
-            <ac:grpSpMk id="124" creationId="{06A80B50-DCB4-4775-9C8E-7AF0F56803E9}"/>
-          </ac:grpSpMkLst>
-        </pc:grpChg>
-        <pc:grpChg chg="add">
-          <ac:chgData name="Sofie Blom Jensen" userId="57dd88df5c73f059" providerId="LiveId" clId="{3BD1AEE2-106A-49B7-9DAA-D3DFD31DD576}" dt="2018-05-16T10:43:55.272" v="103" actId="26606"/>
-          <ac:grpSpMkLst>
-            <pc:docMk/>
-            <pc:sldMk cId="3919997344" sldId="260"/>
-            <ac:grpSpMk id="127" creationId="{A24E966C-35F3-4DB1-8C23-4BC252E4E4A2}"/>
-          </ac:grpSpMkLst>
-        </pc:grpChg>
-        <pc:grpChg chg="add">
-          <ac:chgData name="Sofie Blom Jensen" userId="57dd88df5c73f059" providerId="LiveId" clId="{3BD1AEE2-106A-49B7-9DAA-D3DFD31DD576}" dt="2018-05-16T10:43:55.272" v="103" actId="26606"/>
-          <ac:grpSpMkLst>
-            <pc:docMk/>
-            <pc:sldMk cId="3919997344" sldId="260"/>
-            <ac:grpSpMk id="128" creationId="{5FE07634-A83A-4681-9C1D-BC0775F9D296}"/>
-          </ac:grpSpMkLst>
-        </pc:grpChg>
-        <pc:grpChg chg="add">
-          <ac:chgData name="Sofie Blom Jensen" userId="57dd88df5c73f059" providerId="LiveId" clId="{3BD1AEE2-106A-49B7-9DAA-D3DFD31DD576}" dt="2018-05-16T10:43:55.272" v="103" actId="26606"/>
-          <ac:grpSpMkLst>
-            <pc:docMk/>
-            <pc:sldMk cId="3919997344" sldId="260"/>
-            <ac:grpSpMk id="129" creationId="{A2E1FE48-FA7B-4262-B922-041542931DDF}"/>
-          </ac:grpSpMkLst>
-        </pc:grpChg>
-        <pc:picChg chg="add del mod ord">
-          <ac:chgData name="Sofie Blom Jensen" userId="57dd88df5c73f059" providerId="LiveId" clId="{3BD1AEE2-106A-49B7-9DAA-D3DFD31DD576}" dt="2018-05-16T10:47:48.273" v="168" actId="478"/>
-          <ac:picMkLst>
-            <pc:docMk/>
-            <pc:sldMk cId="3919997344" sldId="260"/>
-            <ac:picMk id="5" creationId="{D4B330F3-1DAF-46B2-8AB7-58EB029D8E3D}"/>
-          </ac:picMkLst>
-        </pc:picChg>
-        <pc:picChg chg="add mod">
-          <ac:chgData name="Sofie Blom Jensen" userId="57dd88df5c73f059" providerId="LiveId" clId="{3BD1AEE2-106A-49B7-9DAA-D3DFD31DD576}" dt="2018-05-16T10:48:00.614" v="173" actId="14100"/>
-          <ac:picMkLst>
-            <pc:docMk/>
-            <pc:sldMk cId="3919997344" sldId="260"/>
-            <ac:picMk id="7" creationId="{9906A882-4E98-4447-AE32-0F7EFF636321}"/>
-          </ac:picMkLst>
-        </pc:picChg>
-        <pc:picChg chg="add del">
-          <ac:chgData name="Sofie Blom Jensen" userId="57dd88df5c73f059" providerId="LiveId" clId="{3BD1AEE2-106A-49B7-9DAA-D3DFD31DD576}" dt="2018-05-16T10:43:48.362" v="96" actId="26606"/>
-          <ac:picMkLst>
-            <pc:docMk/>
-            <pc:sldMk cId="3919997344" sldId="260"/>
-            <ac:picMk id="10" creationId="{519FA62B-A2C9-49F5-8C45-9D5CDCD72B49}"/>
-          </ac:picMkLst>
-        </pc:picChg>
-        <pc:picChg chg="add del">
-          <ac:chgData name="Sofie Blom Jensen" userId="57dd88df5c73f059" providerId="LiveId" clId="{3BD1AEE2-106A-49B7-9DAA-D3DFD31DD576}" dt="2018-05-16T10:43:49.472" v="98" actId="26606"/>
-          <ac:picMkLst>
-            <pc:docMk/>
-            <pc:sldMk cId="3919997344" sldId="260"/>
-            <ac:picMk id="113" creationId="{5B367C29-5200-4FF1-83B7-18B105A0BDDE}"/>
-          </ac:picMkLst>
-        </pc:picChg>
-        <pc:picChg chg="add del">
-          <ac:chgData name="Sofie Blom Jensen" userId="57dd88df5c73f059" providerId="LiveId" clId="{3BD1AEE2-106A-49B7-9DAA-D3DFD31DD576}" dt="2018-05-16T10:43:52.644" v="100" actId="26606"/>
-          <ac:picMkLst>
-            <pc:docMk/>
-            <pc:sldMk cId="3919997344" sldId="260"/>
-            <ac:picMk id="117" creationId="{5B367C29-5200-4FF1-83B7-18B105A0BDDE}"/>
-          </ac:picMkLst>
-        </pc:picChg>
-        <pc:picChg chg="add del">
-          <ac:chgData name="Sofie Blom Jensen" userId="57dd88df5c73f059" providerId="LiveId" clId="{3BD1AEE2-106A-49B7-9DAA-D3DFD31DD576}" dt="2018-05-16T10:43:55.192" v="102" actId="26606"/>
-          <ac:picMkLst>
-            <pc:docMk/>
-            <pc:sldMk cId="3919997344" sldId="260"/>
-            <ac:picMk id="121" creationId="{519FA62B-A2C9-49F5-8C45-9D5CDCD72B49}"/>
-          </ac:picMkLst>
-        </pc:picChg>
-        <pc:picChg chg="add">
-          <ac:chgData name="Sofie Blom Jensen" userId="57dd88df5c73f059" providerId="LiveId" clId="{3BD1AEE2-106A-49B7-9DAA-D3DFD31DD576}" dt="2018-05-16T10:43:55.272" v="103" actId="26606"/>
-          <ac:picMkLst>
-            <pc:docMk/>
-            <pc:sldMk cId="3919997344" sldId="260"/>
-            <ac:picMk id="126" creationId="{519FA62B-A2C9-49F5-8C45-9D5CDCD72B49}"/>
-          </ac:picMkLst>
-        </pc:picChg>
-      </pc:sldChg>
-      <pc:sldChg chg="modSp add">
-        <pc:chgData name="Sofie Blom Jensen" userId="57dd88df5c73f059" providerId="LiveId" clId="{3BD1AEE2-106A-49B7-9DAA-D3DFD31DD576}" dt="2018-05-16T10:48:12.953" v="187" actId="20577"/>
-        <pc:sldMkLst>
-          <pc:docMk/>
-          <pc:sldMk cId="957257409" sldId="261"/>
-        </pc:sldMkLst>
-        <pc:spChg chg="mod">
-          <ac:chgData name="Sofie Blom Jensen" userId="57dd88df5c73f059" providerId="LiveId" clId="{3BD1AEE2-106A-49B7-9DAA-D3DFD31DD576}" dt="2018-05-16T10:48:12.953" v="187" actId="20577"/>
-          <ac:spMkLst>
-            <pc:docMk/>
-            <pc:sldMk cId="957257409" sldId="261"/>
-            <ac:spMk id="2" creationId="{A56F33CA-3FC7-4E14-946C-7BB68638F818}"/>
-          </ac:spMkLst>
-        </pc:spChg>
-      </pc:sldChg>
-      <pc:sldChg chg="addSp delSp modSp add">
-        <pc:chgData name="Sofie Blom Jensen" userId="57dd88df5c73f059" providerId="LiveId" clId="{3BD1AEE2-106A-49B7-9DAA-D3DFD31DD576}" dt="2018-05-16T10:51:45.468" v="240" actId="20577"/>
-        <pc:sldMkLst>
-          <pc:docMk/>
-          <pc:sldMk cId="685607979" sldId="262"/>
-        </pc:sldMkLst>
-        <pc:spChg chg="mod">
-          <ac:chgData name="Sofie Blom Jensen" userId="57dd88df5c73f059" providerId="LiveId" clId="{3BD1AEE2-106A-49B7-9DAA-D3DFD31DD576}" dt="2018-05-16T10:51:45.468" v="240" actId="20577"/>
-          <ac:spMkLst>
-            <pc:docMk/>
-            <pc:sldMk cId="685607979" sldId="262"/>
-            <ac:spMk id="2" creationId="{D64A8AED-D56D-4DC6-BCBF-65FFF8A2707B}"/>
-          </ac:spMkLst>
-        </pc:spChg>
-        <pc:spChg chg="del">
-          <ac:chgData name="Sofie Blom Jensen" userId="57dd88df5c73f059" providerId="LiveId" clId="{3BD1AEE2-106A-49B7-9DAA-D3DFD31DD576}" dt="2018-05-16T10:51:10.109" v="214" actId="478"/>
-          <ac:spMkLst>
-            <pc:docMk/>
-            <pc:sldMk cId="685607979" sldId="262"/>
-            <ac:spMk id="3" creationId="{BE61E429-524E-4FAF-BA95-155DAD3CF694}"/>
-          </ac:spMkLst>
-        </pc:spChg>
-        <pc:picChg chg="add mod">
-          <ac:chgData name="Sofie Blom Jensen" userId="57dd88df5c73f059" providerId="LiveId" clId="{3BD1AEE2-106A-49B7-9DAA-D3DFD31DD576}" dt="2018-05-16T10:51:01.693" v="213" actId="14100"/>
-          <ac:picMkLst>
-            <pc:docMk/>
-            <pc:sldMk cId="685607979" sldId="262"/>
-            <ac:picMk id="5" creationId="{6E210EB6-76D3-4E21-B0DF-F9D5C4945AA4}"/>
-          </ac:picMkLst>
-        </pc:picChg>
-      </pc:sldChg>
-      <pc:sldChg chg="addSp delSp modSp add">
-        <pc:chgData name="Sofie Blom Jensen" userId="57dd88df5c73f059" providerId="LiveId" clId="{3BD1AEE2-106A-49B7-9DAA-D3DFD31DD576}" dt="2018-05-16T10:54:24.241" v="284" actId="1076"/>
-        <pc:sldMkLst>
-          <pc:docMk/>
-          <pc:sldMk cId="149313041" sldId="263"/>
-        </pc:sldMkLst>
-        <pc:spChg chg="mod">
-          <ac:chgData name="Sofie Blom Jensen" userId="57dd88df5c73f059" providerId="LiveId" clId="{3BD1AEE2-106A-49B7-9DAA-D3DFD31DD576}" dt="2018-05-16T10:54:24.241" v="284" actId="1076"/>
-          <ac:spMkLst>
-            <pc:docMk/>
-            <pc:sldMk cId="149313041" sldId="263"/>
-            <ac:spMk id="2" creationId="{A9AF1305-B379-4C78-AB1E-C569983CD83B}"/>
-          </ac:spMkLst>
-        </pc:spChg>
-        <pc:spChg chg="mod">
-          <ac:chgData name="Sofie Blom Jensen" userId="57dd88df5c73f059" providerId="LiveId" clId="{3BD1AEE2-106A-49B7-9DAA-D3DFD31DD576}" dt="2018-05-16T10:54:20.741" v="283" actId="1076"/>
-          <ac:spMkLst>
-            <pc:docMk/>
-            <pc:sldMk cId="149313041" sldId="263"/>
-            <ac:spMk id="3" creationId="{D2BEC12C-A511-4683-AE5A-BA0336A37A01}"/>
-          </ac:spMkLst>
-        </pc:spChg>
-        <pc:picChg chg="add del">
-          <ac:chgData name="Sofie Blom Jensen" userId="57dd88df5c73f059" providerId="LiveId" clId="{3BD1AEE2-106A-49B7-9DAA-D3DFD31DD576}" dt="2018-05-16T10:53:19.293" v="256" actId="478"/>
-          <ac:picMkLst>
-            <pc:docMk/>
-            <pc:sldMk cId="149313041" sldId="263"/>
-            <ac:picMk id="4" creationId="{9996DC31-4267-435E-82C8-9D6E874E7EF2}"/>
-          </ac:picMkLst>
-        </pc:picChg>
-        <pc:picChg chg="add mod">
-          <ac:chgData name="Sofie Blom Jensen" userId="57dd88df5c73f059" providerId="LiveId" clId="{3BD1AEE2-106A-49B7-9DAA-D3DFD31DD576}" dt="2018-05-16T10:53:58.753" v="275" actId="1076"/>
-          <ac:picMkLst>
-            <pc:docMk/>
-            <pc:sldMk cId="149313041" sldId="263"/>
-            <ac:picMk id="5" creationId="{FFFA06C1-620A-41E4-95D4-13714D872C47}"/>
-          </ac:picMkLst>
-        </pc:picChg>
-      </pc:sldChg>
-      <pc:sldChg chg="delSp modSp add del">
-        <pc:chgData name="Sofie Blom Jensen" userId="57dd88df5c73f059" providerId="LiveId" clId="{3BD1AEE2-106A-49B7-9DAA-D3DFD31DD576}" dt="2018-05-16T10:51:28.394" v="217" actId="2696"/>
-        <pc:sldMkLst>
-          <pc:docMk/>
-          <pc:sldMk cId="3245265169" sldId="263"/>
-        </pc:sldMkLst>
-        <pc:spChg chg="mod">
-          <ac:chgData name="Sofie Blom Jensen" userId="57dd88df5c73f059" providerId="LiveId" clId="{3BD1AEE2-106A-49B7-9DAA-D3DFD31DD576}" dt="2018-05-16T10:48:37.528" v="210" actId="20577"/>
-          <ac:spMkLst>
-            <pc:docMk/>
-            <pc:sldMk cId="3245265169" sldId="263"/>
-            <ac:spMk id="2" creationId="{A1F49501-1BF0-47D6-8531-EAF67DAC0A34}"/>
-          </ac:spMkLst>
-        </pc:spChg>
-        <pc:spChg chg="del">
-          <ac:chgData name="Sofie Blom Jensen" userId="57dd88df5c73f059" providerId="LiveId" clId="{3BD1AEE2-106A-49B7-9DAA-D3DFD31DD576}" dt="2018-05-16T10:51:21.267" v="216" actId="478"/>
-          <ac:spMkLst>
-            <pc:docMk/>
-            <pc:sldMk cId="3245265169" sldId="263"/>
-            <ac:spMk id="3" creationId="{7E788AB2-3C92-4603-9FFC-C1ABE0D016D0}"/>
-          </ac:spMkLst>
-        </pc:spChg>
-      </pc:sldChg>
-      <pc:sldChg chg="add">
-        <pc:chgData name="Sofie Blom Jensen" userId="57dd88df5c73f059" providerId="LiveId" clId="{3BD1AEE2-106A-49B7-9DAA-D3DFD31DD576}" dt="2018-05-16T10:54:29.591" v="285"/>
-        <pc:sldMkLst>
-          <pc:docMk/>
-          <pc:sldMk cId="3054669827" sldId="264"/>
-        </pc:sldMkLst>
       </pc:sldChg>
     </pc:docChg>
   </pc:docChgLst>
@@ -686,7 +234,7 @@
           <a:noFill/>
           <a:extLst>
             <a:ext uri="{909E8E84-426E-40dd-AFC4-6F175D3DCCD1}">
-              <a14:hiddenFill xmlns:a14="http://schemas.microsoft.com/office/drawing/2010/main" xmlns="">
+              <a14:hiddenFill xmlns="" xmlns:a14="http://schemas.microsoft.com/office/drawing/2010/main">
                 <a:solidFill>
                   <a:srgbClr val="FFFFFF"/>
                 </a:solidFill>
@@ -745,7 +293,7 @@
             </a:ln>
             <a:extLst>
               <a:ext uri="{91240B29-F687-4f45-9708-019B960494DF}">
-                <a14:hiddenLine xmlns:a14="http://schemas.microsoft.com/office/drawing/2010/main" xmlns="" w="9525">
+                <a14:hiddenLine xmlns="" xmlns:a14="http://schemas.microsoft.com/office/drawing/2010/main" w="9525">
                   <a:solidFill>
                     <a:srgbClr val="000000"/>
                   </a:solidFill>
@@ -835,7 +383,7 @@
             </a:ln>
             <a:extLst>
               <a:ext uri="{91240B29-F687-4f45-9708-019B960494DF}">
-                <a14:hiddenLine xmlns:a14="http://schemas.microsoft.com/office/drawing/2010/main" xmlns="" w="9525">
+                <a14:hiddenLine xmlns="" xmlns:a14="http://schemas.microsoft.com/office/drawing/2010/main" w="9525">
                   <a:solidFill>
                     <a:srgbClr val="000000"/>
                   </a:solidFill>
@@ -925,7 +473,7 @@
             </a:ln>
             <a:extLst>
               <a:ext uri="{91240B29-F687-4f45-9708-019B960494DF}">
-                <a14:hiddenLine xmlns:a14="http://schemas.microsoft.com/office/drawing/2010/main" xmlns="" w="9525">
+                <a14:hiddenLine xmlns="" xmlns:a14="http://schemas.microsoft.com/office/drawing/2010/main" w="9525">
                   <a:solidFill>
                     <a:srgbClr val="000000"/>
                   </a:solidFill>
@@ -959,7 +507,7 @@
             </a:ln>
             <a:extLst>
               <a:ext uri="{91240B29-F687-4f45-9708-019B960494DF}">
-                <a14:hiddenLine xmlns:a14="http://schemas.microsoft.com/office/drawing/2010/main" xmlns="" w="9525">
+                <a14:hiddenLine xmlns="" xmlns:a14="http://schemas.microsoft.com/office/drawing/2010/main" w="9525">
                   <a:solidFill>
                     <a:srgbClr val="000000"/>
                   </a:solidFill>
@@ -1049,7 +597,7 @@
             </a:ln>
             <a:extLst>
               <a:ext uri="{91240B29-F687-4f45-9708-019B960494DF}">
-                <a14:hiddenLine xmlns:a14="http://schemas.microsoft.com/office/drawing/2010/main" xmlns="" w="9525">
+                <a14:hiddenLine xmlns="" xmlns:a14="http://schemas.microsoft.com/office/drawing/2010/main" w="9525">
                   <a:solidFill>
                     <a:srgbClr val="000000"/>
                   </a:solidFill>
@@ -1111,7 +659,7 @@
             </a:ln>
             <a:extLst>
               <a:ext uri="{91240B29-F687-4f45-9708-019B960494DF}">
-                <a14:hiddenLine xmlns:a14="http://schemas.microsoft.com/office/drawing/2010/main" xmlns="" w="9525">
+                <a14:hiddenLine xmlns="" xmlns:a14="http://schemas.microsoft.com/office/drawing/2010/main" w="9525">
                   <a:solidFill>
                     <a:srgbClr val="000000"/>
                   </a:solidFill>
@@ -1173,7 +721,7 @@
             </a:ln>
             <a:extLst>
               <a:ext uri="{91240B29-F687-4f45-9708-019B960494DF}">
-                <a14:hiddenLine xmlns:a14="http://schemas.microsoft.com/office/drawing/2010/main" xmlns="" w="9525">
+                <a14:hiddenLine xmlns="" xmlns:a14="http://schemas.microsoft.com/office/drawing/2010/main" w="9525">
                   <a:solidFill>
                     <a:srgbClr val="000000"/>
                   </a:solidFill>
@@ -1263,7 +811,7 @@
             </a:ln>
             <a:extLst>
               <a:ext uri="{91240B29-F687-4f45-9708-019B960494DF}">
-                <a14:hiddenLine xmlns:a14="http://schemas.microsoft.com/office/drawing/2010/main" xmlns="" w="9525">
+                <a14:hiddenLine xmlns="" xmlns:a14="http://schemas.microsoft.com/office/drawing/2010/main" w="9525">
                   <a:solidFill>
                     <a:srgbClr val="000000"/>
                   </a:solidFill>
@@ -1325,7 +873,7 @@
             </a:ln>
             <a:extLst>
               <a:ext uri="{91240B29-F687-4f45-9708-019B960494DF}">
-                <a14:hiddenLine xmlns:a14="http://schemas.microsoft.com/office/drawing/2010/main" xmlns="" w="9525">
+                <a14:hiddenLine xmlns="" xmlns:a14="http://schemas.microsoft.com/office/drawing/2010/main" w="9525">
                   <a:solidFill>
                     <a:srgbClr val="000000"/>
                   </a:solidFill>
@@ -1387,7 +935,7 @@
             </a:ln>
             <a:extLst>
               <a:ext uri="{91240B29-F687-4f45-9708-019B960494DF}">
-                <a14:hiddenLine xmlns:a14="http://schemas.microsoft.com/office/drawing/2010/main" xmlns="" w="9525">
+                <a14:hiddenLine xmlns="" xmlns:a14="http://schemas.microsoft.com/office/drawing/2010/main" w="9525">
                   <a:solidFill>
                     <a:srgbClr val="000000"/>
                   </a:solidFill>
@@ -1477,7 +1025,7 @@
             </a:ln>
             <a:extLst>
               <a:ext uri="{91240B29-F687-4f45-9708-019B960494DF}">
-                <a14:hiddenLine xmlns:a14="http://schemas.microsoft.com/office/drawing/2010/main" xmlns="" w="9525">
+                <a14:hiddenLine xmlns="" xmlns:a14="http://schemas.microsoft.com/office/drawing/2010/main" w="9525">
                   <a:solidFill>
                     <a:srgbClr val="000000"/>
                   </a:solidFill>
@@ -1567,7 +1115,7 @@
             </a:ln>
             <a:extLst>
               <a:ext uri="{91240B29-F687-4f45-9708-019B960494DF}">
-                <a14:hiddenLine xmlns:a14="http://schemas.microsoft.com/office/drawing/2010/main" xmlns="" w="9525">
+                <a14:hiddenLine xmlns="" xmlns:a14="http://schemas.microsoft.com/office/drawing/2010/main" w="9525">
                   <a:solidFill>
                     <a:srgbClr val="000000"/>
                   </a:solidFill>
@@ -1629,7 +1177,7 @@
             </a:ln>
             <a:extLst>
               <a:ext uri="{91240B29-F687-4f45-9708-019B960494DF}">
-                <a14:hiddenLine xmlns:a14="http://schemas.microsoft.com/office/drawing/2010/main" xmlns="" w="9525">
+                <a14:hiddenLine xmlns="" xmlns:a14="http://schemas.microsoft.com/office/drawing/2010/main" w="9525">
                   <a:solidFill>
                     <a:srgbClr val="000000"/>
                   </a:solidFill>
@@ -1739,7 +1287,7 @@
             </a:ln>
             <a:extLst>
               <a:ext uri="{91240B29-F687-4f45-9708-019B960494DF}">
-                <a14:hiddenLine xmlns:a14="http://schemas.microsoft.com/office/drawing/2010/main" xmlns="" w="9525">
+                <a14:hiddenLine xmlns="" xmlns:a14="http://schemas.microsoft.com/office/drawing/2010/main" w="9525">
                   <a:solidFill>
                     <a:srgbClr val="000000"/>
                   </a:solidFill>
@@ -1801,7 +1349,7 @@
             </a:ln>
             <a:extLst>
               <a:ext uri="{91240B29-F687-4f45-9708-019B960494DF}">
-                <a14:hiddenLine xmlns:a14="http://schemas.microsoft.com/office/drawing/2010/main" xmlns="" w="9525">
+                <a14:hiddenLine xmlns="" xmlns:a14="http://schemas.microsoft.com/office/drawing/2010/main" w="9525">
                   <a:solidFill>
                     <a:srgbClr val="000000"/>
                   </a:solidFill>
@@ -1891,7 +1439,7 @@
             </a:ln>
             <a:extLst>
               <a:ext uri="{91240B29-F687-4f45-9708-019B960494DF}">
-                <a14:hiddenLine xmlns:a14="http://schemas.microsoft.com/office/drawing/2010/main" xmlns="" w="9525">
+                <a14:hiddenLine xmlns="" xmlns:a14="http://schemas.microsoft.com/office/drawing/2010/main" w="9525">
                   <a:solidFill>
                     <a:srgbClr val="000000"/>
                   </a:solidFill>
@@ -1981,7 +1529,7 @@
             </a:ln>
             <a:extLst>
               <a:ext uri="{91240B29-F687-4f45-9708-019B960494DF}">
-                <a14:hiddenLine xmlns:a14="http://schemas.microsoft.com/office/drawing/2010/main" xmlns="" w="9525">
+                <a14:hiddenLine xmlns="" xmlns:a14="http://schemas.microsoft.com/office/drawing/2010/main" w="9525">
                   <a:solidFill>
                     <a:srgbClr val="000000"/>
                   </a:solidFill>
@@ -2043,7 +1591,7 @@
             </a:ln>
             <a:extLst>
               <a:ext uri="{91240B29-F687-4f45-9708-019B960494DF}">
-                <a14:hiddenLine xmlns:a14="http://schemas.microsoft.com/office/drawing/2010/main" xmlns="" w="9525">
+                <a14:hiddenLine xmlns="" xmlns:a14="http://schemas.microsoft.com/office/drawing/2010/main" w="9525">
                   <a:solidFill>
                     <a:srgbClr val="000000"/>
                   </a:solidFill>
@@ -2133,7 +1681,7 @@
             </a:ln>
             <a:extLst>
               <a:ext uri="{91240B29-F687-4f45-9708-019B960494DF}">
-                <a14:hiddenLine xmlns:a14="http://schemas.microsoft.com/office/drawing/2010/main" xmlns="" w="9525">
+                <a14:hiddenLine xmlns="" xmlns:a14="http://schemas.microsoft.com/office/drawing/2010/main" w="9525">
                   <a:solidFill>
                     <a:srgbClr val="000000"/>
                   </a:solidFill>
@@ -2223,7 +1771,7 @@
             </a:ln>
             <a:extLst>
               <a:ext uri="{91240B29-F687-4f45-9708-019B960494DF}">
-                <a14:hiddenLine xmlns:a14="http://schemas.microsoft.com/office/drawing/2010/main" xmlns="" w="9525">
+                <a14:hiddenLine xmlns="" xmlns:a14="http://schemas.microsoft.com/office/drawing/2010/main" w="9525">
                   <a:solidFill>
                     <a:srgbClr val="000000"/>
                   </a:solidFill>
@@ -2279,7 +1827,7 @@
             </a:ln>
             <a:extLst>
               <a:ext uri="{91240B29-F687-4f45-9708-019B960494DF}">
-                <a14:hiddenLine xmlns:a14="http://schemas.microsoft.com/office/drawing/2010/main" xmlns="" w="9525">
+                <a14:hiddenLine xmlns="" xmlns:a14="http://schemas.microsoft.com/office/drawing/2010/main" w="9525">
                   <a:solidFill>
                     <a:srgbClr val="000000"/>
                   </a:solidFill>
@@ -2369,7 +1917,7 @@
             </a:ln>
             <a:extLst>
               <a:ext uri="{91240B29-F687-4f45-9708-019B960494DF}">
-                <a14:hiddenLine xmlns:a14="http://schemas.microsoft.com/office/drawing/2010/main" xmlns="" w="9525">
+                <a14:hiddenLine xmlns="" xmlns:a14="http://schemas.microsoft.com/office/drawing/2010/main" w="9525">
                   <a:solidFill>
                     <a:srgbClr val="000000"/>
                   </a:solidFill>
@@ -2425,7 +1973,7 @@
             </a:ln>
             <a:extLst>
               <a:ext uri="{91240B29-F687-4f45-9708-019B960494DF}">
-                <a14:hiddenLine xmlns:a14="http://schemas.microsoft.com/office/drawing/2010/main" xmlns="" w="9525">
+                <a14:hiddenLine xmlns="" xmlns:a14="http://schemas.microsoft.com/office/drawing/2010/main" w="9525">
                   <a:solidFill>
                     <a:srgbClr val="000000"/>
                   </a:solidFill>
@@ -2515,7 +2063,7 @@
             </a:ln>
             <a:extLst>
               <a:ext uri="{91240B29-F687-4f45-9708-019B960494DF}">
-                <a14:hiddenLine xmlns:a14="http://schemas.microsoft.com/office/drawing/2010/main" xmlns="" w="9525">
+                <a14:hiddenLine xmlns="" xmlns:a14="http://schemas.microsoft.com/office/drawing/2010/main" w="9525">
                   <a:solidFill>
                     <a:srgbClr val="000000"/>
                   </a:solidFill>
@@ -2583,7 +2131,7 @@
             </a:ln>
             <a:extLst>
               <a:ext uri="{91240B29-F687-4f45-9708-019B960494DF}">
-                <a14:hiddenLine xmlns:a14="http://schemas.microsoft.com/office/drawing/2010/main" xmlns="" w="9525">
+                <a14:hiddenLine xmlns="" xmlns:a14="http://schemas.microsoft.com/office/drawing/2010/main" w="9525">
                   <a:solidFill>
                     <a:srgbClr val="000000"/>
                   </a:solidFill>
@@ -2673,7 +2221,7 @@
             </a:ln>
             <a:extLst>
               <a:ext uri="{91240B29-F687-4f45-9708-019B960494DF}">
-                <a14:hiddenLine xmlns:a14="http://schemas.microsoft.com/office/drawing/2010/main" xmlns="" w="9525">
+                <a14:hiddenLine xmlns="" xmlns:a14="http://schemas.microsoft.com/office/drawing/2010/main" w="9525">
                   <a:solidFill>
                     <a:srgbClr val="000000"/>
                   </a:solidFill>
@@ -2741,7 +2289,7 @@
             </a:ln>
             <a:extLst>
               <a:ext uri="{91240B29-F687-4f45-9708-019B960494DF}">
-                <a14:hiddenLine xmlns:a14="http://schemas.microsoft.com/office/drawing/2010/main" xmlns="" w="9525">
+                <a14:hiddenLine xmlns="" xmlns:a14="http://schemas.microsoft.com/office/drawing/2010/main" w="9525">
                   <a:solidFill>
                     <a:srgbClr val="000000"/>
                   </a:solidFill>
@@ -2831,7 +2379,7 @@
             </a:ln>
             <a:extLst>
               <a:ext uri="{91240B29-F687-4f45-9708-019B960494DF}">
-                <a14:hiddenLine xmlns:a14="http://schemas.microsoft.com/office/drawing/2010/main" xmlns="" w="9525">
+                <a14:hiddenLine xmlns="" xmlns:a14="http://schemas.microsoft.com/office/drawing/2010/main" w="9525">
                   <a:solidFill>
                     <a:srgbClr val="000000"/>
                   </a:solidFill>
@@ -2865,7 +2413,7 @@
             </a:ln>
             <a:extLst>
               <a:ext uri="{91240B29-F687-4f45-9708-019B960494DF}">
-                <a14:hiddenLine xmlns:a14="http://schemas.microsoft.com/office/drawing/2010/main" xmlns="" w="9525">
+                <a14:hiddenLine xmlns="" xmlns:a14="http://schemas.microsoft.com/office/drawing/2010/main" w="9525">
                   <a:solidFill>
                     <a:srgbClr val="000000"/>
                   </a:solidFill>
@@ -2955,7 +2503,7 @@
             </a:ln>
             <a:extLst>
               <a:ext uri="{91240B29-F687-4f45-9708-019B960494DF}">
-                <a14:hiddenLine xmlns:a14="http://schemas.microsoft.com/office/drawing/2010/main" xmlns="" w="9525">
+                <a14:hiddenLine xmlns="" xmlns:a14="http://schemas.microsoft.com/office/drawing/2010/main" w="9525">
                   <a:solidFill>
                     <a:srgbClr val="000000"/>
                   </a:solidFill>
@@ -3017,7 +2565,7 @@
             </a:ln>
             <a:extLst>
               <a:ext uri="{91240B29-F687-4f45-9708-019B960494DF}">
-                <a14:hiddenLine xmlns:a14="http://schemas.microsoft.com/office/drawing/2010/main" xmlns="" w="9525">
+                <a14:hiddenLine xmlns="" xmlns:a14="http://schemas.microsoft.com/office/drawing/2010/main" w="9525">
                   <a:solidFill>
                     <a:srgbClr val="000000"/>
                   </a:solidFill>
@@ -3079,7 +2627,7 @@
             </a:ln>
             <a:extLst>
               <a:ext uri="{91240B29-F687-4f45-9708-019B960494DF}">
-                <a14:hiddenLine xmlns:a14="http://schemas.microsoft.com/office/drawing/2010/main" xmlns="" w="9525">
+                <a14:hiddenLine xmlns="" xmlns:a14="http://schemas.microsoft.com/office/drawing/2010/main" w="9525">
                   <a:solidFill>
                     <a:srgbClr val="000000"/>
                   </a:solidFill>
@@ -3169,7 +2717,7 @@
             </a:ln>
             <a:extLst>
               <a:ext uri="{91240B29-F687-4f45-9708-019B960494DF}">
-                <a14:hiddenLine xmlns:a14="http://schemas.microsoft.com/office/drawing/2010/main" xmlns="" w="9525">
+                <a14:hiddenLine xmlns="" xmlns:a14="http://schemas.microsoft.com/office/drawing/2010/main" w="9525">
                   <a:solidFill>
                     <a:srgbClr val="000000"/>
                   </a:solidFill>
@@ -3237,7 +2785,7 @@
             </a:ln>
             <a:extLst>
               <a:ext uri="{91240B29-F687-4f45-9708-019B960494DF}">
-                <a14:hiddenLine xmlns:a14="http://schemas.microsoft.com/office/drawing/2010/main" xmlns="" w="9525">
+                <a14:hiddenLine xmlns="" xmlns:a14="http://schemas.microsoft.com/office/drawing/2010/main" w="9525">
                   <a:solidFill>
                     <a:srgbClr val="000000"/>
                   </a:solidFill>
@@ -3299,7 +2847,7 @@
             </a:ln>
             <a:extLst>
               <a:ext uri="{91240B29-F687-4f45-9708-019B960494DF}">
-                <a14:hiddenLine xmlns:a14="http://schemas.microsoft.com/office/drawing/2010/main" xmlns="" w="9525">
+                <a14:hiddenLine xmlns="" xmlns:a14="http://schemas.microsoft.com/office/drawing/2010/main" w="9525">
                   <a:solidFill>
                     <a:srgbClr val="000000"/>
                   </a:solidFill>
@@ -3389,7 +2937,7 @@
             </a:ln>
             <a:extLst>
               <a:ext uri="{91240B29-F687-4f45-9708-019B960494DF}">
-                <a14:hiddenLine xmlns:a14="http://schemas.microsoft.com/office/drawing/2010/main" xmlns="" w="9525">
+                <a14:hiddenLine xmlns="" xmlns:a14="http://schemas.microsoft.com/office/drawing/2010/main" w="9525">
                   <a:solidFill>
                     <a:srgbClr val="000000"/>
                   </a:solidFill>
@@ -3451,7 +2999,7 @@
             </a:ln>
             <a:extLst>
               <a:ext uri="{91240B29-F687-4f45-9708-019B960494DF}">
-                <a14:hiddenLine xmlns:a14="http://schemas.microsoft.com/office/drawing/2010/main" xmlns="" w="9525">
+                <a14:hiddenLine xmlns="" xmlns:a14="http://schemas.microsoft.com/office/drawing/2010/main" w="9525">
                   <a:solidFill>
                     <a:srgbClr val="000000"/>
                   </a:solidFill>
@@ -3541,7 +3089,7 @@
             </a:ln>
             <a:extLst>
               <a:ext uri="{91240B29-F687-4f45-9708-019B960494DF}">
-                <a14:hiddenLine xmlns:a14="http://schemas.microsoft.com/office/drawing/2010/main" xmlns="" w="9525">
+                <a14:hiddenLine xmlns="" xmlns:a14="http://schemas.microsoft.com/office/drawing/2010/main" w="9525">
                   <a:solidFill>
                     <a:srgbClr val="000000"/>
                   </a:solidFill>
@@ -3603,7 +3151,7 @@
             </a:ln>
             <a:extLst>
               <a:ext uri="{91240B29-F687-4f45-9708-019B960494DF}">
-                <a14:hiddenLine xmlns:a14="http://schemas.microsoft.com/office/drawing/2010/main" xmlns="" w="9525">
+                <a14:hiddenLine xmlns="" xmlns:a14="http://schemas.microsoft.com/office/drawing/2010/main" w="9525">
                   <a:solidFill>
                     <a:srgbClr val="000000"/>
                   </a:solidFill>
@@ -3693,7 +3241,7 @@
             </a:ln>
             <a:extLst>
               <a:ext uri="{91240B29-F687-4f45-9708-019B960494DF}">
-                <a14:hiddenLine xmlns:a14="http://schemas.microsoft.com/office/drawing/2010/main" xmlns="" w="9525">
+                <a14:hiddenLine xmlns="" xmlns:a14="http://schemas.microsoft.com/office/drawing/2010/main" w="9525">
                   <a:solidFill>
                     <a:srgbClr val="000000"/>
                   </a:solidFill>
@@ -3727,7 +3275,7 @@
             </a:ln>
             <a:extLst>
               <a:ext uri="{91240B29-F687-4f45-9708-019B960494DF}">
-                <a14:hiddenLine xmlns:a14="http://schemas.microsoft.com/office/drawing/2010/main" xmlns="" w="9525">
+                <a14:hiddenLine xmlns="" xmlns:a14="http://schemas.microsoft.com/office/drawing/2010/main" w="9525">
                   <a:solidFill>
                     <a:srgbClr val="000000"/>
                   </a:solidFill>
@@ -3792,7 +3340,7 @@
             </a:ln>
             <a:extLst>
               <a:ext uri="{91240B29-F687-4f45-9708-019B960494DF}">
-                <a14:hiddenLine xmlns:a14="http://schemas.microsoft.com/office/drawing/2010/main" xmlns="" w="9525">
+                <a14:hiddenLine xmlns="" xmlns:a14="http://schemas.microsoft.com/office/drawing/2010/main" w="9525">
                   <a:solidFill>
                     <a:srgbClr val="000000"/>
                   </a:solidFill>
@@ -3882,7 +3430,7 @@
             </a:ln>
             <a:extLst>
               <a:ext uri="{91240B29-F687-4f45-9708-019B960494DF}">
-                <a14:hiddenLine xmlns:a14="http://schemas.microsoft.com/office/drawing/2010/main" xmlns="" w="9525">
+                <a14:hiddenLine xmlns="" xmlns:a14="http://schemas.microsoft.com/office/drawing/2010/main" w="9525">
                   <a:solidFill>
                     <a:srgbClr val="000000"/>
                   </a:solidFill>
@@ -3944,7 +3492,7 @@
             </a:ln>
             <a:extLst>
               <a:ext uri="{91240B29-F687-4f45-9708-019B960494DF}">
-                <a14:hiddenLine xmlns:a14="http://schemas.microsoft.com/office/drawing/2010/main" xmlns="" w="9525">
+                <a14:hiddenLine xmlns="" xmlns:a14="http://schemas.microsoft.com/office/drawing/2010/main" w="9525">
                   <a:solidFill>
                     <a:srgbClr val="000000"/>
                   </a:solidFill>
@@ -4034,7 +3582,7 @@
             </a:ln>
             <a:extLst>
               <a:ext uri="{91240B29-F687-4f45-9708-019B960494DF}">
-                <a14:hiddenLine xmlns:a14="http://schemas.microsoft.com/office/drawing/2010/main" xmlns="" w="9525">
+                <a14:hiddenLine xmlns="" xmlns:a14="http://schemas.microsoft.com/office/drawing/2010/main" w="9525">
                   <a:solidFill>
                     <a:srgbClr val="000000"/>
                   </a:solidFill>
@@ -4124,7 +3672,7 @@
             </a:ln>
             <a:extLst>
               <a:ext uri="{91240B29-F687-4f45-9708-019B960494DF}">
-                <a14:hiddenLine xmlns:a14="http://schemas.microsoft.com/office/drawing/2010/main" xmlns="" w="9525">
+                <a14:hiddenLine xmlns="" xmlns:a14="http://schemas.microsoft.com/office/drawing/2010/main" w="9525">
                   <a:solidFill>
                     <a:srgbClr val="000000"/>
                   </a:solidFill>
@@ -4189,7 +3737,7 @@
             </a:ln>
             <a:extLst>
               <a:ext uri="{91240B29-F687-4f45-9708-019B960494DF}">
-                <a14:hiddenLine xmlns:a14="http://schemas.microsoft.com/office/drawing/2010/main" xmlns="" w="9525">
+                <a14:hiddenLine xmlns="" xmlns:a14="http://schemas.microsoft.com/office/drawing/2010/main" w="9525">
                   <a:solidFill>
                     <a:srgbClr val="000000"/>
                   </a:solidFill>
@@ -4251,7 +3799,7 @@
             </a:ln>
             <a:extLst>
               <a:ext uri="{91240B29-F687-4f45-9708-019B960494DF}">
-                <a14:hiddenLine xmlns:a14="http://schemas.microsoft.com/office/drawing/2010/main" xmlns="" w="9525">
+                <a14:hiddenLine xmlns="" xmlns:a14="http://schemas.microsoft.com/office/drawing/2010/main" w="9525">
                   <a:solidFill>
                     <a:srgbClr val="000000"/>
                   </a:solidFill>
@@ -4341,7 +3889,7 @@
             </a:ln>
             <a:extLst>
               <a:ext uri="{91240B29-F687-4f45-9708-019B960494DF}">
-                <a14:hiddenLine xmlns:a14="http://schemas.microsoft.com/office/drawing/2010/main" xmlns="" w="9525">
+                <a14:hiddenLine xmlns="" xmlns:a14="http://schemas.microsoft.com/office/drawing/2010/main" w="9525">
                   <a:solidFill>
                     <a:srgbClr val="000000"/>
                   </a:solidFill>
@@ -4431,7 +3979,7 @@
             </a:ln>
             <a:extLst>
               <a:ext uri="{91240B29-F687-4f45-9708-019B960494DF}">
-                <a14:hiddenLine xmlns:a14="http://schemas.microsoft.com/office/drawing/2010/main" xmlns="" w="9525">
+                <a14:hiddenLine xmlns="" xmlns:a14="http://schemas.microsoft.com/office/drawing/2010/main" w="9525">
                   <a:solidFill>
                     <a:srgbClr val="000000"/>
                   </a:solidFill>
@@ -4493,7 +4041,7 @@
             </a:ln>
             <a:extLst>
               <a:ext uri="{91240B29-F687-4f45-9708-019B960494DF}">
-                <a14:hiddenLine xmlns:a14="http://schemas.microsoft.com/office/drawing/2010/main" xmlns="" w="9525">
+                <a14:hiddenLine xmlns="" xmlns:a14="http://schemas.microsoft.com/office/drawing/2010/main" w="9525">
                   <a:solidFill>
                     <a:srgbClr val="000000"/>
                   </a:solidFill>
@@ -4613,7 +4161,7 @@
             </a:ln>
             <a:extLst>
               <a:ext uri="{91240B29-F687-4f45-9708-019B960494DF}">
-                <a14:hiddenLine xmlns:a14="http://schemas.microsoft.com/office/drawing/2010/main" xmlns="" w="9525">
+                <a14:hiddenLine xmlns="" xmlns:a14="http://schemas.microsoft.com/office/drawing/2010/main" w="9525">
                   <a:solidFill>
                     <a:srgbClr val="000000"/>
                   </a:solidFill>
@@ -4681,7 +4229,7 @@
             </a:ln>
             <a:extLst>
               <a:ext uri="{91240B29-F687-4f45-9708-019B960494DF}">
-                <a14:hiddenLine xmlns:a14="http://schemas.microsoft.com/office/drawing/2010/main" xmlns="" w="9525">
+                <a14:hiddenLine xmlns="" xmlns:a14="http://schemas.microsoft.com/office/drawing/2010/main" w="9525">
                   <a:solidFill>
                     <a:srgbClr val="000000"/>
                   </a:solidFill>
@@ -4771,7 +4319,7 @@
             </a:ln>
             <a:extLst>
               <a:ext uri="{91240B29-F687-4f45-9708-019B960494DF}">
-                <a14:hiddenLine xmlns:a14="http://schemas.microsoft.com/office/drawing/2010/main" xmlns="" w="9525">
+                <a14:hiddenLine xmlns="" xmlns:a14="http://schemas.microsoft.com/office/drawing/2010/main" w="9525">
                   <a:solidFill>
                     <a:srgbClr val="000000"/>
                   </a:solidFill>
@@ -4911,7 +4459,7 @@
           <a:p>
             <a:fld id="{48A87A34-81AB-432B-8DAE-1953F412C126}" type="datetimeFigureOut">
               <a:rPr lang="en-US" dirty="0"/>
-              <a:t>5/16/2018</a:t>
+              <a:t>5/17/2018</a:t>
             </a:fld>
             <a:endParaRPr lang="en-US" dirty="0"/>
           </a:p>
@@ -5173,7 +4721,7 @@
           <a:p>
             <a:fld id="{48A87A34-81AB-432B-8DAE-1953F412C126}" type="datetimeFigureOut">
               <a:rPr lang="en-US" dirty="0"/>
-              <a:t>5/16/2018</a:t>
+              <a:t>5/17/2018</a:t>
             </a:fld>
             <a:endParaRPr lang="en-US" dirty="0"/>
           </a:p>
@@ -5364,7 +4912,7 @@
           <a:p>
             <a:fld id="{48A87A34-81AB-432B-8DAE-1953F412C126}" type="datetimeFigureOut">
               <a:rPr lang="en-US" dirty="0"/>
-              <a:t>5/16/2018</a:t>
+              <a:t>5/17/2018</a:t>
             </a:fld>
             <a:endParaRPr lang="en-US" dirty="0"/>
           </a:p>
@@ -5622,7 +5170,7 @@
           <a:p>
             <a:fld id="{48A87A34-81AB-432B-8DAE-1953F412C126}" type="datetimeFigureOut">
               <a:rPr lang="en-US" dirty="0"/>
-              <a:t>5/16/2018</a:t>
+              <a:t>5/17/2018</a:t>
             </a:fld>
             <a:endParaRPr lang="en-US" dirty="0"/>
           </a:p>
@@ -6051,7 +5599,7 @@
           <a:p>
             <a:fld id="{48A87A34-81AB-432B-8DAE-1953F412C126}" type="datetimeFigureOut">
               <a:rPr lang="en-US" dirty="0"/>
-              <a:t>5/16/2018</a:t>
+              <a:t>5/17/2018</a:t>
             </a:fld>
             <a:endParaRPr lang="en-US" dirty="0"/>
           </a:p>
@@ -6592,7 +6140,7 @@
           <a:p>
             <a:fld id="{48A87A34-81AB-432B-8DAE-1953F412C126}" type="datetimeFigureOut">
               <a:rPr lang="en-US" dirty="0"/>
-              <a:t>5/16/2018</a:t>
+              <a:t>5/17/2018</a:t>
             </a:fld>
             <a:endParaRPr lang="en-US" dirty="0"/>
           </a:p>
@@ -7307,7 +6855,7 @@
           <a:p>
             <a:fld id="{48A87A34-81AB-432B-8DAE-1953F412C126}" type="datetimeFigureOut">
               <a:rPr lang="en-US" dirty="0"/>
-              <a:t>5/16/2018</a:t>
+              <a:t>5/17/2018</a:t>
             </a:fld>
             <a:endParaRPr lang="en-US" dirty="0"/>
           </a:p>
@@ -7472,7 +7020,7 @@
           <a:p>
             <a:fld id="{48A87A34-81AB-432B-8DAE-1953F412C126}" type="datetimeFigureOut">
               <a:rPr lang="en-US" dirty="0"/>
-              <a:t>5/16/2018</a:t>
+              <a:t>5/17/2018</a:t>
             </a:fld>
             <a:endParaRPr lang="en-US" dirty="0"/>
           </a:p>
@@ -7647,7 +7195,7 @@
           <a:p>
             <a:fld id="{48A87A34-81AB-432B-8DAE-1953F412C126}" type="datetimeFigureOut">
               <a:rPr lang="en-US" dirty="0"/>
-              <a:t>5/16/2018</a:t>
+              <a:t>5/17/2018</a:t>
             </a:fld>
             <a:endParaRPr lang="en-US" dirty="0"/>
           </a:p>
@@ -7812,7 +7360,7 @@
           <a:p>
             <a:fld id="{48A87A34-81AB-432B-8DAE-1953F412C126}" type="datetimeFigureOut">
               <a:rPr lang="en-US" dirty="0"/>
-              <a:t>5/16/2018</a:t>
+              <a:t>5/17/2018</a:t>
             </a:fld>
             <a:endParaRPr lang="en-US" dirty="0"/>
           </a:p>
@@ -8057,7 +7605,7 @@
           <a:p>
             <a:fld id="{48A87A34-81AB-432B-8DAE-1953F412C126}" type="datetimeFigureOut">
               <a:rPr lang="en-US" dirty="0"/>
-              <a:t>5/16/2018</a:t>
+              <a:t>5/17/2018</a:t>
             </a:fld>
             <a:endParaRPr lang="en-US" dirty="0"/>
           </a:p>
@@ -8284,7 +7832,7 @@
           <a:p>
             <a:fld id="{48A87A34-81AB-432B-8DAE-1953F412C126}" type="datetimeFigureOut">
               <a:rPr lang="en-US" dirty="0"/>
-              <a:t>5/16/2018</a:t>
+              <a:t>5/17/2018</a:t>
             </a:fld>
             <a:endParaRPr lang="en-US" dirty="0"/>
           </a:p>
@@ -8660,7 +8208,7 @@
           <a:p>
             <a:fld id="{48A87A34-81AB-432B-8DAE-1953F412C126}" type="datetimeFigureOut">
               <a:rPr lang="en-US" dirty="0"/>
-              <a:t>5/16/2018</a:t>
+              <a:t>5/17/2018</a:t>
             </a:fld>
             <a:endParaRPr lang="en-US" dirty="0"/>
           </a:p>
@@ -8773,7 +8321,7 @@
           <a:p>
             <a:fld id="{48A87A34-81AB-432B-8DAE-1953F412C126}" type="datetimeFigureOut">
               <a:rPr lang="en-US" dirty="0"/>
-              <a:t>5/16/2018</a:t>
+              <a:t>5/17/2018</a:t>
             </a:fld>
             <a:endParaRPr lang="en-US" dirty="0"/>
           </a:p>
@@ -8863,7 +8411,7 @@
           <a:p>
             <a:fld id="{48A87A34-81AB-432B-8DAE-1953F412C126}" type="datetimeFigureOut">
               <a:rPr lang="en-US" dirty="0"/>
-              <a:t>5/16/2018</a:t>
+              <a:t>5/17/2018</a:t>
             </a:fld>
             <a:endParaRPr lang="en-US" dirty="0"/>
           </a:p>
@@ -9107,7 +8655,7 @@
           <a:p>
             <a:fld id="{48A87A34-81AB-432B-8DAE-1953F412C126}" type="datetimeFigureOut">
               <a:rPr lang="en-US" dirty="0"/>
-              <a:t>5/16/2018</a:t>
+              <a:t>5/17/2018</a:t>
             </a:fld>
             <a:endParaRPr lang="en-US" dirty="0"/>
           </a:p>
@@ -9382,7 +8930,7 @@
           <a:p>
             <a:fld id="{48A87A34-81AB-432B-8DAE-1953F412C126}" type="datetimeFigureOut">
               <a:rPr lang="en-US" dirty="0"/>
-              <a:t>5/16/2018</a:t>
+              <a:t>5/17/2018</a:t>
             </a:fld>
             <a:endParaRPr lang="en-US" dirty="0"/>
           </a:p>
@@ -9500,7 +9048,7 @@
           <a:noFill/>
           <a:extLst>
             <a:ext uri="{909E8E84-426E-40dd-AFC4-6F175D3DCCD1}">
-              <a14:hiddenFill xmlns:a14="http://schemas.microsoft.com/office/drawing/2010/main" xmlns="">
+              <a14:hiddenFill xmlns="" xmlns:a14="http://schemas.microsoft.com/office/drawing/2010/main">
                 <a:solidFill>
                   <a:srgbClr val="FFFFFF"/>
                 </a:solidFill>
@@ -9574,7 +9122,7 @@
               </a:ln>
               <a:extLst>
                 <a:ext uri="{91240B29-F687-4f45-9708-019B960494DF}">
-                  <a14:hiddenLine xmlns:a14="http://schemas.microsoft.com/office/drawing/2010/main" xmlns="" w="9525">
+                  <a14:hiddenLine xmlns="" xmlns:a14="http://schemas.microsoft.com/office/drawing/2010/main" w="9525">
                     <a:solidFill>
                       <a:srgbClr val="000000"/>
                     </a:solidFill>
@@ -9664,7 +9212,7 @@
               </a:ln>
               <a:extLst>
                 <a:ext uri="{91240B29-F687-4f45-9708-019B960494DF}">
-                  <a14:hiddenLine xmlns:a14="http://schemas.microsoft.com/office/drawing/2010/main" xmlns="" w="9525">
+                  <a14:hiddenLine xmlns="" xmlns:a14="http://schemas.microsoft.com/office/drawing/2010/main" w="9525">
                     <a:solidFill>
                       <a:srgbClr val="000000"/>
                     </a:solidFill>
@@ -9754,7 +9302,7 @@
               </a:ln>
               <a:extLst>
                 <a:ext uri="{91240B29-F687-4f45-9708-019B960494DF}">
-                  <a14:hiddenLine xmlns:a14="http://schemas.microsoft.com/office/drawing/2010/main" xmlns="" w="9525">
+                  <a14:hiddenLine xmlns="" xmlns:a14="http://schemas.microsoft.com/office/drawing/2010/main" w="9525">
                     <a:solidFill>
                       <a:srgbClr val="000000"/>
                     </a:solidFill>
@@ -9816,7 +9364,7 @@
               </a:ln>
               <a:extLst>
                 <a:ext uri="{91240B29-F687-4f45-9708-019B960494DF}">
-                  <a14:hiddenLine xmlns:a14="http://schemas.microsoft.com/office/drawing/2010/main" xmlns="" w="9525">
+                  <a14:hiddenLine xmlns="" xmlns:a14="http://schemas.microsoft.com/office/drawing/2010/main" w="9525">
                     <a:solidFill>
                       <a:srgbClr val="000000"/>
                     </a:solidFill>
@@ -9906,7 +9454,7 @@
               </a:ln>
               <a:extLst>
                 <a:ext uri="{91240B29-F687-4f45-9708-019B960494DF}">
-                  <a14:hiddenLine xmlns:a14="http://schemas.microsoft.com/office/drawing/2010/main" xmlns="" w="9525">
+                  <a14:hiddenLine xmlns="" xmlns:a14="http://schemas.microsoft.com/office/drawing/2010/main" w="9525">
                     <a:solidFill>
                       <a:srgbClr val="000000"/>
                     </a:solidFill>
@@ -9968,7 +9516,7 @@
               </a:ln>
               <a:extLst>
                 <a:ext uri="{91240B29-F687-4f45-9708-019B960494DF}">
-                  <a14:hiddenLine xmlns:a14="http://schemas.microsoft.com/office/drawing/2010/main" xmlns="" w="9525">
+                  <a14:hiddenLine xmlns="" xmlns:a14="http://schemas.microsoft.com/office/drawing/2010/main" w="9525">
                     <a:solidFill>
                       <a:srgbClr val="000000"/>
                     </a:solidFill>
@@ -10030,7 +9578,7 @@
               </a:ln>
               <a:extLst>
                 <a:ext uri="{91240B29-F687-4f45-9708-019B960494DF}">
-                  <a14:hiddenLine xmlns:a14="http://schemas.microsoft.com/office/drawing/2010/main" xmlns="" w="9525">
+                  <a14:hiddenLine xmlns="" xmlns:a14="http://schemas.microsoft.com/office/drawing/2010/main" w="9525">
                     <a:solidFill>
                       <a:srgbClr val="000000"/>
                     </a:solidFill>
@@ -10120,7 +9668,7 @@
               </a:ln>
               <a:extLst>
                 <a:ext uri="{91240B29-F687-4f45-9708-019B960494DF}">
-                  <a14:hiddenLine xmlns:a14="http://schemas.microsoft.com/office/drawing/2010/main" xmlns="" w="9525">
+                  <a14:hiddenLine xmlns="" xmlns:a14="http://schemas.microsoft.com/office/drawing/2010/main" w="9525">
                     <a:solidFill>
                       <a:srgbClr val="000000"/>
                     </a:solidFill>
@@ -10210,7 +9758,7 @@
               </a:ln>
               <a:extLst>
                 <a:ext uri="{91240B29-F687-4f45-9708-019B960494DF}">
-                  <a14:hiddenLine xmlns:a14="http://schemas.microsoft.com/office/drawing/2010/main" xmlns="" w="9525">
+                  <a14:hiddenLine xmlns="" xmlns:a14="http://schemas.microsoft.com/office/drawing/2010/main" w="9525">
                     <a:solidFill>
                       <a:srgbClr val="000000"/>
                     </a:solidFill>
@@ -10272,7 +9820,7 @@
               </a:ln>
               <a:extLst>
                 <a:ext uri="{91240B29-F687-4f45-9708-019B960494DF}">
-                  <a14:hiddenLine xmlns:a14="http://schemas.microsoft.com/office/drawing/2010/main" xmlns="" w="9525">
+                  <a14:hiddenLine xmlns="" xmlns:a14="http://schemas.microsoft.com/office/drawing/2010/main" w="9525">
                     <a:solidFill>
                       <a:srgbClr val="000000"/>
                     </a:solidFill>
@@ -10382,7 +9930,7 @@
               </a:ln>
               <a:extLst>
                 <a:ext uri="{91240B29-F687-4f45-9708-019B960494DF}">
-                  <a14:hiddenLine xmlns:a14="http://schemas.microsoft.com/office/drawing/2010/main" xmlns="" w="9525">
+                  <a14:hiddenLine xmlns="" xmlns:a14="http://schemas.microsoft.com/office/drawing/2010/main" w="9525">
                     <a:solidFill>
                       <a:srgbClr val="000000"/>
                     </a:solidFill>
@@ -10466,7 +10014,7 @@
               </a:ln>
               <a:extLst>
                 <a:ext uri="{91240B29-F687-4f45-9708-019B960494DF}">
-                  <a14:hiddenLine xmlns:a14="http://schemas.microsoft.com/office/drawing/2010/main" xmlns="" w="9525">
+                  <a14:hiddenLine xmlns="" xmlns:a14="http://schemas.microsoft.com/office/drawing/2010/main" w="9525">
                     <a:solidFill>
                       <a:srgbClr val="000000"/>
                     </a:solidFill>
@@ -10528,7 +10076,7 @@
               </a:ln>
               <a:extLst>
                 <a:ext uri="{91240B29-F687-4f45-9708-019B960494DF}">
-                  <a14:hiddenLine xmlns:a14="http://schemas.microsoft.com/office/drawing/2010/main" xmlns="" w="9525">
+                  <a14:hiddenLine xmlns="" xmlns:a14="http://schemas.microsoft.com/office/drawing/2010/main" w="9525">
                     <a:solidFill>
                       <a:srgbClr val="000000"/>
                     </a:solidFill>
@@ -10590,7 +10138,7 @@
               </a:ln>
               <a:extLst>
                 <a:ext uri="{91240B29-F687-4f45-9708-019B960494DF}">
-                  <a14:hiddenLine xmlns:a14="http://schemas.microsoft.com/office/drawing/2010/main" xmlns="" w="9525">
+                  <a14:hiddenLine xmlns="" xmlns:a14="http://schemas.microsoft.com/office/drawing/2010/main" w="9525">
                     <a:solidFill>
                       <a:srgbClr val="000000"/>
                     </a:solidFill>
@@ -10680,7 +10228,7 @@
               </a:ln>
               <a:extLst>
                 <a:ext uri="{91240B29-F687-4f45-9708-019B960494DF}">
-                  <a14:hiddenLine xmlns:a14="http://schemas.microsoft.com/office/drawing/2010/main" xmlns="" w="9525">
+                  <a14:hiddenLine xmlns="" xmlns:a14="http://schemas.microsoft.com/office/drawing/2010/main" w="9525">
                     <a:solidFill>
                       <a:srgbClr val="000000"/>
                     </a:solidFill>
@@ -10714,7 +10262,7 @@
               </a:ln>
               <a:extLst>
                 <a:ext uri="{91240B29-F687-4f45-9708-019B960494DF}">
-                  <a14:hiddenLine xmlns:a14="http://schemas.microsoft.com/office/drawing/2010/main" xmlns="" w="9525">
+                  <a14:hiddenLine xmlns="" xmlns:a14="http://schemas.microsoft.com/office/drawing/2010/main" w="9525">
                     <a:solidFill>
                       <a:srgbClr val="000000"/>
                     </a:solidFill>
@@ -10779,7 +10327,7 @@
               </a:ln>
               <a:extLst>
                 <a:ext uri="{91240B29-F687-4f45-9708-019B960494DF}">
-                  <a14:hiddenLine xmlns:a14="http://schemas.microsoft.com/office/drawing/2010/main" xmlns="" w="9525">
+                  <a14:hiddenLine xmlns="" xmlns:a14="http://schemas.microsoft.com/office/drawing/2010/main" w="9525">
                     <a:solidFill>
                       <a:srgbClr val="000000"/>
                     </a:solidFill>
@@ -10869,7 +10417,7 @@
               </a:ln>
               <a:extLst>
                 <a:ext uri="{91240B29-F687-4f45-9708-019B960494DF}">
-                  <a14:hiddenLine xmlns:a14="http://schemas.microsoft.com/office/drawing/2010/main" xmlns="" w="9525">
+                  <a14:hiddenLine xmlns="" xmlns:a14="http://schemas.microsoft.com/office/drawing/2010/main" w="9525">
                     <a:solidFill>
                       <a:srgbClr val="000000"/>
                     </a:solidFill>
@@ -10931,7 +10479,7 @@
               </a:ln>
               <a:extLst>
                 <a:ext uri="{91240B29-F687-4f45-9708-019B960494DF}">
-                  <a14:hiddenLine xmlns:a14="http://schemas.microsoft.com/office/drawing/2010/main" xmlns="" w="9525">
+                  <a14:hiddenLine xmlns="" xmlns:a14="http://schemas.microsoft.com/office/drawing/2010/main" w="9525">
                     <a:solidFill>
                       <a:srgbClr val="000000"/>
                     </a:solidFill>
@@ -11021,7 +10569,7 @@
               </a:ln>
               <a:extLst>
                 <a:ext uri="{91240B29-F687-4f45-9708-019B960494DF}">
-                  <a14:hiddenLine xmlns:a14="http://schemas.microsoft.com/office/drawing/2010/main" xmlns="" w="9525">
+                  <a14:hiddenLine xmlns="" xmlns:a14="http://schemas.microsoft.com/office/drawing/2010/main" w="9525">
                     <a:solidFill>
                       <a:srgbClr val="000000"/>
                     </a:solidFill>
@@ -11086,7 +10634,7 @@
               </a:ln>
               <a:extLst>
                 <a:ext uri="{91240B29-F687-4f45-9708-019B960494DF}">
-                  <a14:hiddenLine xmlns:a14="http://schemas.microsoft.com/office/drawing/2010/main" xmlns="" w="9525">
+                  <a14:hiddenLine xmlns="" xmlns:a14="http://schemas.microsoft.com/office/drawing/2010/main" w="9525">
                     <a:solidFill>
                       <a:srgbClr val="000000"/>
                     </a:solidFill>
@@ -11148,7 +10696,7 @@
               </a:ln>
               <a:extLst>
                 <a:ext uri="{91240B29-F687-4f45-9708-019B960494DF}">
-                  <a14:hiddenLine xmlns:a14="http://schemas.microsoft.com/office/drawing/2010/main" xmlns="" w="9525">
+                  <a14:hiddenLine xmlns="" xmlns:a14="http://schemas.microsoft.com/office/drawing/2010/main" w="9525">
                     <a:solidFill>
                       <a:srgbClr val="000000"/>
                     </a:solidFill>
@@ -11238,7 +10786,7 @@
               </a:ln>
               <a:extLst>
                 <a:ext uri="{91240B29-F687-4f45-9708-019B960494DF}">
-                  <a14:hiddenLine xmlns:a14="http://schemas.microsoft.com/office/drawing/2010/main" xmlns="" w="9525">
+                  <a14:hiddenLine xmlns="" xmlns:a14="http://schemas.microsoft.com/office/drawing/2010/main" w="9525">
                     <a:solidFill>
                       <a:srgbClr val="000000"/>
                     </a:solidFill>
@@ -11328,7 +10876,7 @@
               </a:ln>
               <a:extLst>
                 <a:ext uri="{91240B29-F687-4f45-9708-019B960494DF}">
-                  <a14:hiddenLine xmlns:a14="http://schemas.microsoft.com/office/drawing/2010/main" xmlns="" w="9525">
+                  <a14:hiddenLine xmlns="" xmlns:a14="http://schemas.microsoft.com/office/drawing/2010/main" w="9525">
                     <a:solidFill>
                       <a:srgbClr val="000000"/>
                     </a:solidFill>
@@ -11393,7 +10941,7 @@
               </a:ln>
               <a:extLst>
                 <a:ext uri="{91240B29-F687-4f45-9708-019B960494DF}">
-                  <a14:hiddenLine xmlns:a14="http://schemas.microsoft.com/office/drawing/2010/main" xmlns="" w="9525">
+                  <a14:hiddenLine xmlns="" xmlns:a14="http://schemas.microsoft.com/office/drawing/2010/main" w="9525">
                     <a:solidFill>
                       <a:srgbClr val="000000"/>
                     </a:solidFill>
@@ -11513,7 +11061,7 @@
               </a:ln>
               <a:extLst>
                 <a:ext uri="{91240B29-F687-4f45-9708-019B960494DF}">
-                  <a14:hiddenLine xmlns:a14="http://schemas.microsoft.com/office/drawing/2010/main" xmlns="" w="9525">
+                  <a14:hiddenLine xmlns="" xmlns:a14="http://schemas.microsoft.com/office/drawing/2010/main" w="9525">
                     <a:solidFill>
                       <a:srgbClr val="000000"/>
                     </a:solidFill>
@@ -11594,7 +11142,7 @@
               </a:ln>
               <a:extLst>
                 <a:ext uri="{91240B29-F687-4f45-9708-019B960494DF}">
-                  <a14:hiddenLine xmlns:a14="http://schemas.microsoft.com/office/drawing/2010/main" xmlns="" w="9525">
+                  <a14:hiddenLine xmlns="" xmlns:a14="http://schemas.microsoft.com/office/drawing/2010/main" w="9525">
                     <a:solidFill>
                       <a:srgbClr val="000000"/>
                     </a:solidFill>
@@ -11709,7 +11257,7 @@
               </a:ln>
               <a:extLst>
                 <a:ext uri="{91240B29-F687-4f45-9708-019B960494DF}">
-                  <a14:hiddenLine xmlns:a14="http://schemas.microsoft.com/office/drawing/2010/main" xmlns="" w="9525">
+                  <a14:hiddenLine xmlns="" xmlns:a14="http://schemas.microsoft.com/office/drawing/2010/main" w="9525">
                     <a:solidFill>
                       <a:srgbClr val="000000"/>
                     </a:solidFill>
@@ -11799,7 +11347,7 @@
               </a:ln>
               <a:extLst>
                 <a:ext uri="{91240B29-F687-4f45-9708-019B960494DF}">
-                  <a14:hiddenLine xmlns:a14="http://schemas.microsoft.com/office/drawing/2010/main" xmlns="" w="9525">
+                  <a14:hiddenLine xmlns="" xmlns:a14="http://schemas.microsoft.com/office/drawing/2010/main" w="9525">
                     <a:solidFill>
                       <a:srgbClr val="000000"/>
                     </a:solidFill>
@@ -11864,7 +11412,7 @@
               </a:ln>
               <a:extLst>
                 <a:ext uri="{91240B29-F687-4f45-9708-019B960494DF}">
-                  <a14:hiddenLine xmlns:a14="http://schemas.microsoft.com/office/drawing/2010/main" xmlns="" w="9525">
+                  <a14:hiddenLine xmlns="" xmlns:a14="http://schemas.microsoft.com/office/drawing/2010/main" w="9525">
                     <a:solidFill>
                       <a:srgbClr val="000000"/>
                     </a:solidFill>
@@ -11954,7 +11502,7 @@
               </a:ln>
               <a:extLst>
                 <a:ext uri="{91240B29-F687-4f45-9708-019B960494DF}">
-                  <a14:hiddenLine xmlns:a14="http://schemas.microsoft.com/office/drawing/2010/main" xmlns="" w="9525">
+                  <a14:hiddenLine xmlns="" xmlns:a14="http://schemas.microsoft.com/office/drawing/2010/main" w="9525">
                     <a:solidFill>
                       <a:srgbClr val="000000"/>
                     </a:solidFill>
@@ -12022,7 +11570,7 @@
               </a:ln>
               <a:extLst>
                 <a:ext uri="{91240B29-F687-4f45-9708-019B960494DF}">
-                  <a14:hiddenLine xmlns:a14="http://schemas.microsoft.com/office/drawing/2010/main" xmlns="" w="9525">
+                  <a14:hiddenLine xmlns="" xmlns:a14="http://schemas.microsoft.com/office/drawing/2010/main" w="9525">
                     <a:solidFill>
                       <a:srgbClr val="000000"/>
                     </a:solidFill>
@@ -12112,7 +11660,7 @@
               </a:ln>
               <a:extLst>
                 <a:ext uri="{91240B29-F687-4f45-9708-019B960494DF}">
-                  <a14:hiddenLine xmlns:a14="http://schemas.microsoft.com/office/drawing/2010/main" xmlns="" w="9525">
+                  <a14:hiddenLine xmlns="" xmlns:a14="http://schemas.microsoft.com/office/drawing/2010/main" w="9525">
                     <a:solidFill>
                       <a:srgbClr val="000000"/>
                     </a:solidFill>
@@ -12180,7 +11728,7 @@
               </a:ln>
               <a:extLst>
                 <a:ext uri="{91240B29-F687-4f45-9708-019B960494DF}">
-                  <a14:hiddenLine xmlns:a14="http://schemas.microsoft.com/office/drawing/2010/main" xmlns="" w="9525">
+                  <a14:hiddenLine xmlns="" xmlns:a14="http://schemas.microsoft.com/office/drawing/2010/main" w="9525">
                     <a:solidFill>
                       <a:srgbClr val="000000"/>
                     </a:solidFill>
@@ -12270,7 +11818,7 @@
               </a:ln>
               <a:extLst>
                 <a:ext uri="{91240B29-F687-4f45-9708-019B960494DF}">
-                  <a14:hiddenLine xmlns:a14="http://schemas.microsoft.com/office/drawing/2010/main" xmlns="" w="9525">
+                  <a14:hiddenLine xmlns="" xmlns:a14="http://schemas.microsoft.com/office/drawing/2010/main" w="9525">
                     <a:solidFill>
                       <a:srgbClr val="000000"/>
                     </a:solidFill>
@@ -12304,7 +11852,7 @@
               </a:ln>
               <a:extLst>
                 <a:ext uri="{91240B29-F687-4f45-9708-019B960494DF}">
-                  <a14:hiddenLine xmlns:a14="http://schemas.microsoft.com/office/drawing/2010/main" xmlns="" w="9525">
+                  <a14:hiddenLine xmlns="" xmlns:a14="http://schemas.microsoft.com/office/drawing/2010/main" w="9525">
                     <a:solidFill>
                       <a:srgbClr val="000000"/>
                     </a:solidFill>
@@ -12445,7 +11993,7 @@
             <a:fld id="{48A87A34-81AB-432B-8DAE-1953F412C126}" type="datetimeFigureOut">
               <a:rPr lang="en-US" dirty="0"/>
               <a:pPr/>
-              <a:t>5/16/2018</a:t>
+              <a:t>5/17/2018</a:t>
             </a:fld>
             <a:endParaRPr lang="en-US" dirty="0"/>
           </a:p>
@@ -12866,86 +12414,6 @@
           <p:cNvPr id="2" name="Titel 1">
             <a:extLst>
               <a:ext uri="{FF2B5EF4-FFF2-40B4-BE49-F238E27FC236}">
-                <a16:creationId xmlns:a16="http://schemas.microsoft.com/office/drawing/2014/main" id="{A059D6B3-DD68-4908-BB04-537878DE6514}"/>
-              </a:ext>
-            </a:extLst>
-          </p:cNvPr>
-          <p:cNvSpPr>
-            <a:spLocks noGrp="1"/>
-          </p:cNvSpPr>
-          <p:nvPr>
-            <p:ph type="ctrTitle"/>
-          </p:nvPr>
-        </p:nvSpPr>
-        <p:spPr/>
-        <p:txBody>
-          <a:bodyPr/>
-          <a:lstStyle/>
-          <a:p>
-            <a:endParaRPr lang="da-DK"/>
-          </a:p>
-        </p:txBody>
-      </p:sp>
-      <p:sp>
-        <p:nvSpPr>
-          <p:cNvPr id="3" name="Undertitel 2">
-            <a:extLst>
-              <a:ext uri="{FF2B5EF4-FFF2-40B4-BE49-F238E27FC236}">
-                <a16:creationId xmlns:a16="http://schemas.microsoft.com/office/drawing/2014/main" id="{C26D7E66-7817-4152-86EB-2818A1F679BD}"/>
-              </a:ext>
-            </a:extLst>
-          </p:cNvPr>
-          <p:cNvSpPr>
-            <a:spLocks noGrp="1"/>
-          </p:cNvSpPr>
-          <p:nvPr>
-            <p:ph type="subTitle" idx="1"/>
-          </p:nvPr>
-        </p:nvSpPr>
-        <p:spPr/>
-        <p:txBody>
-          <a:bodyPr/>
-          <a:lstStyle/>
-          <a:p>
-            <a:endParaRPr lang="da-DK"/>
-          </a:p>
-        </p:txBody>
-      </p:sp>
-    </p:spTree>
-    <p:extLst>
-      <p:ext uri="{BB962C8B-B14F-4D97-AF65-F5344CB8AC3E}">
-        <p14:creationId xmlns:p14="http://schemas.microsoft.com/office/powerpoint/2010/main" val="3471746698"/>
-      </p:ext>
-    </p:extLst>
-  </p:cSld>
-  <p:clrMapOvr>
-    <a:masterClrMapping/>
-  </p:clrMapOvr>
-</p:sld>
-</file>
-
-<file path=ppt/slides/slide2.xml><?xml version="1.0" encoding="utf-8"?>
-<p:sld xmlns:a="http://schemas.openxmlformats.org/drawingml/2006/main" xmlns:r="http://schemas.openxmlformats.org/officeDocument/2006/relationships" xmlns:p="http://schemas.openxmlformats.org/presentationml/2006/main">
-  <p:cSld>
-    <p:spTree>
-      <p:nvGrpSpPr>
-        <p:cNvPr id="1" name=""/>
-        <p:cNvGrpSpPr/>
-        <p:nvPr/>
-      </p:nvGrpSpPr>
-      <p:grpSpPr>
-        <a:xfrm>
-          <a:off x="0" y="0"/>
-          <a:ext cx="0" cy="0"/>
-          <a:chOff x="0" y="0"/>
-          <a:chExt cx="0" cy="0"/>
-        </a:xfrm>
-      </p:grpSpPr>
-      <p:sp>
-        <p:nvSpPr>
-          <p:cNvPr id="2" name="Titel 1">
-            <a:extLst>
-              <a:ext uri="{FF2B5EF4-FFF2-40B4-BE49-F238E27FC236}">
                 <a16:creationId xmlns:a16="http://schemas.microsoft.com/office/drawing/2014/main" id="{D4DD1BEC-C3CB-456E-B6AC-4FDF4A2D2603}"/>
               </a:ext>
             </a:extLst>
@@ -13017,7 +12485,7 @@
 </p:sld>
 </file>
 
-<file path=ppt/slides/slide3.xml><?xml version="1.0" encoding="utf-8"?>
+<file path=ppt/slides/slide2.xml><?xml version="1.0" encoding="utf-8"?>
 <p:sld xmlns:a="http://schemas.openxmlformats.org/drawingml/2006/main" xmlns:r="http://schemas.openxmlformats.org/officeDocument/2006/relationships" xmlns:p="http://schemas.openxmlformats.org/presentationml/2006/main">
   <p:cSld>
     <p:spTree>
@@ -13050,40 +12518,27 @@
             <p:ph type="title"/>
           </p:nvPr>
         </p:nvSpPr>
-        <p:spPr/>
+        <p:spPr>
+          <a:xfrm>
+            <a:off x="8915400" y="1950430"/>
+            <a:ext cx="2762250" cy="1478570"/>
+          </a:xfrm>
+        </p:spPr>
         <p:txBody>
           <a:bodyPr/>
           <a:lstStyle/>
           <a:p>
             <a:r>
               <a:rPr lang="da-DK" dirty="0"/>
-              <a:t>aktivitetsdiagram</a:t>
+              <a:t>Aktivitets-</a:t>
             </a:r>
-          </a:p>
-        </p:txBody>
-      </p:sp>
-      <p:sp>
-        <p:nvSpPr>
-          <p:cNvPr id="3" name="Pladsholder til lodret titel 2">
-            <a:extLst>
-              <a:ext uri="{FF2B5EF4-FFF2-40B4-BE49-F238E27FC236}">
-                <a16:creationId xmlns:a16="http://schemas.microsoft.com/office/drawing/2014/main" id="{D557E203-79F8-4145-B653-8FF850EDD5ED}"/>
-              </a:ext>
-            </a:extLst>
-          </p:cNvPr>
-          <p:cNvSpPr>
-            <a:spLocks noGrp="1"/>
-          </p:cNvSpPr>
-          <p:nvPr>
-            <p:ph type="body" orient="vert" idx="1"/>
-          </p:nvPr>
-        </p:nvSpPr>
-        <p:spPr/>
-        <p:txBody>
-          <a:bodyPr/>
-          <a:lstStyle/>
-          <a:p>
-            <a:endParaRPr lang="da-DK" dirty="0"/>
+            <a:br>
+              <a:rPr lang="da-DK" dirty="0"/>
+            </a:br>
+            <a:r>
+              <a:rPr lang="da-DK" dirty="0"/>
+              <a:t>diagram</a:t>
+            </a:r>
           </a:p>
         </p:txBody>
       </p:sp>
@@ -13109,8 +12564,8 @@
         </p:blipFill>
         <p:spPr>
           <a:xfrm>
-            <a:off x="5657671" y="1210052"/>
-            <a:ext cx="5389740" cy="4437896"/>
+            <a:off x="0" y="0"/>
+            <a:ext cx="8328910" cy="6858000"/>
           </a:xfrm>
           <a:prstGeom prst="rect">
             <a:avLst/>
@@ -13130,7 +12585,7 @@
 </p:sld>
 </file>
 
-<file path=ppt/slides/slide4.xml><?xml version="1.0" encoding="utf-8"?>
+<file path=ppt/slides/slide3.xml><?xml version="1.0" encoding="utf-8"?>
 <p:sld xmlns:a="http://schemas.openxmlformats.org/drawingml/2006/main" xmlns:r="http://schemas.openxmlformats.org/officeDocument/2006/relationships" xmlns:p="http://schemas.openxmlformats.org/presentationml/2006/main">
   <p:cSld>
     <p:spTree>
@@ -13228,10 +12683,10 @@
       </p:sp>
       <p:pic>
         <p:nvPicPr>
-          <p:cNvPr id="5" name="Billede 4">
+          <p:cNvPr id="6" name="Billede 5">
             <a:extLst>
               <a:ext uri="{FF2B5EF4-FFF2-40B4-BE49-F238E27FC236}">
-                <a16:creationId xmlns:a16="http://schemas.microsoft.com/office/drawing/2014/main" id="{97D4BFFD-9AD3-439F-A0B7-C857FE8CAE8E}"/>
+                <a16:creationId xmlns:a16="http://schemas.microsoft.com/office/drawing/2014/main" id="{E0C06ABE-6E07-47E8-B19F-72FB41F350D7}"/>
               </a:ext>
             </a:extLst>
           </p:cNvPr>
@@ -13248,8 +12703,8 @@
         </p:blipFill>
         <p:spPr>
           <a:xfrm>
-            <a:off x="0" y="0"/>
-            <a:ext cx="8969829" cy="6879192"/>
+            <a:off x="0" y="-17536"/>
+            <a:ext cx="8965062" cy="6875536"/>
           </a:xfrm>
           <a:prstGeom prst="rect">
             <a:avLst/>
@@ -13269,7 +12724,7 @@
 </p:sld>
 </file>
 
-<file path=ppt/slides/slide5.xml><?xml version="1.0" encoding="utf-8"?>
+<file path=ppt/slides/slide4.xml><?xml version="1.0" encoding="utf-8"?>
 <p:sld xmlns:a="http://schemas.openxmlformats.org/drawingml/2006/main" xmlns:r="http://schemas.openxmlformats.org/officeDocument/2006/relationships" xmlns:p="http://schemas.openxmlformats.org/presentationml/2006/main">
   <p:cSld>
     <p:bg>
@@ -13366,7 +12821,7 @@
           <a:noFill/>
           <a:extLst>
             <a:ext uri="{909E8E84-426E-40dd-AFC4-6F175D3DCCD1}">
-              <a14:hiddenFill xmlns="" xmlns:p14="http://schemas.microsoft.com/office/powerpoint/2010/main" xmlns:a14="http://schemas.microsoft.com/office/drawing/2010/main">
+              <a14:hiddenFill xmlns:a14="http://schemas.microsoft.com/office/drawing/2010/main" xmlns:p14="http://schemas.microsoft.com/office/powerpoint/2010/main" xmlns="">
                 <a:solidFill>
                   <a:srgbClr val="FFFFFF"/>
                 </a:solidFill>
@@ -13487,7 +12942,7 @@
               </a:ln>
               <a:extLst>
                 <a:ext uri="{91240B29-F687-4f45-9708-019B960494DF}">
-                  <a14:hiddenLine xmlns="" xmlns:p14="http://schemas.microsoft.com/office/powerpoint/2010/main" xmlns:a14="http://schemas.microsoft.com/office/drawing/2010/main" w="9525">
+                  <a14:hiddenLine xmlns:a14="http://schemas.microsoft.com/office/drawing/2010/main" xmlns:p14="http://schemas.microsoft.com/office/powerpoint/2010/main" xmlns="" w="9525">
                     <a:solidFill>
                       <a:srgbClr val="000000"/>
                     </a:solidFill>
@@ -13592,7 +13047,7 @@
               </a:ln>
               <a:extLst>
                 <a:ext uri="{91240B29-F687-4f45-9708-019B960494DF}">
-                  <a14:hiddenLine xmlns="" xmlns:p14="http://schemas.microsoft.com/office/powerpoint/2010/main" xmlns:a14="http://schemas.microsoft.com/office/drawing/2010/main" w="9525">
+                  <a14:hiddenLine xmlns:a14="http://schemas.microsoft.com/office/drawing/2010/main" xmlns:p14="http://schemas.microsoft.com/office/powerpoint/2010/main" xmlns="" w="9525">
                     <a:solidFill>
                       <a:srgbClr val="000000"/>
                     </a:solidFill>
@@ -13697,7 +13152,7 @@
               </a:ln>
               <a:extLst>
                 <a:ext uri="{91240B29-F687-4f45-9708-019B960494DF}">
-                  <a14:hiddenLine xmlns="" xmlns:p14="http://schemas.microsoft.com/office/powerpoint/2010/main" xmlns:a14="http://schemas.microsoft.com/office/drawing/2010/main" w="9525">
+                  <a14:hiddenLine xmlns:a14="http://schemas.microsoft.com/office/drawing/2010/main" xmlns:p14="http://schemas.microsoft.com/office/powerpoint/2010/main" xmlns="" w="9525">
                     <a:solidFill>
                       <a:srgbClr val="000000"/>
                     </a:solidFill>
@@ -13774,7 +13229,7 @@
               </a:ln>
               <a:extLst>
                 <a:ext uri="{91240B29-F687-4f45-9708-019B960494DF}">
-                  <a14:hiddenLine xmlns="" xmlns:p14="http://schemas.microsoft.com/office/powerpoint/2010/main" xmlns:a14="http://schemas.microsoft.com/office/drawing/2010/main" w="9525">
+                  <a14:hiddenLine xmlns:a14="http://schemas.microsoft.com/office/drawing/2010/main" xmlns:p14="http://schemas.microsoft.com/office/powerpoint/2010/main" xmlns="" w="9525">
                     <a:solidFill>
                       <a:srgbClr val="000000"/>
                     </a:solidFill>
@@ -13879,7 +13334,7 @@
               </a:ln>
               <a:extLst>
                 <a:ext uri="{91240B29-F687-4f45-9708-019B960494DF}">
-                  <a14:hiddenLine xmlns="" xmlns:p14="http://schemas.microsoft.com/office/powerpoint/2010/main" xmlns:a14="http://schemas.microsoft.com/office/drawing/2010/main" w="9525">
+                  <a14:hiddenLine xmlns:a14="http://schemas.microsoft.com/office/drawing/2010/main" xmlns:p14="http://schemas.microsoft.com/office/powerpoint/2010/main" xmlns="" w="9525">
                     <a:solidFill>
                       <a:srgbClr val="000000"/>
                     </a:solidFill>
@@ -13956,7 +13411,7 @@
               </a:ln>
               <a:extLst>
                 <a:ext uri="{91240B29-F687-4f45-9708-019B960494DF}">
-                  <a14:hiddenLine xmlns="" xmlns:p14="http://schemas.microsoft.com/office/powerpoint/2010/main" xmlns:a14="http://schemas.microsoft.com/office/drawing/2010/main" w="9525">
+                  <a14:hiddenLine xmlns:a14="http://schemas.microsoft.com/office/drawing/2010/main" xmlns:p14="http://schemas.microsoft.com/office/powerpoint/2010/main" xmlns="" w="9525">
                     <a:solidFill>
                       <a:srgbClr val="000000"/>
                     </a:solidFill>
@@ -14033,7 +13488,7 @@
               </a:ln>
               <a:extLst>
                 <a:ext uri="{91240B29-F687-4f45-9708-019B960494DF}">
-                  <a14:hiddenLine xmlns="" xmlns:p14="http://schemas.microsoft.com/office/powerpoint/2010/main" xmlns:a14="http://schemas.microsoft.com/office/drawing/2010/main" w="9525">
+                  <a14:hiddenLine xmlns:a14="http://schemas.microsoft.com/office/drawing/2010/main" xmlns:p14="http://schemas.microsoft.com/office/powerpoint/2010/main" xmlns="" w="9525">
                     <a:solidFill>
                       <a:srgbClr val="000000"/>
                     </a:solidFill>
@@ -14138,7 +13593,7 @@
               </a:ln>
               <a:extLst>
                 <a:ext uri="{91240B29-F687-4f45-9708-019B960494DF}">
-                  <a14:hiddenLine xmlns="" xmlns:p14="http://schemas.microsoft.com/office/powerpoint/2010/main" xmlns:a14="http://schemas.microsoft.com/office/drawing/2010/main" w="9525">
+                  <a14:hiddenLine xmlns:a14="http://schemas.microsoft.com/office/drawing/2010/main" xmlns:p14="http://schemas.microsoft.com/office/powerpoint/2010/main" xmlns="" w="9525">
                     <a:solidFill>
                       <a:srgbClr val="000000"/>
                     </a:solidFill>
@@ -14243,7 +13698,7 @@
               </a:ln>
               <a:extLst>
                 <a:ext uri="{91240B29-F687-4f45-9708-019B960494DF}">
-                  <a14:hiddenLine xmlns="" xmlns:p14="http://schemas.microsoft.com/office/powerpoint/2010/main" xmlns:a14="http://schemas.microsoft.com/office/drawing/2010/main" w="9525">
+                  <a14:hiddenLine xmlns:a14="http://schemas.microsoft.com/office/drawing/2010/main" xmlns:p14="http://schemas.microsoft.com/office/powerpoint/2010/main" xmlns="" w="9525">
                     <a:solidFill>
                       <a:srgbClr val="000000"/>
                     </a:solidFill>
@@ -14320,7 +13775,7 @@
               </a:ln>
               <a:extLst>
                 <a:ext uri="{91240B29-F687-4f45-9708-019B960494DF}">
-                  <a14:hiddenLine xmlns="" xmlns:p14="http://schemas.microsoft.com/office/powerpoint/2010/main" xmlns:a14="http://schemas.microsoft.com/office/drawing/2010/main" w="9525">
+                  <a14:hiddenLine xmlns:a14="http://schemas.microsoft.com/office/drawing/2010/main" xmlns:p14="http://schemas.microsoft.com/office/powerpoint/2010/main" xmlns="" w="9525">
                     <a:solidFill>
                       <a:srgbClr val="000000"/>
                     </a:solidFill>
@@ -14445,7 +13900,7 @@
               </a:ln>
               <a:extLst>
                 <a:ext uri="{91240B29-F687-4f45-9708-019B960494DF}">
-                  <a14:hiddenLine xmlns="" xmlns:p14="http://schemas.microsoft.com/office/powerpoint/2010/main" xmlns:a14="http://schemas.microsoft.com/office/drawing/2010/main" w="9525">
+                  <a14:hiddenLine xmlns:a14="http://schemas.microsoft.com/office/drawing/2010/main" xmlns:p14="http://schemas.microsoft.com/office/powerpoint/2010/main" xmlns="" w="9525">
                     <a:solidFill>
                       <a:srgbClr val="000000"/>
                     </a:solidFill>
@@ -14559,7 +14014,7 @@
               </a:ln>
               <a:extLst>
                 <a:ext uri="{91240B29-F687-4f45-9708-019B960494DF}">
-                  <a14:hiddenLine xmlns="" xmlns:p14="http://schemas.microsoft.com/office/powerpoint/2010/main" xmlns:a14="http://schemas.microsoft.com/office/drawing/2010/main" w="9525">
+                  <a14:hiddenLine xmlns:a14="http://schemas.microsoft.com/office/drawing/2010/main" xmlns:p14="http://schemas.microsoft.com/office/powerpoint/2010/main" xmlns="" w="9525">
                     <a:solidFill>
                       <a:srgbClr val="000000"/>
                     </a:solidFill>
@@ -14636,7 +14091,7 @@
               </a:ln>
               <a:extLst>
                 <a:ext uri="{91240B29-F687-4f45-9708-019B960494DF}">
-                  <a14:hiddenLine xmlns="" xmlns:p14="http://schemas.microsoft.com/office/powerpoint/2010/main" xmlns:a14="http://schemas.microsoft.com/office/drawing/2010/main" w="9525">
+                  <a14:hiddenLine xmlns:a14="http://schemas.microsoft.com/office/drawing/2010/main" xmlns:p14="http://schemas.microsoft.com/office/powerpoint/2010/main" xmlns="" w="9525">
                     <a:solidFill>
                       <a:srgbClr val="000000"/>
                     </a:solidFill>
@@ -14713,7 +14168,7 @@
               </a:ln>
               <a:extLst>
                 <a:ext uri="{91240B29-F687-4f45-9708-019B960494DF}">
-                  <a14:hiddenLine xmlns="" xmlns:p14="http://schemas.microsoft.com/office/powerpoint/2010/main" xmlns:a14="http://schemas.microsoft.com/office/drawing/2010/main" w="9525">
+                  <a14:hiddenLine xmlns:a14="http://schemas.microsoft.com/office/drawing/2010/main" xmlns:p14="http://schemas.microsoft.com/office/powerpoint/2010/main" xmlns="" w="9525">
                     <a:solidFill>
                       <a:srgbClr val="000000"/>
                     </a:solidFill>
@@ -14818,7 +14273,7 @@
               </a:ln>
               <a:extLst>
                 <a:ext uri="{91240B29-F687-4f45-9708-019B960494DF}">
-                  <a14:hiddenLine xmlns="" xmlns:p14="http://schemas.microsoft.com/office/powerpoint/2010/main" xmlns:a14="http://schemas.microsoft.com/office/drawing/2010/main" w="9525">
+                  <a14:hiddenLine xmlns:a14="http://schemas.microsoft.com/office/drawing/2010/main" xmlns:p14="http://schemas.microsoft.com/office/powerpoint/2010/main" xmlns="" w="9525">
                     <a:solidFill>
                       <a:srgbClr val="000000"/>
                     </a:solidFill>
@@ -14867,7 +14322,7 @@
               </a:ln>
               <a:extLst>
                 <a:ext uri="{91240B29-F687-4f45-9708-019B960494DF}">
-                  <a14:hiddenLine xmlns="" xmlns:p14="http://schemas.microsoft.com/office/powerpoint/2010/main" xmlns:a14="http://schemas.microsoft.com/office/drawing/2010/main" w="9525">
+                  <a14:hiddenLine xmlns:a14="http://schemas.microsoft.com/office/drawing/2010/main" xmlns:p14="http://schemas.microsoft.com/office/powerpoint/2010/main" xmlns="" w="9525">
                     <a:solidFill>
                       <a:srgbClr val="000000"/>
                     </a:solidFill>
@@ -14947,7 +14402,7 @@
               </a:ln>
               <a:extLst>
                 <a:ext uri="{91240B29-F687-4f45-9708-019B960494DF}">
-                  <a14:hiddenLine xmlns="" xmlns:p14="http://schemas.microsoft.com/office/powerpoint/2010/main" xmlns:a14="http://schemas.microsoft.com/office/drawing/2010/main" w="9525">
+                  <a14:hiddenLine xmlns:a14="http://schemas.microsoft.com/office/drawing/2010/main" xmlns:p14="http://schemas.microsoft.com/office/powerpoint/2010/main" xmlns="" w="9525">
                     <a:solidFill>
                       <a:srgbClr val="000000"/>
                     </a:solidFill>
@@ -15052,7 +14507,7 @@
               </a:ln>
               <a:extLst>
                 <a:ext uri="{91240B29-F687-4f45-9708-019B960494DF}">
-                  <a14:hiddenLine xmlns="" xmlns:p14="http://schemas.microsoft.com/office/powerpoint/2010/main" xmlns:a14="http://schemas.microsoft.com/office/drawing/2010/main" w="9525">
+                  <a14:hiddenLine xmlns:a14="http://schemas.microsoft.com/office/drawing/2010/main" xmlns:p14="http://schemas.microsoft.com/office/powerpoint/2010/main" xmlns="" w="9525">
                     <a:solidFill>
                       <a:srgbClr val="000000"/>
                     </a:solidFill>
@@ -15129,7 +14584,7 @@
               </a:ln>
               <a:extLst>
                 <a:ext uri="{91240B29-F687-4f45-9708-019B960494DF}">
-                  <a14:hiddenLine xmlns="" xmlns:p14="http://schemas.microsoft.com/office/powerpoint/2010/main" xmlns:a14="http://schemas.microsoft.com/office/drawing/2010/main" w="9525">
+                  <a14:hiddenLine xmlns:a14="http://schemas.microsoft.com/office/drawing/2010/main" xmlns:p14="http://schemas.microsoft.com/office/powerpoint/2010/main" xmlns="" w="9525">
                     <a:solidFill>
                       <a:srgbClr val="000000"/>
                     </a:solidFill>
@@ -15234,7 +14689,7 @@
               </a:ln>
               <a:extLst>
                 <a:ext uri="{91240B29-F687-4f45-9708-019B960494DF}">
-                  <a14:hiddenLine xmlns="" xmlns:p14="http://schemas.microsoft.com/office/powerpoint/2010/main" xmlns:a14="http://schemas.microsoft.com/office/drawing/2010/main" w="9525">
+                  <a14:hiddenLine xmlns:a14="http://schemas.microsoft.com/office/drawing/2010/main" xmlns:p14="http://schemas.microsoft.com/office/powerpoint/2010/main" xmlns="" w="9525">
                     <a:solidFill>
                       <a:srgbClr val="000000"/>
                     </a:solidFill>
@@ -15314,7 +14769,7 @@
               </a:ln>
               <a:extLst>
                 <a:ext uri="{91240B29-F687-4f45-9708-019B960494DF}">
-                  <a14:hiddenLine xmlns="" xmlns:p14="http://schemas.microsoft.com/office/powerpoint/2010/main" xmlns:a14="http://schemas.microsoft.com/office/drawing/2010/main" w="9525">
+                  <a14:hiddenLine xmlns:a14="http://schemas.microsoft.com/office/drawing/2010/main" xmlns:p14="http://schemas.microsoft.com/office/powerpoint/2010/main" xmlns="" w="9525">
                     <a:solidFill>
                       <a:srgbClr val="000000"/>
                     </a:solidFill>
@@ -15391,7 +14846,7 @@
               </a:ln>
               <a:extLst>
                 <a:ext uri="{91240B29-F687-4f45-9708-019B960494DF}">
-                  <a14:hiddenLine xmlns="" xmlns:p14="http://schemas.microsoft.com/office/powerpoint/2010/main" xmlns:a14="http://schemas.microsoft.com/office/drawing/2010/main" w="9525">
+                  <a14:hiddenLine xmlns:a14="http://schemas.microsoft.com/office/drawing/2010/main" xmlns:p14="http://schemas.microsoft.com/office/powerpoint/2010/main" xmlns="" w="9525">
                     <a:solidFill>
                       <a:srgbClr val="000000"/>
                     </a:solidFill>
@@ -15496,7 +14951,7 @@
               </a:ln>
               <a:extLst>
                 <a:ext uri="{91240B29-F687-4f45-9708-019B960494DF}">
-                  <a14:hiddenLine xmlns="" xmlns:p14="http://schemas.microsoft.com/office/powerpoint/2010/main" xmlns:a14="http://schemas.microsoft.com/office/drawing/2010/main" w="9525">
+                  <a14:hiddenLine xmlns:a14="http://schemas.microsoft.com/office/drawing/2010/main" xmlns:p14="http://schemas.microsoft.com/office/powerpoint/2010/main" xmlns="" w="9525">
                     <a:solidFill>
                       <a:srgbClr val="000000"/>
                     </a:solidFill>
@@ -15601,7 +15056,7 @@
               </a:ln>
               <a:extLst>
                 <a:ext uri="{91240B29-F687-4f45-9708-019B960494DF}">
-                  <a14:hiddenLine xmlns="" xmlns:p14="http://schemas.microsoft.com/office/powerpoint/2010/main" xmlns:a14="http://schemas.microsoft.com/office/drawing/2010/main" w="9525">
+                  <a14:hiddenLine xmlns:a14="http://schemas.microsoft.com/office/drawing/2010/main" xmlns:p14="http://schemas.microsoft.com/office/powerpoint/2010/main" xmlns="" w="9525">
                     <a:solidFill>
                       <a:srgbClr val="000000"/>
                     </a:solidFill>
@@ -15681,7 +15136,7 @@
               </a:ln>
               <a:extLst>
                 <a:ext uri="{91240B29-F687-4f45-9708-019B960494DF}">
-                  <a14:hiddenLine xmlns="" xmlns:p14="http://schemas.microsoft.com/office/powerpoint/2010/main" xmlns:a14="http://schemas.microsoft.com/office/drawing/2010/main" w="9525">
+                  <a14:hiddenLine xmlns:a14="http://schemas.microsoft.com/office/drawing/2010/main" xmlns:p14="http://schemas.microsoft.com/office/powerpoint/2010/main" xmlns="" w="9525">
                     <a:solidFill>
                       <a:srgbClr val="000000"/>
                     </a:solidFill>
@@ -15816,7 +15271,7 @@
               </a:ln>
               <a:extLst>
                 <a:ext uri="{91240B29-F687-4f45-9708-019B960494DF}">
-                  <a14:hiddenLine xmlns="" xmlns:p14="http://schemas.microsoft.com/office/powerpoint/2010/main" xmlns:a14="http://schemas.microsoft.com/office/drawing/2010/main" w="9525">
+                  <a14:hiddenLine xmlns:a14="http://schemas.microsoft.com/office/drawing/2010/main" xmlns:p14="http://schemas.microsoft.com/office/powerpoint/2010/main" xmlns="" w="9525">
                     <a:solidFill>
                       <a:srgbClr val="000000"/>
                     </a:solidFill>
@@ -15927,7 +15382,7 @@
               </a:ln>
               <a:extLst>
                 <a:ext uri="{91240B29-F687-4f45-9708-019B960494DF}">
-                  <a14:hiddenLine xmlns="" xmlns:p14="http://schemas.microsoft.com/office/powerpoint/2010/main" xmlns:a14="http://schemas.microsoft.com/office/drawing/2010/main" w="9525">
+                  <a14:hiddenLine xmlns:a14="http://schemas.microsoft.com/office/drawing/2010/main" xmlns:p14="http://schemas.microsoft.com/office/powerpoint/2010/main" xmlns="" w="9525">
                     <a:solidFill>
                       <a:srgbClr val="000000"/>
                     </a:solidFill>
@@ -16057,7 +15512,7 @@
               </a:ln>
               <a:extLst>
                 <a:ext uri="{91240B29-F687-4f45-9708-019B960494DF}">
-                  <a14:hiddenLine xmlns="" xmlns:p14="http://schemas.microsoft.com/office/powerpoint/2010/main" xmlns:a14="http://schemas.microsoft.com/office/drawing/2010/main" w="9525">
+                  <a14:hiddenLine xmlns:a14="http://schemas.microsoft.com/office/drawing/2010/main" xmlns:p14="http://schemas.microsoft.com/office/powerpoint/2010/main" xmlns="" w="9525">
                     <a:solidFill>
                       <a:srgbClr val="000000"/>
                     </a:solidFill>
@@ -16162,7 +15617,7 @@
               </a:ln>
               <a:extLst>
                 <a:ext uri="{91240B29-F687-4f45-9708-019B960494DF}">
-                  <a14:hiddenLine xmlns="" xmlns:p14="http://schemas.microsoft.com/office/powerpoint/2010/main" xmlns:a14="http://schemas.microsoft.com/office/drawing/2010/main" w="9525">
+                  <a14:hiddenLine xmlns:a14="http://schemas.microsoft.com/office/drawing/2010/main" xmlns:p14="http://schemas.microsoft.com/office/powerpoint/2010/main" xmlns="" w="9525">
                     <a:solidFill>
                       <a:srgbClr val="000000"/>
                     </a:solidFill>
@@ -16242,7 +15697,7 @@
               </a:ln>
               <a:extLst>
                 <a:ext uri="{91240B29-F687-4f45-9708-019B960494DF}">
-                  <a14:hiddenLine xmlns="" xmlns:p14="http://schemas.microsoft.com/office/powerpoint/2010/main" xmlns:a14="http://schemas.microsoft.com/office/drawing/2010/main" w="9525">
+                  <a14:hiddenLine xmlns:a14="http://schemas.microsoft.com/office/drawing/2010/main" xmlns:p14="http://schemas.microsoft.com/office/powerpoint/2010/main" xmlns="" w="9525">
                     <a:solidFill>
                       <a:srgbClr val="000000"/>
                     </a:solidFill>
@@ -16347,7 +15802,7 @@
               </a:ln>
               <a:extLst>
                 <a:ext uri="{91240B29-F687-4f45-9708-019B960494DF}">
-                  <a14:hiddenLine xmlns="" xmlns:p14="http://schemas.microsoft.com/office/powerpoint/2010/main" xmlns:a14="http://schemas.microsoft.com/office/drawing/2010/main" w="9525">
+                  <a14:hiddenLine xmlns:a14="http://schemas.microsoft.com/office/drawing/2010/main" xmlns:p14="http://schemas.microsoft.com/office/powerpoint/2010/main" xmlns="" w="9525">
                     <a:solidFill>
                       <a:srgbClr val="000000"/>
                     </a:solidFill>
@@ -16430,7 +15885,7 @@
               </a:ln>
               <a:extLst>
                 <a:ext uri="{91240B29-F687-4f45-9708-019B960494DF}">
-                  <a14:hiddenLine xmlns="" xmlns:p14="http://schemas.microsoft.com/office/powerpoint/2010/main" xmlns:a14="http://schemas.microsoft.com/office/drawing/2010/main" w="9525">
+                  <a14:hiddenLine xmlns:a14="http://schemas.microsoft.com/office/drawing/2010/main" xmlns:p14="http://schemas.microsoft.com/office/powerpoint/2010/main" xmlns="" w="9525">
                     <a:solidFill>
                       <a:srgbClr val="000000"/>
                     </a:solidFill>
@@ -16535,7 +15990,7 @@
               </a:ln>
               <a:extLst>
                 <a:ext uri="{91240B29-F687-4f45-9708-019B960494DF}">
-                  <a14:hiddenLine xmlns="" xmlns:p14="http://schemas.microsoft.com/office/powerpoint/2010/main" xmlns:a14="http://schemas.microsoft.com/office/drawing/2010/main" w="9525">
+                  <a14:hiddenLine xmlns:a14="http://schemas.microsoft.com/office/drawing/2010/main" xmlns:p14="http://schemas.microsoft.com/office/powerpoint/2010/main" xmlns="" w="9525">
                     <a:solidFill>
                       <a:srgbClr val="000000"/>
                     </a:solidFill>
@@ -16618,7 +16073,7 @@
               </a:ln>
               <a:extLst>
                 <a:ext uri="{91240B29-F687-4f45-9708-019B960494DF}">
-                  <a14:hiddenLine xmlns="" xmlns:p14="http://schemas.microsoft.com/office/powerpoint/2010/main" xmlns:a14="http://schemas.microsoft.com/office/drawing/2010/main" w="9525">
+                  <a14:hiddenLine xmlns:a14="http://schemas.microsoft.com/office/drawing/2010/main" xmlns:p14="http://schemas.microsoft.com/office/powerpoint/2010/main" xmlns="" w="9525">
                     <a:solidFill>
                       <a:srgbClr val="000000"/>
                     </a:solidFill>
@@ -16723,7 +16178,7 @@
               </a:ln>
               <a:extLst>
                 <a:ext uri="{91240B29-F687-4f45-9708-019B960494DF}">
-                  <a14:hiddenLine xmlns="" xmlns:p14="http://schemas.microsoft.com/office/powerpoint/2010/main" xmlns:a14="http://schemas.microsoft.com/office/drawing/2010/main" w="9525">
+                  <a14:hiddenLine xmlns:a14="http://schemas.microsoft.com/office/drawing/2010/main" xmlns:p14="http://schemas.microsoft.com/office/powerpoint/2010/main" xmlns="" w="9525">
                     <a:solidFill>
                       <a:srgbClr val="000000"/>
                     </a:solidFill>
@@ -16772,7 +16227,7 @@
               </a:ln>
               <a:extLst>
                 <a:ext uri="{91240B29-F687-4f45-9708-019B960494DF}">
-                  <a14:hiddenLine xmlns="" xmlns:p14="http://schemas.microsoft.com/office/powerpoint/2010/main" xmlns:a14="http://schemas.microsoft.com/office/drawing/2010/main" w="9525">
+                  <a14:hiddenLine xmlns:a14="http://schemas.microsoft.com/office/drawing/2010/main" xmlns:p14="http://schemas.microsoft.com/office/powerpoint/2010/main" xmlns="" w="9525">
                     <a:solidFill>
                       <a:srgbClr val="000000"/>
                     </a:solidFill>
@@ -16930,7 +16385,7 @@
             <a:noFill/>
             <a:extLst>
               <a:ext uri="{909E8E84-426E-40dd-AFC4-6F175D3DCCD1}">
-                <a14:hiddenFill xmlns="" xmlns:p14="http://schemas.microsoft.com/office/powerpoint/2010/main" xmlns:a14="http://schemas.microsoft.com/office/drawing/2010/main">
+                <a14:hiddenFill xmlns:a14="http://schemas.microsoft.com/office/drawing/2010/main" xmlns:p14="http://schemas.microsoft.com/office/powerpoint/2010/main" xmlns="">
                   <a:solidFill>
                     <a:srgbClr val="FFFFFF"/>
                   </a:solidFill>
@@ -17014,7 +16469,7 @@
             </a:ln>
             <a:extLst>
               <a:ext uri="{91240B29-F687-4f45-9708-019B960494DF}">
-                <a14:hiddenLine xmlns="" xmlns:p14="http://schemas.microsoft.com/office/powerpoint/2010/main" xmlns:a14="http://schemas.microsoft.com/office/drawing/2010/main" w="9525">
+                <a14:hiddenLine xmlns:a14="http://schemas.microsoft.com/office/drawing/2010/main" xmlns:p14="http://schemas.microsoft.com/office/powerpoint/2010/main" xmlns="" w="9525">
                   <a:solidFill>
                     <a:srgbClr val="000000"/>
                   </a:solidFill>
@@ -17119,7 +16574,7 @@
             </a:ln>
             <a:extLst>
               <a:ext uri="{91240B29-F687-4f45-9708-019B960494DF}">
-                <a14:hiddenLine xmlns="" xmlns:p14="http://schemas.microsoft.com/office/powerpoint/2010/main" xmlns:a14="http://schemas.microsoft.com/office/drawing/2010/main" w="9525">
+                <a14:hiddenLine xmlns:a14="http://schemas.microsoft.com/office/drawing/2010/main" xmlns:p14="http://schemas.microsoft.com/office/powerpoint/2010/main" xmlns="" w="9525">
                   <a:solidFill>
                     <a:srgbClr val="000000"/>
                   </a:solidFill>
@@ -17224,7 +16679,7 @@
             </a:ln>
             <a:extLst>
               <a:ext uri="{91240B29-F687-4f45-9708-019B960494DF}">
-                <a14:hiddenLine xmlns="" xmlns:p14="http://schemas.microsoft.com/office/powerpoint/2010/main" xmlns:a14="http://schemas.microsoft.com/office/drawing/2010/main" w="9525">
+                <a14:hiddenLine xmlns:a14="http://schemas.microsoft.com/office/drawing/2010/main" xmlns:p14="http://schemas.microsoft.com/office/powerpoint/2010/main" xmlns="" w="9525">
                   <a:solidFill>
                     <a:srgbClr val="000000"/>
                   </a:solidFill>
@@ -17273,7 +16728,7 @@
             </a:ln>
             <a:extLst>
               <a:ext uri="{91240B29-F687-4f45-9708-019B960494DF}">
-                <a14:hiddenLine xmlns="" xmlns:p14="http://schemas.microsoft.com/office/powerpoint/2010/main" xmlns:a14="http://schemas.microsoft.com/office/drawing/2010/main" w="9525">
+                <a14:hiddenLine xmlns:a14="http://schemas.microsoft.com/office/drawing/2010/main" xmlns:p14="http://schemas.microsoft.com/office/powerpoint/2010/main" xmlns="" w="9525">
                   <a:solidFill>
                     <a:srgbClr val="000000"/>
                   </a:solidFill>
@@ -17378,7 +16833,7 @@
             </a:ln>
             <a:extLst>
               <a:ext uri="{91240B29-F687-4f45-9708-019B960494DF}">
-                <a14:hiddenLine xmlns="" xmlns:p14="http://schemas.microsoft.com/office/powerpoint/2010/main" xmlns:a14="http://schemas.microsoft.com/office/drawing/2010/main" w="9525">
+                <a14:hiddenLine xmlns:a14="http://schemas.microsoft.com/office/drawing/2010/main" xmlns:p14="http://schemas.microsoft.com/office/powerpoint/2010/main" xmlns="" w="9525">
                   <a:solidFill>
                     <a:srgbClr val="000000"/>
                   </a:solidFill>
@@ -17455,7 +16910,7 @@
             </a:ln>
             <a:extLst>
               <a:ext uri="{91240B29-F687-4f45-9708-019B960494DF}">
-                <a14:hiddenLine xmlns="" xmlns:p14="http://schemas.microsoft.com/office/powerpoint/2010/main" xmlns:a14="http://schemas.microsoft.com/office/drawing/2010/main" w="9525">
+                <a14:hiddenLine xmlns:a14="http://schemas.microsoft.com/office/drawing/2010/main" xmlns:p14="http://schemas.microsoft.com/office/powerpoint/2010/main" xmlns="" w="9525">
                   <a:solidFill>
                     <a:srgbClr val="000000"/>
                   </a:solidFill>
@@ -17532,7 +16987,7 @@
             </a:ln>
             <a:extLst>
               <a:ext uri="{91240B29-F687-4f45-9708-019B960494DF}">
-                <a14:hiddenLine xmlns="" xmlns:p14="http://schemas.microsoft.com/office/powerpoint/2010/main" xmlns:a14="http://schemas.microsoft.com/office/drawing/2010/main" w="9525">
+                <a14:hiddenLine xmlns:a14="http://schemas.microsoft.com/office/drawing/2010/main" xmlns:p14="http://schemas.microsoft.com/office/powerpoint/2010/main" xmlns="" w="9525">
                   <a:solidFill>
                     <a:srgbClr val="000000"/>
                   </a:solidFill>
@@ -17637,7 +17092,7 @@
             </a:ln>
             <a:extLst>
               <a:ext uri="{91240B29-F687-4f45-9708-019B960494DF}">
-                <a14:hiddenLine xmlns="" xmlns:p14="http://schemas.microsoft.com/office/powerpoint/2010/main" xmlns:a14="http://schemas.microsoft.com/office/drawing/2010/main" w="9525">
+                <a14:hiddenLine xmlns:a14="http://schemas.microsoft.com/office/drawing/2010/main" xmlns:p14="http://schemas.microsoft.com/office/powerpoint/2010/main" xmlns="" w="9525">
                   <a:solidFill>
                     <a:srgbClr val="000000"/>
                   </a:solidFill>
@@ -17714,7 +17169,7 @@
             </a:ln>
             <a:extLst>
               <a:ext uri="{91240B29-F687-4f45-9708-019B960494DF}">
-                <a14:hiddenLine xmlns="" xmlns:p14="http://schemas.microsoft.com/office/powerpoint/2010/main" xmlns:a14="http://schemas.microsoft.com/office/drawing/2010/main" w="9525">
+                <a14:hiddenLine xmlns:a14="http://schemas.microsoft.com/office/drawing/2010/main" xmlns:p14="http://schemas.microsoft.com/office/powerpoint/2010/main" xmlns="" w="9525">
                   <a:solidFill>
                     <a:srgbClr val="000000"/>
                   </a:solidFill>
@@ -17791,7 +17246,7 @@
             </a:ln>
             <a:extLst>
               <a:ext uri="{91240B29-F687-4f45-9708-019B960494DF}">
-                <a14:hiddenLine xmlns="" xmlns:p14="http://schemas.microsoft.com/office/powerpoint/2010/main" xmlns:a14="http://schemas.microsoft.com/office/drawing/2010/main" w="9525">
+                <a14:hiddenLine xmlns:a14="http://schemas.microsoft.com/office/drawing/2010/main" xmlns:p14="http://schemas.microsoft.com/office/powerpoint/2010/main" xmlns="" w="9525">
                   <a:solidFill>
                     <a:srgbClr val="000000"/>
                   </a:solidFill>
@@ -17896,7 +17351,7 @@
             </a:ln>
             <a:extLst>
               <a:ext uri="{91240B29-F687-4f45-9708-019B960494DF}">
-                <a14:hiddenLine xmlns="" xmlns:p14="http://schemas.microsoft.com/office/powerpoint/2010/main" xmlns:a14="http://schemas.microsoft.com/office/drawing/2010/main" w="9525">
+                <a14:hiddenLine xmlns:a14="http://schemas.microsoft.com/office/drawing/2010/main" xmlns:p14="http://schemas.microsoft.com/office/powerpoint/2010/main" xmlns="" w="9525">
                   <a:solidFill>
                     <a:srgbClr val="000000"/>
                   </a:solidFill>
@@ -18001,7 +17456,7 @@
             </a:ln>
             <a:extLst>
               <a:ext uri="{91240B29-F687-4f45-9708-019B960494DF}">
-                <a14:hiddenLine xmlns="" xmlns:p14="http://schemas.microsoft.com/office/powerpoint/2010/main" xmlns:a14="http://schemas.microsoft.com/office/drawing/2010/main" w="9525">
+                <a14:hiddenLine xmlns:a14="http://schemas.microsoft.com/office/drawing/2010/main" xmlns:p14="http://schemas.microsoft.com/office/powerpoint/2010/main" xmlns="" w="9525">
                   <a:solidFill>
                     <a:srgbClr val="000000"/>
                   </a:solidFill>
@@ -18078,7 +17533,7 @@
             </a:ln>
             <a:extLst>
               <a:ext uri="{91240B29-F687-4f45-9708-019B960494DF}">
-                <a14:hiddenLine xmlns="" xmlns:p14="http://schemas.microsoft.com/office/powerpoint/2010/main" xmlns:a14="http://schemas.microsoft.com/office/drawing/2010/main" w="9525">
+                <a14:hiddenLine xmlns:a14="http://schemas.microsoft.com/office/drawing/2010/main" xmlns:p14="http://schemas.microsoft.com/office/powerpoint/2010/main" xmlns="" w="9525">
                   <a:solidFill>
                     <a:srgbClr val="000000"/>
                   </a:solidFill>
@@ -18203,7 +17658,7 @@
             </a:ln>
             <a:extLst>
               <a:ext uri="{91240B29-F687-4f45-9708-019B960494DF}">
-                <a14:hiddenLine xmlns="" xmlns:p14="http://schemas.microsoft.com/office/powerpoint/2010/main" xmlns:a14="http://schemas.microsoft.com/office/drawing/2010/main" w="9525">
+                <a14:hiddenLine xmlns:a14="http://schemas.microsoft.com/office/drawing/2010/main" xmlns:p14="http://schemas.microsoft.com/office/powerpoint/2010/main" xmlns="" w="9525">
                   <a:solidFill>
                     <a:srgbClr val="000000"/>
                   </a:solidFill>
@@ -18280,7 +17735,7 @@
             </a:ln>
             <a:extLst>
               <a:ext uri="{91240B29-F687-4f45-9708-019B960494DF}">
-                <a14:hiddenLine xmlns="" xmlns:p14="http://schemas.microsoft.com/office/powerpoint/2010/main" xmlns:a14="http://schemas.microsoft.com/office/drawing/2010/main" w="9525">
+                <a14:hiddenLine xmlns:a14="http://schemas.microsoft.com/office/drawing/2010/main" xmlns:p14="http://schemas.microsoft.com/office/powerpoint/2010/main" xmlns="" w="9525">
                   <a:solidFill>
                     <a:srgbClr val="000000"/>
                   </a:solidFill>
@@ -18385,7 +17840,7 @@
             </a:ln>
             <a:extLst>
               <a:ext uri="{91240B29-F687-4f45-9708-019B960494DF}">
-                <a14:hiddenLine xmlns="" xmlns:p14="http://schemas.microsoft.com/office/powerpoint/2010/main" xmlns:a14="http://schemas.microsoft.com/office/drawing/2010/main" w="9525">
+                <a14:hiddenLine xmlns:a14="http://schemas.microsoft.com/office/drawing/2010/main" xmlns:p14="http://schemas.microsoft.com/office/powerpoint/2010/main" xmlns="" w="9525">
                   <a:solidFill>
                     <a:srgbClr val="000000"/>
                   </a:solidFill>
@@ -18490,7 +17945,7 @@
             </a:ln>
             <a:extLst>
               <a:ext uri="{91240B29-F687-4f45-9708-019B960494DF}">
-                <a14:hiddenLine xmlns="" xmlns:p14="http://schemas.microsoft.com/office/powerpoint/2010/main" xmlns:a14="http://schemas.microsoft.com/office/drawing/2010/main" w="9525">
+                <a14:hiddenLine xmlns:a14="http://schemas.microsoft.com/office/drawing/2010/main" xmlns:p14="http://schemas.microsoft.com/office/powerpoint/2010/main" xmlns="" w="9525">
                   <a:solidFill>
                     <a:srgbClr val="000000"/>
                   </a:solidFill>
@@ -18567,7 +18022,7 @@
             </a:ln>
             <a:extLst>
               <a:ext uri="{91240B29-F687-4f45-9708-019B960494DF}">
-                <a14:hiddenLine xmlns="" xmlns:p14="http://schemas.microsoft.com/office/powerpoint/2010/main" xmlns:a14="http://schemas.microsoft.com/office/drawing/2010/main" w="9525">
+                <a14:hiddenLine xmlns:a14="http://schemas.microsoft.com/office/drawing/2010/main" xmlns:p14="http://schemas.microsoft.com/office/powerpoint/2010/main" xmlns="" w="9525">
                   <a:solidFill>
                     <a:srgbClr val="000000"/>
                   </a:solidFill>
@@ -18672,7 +18127,7 @@
             </a:ln>
             <a:extLst>
               <a:ext uri="{91240B29-F687-4f45-9708-019B960494DF}">
-                <a14:hiddenLine xmlns="" xmlns:p14="http://schemas.microsoft.com/office/powerpoint/2010/main" xmlns:a14="http://schemas.microsoft.com/office/drawing/2010/main" w="9525">
+                <a14:hiddenLine xmlns:a14="http://schemas.microsoft.com/office/drawing/2010/main" xmlns:p14="http://schemas.microsoft.com/office/powerpoint/2010/main" xmlns="" w="9525">
                   <a:solidFill>
                     <a:srgbClr val="000000"/>
                   </a:solidFill>
@@ -18777,7 +18232,7 @@
             </a:ln>
             <a:extLst>
               <a:ext uri="{91240B29-F687-4f45-9708-019B960494DF}">
-                <a14:hiddenLine xmlns="" xmlns:p14="http://schemas.microsoft.com/office/powerpoint/2010/main" xmlns:a14="http://schemas.microsoft.com/office/drawing/2010/main" w="9525">
+                <a14:hiddenLine xmlns:a14="http://schemas.microsoft.com/office/drawing/2010/main" xmlns:p14="http://schemas.microsoft.com/office/powerpoint/2010/main" xmlns="" w="9525">
                   <a:solidFill>
                     <a:srgbClr val="000000"/>
                   </a:solidFill>
@@ -18848,7 +18303,7 @@
             </a:ln>
             <a:extLst>
               <a:ext uri="{91240B29-F687-4f45-9708-019B960494DF}">
-                <a14:hiddenLine xmlns="" xmlns:p14="http://schemas.microsoft.com/office/powerpoint/2010/main" xmlns:a14="http://schemas.microsoft.com/office/drawing/2010/main" w="9525">
+                <a14:hiddenLine xmlns:a14="http://schemas.microsoft.com/office/drawing/2010/main" xmlns:p14="http://schemas.microsoft.com/office/powerpoint/2010/main" xmlns="" w="9525">
                   <a:solidFill>
                     <a:srgbClr val="000000"/>
                   </a:solidFill>
@@ -18953,7 +18408,7 @@
             </a:ln>
             <a:extLst>
               <a:ext uri="{91240B29-F687-4f45-9708-019B960494DF}">
-                <a14:hiddenLine xmlns="" xmlns:p14="http://schemas.microsoft.com/office/powerpoint/2010/main" xmlns:a14="http://schemas.microsoft.com/office/drawing/2010/main" w="9525">
+                <a14:hiddenLine xmlns:a14="http://schemas.microsoft.com/office/drawing/2010/main" xmlns:p14="http://schemas.microsoft.com/office/powerpoint/2010/main" xmlns="" w="9525">
                   <a:solidFill>
                     <a:srgbClr val="000000"/>
                   </a:solidFill>
@@ -19024,7 +18479,7 @@
             </a:ln>
             <a:extLst>
               <a:ext uri="{91240B29-F687-4f45-9708-019B960494DF}">
-                <a14:hiddenLine xmlns="" xmlns:p14="http://schemas.microsoft.com/office/powerpoint/2010/main" xmlns:a14="http://schemas.microsoft.com/office/drawing/2010/main" w="9525">
+                <a14:hiddenLine xmlns:a14="http://schemas.microsoft.com/office/drawing/2010/main" xmlns:p14="http://schemas.microsoft.com/office/powerpoint/2010/main" xmlns="" w="9525">
                   <a:solidFill>
                     <a:srgbClr val="000000"/>
                   </a:solidFill>
@@ -19129,7 +18584,7 @@
             </a:ln>
             <a:extLst>
               <a:ext uri="{91240B29-F687-4f45-9708-019B960494DF}">
-                <a14:hiddenLine xmlns="" xmlns:p14="http://schemas.microsoft.com/office/powerpoint/2010/main" xmlns:a14="http://schemas.microsoft.com/office/drawing/2010/main" w="9525">
+                <a14:hiddenLine xmlns:a14="http://schemas.microsoft.com/office/drawing/2010/main" xmlns:p14="http://schemas.microsoft.com/office/powerpoint/2010/main" xmlns="" w="9525">
                   <a:solidFill>
                     <a:srgbClr val="000000"/>
                   </a:solidFill>
@@ -19212,7 +18667,7 @@
             </a:ln>
             <a:extLst>
               <a:ext uri="{91240B29-F687-4f45-9708-019B960494DF}">
-                <a14:hiddenLine xmlns="" xmlns:p14="http://schemas.microsoft.com/office/powerpoint/2010/main" xmlns:a14="http://schemas.microsoft.com/office/drawing/2010/main" w="9525">
+                <a14:hiddenLine xmlns:a14="http://schemas.microsoft.com/office/drawing/2010/main" xmlns:p14="http://schemas.microsoft.com/office/powerpoint/2010/main" xmlns="" w="9525">
                   <a:solidFill>
                     <a:srgbClr val="000000"/>
                   </a:solidFill>
@@ -19317,7 +18772,7 @@
             </a:ln>
             <a:extLst>
               <a:ext uri="{91240B29-F687-4f45-9708-019B960494DF}">
-                <a14:hiddenLine xmlns="" xmlns:p14="http://schemas.microsoft.com/office/powerpoint/2010/main" xmlns:a14="http://schemas.microsoft.com/office/drawing/2010/main" w="9525">
+                <a14:hiddenLine xmlns:a14="http://schemas.microsoft.com/office/drawing/2010/main" xmlns:p14="http://schemas.microsoft.com/office/powerpoint/2010/main" xmlns="" w="9525">
                   <a:solidFill>
                     <a:srgbClr val="000000"/>
                   </a:solidFill>
@@ -19400,7 +18855,7 @@
             </a:ln>
             <a:extLst>
               <a:ext uri="{91240B29-F687-4f45-9708-019B960494DF}">
-                <a14:hiddenLine xmlns="" xmlns:p14="http://schemas.microsoft.com/office/powerpoint/2010/main" xmlns:a14="http://schemas.microsoft.com/office/drawing/2010/main" w="9525">
+                <a14:hiddenLine xmlns:a14="http://schemas.microsoft.com/office/drawing/2010/main" xmlns:p14="http://schemas.microsoft.com/office/powerpoint/2010/main" xmlns="" w="9525">
                   <a:solidFill>
                     <a:srgbClr val="000000"/>
                   </a:solidFill>
@@ -19505,7 +18960,7 @@
             </a:ln>
             <a:extLst>
               <a:ext uri="{91240B29-F687-4f45-9708-019B960494DF}">
-                <a14:hiddenLine xmlns="" xmlns:p14="http://schemas.microsoft.com/office/powerpoint/2010/main" xmlns:a14="http://schemas.microsoft.com/office/drawing/2010/main" w="9525">
+                <a14:hiddenLine xmlns:a14="http://schemas.microsoft.com/office/drawing/2010/main" xmlns:p14="http://schemas.microsoft.com/office/powerpoint/2010/main" xmlns="" w="9525">
                   <a:solidFill>
                     <a:srgbClr val="000000"/>
                   </a:solidFill>
@@ -19554,7 +19009,7 @@
             </a:ln>
             <a:extLst>
               <a:ext uri="{91240B29-F687-4f45-9708-019B960494DF}">
-                <a14:hiddenLine xmlns="" xmlns:p14="http://schemas.microsoft.com/office/powerpoint/2010/main" xmlns:a14="http://schemas.microsoft.com/office/drawing/2010/main" w="9525">
+                <a14:hiddenLine xmlns:a14="http://schemas.microsoft.com/office/drawing/2010/main" xmlns:p14="http://schemas.microsoft.com/office/powerpoint/2010/main" xmlns="" w="9525">
                   <a:solidFill>
                     <a:srgbClr val="000000"/>
                   </a:solidFill>
@@ -19659,7 +19114,7 @@
             </a:ln>
             <a:extLst>
               <a:ext uri="{91240B29-F687-4f45-9708-019B960494DF}">
-                <a14:hiddenLine xmlns="" xmlns:p14="http://schemas.microsoft.com/office/powerpoint/2010/main" xmlns:a14="http://schemas.microsoft.com/office/drawing/2010/main" w="9525">
+                <a14:hiddenLine xmlns:a14="http://schemas.microsoft.com/office/drawing/2010/main" xmlns:p14="http://schemas.microsoft.com/office/powerpoint/2010/main" xmlns="" w="9525">
                   <a:solidFill>
                     <a:srgbClr val="000000"/>
                   </a:solidFill>
@@ -19736,7 +19191,7 @@
             </a:ln>
             <a:extLst>
               <a:ext uri="{91240B29-F687-4f45-9708-019B960494DF}">
-                <a14:hiddenLine xmlns="" xmlns:p14="http://schemas.microsoft.com/office/powerpoint/2010/main" xmlns:a14="http://schemas.microsoft.com/office/drawing/2010/main" w="9525">
+                <a14:hiddenLine xmlns:a14="http://schemas.microsoft.com/office/drawing/2010/main" xmlns:p14="http://schemas.microsoft.com/office/powerpoint/2010/main" xmlns="" w="9525">
                   <a:solidFill>
                     <a:srgbClr val="000000"/>
                   </a:solidFill>
@@ -19813,7 +19268,7 @@
             </a:ln>
             <a:extLst>
               <a:ext uri="{91240B29-F687-4f45-9708-019B960494DF}">
-                <a14:hiddenLine xmlns="" xmlns:p14="http://schemas.microsoft.com/office/powerpoint/2010/main" xmlns:a14="http://schemas.microsoft.com/office/drawing/2010/main" w="9525">
+                <a14:hiddenLine xmlns:a14="http://schemas.microsoft.com/office/drawing/2010/main" xmlns:p14="http://schemas.microsoft.com/office/powerpoint/2010/main" xmlns="" w="9525">
                   <a:solidFill>
                     <a:srgbClr val="000000"/>
                   </a:solidFill>
@@ -19918,7 +19373,7 @@
             </a:ln>
             <a:extLst>
               <a:ext uri="{91240B29-F687-4f45-9708-019B960494DF}">
-                <a14:hiddenLine xmlns="" xmlns:p14="http://schemas.microsoft.com/office/powerpoint/2010/main" xmlns:a14="http://schemas.microsoft.com/office/drawing/2010/main" w="9525">
+                <a14:hiddenLine xmlns:a14="http://schemas.microsoft.com/office/drawing/2010/main" xmlns:p14="http://schemas.microsoft.com/office/powerpoint/2010/main" xmlns="" w="9525">
                   <a:solidFill>
                     <a:srgbClr val="000000"/>
                   </a:solidFill>
@@ -20001,7 +19456,7 @@
             </a:ln>
             <a:extLst>
               <a:ext uri="{91240B29-F687-4f45-9708-019B960494DF}">
-                <a14:hiddenLine xmlns="" xmlns:p14="http://schemas.microsoft.com/office/powerpoint/2010/main" xmlns:a14="http://schemas.microsoft.com/office/drawing/2010/main" w="9525">
+                <a14:hiddenLine xmlns:a14="http://schemas.microsoft.com/office/drawing/2010/main" xmlns:p14="http://schemas.microsoft.com/office/powerpoint/2010/main" xmlns="" w="9525">
                   <a:solidFill>
                     <a:srgbClr val="000000"/>
                   </a:solidFill>
@@ -20078,7 +19533,7 @@
             </a:ln>
             <a:extLst>
               <a:ext uri="{91240B29-F687-4f45-9708-019B960494DF}">
-                <a14:hiddenLine xmlns="" xmlns:p14="http://schemas.microsoft.com/office/powerpoint/2010/main" xmlns:a14="http://schemas.microsoft.com/office/drawing/2010/main" w="9525">
+                <a14:hiddenLine xmlns:a14="http://schemas.microsoft.com/office/drawing/2010/main" xmlns:p14="http://schemas.microsoft.com/office/powerpoint/2010/main" xmlns="" w="9525">
                   <a:solidFill>
                     <a:srgbClr val="000000"/>
                   </a:solidFill>
@@ -20183,7 +19638,7 @@
             </a:ln>
             <a:extLst>
               <a:ext uri="{91240B29-F687-4f45-9708-019B960494DF}">
-                <a14:hiddenLine xmlns="" xmlns:p14="http://schemas.microsoft.com/office/powerpoint/2010/main" xmlns:a14="http://schemas.microsoft.com/office/drawing/2010/main" w="9525">
+                <a14:hiddenLine xmlns:a14="http://schemas.microsoft.com/office/drawing/2010/main" xmlns:p14="http://schemas.microsoft.com/office/powerpoint/2010/main" xmlns="" w="9525">
                   <a:solidFill>
                     <a:srgbClr val="000000"/>
                   </a:solidFill>
@@ -20260,7 +19715,7 @@
             </a:ln>
             <a:extLst>
               <a:ext uri="{91240B29-F687-4f45-9708-019B960494DF}">
-                <a14:hiddenLine xmlns="" xmlns:p14="http://schemas.microsoft.com/office/powerpoint/2010/main" xmlns:a14="http://schemas.microsoft.com/office/drawing/2010/main" w="9525">
+                <a14:hiddenLine xmlns:a14="http://schemas.microsoft.com/office/drawing/2010/main" xmlns:p14="http://schemas.microsoft.com/office/powerpoint/2010/main" xmlns="" w="9525">
                   <a:solidFill>
                     <a:srgbClr val="000000"/>
                   </a:solidFill>
@@ -20365,7 +19820,7 @@
             </a:ln>
             <a:extLst>
               <a:ext uri="{91240B29-F687-4f45-9708-019B960494DF}">
-                <a14:hiddenLine xmlns="" xmlns:p14="http://schemas.microsoft.com/office/powerpoint/2010/main" xmlns:a14="http://schemas.microsoft.com/office/drawing/2010/main" w="9525">
+                <a14:hiddenLine xmlns:a14="http://schemas.microsoft.com/office/drawing/2010/main" xmlns:p14="http://schemas.microsoft.com/office/powerpoint/2010/main" xmlns="" w="9525">
                   <a:solidFill>
                     <a:srgbClr val="000000"/>
                   </a:solidFill>
@@ -20442,7 +19897,7 @@
             </a:ln>
             <a:extLst>
               <a:ext uri="{91240B29-F687-4f45-9708-019B960494DF}">
-                <a14:hiddenLine xmlns="" xmlns:p14="http://schemas.microsoft.com/office/powerpoint/2010/main" xmlns:a14="http://schemas.microsoft.com/office/drawing/2010/main" w="9525">
+                <a14:hiddenLine xmlns:a14="http://schemas.microsoft.com/office/drawing/2010/main" xmlns:p14="http://schemas.microsoft.com/office/powerpoint/2010/main" xmlns="" w="9525">
                   <a:solidFill>
                     <a:srgbClr val="000000"/>
                   </a:solidFill>
@@ -20547,7 +20002,7 @@
             </a:ln>
             <a:extLst>
               <a:ext uri="{91240B29-F687-4f45-9708-019B960494DF}">
-                <a14:hiddenLine xmlns="" xmlns:p14="http://schemas.microsoft.com/office/powerpoint/2010/main" xmlns:a14="http://schemas.microsoft.com/office/drawing/2010/main" w="9525">
+                <a14:hiddenLine xmlns:a14="http://schemas.microsoft.com/office/drawing/2010/main" xmlns:p14="http://schemas.microsoft.com/office/powerpoint/2010/main" xmlns="" w="9525">
                   <a:solidFill>
                     <a:srgbClr val="000000"/>
                   </a:solidFill>
@@ -20596,7 +20051,7 @@
             </a:ln>
             <a:extLst>
               <a:ext uri="{91240B29-F687-4f45-9708-019B960494DF}">
-                <a14:hiddenLine xmlns="" xmlns:p14="http://schemas.microsoft.com/office/powerpoint/2010/main" xmlns:a14="http://schemas.microsoft.com/office/drawing/2010/main" w="9525">
+                <a14:hiddenLine xmlns:a14="http://schemas.microsoft.com/office/drawing/2010/main" xmlns:p14="http://schemas.microsoft.com/office/powerpoint/2010/main" xmlns="" w="9525">
                   <a:solidFill>
                     <a:srgbClr val="000000"/>
                   </a:solidFill>
@@ -20676,7 +20131,7 @@
             </a:ln>
             <a:extLst>
               <a:ext uri="{91240B29-F687-4f45-9708-019B960494DF}">
-                <a14:hiddenLine xmlns="" xmlns:p14="http://schemas.microsoft.com/office/powerpoint/2010/main" xmlns:a14="http://schemas.microsoft.com/office/drawing/2010/main" w="9525">
+                <a14:hiddenLine xmlns:a14="http://schemas.microsoft.com/office/drawing/2010/main" xmlns:p14="http://schemas.microsoft.com/office/powerpoint/2010/main" xmlns="" w="9525">
                   <a:solidFill>
                     <a:srgbClr val="000000"/>
                   </a:solidFill>
@@ -20781,7 +20236,7 @@
             </a:ln>
             <a:extLst>
               <a:ext uri="{91240B29-F687-4f45-9708-019B960494DF}">
-                <a14:hiddenLine xmlns="" xmlns:p14="http://schemas.microsoft.com/office/powerpoint/2010/main" xmlns:a14="http://schemas.microsoft.com/office/drawing/2010/main" w="9525">
+                <a14:hiddenLine xmlns:a14="http://schemas.microsoft.com/office/drawing/2010/main" xmlns:p14="http://schemas.microsoft.com/office/powerpoint/2010/main" xmlns="" w="9525">
                   <a:solidFill>
                     <a:srgbClr val="000000"/>
                   </a:solidFill>
@@ -20858,7 +20313,7 @@
             </a:ln>
             <a:extLst>
               <a:ext uri="{91240B29-F687-4f45-9708-019B960494DF}">
-                <a14:hiddenLine xmlns="" xmlns:p14="http://schemas.microsoft.com/office/powerpoint/2010/main" xmlns:a14="http://schemas.microsoft.com/office/drawing/2010/main" w="9525">
+                <a14:hiddenLine xmlns:a14="http://schemas.microsoft.com/office/drawing/2010/main" xmlns:p14="http://schemas.microsoft.com/office/powerpoint/2010/main" xmlns="" w="9525">
                   <a:solidFill>
                     <a:srgbClr val="000000"/>
                   </a:solidFill>
@@ -20963,7 +20418,7 @@
             </a:ln>
             <a:extLst>
               <a:ext uri="{91240B29-F687-4f45-9708-019B960494DF}">
-                <a14:hiddenLine xmlns="" xmlns:p14="http://schemas.microsoft.com/office/powerpoint/2010/main" xmlns:a14="http://schemas.microsoft.com/office/drawing/2010/main" w="9525">
+                <a14:hiddenLine xmlns:a14="http://schemas.microsoft.com/office/drawing/2010/main" xmlns:p14="http://schemas.microsoft.com/office/powerpoint/2010/main" xmlns="" w="9525">
                   <a:solidFill>
                     <a:srgbClr val="000000"/>
                   </a:solidFill>
@@ -21068,7 +20523,7 @@
             </a:ln>
             <a:extLst>
               <a:ext uri="{91240B29-F687-4f45-9708-019B960494DF}">
-                <a14:hiddenLine xmlns="" xmlns:p14="http://schemas.microsoft.com/office/powerpoint/2010/main" xmlns:a14="http://schemas.microsoft.com/office/drawing/2010/main" w="9525">
+                <a14:hiddenLine xmlns:a14="http://schemas.microsoft.com/office/drawing/2010/main" xmlns:p14="http://schemas.microsoft.com/office/powerpoint/2010/main" xmlns="" w="9525">
                   <a:solidFill>
                     <a:srgbClr val="000000"/>
                   </a:solidFill>
@@ -21148,7 +20603,7 @@
             </a:ln>
             <a:extLst>
               <a:ext uri="{91240B29-F687-4f45-9708-019B960494DF}">
-                <a14:hiddenLine xmlns="" xmlns:p14="http://schemas.microsoft.com/office/powerpoint/2010/main" xmlns:a14="http://schemas.microsoft.com/office/drawing/2010/main" w="9525">
+                <a14:hiddenLine xmlns:a14="http://schemas.microsoft.com/office/drawing/2010/main" xmlns:p14="http://schemas.microsoft.com/office/powerpoint/2010/main" xmlns="" w="9525">
                   <a:solidFill>
                     <a:srgbClr val="000000"/>
                   </a:solidFill>
@@ -21225,7 +20680,7 @@
             </a:ln>
             <a:extLst>
               <a:ext uri="{91240B29-F687-4f45-9708-019B960494DF}">
-                <a14:hiddenLine xmlns="" xmlns:p14="http://schemas.microsoft.com/office/powerpoint/2010/main" xmlns:a14="http://schemas.microsoft.com/office/drawing/2010/main" w="9525">
+                <a14:hiddenLine xmlns:a14="http://schemas.microsoft.com/office/drawing/2010/main" xmlns:p14="http://schemas.microsoft.com/office/powerpoint/2010/main" xmlns="" w="9525">
                   <a:solidFill>
                     <a:srgbClr val="000000"/>
                   </a:solidFill>
@@ -21330,7 +20785,7 @@
             </a:ln>
             <a:extLst>
               <a:ext uri="{91240B29-F687-4f45-9708-019B960494DF}">
-                <a14:hiddenLine xmlns="" xmlns:p14="http://schemas.microsoft.com/office/powerpoint/2010/main" xmlns:a14="http://schemas.microsoft.com/office/drawing/2010/main" w="9525">
+                <a14:hiddenLine xmlns:a14="http://schemas.microsoft.com/office/drawing/2010/main" xmlns:p14="http://schemas.microsoft.com/office/powerpoint/2010/main" xmlns="" w="9525">
                   <a:solidFill>
                     <a:srgbClr val="000000"/>
                   </a:solidFill>
@@ -21435,7 +20890,7 @@
             </a:ln>
             <a:extLst>
               <a:ext uri="{91240B29-F687-4f45-9708-019B960494DF}">
-                <a14:hiddenLine xmlns="" xmlns:p14="http://schemas.microsoft.com/office/powerpoint/2010/main" xmlns:a14="http://schemas.microsoft.com/office/drawing/2010/main" w="9525">
+                <a14:hiddenLine xmlns:a14="http://schemas.microsoft.com/office/drawing/2010/main" xmlns:p14="http://schemas.microsoft.com/office/powerpoint/2010/main" xmlns="" w="9525">
                   <a:solidFill>
                     <a:srgbClr val="000000"/>
                   </a:solidFill>
@@ -21512,7 +20967,7 @@
             </a:ln>
             <a:extLst>
               <a:ext uri="{91240B29-F687-4f45-9708-019B960494DF}">
-                <a14:hiddenLine xmlns="" xmlns:p14="http://schemas.microsoft.com/office/powerpoint/2010/main" xmlns:a14="http://schemas.microsoft.com/office/drawing/2010/main" w="9525">
+                <a14:hiddenLine xmlns:a14="http://schemas.microsoft.com/office/drawing/2010/main" xmlns:p14="http://schemas.microsoft.com/office/powerpoint/2010/main" xmlns="" w="9525">
                   <a:solidFill>
                     <a:srgbClr val="000000"/>
                   </a:solidFill>
@@ -21647,7 +21102,7 @@
             </a:ln>
             <a:extLst>
               <a:ext uri="{91240B29-F687-4f45-9708-019B960494DF}">
-                <a14:hiddenLine xmlns="" xmlns:p14="http://schemas.microsoft.com/office/powerpoint/2010/main" xmlns:a14="http://schemas.microsoft.com/office/drawing/2010/main" w="9525">
+                <a14:hiddenLine xmlns:a14="http://schemas.microsoft.com/office/drawing/2010/main" xmlns:p14="http://schemas.microsoft.com/office/powerpoint/2010/main" xmlns="" w="9525">
                   <a:solidFill>
                     <a:srgbClr val="000000"/>
                   </a:solidFill>
@@ -21730,7 +21185,7 @@
             </a:ln>
             <a:extLst>
               <a:ext uri="{91240B29-F687-4f45-9708-019B960494DF}">
-                <a14:hiddenLine xmlns="" xmlns:p14="http://schemas.microsoft.com/office/powerpoint/2010/main" xmlns:a14="http://schemas.microsoft.com/office/drawing/2010/main" w="9525">
+                <a14:hiddenLine xmlns:a14="http://schemas.microsoft.com/office/drawing/2010/main" xmlns:p14="http://schemas.microsoft.com/office/powerpoint/2010/main" xmlns="" w="9525">
                   <a:solidFill>
                     <a:srgbClr val="000000"/>
                   </a:solidFill>
@@ -21835,7 +21290,7 @@
             </a:ln>
             <a:extLst>
               <a:ext uri="{91240B29-F687-4f45-9708-019B960494DF}">
-                <a14:hiddenLine xmlns="" xmlns:p14="http://schemas.microsoft.com/office/powerpoint/2010/main" xmlns:a14="http://schemas.microsoft.com/office/drawing/2010/main" w="9525">
+                <a14:hiddenLine xmlns:a14="http://schemas.microsoft.com/office/drawing/2010/main" xmlns:p14="http://schemas.microsoft.com/office/powerpoint/2010/main" xmlns="" w="9525">
                   <a:solidFill>
                     <a:srgbClr val="000000"/>
                   </a:solidFill>
@@ -21964,7 +21419,7 @@
 </p:sld>
 </file>
 
-<file path=ppt/slides/slide6.xml><?xml version="1.0" encoding="utf-8"?>
+<file path=ppt/slides/slide5.xml><?xml version="1.0" encoding="utf-8"?>
 <p:sld xmlns:a="http://schemas.openxmlformats.org/drawingml/2006/main" xmlns:r="http://schemas.openxmlformats.org/officeDocument/2006/relationships" xmlns:p="http://schemas.openxmlformats.org/presentationml/2006/main">
   <p:cSld>
     <p:spTree>
@@ -21997,7 +21452,12 @@
             <p:ph type="title"/>
           </p:nvPr>
         </p:nvSpPr>
-        <p:spPr/>
+        <p:spPr>
+          <a:xfrm>
+            <a:off x="4323556" y="1950430"/>
+            <a:ext cx="3544887" cy="1478570"/>
+          </a:xfrm>
+        </p:spPr>
         <p:txBody>
           <a:bodyPr/>
           <a:lstStyle/>
@@ -22006,31 +21466,6 @@
               <a:rPr lang="da-DK" dirty="0"/>
               <a:t>klassediagram</a:t>
             </a:r>
-          </a:p>
-        </p:txBody>
-      </p:sp>
-      <p:sp>
-        <p:nvSpPr>
-          <p:cNvPr id="3" name="Pladsholder til lodret titel 2">
-            <a:extLst>
-              <a:ext uri="{FF2B5EF4-FFF2-40B4-BE49-F238E27FC236}">
-                <a16:creationId xmlns:a16="http://schemas.microsoft.com/office/drawing/2014/main" id="{FA3859E2-22FA-430B-A554-3E2781C6C272}"/>
-              </a:ext>
-            </a:extLst>
-          </p:cNvPr>
-          <p:cNvSpPr>
-            <a:spLocks noGrp="1"/>
-          </p:cNvSpPr>
-          <p:nvPr>
-            <p:ph type="body" orient="vert" idx="1"/>
-          </p:nvPr>
-        </p:nvSpPr>
-        <p:spPr/>
-        <p:txBody>
-          <a:bodyPr/>
-          <a:lstStyle/>
-          <a:p>
-            <a:endParaRPr lang="da-DK"/>
           </a:p>
         </p:txBody>
       </p:sp>
@@ -22047,7 +21482,7 @@
 </p:sld>
 </file>
 
-<file path=ppt/slides/slide7.xml><?xml version="1.0" encoding="utf-8"?>
+<file path=ppt/slides/slide6.xml><?xml version="1.0" encoding="utf-8"?>
 <p:sld xmlns:a="http://schemas.openxmlformats.org/drawingml/2006/main" xmlns:r="http://schemas.openxmlformats.org/officeDocument/2006/relationships" xmlns:p="http://schemas.openxmlformats.org/presentationml/2006/main">
   <p:cSld>
     <p:spTree>
@@ -22111,10 +21546,10 @@
       </p:sp>
       <p:pic>
         <p:nvPicPr>
-          <p:cNvPr id="5" name="Billede 4">
+          <p:cNvPr id="4" name="Billede 3">
             <a:extLst>
               <a:ext uri="{FF2B5EF4-FFF2-40B4-BE49-F238E27FC236}">
-                <a16:creationId xmlns:a16="http://schemas.microsoft.com/office/drawing/2014/main" id="{6E210EB6-76D3-4E21-B0DF-F9D5C4945AA4}"/>
+                <a16:creationId xmlns:a16="http://schemas.microsoft.com/office/drawing/2014/main" id="{4ADD7A5D-41ED-4690-AFFD-3C9F9DF8BDA8}"/>
               </a:ext>
             </a:extLst>
           </p:cNvPr>
@@ -22131,8 +21566,8 @@
         </p:blipFill>
         <p:spPr>
           <a:xfrm>
-            <a:off x="6313714" y="0"/>
-            <a:ext cx="5878286" cy="6873802"/>
+            <a:off x="6334125" y="0"/>
+            <a:ext cx="5857875" cy="6864986"/>
           </a:xfrm>
           <a:prstGeom prst="rect">
             <a:avLst/>
@@ -22152,7 +21587,7 @@
 </p:sld>
 </file>
 
-<file path=ppt/slides/slide8.xml><?xml version="1.0" encoding="utf-8"?>
+<file path=ppt/slides/slide7.xml><?xml version="1.0" encoding="utf-8"?>
 <p:sld xmlns:a="http://schemas.openxmlformats.org/drawingml/2006/main" xmlns:r="http://schemas.openxmlformats.org/officeDocument/2006/relationships" xmlns:p="http://schemas.openxmlformats.org/presentationml/2006/main">
   <p:cSld>
     <p:spTree>
@@ -22282,6 +21717,127 @@
 </p:sld>
 </file>
 
+<file path=ppt/slides/slide8.xml><?xml version="1.0" encoding="utf-8"?>
+<p:sld xmlns:a="http://schemas.openxmlformats.org/drawingml/2006/main" xmlns:r="http://schemas.openxmlformats.org/officeDocument/2006/relationships" xmlns:p="http://schemas.openxmlformats.org/presentationml/2006/main">
+  <p:cSld>
+    <p:spTree>
+      <p:nvGrpSpPr>
+        <p:cNvPr id="1" name=""/>
+        <p:cNvGrpSpPr/>
+        <p:nvPr/>
+      </p:nvGrpSpPr>
+      <p:grpSpPr>
+        <a:xfrm>
+          <a:off x="0" y="0"/>
+          <a:ext cx="0" cy="0"/>
+          <a:chOff x="0" y="0"/>
+          <a:chExt cx="0" cy="0"/>
+        </a:xfrm>
+      </p:grpSpPr>
+      <p:sp>
+        <p:nvSpPr>
+          <p:cNvPr id="2" name="Titel 1">
+            <a:extLst>
+              <a:ext uri="{FF2B5EF4-FFF2-40B4-BE49-F238E27FC236}">
+                <a16:creationId xmlns:a16="http://schemas.microsoft.com/office/drawing/2014/main" id="{E870BB39-3894-404C-9070-6172E1BBFABA}"/>
+              </a:ext>
+            </a:extLst>
+          </p:cNvPr>
+          <p:cNvSpPr>
+            <a:spLocks noGrp="1"/>
+          </p:cNvSpPr>
+          <p:nvPr>
+            <p:ph type="title"/>
+          </p:nvPr>
+        </p:nvSpPr>
+        <p:spPr>
+          <a:xfrm>
+            <a:off x="2235323" y="363277"/>
+            <a:ext cx="5282100" cy="560243"/>
+          </a:xfrm>
+        </p:spPr>
+        <p:txBody>
+          <a:bodyPr>
+            <a:normAutofit/>
+          </a:bodyPr>
+          <a:lstStyle/>
+          <a:p>
+            <a:r>
+              <a:rPr lang="da-DK" sz="2400" dirty="0"/>
+              <a:t>facadecontroller</a:t>
+            </a:r>
+            <a:endParaRPr lang="da-DK" dirty="0"/>
+          </a:p>
+        </p:txBody>
+      </p:sp>
+      <p:sp>
+        <p:nvSpPr>
+          <p:cNvPr id="3" name="Pladsholder til lodret titel 2">
+            <a:extLst>
+              <a:ext uri="{FF2B5EF4-FFF2-40B4-BE49-F238E27FC236}">
+                <a16:creationId xmlns:a16="http://schemas.microsoft.com/office/drawing/2014/main" id="{A94538EA-8428-40C4-895F-174FF806A46B}"/>
+              </a:ext>
+            </a:extLst>
+          </p:cNvPr>
+          <p:cNvSpPr>
+            <a:spLocks noGrp="1"/>
+          </p:cNvSpPr>
+          <p:nvPr>
+            <p:ph type="body" orient="vert" idx="1"/>
+          </p:nvPr>
+        </p:nvSpPr>
+        <p:spPr/>
+        <p:txBody>
+          <a:bodyPr/>
+          <a:lstStyle/>
+          <a:p>
+            <a:endParaRPr lang="da-DK"/>
+          </a:p>
+        </p:txBody>
+      </p:sp>
+      <p:pic>
+        <p:nvPicPr>
+          <p:cNvPr id="4" name="Billede 3">
+            <a:extLst>
+              <a:ext uri="{FF2B5EF4-FFF2-40B4-BE49-F238E27FC236}">
+                <a16:creationId xmlns:a16="http://schemas.microsoft.com/office/drawing/2014/main" id="{D983BD81-6E15-4CE5-A2EB-EE6E9795C44A}"/>
+              </a:ext>
+            </a:extLst>
+          </p:cNvPr>
+          <p:cNvPicPr>
+            <a:picLocks noChangeAspect="1"/>
+          </p:cNvPicPr>
+          <p:nvPr/>
+        </p:nvPicPr>
+        <p:blipFill>
+          <a:blip r:embed="rId2"/>
+          <a:stretch>
+            <a:fillRect/>
+          </a:stretch>
+        </p:blipFill>
+        <p:spPr>
+          <a:xfrm>
+            <a:off x="1" y="1178761"/>
+            <a:ext cx="12192000" cy="5679240"/>
+          </a:xfrm>
+          <a:prstGeom prst="rect">
+            <a:avLst/>
+          </a:prstGeom>
+        </p:spPr>
+      </p:pic>
+    </p:spTree>
+    <p:extLst>
+      <p:ext uri="{BB962C8B-B14F-4D97-AF65-F5344CB8AC3E}">
+        <p14:creationId xmlns:p14="http://schemas.microsoft.com/office/powerpoint/2010/main" val="2833078342"/>
+      </p:ext>
+    </p:extLst>
+  </p:cSld>
+  <p:clrMapOvr>
+    <a:masterClrMapping/>
+  </p:clrMapOvr>
+</p:sld>
+</file>
+
 <file path=ppt/slides/slide9.xml><?xml version="1.0" encoding="utf-8"?>
 <p:sld xmlns:a="http://schemas.openxmlformats.org/drawingml/2006/main" xmlns:r="http://schemas.openxmlformats.org/officeDocument/2006/relationships" xmlns:p="http://schemas.openxmlformats.org/presentationml/2006/main">
   <p:cSld>
@@ -22315,37 +21871,23 @@
             <p:ph type="title"/>
           </p:nvPr>
         </p:nvSpPr>
-        <p:spPr/>
+        <p:spPr>
+          <a:xfrm>
+            <a:off x="3361592" y="1950430"/>
+            <a:ext cx="5468815" cy="1478570"/>
+          </a:xfrm>
+        </p:spPr>
         <p:txBody>
-          <a:bodyPr/>
+          <a:bodyPr>
+            <a:normAutofit/>
+          </a:bodyPr>
           <a:lstStyle/>
           <a:p>
-            <a:endParaRPr lang="da-DK" dirty="0"/>
-          </a:p>
-        </p:txBody>
-      </p:sp>
-      <p:sp>
-        <p:nvSpPr>
-          <p:cNvPr id="3" name="Pladsholder til lodret titel 2">
-            <a:extLst>
-              <a:ext uri="{FF2B5EF4-FFF2-40B4-BE49-F238E27FC236}">
-                <a16:creationId xmlns:a16="http://schemas.microsoft.com/office/drawing/2014/main" id="{A94538EA-8428-40C4-895F-174FF806A46B}"/>
-              </a:ext>
-            </a:extLst>
-          </p:cNvPr>
-          <p:cNvSpPr>
-            <a:spLocks noGrp="1"/>
-          </p:cNvSpPr>
-          <p:nvPr>
-            <p:ph type="body" orient="vert" idx="1"/>
-          </p:nvPr>
-        </p:nvSpPr>
-        <p:spPr/>
-        <p:txBody>
-          <a:bodyPr/>
-          <a:lstStyle/>
-          <a:p>
-            <a:endParaRPr lang="da-DK"/>
+            <a:pPr algn="ctr"/>
+            <a:r>
+              <a:rPr lang="da-DK" dirty="0"/>
+              <a:t>Tests og kørende kode</a:t>
+            </a:r>
           </a:p>
         </p:txBody>
       </p:sp>
